--- a/Pair trading for Currencies.pptx
+++ b/Pair trading for Currencies.pptx
@@ -5,7 +5,7 @@
     <p:sldMasterId id="2147483659" r:id="rId1"/>
   </p:sldMasterIdLst>
   <p:notesMasterIdLst>
-    <p:notesMasterId r:id="rId29"/>
+    <p:notesMasterId r:id="rId31"/>
   </p:notesMasterIdLst>
   <p:sldIdLst>
     <p:sldId id="256" r:id="rId2"/>
@@ -33,15 +33,17 @@
     <p:sldId id="274" r:id="rId24"/>
     <p:sldId id="265" r:id="rId25"/>
     <p:sldId id="266" r:id="rId26"/>
-    <p:sldId id="285" r:id="rId27"/>
-    <p:sldId id="279" r:id="rId28"/>
+    <p:sldId id="287" r:id="rId27"/>
+    <p:sldId id="288" r:id="rId28"/>
+    <p:sldId id="285" r:id="rId29"/>
+    <p:sldId id="279" r:id="rId30"/>
   </p:sldIdLst>
   <p:sldSz cx="9144000" cy="5143500" type="screen16x9"/>
   <p:notesSz cx="6858000" cy="9144000"/>
   <p:embeddedFontLst>
     <p:embeddedFont>
       <p:font typeface="Cambria Math" panose="02040503050406030204" pitchFamily="18" charset="0"/>
-      <p:regular r:id="rId30"/>
+      <p:regular r:id="rId32"/>
     </p:embeddedFont>
   </p:embeddedFontLst>
   <p:defaultTextStyle>
@@ -1147,6 +1149,72 @@
         </p:txBody>
       </p:sp>
     </p:spTree>
+  </p:cSld>
+  <p:clrMapOvr>
+    <a:masterClrMapping/>
+  </p:clrMapOvr>
+</p:notes>
+</file>
+
+<file path=ppt/notesSlides/notesSlide13.xml><?xml version="1.0" encoding="utf-8"?>
+<p:notes xmlns:a="http://schemas.openxmlformats.org/drawingml/2006/main" xmlns:r="http://schemas.openxmlformats.org/officeDocument/2006/relationships" xmlns:p="http://schemas.openxmlformats.org/presentationml/2006/main">
+  <p:cSld>
+    <p:spTree>
+      <p:nvGrpSpPr>
+        <p:cNvPr id="1" name=""/>
+        <p:cNvGrpSpPr/>
+        <p:nvPr/>
+      </p:nvGrpSpPr>
+      <p:grpSpPr>
+        <a:xfrm>
+          <a:off x="0" y="0"/>
+          <a:ext cx="0" cy="0"/>
+          <a:chOff x="0" y="0"/>
+          <a:chExt cx="0" cy="0"/>
+        </a:xfrm>
+      </p:grpSpPr>
+      <p:sp>
+        <p:nvSpPr>
+          <p:cNvPr id="2" name="投影片圖像版面配置區 1"/>
+          <p:cNvSpPr>
+            <a:spLocks noGrp="1" noRot="1" noChangeAspect="1"/>
+          </p:cNvSpPr>
+          <p:nvPr>
+            <p:ph type="sldImg"/>
+          </p:nvPr>
+        </p:nvSpPr>
+        <p:spPr>
+          <a:xfrm>
+            <a:off x="381000" y="685800"/>
+            <a:ext cx="6096000" cy="3429000"/>
+          </a:xfrm>
+        </p:spPr>
+      </p:sp>
+      <p:sp>
+        <p:nvSpPr>
+          <p:cNvPr id="3" name="備忘稿版面配置區 2"/>
+          <p:cNvSpPr>
+            <a:spLocks noGrp="1"/>
+          </p:cNvSpPr>
+          <p:nvPr>
+            <p:ph type="body" idx="1"/>
+          </p:nvPr>
+        </p:nvSpPr>
+        <p:spPr/>
+        <p:txBody>
+          <a:bodyPr/>
+          <a:lstStyle/>
+          <a:p>
+            <a:endParaRPr lang="zh-TW" altLang="en-US" dirty="0"/>
+          </a:p>
+        </p:txBody>
+      </p:sp>
+    </p:spTree>
+    <p:extLst>
+      <p:ext uri="{BB962C8B-B14F-4D97-AF65-F5344CB8AC3E}">
+        <p14:creationId xmlns:p14="http://schemas.microsoft.com/office/powerpoint/2010/main" val="3502925500"/>
+      </p:ext>
+    </p:extLst>
   </p:cSld>
   <p:clrMapOvr>
     <a:masterClrMapping/>
@@ -7117,8 +7185,8 @@
           </a:p>
         </p:txBody>
       </p:sp>
-      <mc:AlternateContent xmlns:mc="http://schemas.openxmlformats.org/markup-compatibility/2006">
-        <mc:Choice xmlns:a14="http://schemas.microsoft.com/office/drawing/2010/main" Requires="a14">
+      <mc:AlternateContent xmlns:mc="http://schemas.openxmlformats.org/markup-compatibility/2006" xmlns:a14="http://schemas.microsoft.com/office/drawing/2010/main">
+        <mc:Choice Requires="a14">
           <p:sp>
             <p:nvSpPr>
               <p:cNvPr id="3" name="文字版面配置區 2"/>
@@ -7401,7 +7469,6 @@
                   <a:rPr lang="en-US" altLang="zh-TW" dirty="0" smtClean="0"/>
                   <a:t>:</a:t>
                 </a:r>
-                <a:endParaRPr lang="en-US" altLang="zh-TW" dirty="0" smtClean="0"/>
               </a:p>
               <a:p>
                 <a:pPr lvl="2">
@@ -7734,7 +7801,7 @@
             </p:txBody>
           </p:sp>
         </mc:Choice>
-        <mc:Fallback>
+        <mc:Fallback xmlns="">
           <p:sp>
             <p:nvSpPr>
               <p:cNvPr id="3" name="文字版面配置區 2"/>
@@ -7870,8 +7937,8 @@
           <a:chExt cx="0" cy="0"/>
         </a:xfrm>
       </p:grpSpPr>
-      <mc:AlternateContent xmlns:mc="http://schemas.openxmlformats.org/markup-compatibility/2006">
-        <mc:Choice xmlns:a14="http://schemas.microsoft.com/office/drawing/2010/main" Requires="a14">
+      <mc:AlternateContent xmlns:mc="http://schemas.openxmlformats.org/markup-compatibility/2006" xmlns:a14="http://schemas.microsoft.com/office/drawing/2010/main">
+        <mc:Choice Requires="a14">
           <p:sp>
             <p:nvSpPr>
               <p:cNvPr id="2" name="標題 1"/>
@@ -7933,7 +8000,7 @@
             </p:txBody>
           </p:sp>
         </mc:Choice>
-        <mc:Fallback>
+        <mc:Fallback xmlns="">
           <p:sp>
             <p:nvSpPr>
               <p:cNvPr id="2" name="標題 1"/>
@@ -8076,8 +8143,8 @@
                   <a:t> = </a:t>
                 </a:r>
                 <a:r>
-                  <a:rPr lang="en-US" altLang="zh-TW" sz="1600" dirty="0"/>
-                  <a:t>0.72</a:t>
+                  <a:rPr lang="en-US" altLang="zh-TW" sz="1600" dirty="0" smtClean="0"/>
+                  <a:t>0.75</a:t>
                 </a:r>
                 <a:endParaRPr lang="en-US" altLang="zh-TW" sz="1600" dirty="0" smtClean="0"/>
               </a:p>
@@ -9156,8 +9223,8 @@
                   <a:t>ookback window length: </a:t>
                 </a:r>
                 <a:r>
-                  <a:rPr lang="en-US" sz="1600" dirty="0"/>
-                  <a:t>500 </a:t>
+                  <a:rPr lang="en-US" sz="1600" dirty="0" smtClean="0"/>
+                  <a:t>300 </a:t>
                 </a:r>
                 <a:r>
                   <a:rPr lang="en-US" sz="1600" dirty="0" smtClean="0"/>
@@ -9176,7 +9243,6 @@
                   <a:rPr lang="en-US" sz="1600" dirty="0" smtClean="0"/>
                   <a:t>Update rate: 10  days</a:t>
                 </a:r>
-                <a:endParaRPr lang="en-US" sz="1600" dirty="0" smtClean="0"/>
               </a:p>
             </p:txBody>
           </p:sp>
@@ -9314,8 +9380,8 @@
           </a:p>
         </p:txBody>
       </p:sp>
-      <mc:AlternateContent xmlns:mc="http://schemas.openxmlformats.org/markup-compatibility/2006">
-        <mc:Choice xmlns:a14="http://schemas.microsoft.com/office/drawing/2010/main" Requires="a14">
+      <mc:AlternateContent xmlns:mc="http://schemas.openxmlformats.org/markup-compatibility/2006" xmlns:a14="http://schemas.microsoft.com/office/drawing/2010/main">
+        <mc:Choice Requires="a14">
           <p:sp>
             <p:nvSpPr>
               <p:cNvPr id="3" name="文字版面配置區 2"/>
@@ -10143,7 +10209,7 @@
                     <m:sSub>
                       <m:sSubPr>
                         <m:ctrlPr>
-                          <a:rPr lang="en-US" altLang="zh-TW" b="1" smtClean="0">
+                          <a:rPr lang="en-US" altLang="zh-TW" b="1" i="1" smtClean="0">
                             <a:latin typeface="Cambria Math" panose="02040503050406030204" pitchFamily="18" charset="0"/>
                             <a:ea typeface="Cambria Math" panose="02040503050406030204" pitchFamily="18" charset="0"/>
                           </a:rPr>
@@ -10198,7 +10264,7 @@
                     <m:sSub>
                       <m:sSubPr>
                         <m:ctrlPr>
-                          <a:rPr lang="en-US" altLang="zh-TW" b="1">
+                          <a:rPr lang="en-US" altLang="zh-TW" b="1" i="1">
                             <a:latin typeface="Cambria Math" panose="02040503050406030204" pitchFamily="18" charset="0"/>
                             <a:ea typeface="Cambria Math" panose="02040503050406030204" pitchFamily="18" charset="0"/>
                           </a:rPr>
@@ -10235,7 +10301,7 @@
                         <m:begChr m:val="["/>
                         <m:endChr m:val="]"/>
                         <m:ctrlPr>
-                          <a:rPr lang="en-US" altLang="zh-TW" b="1" smtClean="0">
+                          <a:rPr lang="en-US" altLang="zh-TW" b="1" i="1" smtClean="0">
                             <a:latin typeface="Cambria Math" panose="02040503050406030204" pitchFamily="18" charset="0"/>
                             <a:ea typeface="Cambria Math" panose="02040503050406030204" pitchFamily="18" charset="0"/>
                           </a:rPr>
@@ -10253,7 +10319,7 @@
                               </m:mc>
                             </m:mcs>
                             <m:ctrlPr>
-                              <a:rPr lang="en-US" altLang="zh-TW" b="1" smtClean="0">
+                              <a:rPr lang="en-US" altLang="zh-TW" b="1" i="1" smtClean="0">
                                 <a:latin typeface="Cambria Math" panose="02040503050406030204" pitchFamily="18" charset="0"/>
                                 <a:ea typeface="Cambria Math" panose="02040503050406030204" pitchFamily="18" charset="0"/>
                               </a:rPr>
@@ -10264,7 +10330,7 @@
                               <m:sSubSup>
                                 <m:sSubSupPr>
                                   <m:ctrlPr>
-                                    <a:rPr lang="en-US" altLang="zh-TW" b="1" smtClean="0">
+                                    <a:rPr lang="en-US" altLang="zh-TW" b="1" i="1" smtClean="0">
                                       <a:latin typeface="Cambria Math" panose="02040503050406030204" pitchFamily="18" charset="0"/>
                                       <a:ea typeface="Cambria Math" panose="02040503050406030204" pitchFamily="18" charset="0"/>
                                     </a:rPr>
@@ -10323,7 +10389,7 @@
                               <m:sSubSup>
                                 <m:sSubSupPr>
                                   <m:ctrlPr>
-                                    <a:rPr lang="en-US" altLang="zh-TW" b="1">
+                                    <a:rPr lang="en-US" altLang="zh-TW" b="1" i="1">
                                       <a:latin typeface="Cambria Math" panose="02040503050406030204" pitchFamily="18" charset="0"/>
                                       <a:ea typeface="Cambria Math" panose="02040503050406030204" pitchFamily="18" charset="0"/>
                                     </a:rPr>
@@ -10553,7 +10619,14 @@
                         <a:latin typeface="Cambria Math" panose="02040503050406030204" pitchFamily="18" charset="0"/>
                         <a:ea typeface="Cambria Math" panose="02040503050406030204" pitchFamily="18" charset="0"/>
                       </a:rPr>
-                      <m:t>(0</m:t>
+                      <m:t>(</m:t>
+                    </m:r>
+                    <m:r>
+                      <a:rPr lang="en-US" altLang="zh-TW" b="0" i="1">
+                        <a:latin typeface="Cambria Math" panose="02040503050406030204" pitchFamily="18" charset="0"/>
+                        <a:ea typeface="Cambria Math" panose="02040503050406030204" pitchFamily="18" charset="0"/>
+                      </a:rPr>
+                      <m:t>0</m:t>
                     </m:r>
                     <m:r>
                       <a:rPr lang="en-US" altLang="zh-TW" b="0">
@@ -10614,7 +10687,6 @@
                   <a:rPr lang="en-US" altLang="zh-TW" dirty="0"/>
                   <a:t> is the i.i.d. observation noise</a:t>
                 </a:r>
-                <a:endParaRPr lang="en-US" altLang="zh-TW" dirty="0"/>
               </a:p>
               <a:p>
                 <a:endParaRPr lang="zh-TW" altLang="en-US" dirty="0"/>
@@ -10622,7 +10694,7 @@
             </p:txBody>
           </p:sp>
         </mc:Choice>
-        <mc:Fallback>
+        <mc:Fallback xmlns="">
           <p:sp>
             <p:nvSpPr>
               <p:cNvPr id="3" name="文字版面配置區 2"/>
@@ -10717,8 +10789,8 @@
           </a:p>
         </p:txBody>
       </p:sp>
-      <mc:AlternateContent xmlns:mc="http://schemas.openxmlformats.org/markup-compatibility/2006">
-        <mc:Choice xmlns:a14="http://schemas.microsoft.com/office/drawing/2010/main" Requires="a14">
+      <mc:AlternateContent xmlns:mc="http://schemas.openxmlformats.org/markup-compatibility/2006" xmlns:a14="http://schemas.microsoft.com/office/drawing/2010/main">
+        <mc:Choice Requires="a14">
           <p:sp>
             <p:nvSpPr>
               <p:cNvPr id="3" name="文字版面配置區 2"/>
@@ -11061,7 +11133,7 @@
             </p:txBody>
           </p:sp>
         </mc:Choice>
-        <mc:Fallback>
+        <mc:Fallback xmlns="">
           <p:sp>
             <p:nvSpPr>
               <p:cNvPr id="3" name="文字版面配置區 2"/>
@@ -11246,8 +11318,8 @@
         </p:blipFill>
         <p:spPr>
           <a:xfrm>
-            <a:off x="1768702" y="1152475"/>
-            <a:ext cx="5606595" cy="3635126"/>
+            <a:off x="1768702" y="1221062"/>
+            <a:ext cx="5606595" cy="3497950"/>
           </a:xfrm>
           <a:prstGeom prst="rect">
             <a:avLst/>
@@ -11348,8 +11420,8 @@
         </p:blipFill>
         <p:spPr>
           <a:xfrm>
-            <a:off x="1769207" y="1152475"/>
-            <a:ext cx="5605586" cy="3634471"/>
+            <a:off x="1769207" y="1221050"/>
+            <a:ext cx="5605586" cy="3497321"/>
           </a:xfrm>
           <a:prstGeom prst="rect">
             <a:avLst/>
@@ -11524,13 +11596,13 @@
       </p:sp>
       <p:pic>
         <p:nvPicPr>
-          <p:cNvPr id="2" name="圖片 1"/>
+          <p:cNvPr id="3" name="圖片 2"/>
           <p:cNvPicPr>
             <a:picLocks noChangeAspect="1"/>
           </p:cNvPicPr>
           <p:nvPr/>
         </p:nvPicPr>
-        <p:blipFill rotWithShape="1">
+        <p:blipFill>
           <a:blip r:embed="rId3">
             <a:extLst>
               <a:ext uri="{28A0092B-C50C-407E-A947-70E740481C1C}">
@@ -11538,13 +11610,14 @@
               </a:ext>
             </a:extLst>
           </a:blip>
-          <a:srcRect b="48329"/>
-          <a:stretch/>
+          <a:stretch>
+            <a:fillRect/>
+          </a:stretch>
         </p:blipFill>
         <p:spPr>
           <a:xfrm>
-            <a:off x="311700" y="1368083"/>
-            <a:ext cx="8485114" cy="2842673"/>
+            <a:off x="1334158" y="1017725"/>
+            <a:ext cx="6475683" cy="4040174"/>
           </a:xfrm>
           <a:prstGeom prst="rect">
             <a:avLst/>
@@ -11675,8 +11748,8 @@
         </p:blipFill>
         <p:spPr>
           <a:xfrm>
-            <a:off x="1911259" y="1152475"/>
-            <a:ext cx="5321480" cy="3450267"/>
+            <a:off x="1911259" y="1217575"/>
+            <a:ext cx="5321480" cy="3320067"/>
           </a:xfrm>
           <a:prstGeom prst="rect">
             <a:avLst/>
@@ -11798,8 +11871,8 @@
         </p:blipFill>
         <p:spPr>
           <a:xfrm>
-            <a:off x="1911260" y="1152475"/>
-            <a:ext cx="5321480" cy="3450267"/>
+            <a:off x="1911260" y="1217575"/>
+            <a:ext cx="5321480" cy="3320067"/>
           </a:xfrm>
           <a:prstGeom prst="rect">
             <a:avLst/>
@@ -11934,8 +12007,8 @@
         </p:blipFill>
         <p:spPr>
           <a:xfrm>
-            <a:off x="1911260" y="1152475"/>
-            <a:ext cx="5321480" cy="3450266"/>
+            <a:off x="1911260" y="1217574"/>
+            <a:ext cx="5321480" cy="3320067"/>
           </a:xfrm>
           <a:prstGeom prst="rect">
             <a:avLst/>
@@ -12029,14 +12102,14 @@
           <p:nvPr>
             <p:extLst>
               <p:ext uri="{D42A27DB-BD31-4B8C-83A1-F6EECF244321}">
-                <p14:modId xmlns:p14="http://schemas.microsoft.com/office/powerpoint/2010/main" val="70408392"/>
+                <p14:modId xmlns:p14="http://schemas.microsoft.com/office/powerpoint/2010/main" val="2965469991"/>
               </p:ext>
             </p:extLst>
           </p:nvPr>
         </p:nvGraphicFramePr>
         <p:xfrm>
-          <a:off x="1039090" y="1445267"/>
-          <a:ext cx="7065820" cy="2773470"/>
+          <a:off x="580000" y="1415039"/>
+          <a:ext cx="7983999" cy="2682200"/>
         </p:xfrm>
         <a:graphic>
           <a:graphicData uri="http://schemas.openxmlformats.org/drawingml/2006/table">
@@ -12045,28 +12118,28 @@
                 <a:tableStyleId>{9D7B26C5-4107-4FEC-AEDC-1716B250A1EF}</a:tableStyleId>
               </a:tblPr>
               <a:tblGrid>
-                <a:gridCol w="2099221">
+                <a:gridCol w="2705416">
                   <a:extLst>
                     <a:ext uri="{9D8B030D-6E8A-4147-A177-3AD203B41FA5}">
                       <a16:colId xmlns:a16="http://schemas.microsoft.com/office/drawing/2014/main" val="20000"/>
                     </a:ext>
                   </a:extLst>
                 </a:gridCol>
-                <a:gridCol w="1592323">
+                <a:gridCol w="1465831">
                   <a:extLst>
                     <a:ext uri="{9D8B030D-6E8A-4147-A177-3AD203B41FA5}">
                       <a16:colId xmlns:a16="http://schemas.microsoft.com/office/drawing/2014/main" val="20001"/>
                     </a:ext>
                   </a:extLst>
                 </a:gridCol>
-                <a:gridCol w="1692948">
+                <a:gridCol w="1912941">
                   <a:extLst>
                     <a:ext uri="{9D8B030D-6E8A-4147-A177-3AD203B41FA5}">
                       <a16:colId xmlns:a16="http://schemas.microsoft.com/office/drawing/2014/main" val="20002"/>
                     </a:ext>
                   </a:extLst>
                 </a:gridCol>
-                <a:gridCol w="1681328">
+                <a:gridCol w="1899811">
                   <a:extLst>
                     <a:ext uri="{9D8B030D-6E8A-4147-A177-3AD203B41FA5}">
                       <a16:colId xmlns:a16="http://schemas.microsoft.com/office/drawing/2014/main" val="20003"/>
@@ -12080,29 +12153,19 @@
                     <a:bodyPr/>
                     <a:lstStyle/>
                     <a:p>
-                      <a:pPr marL="0" lvl="0" indent="0" algn="l" rtl="0">
-                        <a:spcBef>
-                          <a:spcPts val="0"/>
-                        </a:spcBef>
-                        <a:spcAft>
-                          <a:spcPts val="0"/>
-                        </a:spcAft>
-                        <a:buNone/>
-                      </a:pPr>
-                      <a:r>
-                        <a:rPr lang="zh-TW">
-                          <a:latin typeface="Times New Roman" panose="02020603050405020304" pitchFamily="18" charset="0"/>
-                          <a:cs typeface="Times New Roman" panose="02020603050405020304" pitchFamily="18" charset="0"/>
-                        </a:rPr>
-                        <a:t>Metrics</a:t>
-                      </a:r>
-                      <a:endParaRPr>
+                      <a:pPr algn="l" fontAlgn="ctr"/>
+                      <a:endParaRPr lang="zh-TW" altLang="en-US" sz="1400" b="0" i="0" u="none" strike="noStrike" dirty="0">
+                        <a:solidFill>
+                          <a:srgbClr val="000000"/>
+                        </a:solidFill>
+                        <a:effectLst/>
                         <a:latin typeface="Times New Roman" panose="02020603050405020304" pitchFamily="18" charset="0"/>
+                        <a:ea typeface="新細明體" panose="02020500000000000000" pitchFamily="18" charset="-120"/>
                         <a:cs typeface="Times New Roman" panose="02020603050405020304" pitchFamily="18" charset="0"/>
                       </a:endParaRPr>
                     </a:p>
                   </a:txBody>
-                  <a:tcPr marL="91425" marR="91425" marT="91425" marB="91425">
+                  <a:tcPr marL="9525" marR="9525" marT="9525" marB="0" anchor="ctr">
                     <a:lnB w="12700" cap="flat" cmpd="sng" algn="ctr">
                       <a:solidFill>
                         <a:schemeClr val="tx1"/>
@@ -12119,29 +12182,22 @@
                     <a:bodyPr/>
                     <a:lstStyle/>
                     <a:p>
-                      <a:pPr marL="0" lvl="0" indent="0" algn="ctr" rtl="0">
-                        <a:spcBef>
-                          <a:spcPts val="0"/>
-                        </a:spcBef>
-                        <a:spcAft>
-                          <a:spcPts val="0"/>
-                        </a:spcAft>
-                        <a:buNone/>
-                      </a:pPr>
+                      <a:pPr algn="ctr" fontAlgn="ctr"/>
                       <a:r>
-                        <a:rPr lang="zh-TW" dirty="0">
+                        <a:rPr lang="en-US" sz="1400" b="0" i="0" u="none" strike="noStrike" dirty="0">
+                          <a:solidFill>
+                            <a:srgbClr val="000000"/>
+                          </a:solidFill>
+                          <a:effectLst/>
                           <a:latin typeface="Times New Roman" panose="02020603050405020304" pitchFamily="18" charset="0"/>
+                          <a:ea typeface="新細明體" panose="02020500000000000000" pitchFamily="18" charset="-120"/>
                           <a:cs typeface="Times New Roman" panose="02020603050405020304" pitchFamily="18" charset="0"/>
                         </a:rPr>
-                        <a:t>LS regression</a:t>
+                        <a:t>LS</a:t>
                       </a:r>
-                      <a:endParaRPr dirty="0">
-                        <a:latin typeface="Times New Roman" panose="02020603050405020304" pitchFamily="18" charset="0"/>
-                        <a:cs typeface="Times New Roman" panose="02020603050405020304" pitchFamily="18" charset="0"/>
-                      </a:endParaRPr>
                     </a:p>
                   </a:txBody>
-                  <a:tcPr marL="91425" marR="91425" marT="91425" marB="91425">
+                  <a:tcPr marL="9525" marR="9525" marT="9525" marB="0" anchor="ctr">
                     <a:lnB w="12700" cap="flat" cmpd="sng" algn="ctr">
                       <a:solidFill>
                         <a:schemeClr val="tx1"/>
@@ -12158,29 +12214,22 @@
                     <a:bodyPr/>
                     <a:lstStyle/>
                     <a:p>
-                      <a:pPr marL="0" lvl="0" indent="0" algn="ctr" rtl="0">
-                        <a:spcBef>
-                          <a:spcPts val="0"/>
-                        </a:spcBef>
-                        <a:spcAft>
-                          <a:spcPts val="0"/>
-                        </a:spcAft>
-                        <a:buNone/>
-                      </a:pPr>
+                      <a:pPr algn="ctr" fontAlgn="ctr"/>
                       <a:r>
-                        <a:rPr lang="zh-TW" dirty="0">
+                        <a:rPr lang="en-US" sz="1400" b="0" i="0" u="none" strike="noStrike" dirty="0">
+                          <a:solidFill>
+                            <a:srgbClr val="000000"/>
+                          </a:solidFill>
+                          <a:effectLst/>
                           <a:latin typeface="Times New Roman" panose="02020603050405020304" pitchFamily="18" charset="0"/>
+                          <a:ea typeface="新細明體" panose="02020500000000000000" pitchFamily="18" charset="-120"/>
                           <a:cs typeface="Times New Roman" panose="02020603050405020304" pitchFamily="18" charset="0"/>
                         </a:rPr>
-                        <a:t>rolling LS regression</a:t>
+                        <a:t>rolling-LS</a:t>
                       </a:r>
-                      <a:endParaRPr dirty="0">
-                        <a:latin typeface="Times New Roman" panose="02020603050405020304" pitchFamily="18" charset="0"/>
-                        <a:cs typeface="Times New Roman" panose="02020603050405020304" pitchFamily="18" charset="0"/>
-                      </a:endParaRPr>
                     </a:p>
                   </a:txBody>
-                  <a:tcPr marL="91425" marR="91425" marT="91425" marB="91425">
+                  <a:tcPr marL="9525" marR="9525" marT="9525" marB="0" anchor="ctr">
                     <a:lnB w="12700" cap="flat" cmpd="sng" algn="ctr">
                       <a:solidFill>
                         <a:schemeClr val="tx1"/>
@@ -12197,29 +12246,31 @@
                     <a:bodyPr/>
                     <a:lstStyle/>
                     <a:p>
-                      <a:pPr marL="0" lvl="0" indent="0" algn="ctr" rtl="0">
-                        <a:spcBef>
-                          <a:spcPts val="0"/>
-                        </a:spcBef>
-                        <a:spcAft>
-                          <a:spcPts val="0"/>
-                        </a:spcAft>
-                        <a:buNone/>
-                      </a:pPr>
+                      <a:pPr algn="ctr" fontAlgn="ctr"/>
                       <a:r>
-                        <a:rPr lang="zh-TW" dirty="0">
+                        <a:rPr lang="en-US" sz="1400" b="0" i="0" u="none" strike="noStrike" dirty="0" err="1">
+                          <a:solidFill>
+                            <a:srgbClr val="000000"/>
+                          </a:solidFill>
+                          <a:effectLst/>
                           <a:latin typeface="Times New Roman" panose="02020603050405020304" pitchFamily="18" charset="0"/>
+                          <a:ea typeface="新細明體" panose="02020500000000000000" pitchFamily="18" charset="-120"/>
                           <a:cs typeface="Times New Roman" panose="02020603050405020304" pitchFamily="18" charset="0"/>
                         </a:rPr>
-                        <a:t>Kalman filter</a:t>
+                        <a:t>Kalman</a:t>
                       </a:r>
-                      <a:endParaRPr dirty="0">
+                      <a:endParaRPr lang="en-US" sz="1400" b="0" i="0" u="none" strike="noStrike" dirty="0">
+                        <a:solidFill>
+                          <a:srgbClr val="000000"/>
+                        </a:solidFill>
+                        <a:effectLst/>
                         <a:latin typeface="Times New Roman" panose="02020603050405020304" pitchFamily="18" charset="0"/>
+                        <a:ea typeface="新細明體" panose="02020500000000000000" pitchFamily="18" charset="-120"/>
                         <a:cs typeface="Times New Roman" panose="02020603050405020304" pitchFamily="18" charset="0"/>
                       </a:endParaRPr>
                     </a:p>
                   </a:txBody>
-                  <a:tcPr marL="91425" marR="91425" marT="91425" marB="91425">
+                  <a:tcPr marL="9525" marR="9525" marT="9525" marB="0" anchor="ctr">
                     <a:lnB w="12700" cap="flat" cmpd="sng" algn="ctr">
                       <a:solidFill>
                         <a:schemeClr val="tx1"/>
@@ -12243,29 +12294,31 @@
                     <a:bodyPr/>
                     <a:lstStyle/>
                     <a:p>
-                      <a:pPr marL="0" lvl="0" indent="0" algn="l" rtl="0">
-                        <a:spcBef>
-                          <a:spcPts val="0"/>
-                        </a:spcBef>
-                        <a:spcAft>
-                          <a:spcPts val="0"/>
-                        </a:spcAft>
-                        <a:buNone/>
-                      </a:pPr>
+                      <a:pPr algn="l" fontAlgn="ctr"/>
                       <a:r>
-                        <a:rPr lang="zh-TW" dirty="0">
+                        <a:rPr lang="en-US" sz="1400" b="0" i="0" u="none" strike="noStrike" dirty="0" smtClean="0">
+                          <a:solidFill>
+                            <a:srgbClr val="000000"/>
+                          </a:solidFill>
+                          <a:effectLst/>
                           <a:latin typeface="Times New Roman" panose="02020603050405020304" pitchFamily="18" charset="0"/>
+                          <a:ea typeface="新細明體" panose="02020500000000000000" pitchFamily="18" charset="-120"/>
                           <a:cs typeface="Times New Roman" panose="02020603050405020304" pitchFamily="18" charset="0"/>
                         </a:rPr>
-                        <a:t>delivered daily volatility </a:t>
+                        <a:t>Volatility</a:t>
                       </a:r>
-                      <a:endParaRPr dirty="0">
+                      <a:endParaRPr lang="en-US" sz="1400" b="0" i="0" u="none" strike="noStrike" dirty="0">
+                        <a:solidFill>
+                          <a:srgbClr val="000000"/>
+                        </a:solidFill>
+                        <a:effectLst/>
                         <a:latin typeface="Times New Roman" panose="02020603050405020304" pitchFamily="18" charset="0"/>
+                        <a:ea typeface="新細明體" panose="02020500000000000000" pitchFamily="18" charset="-120"/>
                         <a:cs typeface="Times New Roman" panose="02020603050405020304" pitchFamily="18" charset="0"/>
                       </a:endParaRPr>
                     </a:p>
                   </a:txBody>
-                  <a:tcPr marL="91425" marR="91425" marT="91425" marB="91425">
+                  <a:tcPr marL="9525" marR="9525" marT="9525" marB="0" anchor="ctr">
                     <a:lnT w="12700" cap="flat" cmpd="sng" algn="ctr">
                       <a:solidFill>
                         <a:schemeClr val="tx1"/>
@@ -12282,29 +12335,22 @@
                     <a:bodyPr/>
                     <a:lstStyle/>
                     <a:p>
-                      <a:pPr marL="0" lvl="0" indent="0" algn="ctr" rtl="0">
-                        <a:spcBef>
-                          <a:spcPts val="0"/>
-                        </a:spcBef>
-                        <a:spcAft>
-                          <a:spcPts val="0"/>
-                        </a:spcAft>
-                        <a:buNone/>
-                      </a:pPr>
+                      <a:pPr algn="ctr" fontAlgn="ctr"/>
                       <a:r>
-                        <a:rPr lang="en-US" altLang="zh-TW" dirty="0" smtClean="0">
+                        <a:rPr lang="en-US" altLang="zh-TW" sz="1400" b="0" i="0" u="none" strike="noStrike" dirty="0">
+                          <a:solidFill>
+                            <a:srgbClr val="000000"/>
+                          </a:solidFill>
+                          <a:effectLst/>
                           <a:latin typeface="Times New Roman" panose="02020603050405020304" pitchFamily="18" charset="0"/>
+                          <a:ea typeface="新細明體" panose="02020500000000000000" pitchFamily="18" charset="-120"/>
                           <a:cs typeface="Times New Roman" panose="02020603050405020304" pitchFamily="18" charset="0"/>
                         </a:rPr>
-                        <a:t>0.001026</a:t>
+                        <a:t>0.000961</a:t>
                       </a:r>
-                      <a:endParaRPr dirty="0">
-                        <a:latin typeface="Times New Roman" panose="02020603050405020304" pitchFamily="18" charset="0"/>
-                        <a:cs typeface="Times New Roman" panose="02020603050405020304" pitchFamily="18" charset="0"/>
-                      </a:endParaRPr>
                     </a:p>
                   </a:txBody>
-                  <a:tcPr marL="91425" marR="91425" marT="91425" marB="91425">
+                  <a:tcPr marL="9525" marR="9525" marT="9525" marB="0" anchor="ctr">
                     <a:lnT w="12700" cap="flat" cmpd="sng" algn="ctr">
                       <a:solidFill>
                         <a:schemeClr val="tx1"/>
@@ -12321,29 +12367,22 @@
                     <a:bodyPr/>
                     <a:lstStyle/>
                     <a:p>
-                      <a:pPr marL="0" lvl="0" indent="0" algn="ctr" rtl="0">
-                        <a:spcBef>
-                          <a:spcPts val="0"/>
-                        </a:spcBef>
-                        <a:spcAft>
-                          <a:spcPts val="0"/>
-                        </a:spcAft>
-                        <a:buNone/>
-                      </a:pPr>
+                      <a:pPr algn="ctr" fontAlgn="ctr"/>
                       <a:r>
-                        <a:rPr lang="en-US" altLang="zh-TW" dirty="0" smtClean="0">
+                        <a:rPr lang="en-US" altLang="zh-TW" sz="1400" b="0" i="0" u="none" strike="noStrike" dirty="0">
+                          <a:solidFill>
+                            <a:srgbClr val="000000"/>
+                          </a:solidFill>
+                          <a:effectLst/>
                           <a:latin typeface="Times New Roman" panose="02020603050405020304" pitchFamily="18" charset="0"/>
+                          <a:ea typeface="新細明體" panose="02020500000000000000" pitchFamily="18" charset="-120"/>
                           <a:cs typeface="Times New Roman" panose="02020603050405020304" pitchFamily="18" charset="0"/>
                         </a:rPr>
-                        <a:t>0.001054</a:t>
+                        <a:t>0.000982</a:t>
                       </a:r>
-                      <a:endParaRPr dirty="0">
-                        <a:latin typeface="Times New Roman" panose="02020603050405020304" pitchFamily="18" charset="0"/>
-                        <a:cs typeface="Times New Roman" panose="02020603050405020304" pitchFamily="18" charset="0"/>
-                      </a:endParaRPr>
                     </a:p>
                   </a:txBody>
-                  <a:tcPr marL="91425" marR="91425" marT="91425" marB="91425">
+                  <a:tcPr marL="9525" marR="9525" marT="9525" marB="0" anchor="ctr">
                     <a:lnT w="12700" cap="flat" cmpd="sng" algn="ctr">
                       <a:solidFill>
                         <a:schemeClr val="tx1"/>
@@ -12360,29 +12399,22 @@
                     <a:bodyPr/>
                     <a:lstStyle/>
                     <a:p>
-                      <a:pPr marL="0" lvl="0" indent="0" algn="ctr" rtl="0">
-                        <a:spcBef>
-                          <a:spcPts val="0"/>
-                        </a:spcBef>
-                        <a:spcAft>
-                          <a:spcPts val="0"/>
-                        </a:spcAft>
-                        <a:buNone/>
-                      </a:pPr>
+                      <a:pPr algn="ctr" fontAlgn="ctr"/>
                       <a:r>
-                        <a:rPr lang="en-US" altLang="zh-TW" b="1" dirty="0" smtClean="0">
+                        <a:rPr lang="en-US" altLang="zh-TW" sz="1400" b="1" i="0" u="none" strike="noStrike" dirty="0">
+                          <a:solidFill>
+                            <a:srgbClr val="000000"/>
+                          </a:solidFill>
+                          <a:effectLst/>
                           <a:latin typeface="Times New Roman" panose="02020603050405020304" pitchFamily="18" charset="0"/>
+                          <a:ea typeface="新細明體" panose="02020500000000000000" pitchFamily="18" charset="-120"/>
                           <a:cs typeface="Times New Roman" panose="02020603050405020304" pitchFamily="18" charset="0"/>
                         </a:rPr>
-                        <a:t>0.000979</a:t>
+                        <a:t>0.000704</a:t>
                       </a:r>
-                      <a:endParaRPr b="1" dirty="0">
-                        <a:latin typeface="Times New Roman" panose="02020603050405020304" pitchFamily="18" charset="0"/>
-                        <a:cs typeface="Times New Roman" panose="02020603050405020304" pitchFamily="18" charset="0"/>
-                      </a:endParaRPr>
                     </a:p>
                   </a:txBody>
-                  <a:tcPr marL="91425" marR="91425" marT="91425" marB="91425">
+                  <a:tcPr marL="9525" marR="9525" marT="9525" marB="0" anchor="ctr">
                     <a:lnT w="12700" cap="flat" cmpd="sng" algn="ctr">
                       <a:solidFill>
                         <a:schemeClr val="tx1"/>
@@ -12406,123 +12438,145 @@
                     <a:bodyPr/>
                     <a:lstStyle/>
                     <a:p>
-                      <a:pPr marL="0" lvl="0" indent="0" algn="l" rtl="0">
-                        <a:spcBef>
-                          <a:spcPts val="0"/>
-                        </a:spcBef>
-                        <a:spcAft>
-                          <a:spcPts val="0"/>
-                        </a:spcAft>
-                        <a:buNone/>
-                      </a:pPr>
+                      <a:pPr algn="l" fontAlgn="ctr"/>
                       <a:r>
-                        <a:rPr lang="zh-TW" dirty="0">
+                        <a:rPr lang="en-US" sz="1400" b="0" i="0" u="none" strike="noStrike" dirty="0" err="1">
+                          <a:solidFill>
+                            <a:srgbClr val="000000"/>
+                          </a:solidFill>
+                          <a:effectLst/>
                           <a:latin typeface="Times New Roman" panose="02020603050405020304" pitchFamily="18" charset="0"/>
+                          <a:ea typeface="新細明體" panose="02020500000000000000" pitchFamily="18" charset="-120"/>
                           <a:cs typeface="Times New Roman" panose="02020603050405020304" pitchFamily="18" charset="0"/>
                         </a:rPr>
-                        <a:t>Sharpe (StdDev</a:t>
+                        <a:t>StdDev</a:t>
                       </a:r>
                       <a:r>
-                        <a:rPr lang="zh-TW" dirty="0" smtClean="0">
+                        <a:rPr lang="en-US" sz="1400" b="0" i="0" u="none" strike="noStrike" dirty="0">
+                          <a:solidFill>
+                            <a:srgbClr val="000000"/>
+                          </a:solidFill>
+                          <a:effectLst/>
                           <a:latin typeface="Times New Roman" panose="02020603050405020304" pitchFamily="18" charset="0"/>
+                          <a:ea typeface="新細明體" panose="02020500000000000000" pitchFamily="18" charset="-120"/>
                           <a:cs typeface="Times New Roman" panose="02020603050405020304" pitchFamily="18" charset="0"/>
                         </a:rPr>
-                        <a:t>)</a:t>
+                        <a:t> Sharpe (</a:t>
                       </a:r>
-                      <a:endParaRPr dirty="0">
+                      <a:r>
+                        <a:rPr lang="en-US" sz="1400" b="0" i="0" u="none" strike="noStrike" dirty="0" err="1">
+                          <a:solidFill>
+                            <a:srgbClr val="000000"/>
+                          </a:solidFill>
+                          <a:effectLst/>
+                          <a:latin typeface="Times New Roman" panose="02020603050405020304" pitchFamily="18" charset="0"/>
+                          <a:ea typeface="新細明體" panose="02020500000000000000" pitchFamily="18" charset="-120"/>
+                          <a:cs typeface="Times New Roman" panose="02020603050405020304" pitchFamily="18" charset="0"/>
+                        </a:rPr>
+                        <a:t>Rf</a:t>
+                      </a:r>
+                      <a:r>
+                        <a:rPr lang="en-US" sz="1400" b="0" i="0" u="none" strike="noStrike" dirty="0">
+                          <a:solidFill>
+                            <a:srgbClr val="000000"/>
+                          </a:solidFill>
+                          <a:effectLst/>
+                          <a:latin typeface="Times New Roman" panose="02020603050405020304" pitchFamily="18" charset="0"/>
+                          <a:ea typeface="新細明體" panose="02020500000000000000" pitchFamily="18" charset="-120"/>
+                          <a:cs typeface="Times New Roman" panose="02020603050405020304" pitchFamily="18" charset="0"/>
+                        </a:rPr>
+                        <a:t>=0%, p=95</a:t>
+                      </a:r>
+                      <a:r>
+                        <a:rPr lang="en-US" sz="1400" b="0" i="0" u="none" strike="noStrike" dirty="0" smtClean="0">
+                          <a:solidFill>
+                            <a:srgbClr val="000000"/>
+                          </a:solidFill>
+                          <a:effectLst/>
+                          <a:latin typeface="Times New Roman" panose="02020603050405020304" pitchFamily="18" charset="0"/>
+                          <a:ea typeface="新細明體" panose="02020500000000000000" pitchFamily="18" charset="-120"/>
+                          <a:cs typeface="Times New Roman" panose="02020603050405020304" pitchFamily="18" charset="0"/>
+                        </a:rPr>
+                        <a:t>%)</a:t>
+                      </a:r>
+                      <a:endParaRPr lang="en-US" sz="1400" b="0" i="0" u="none" strike="noStrike" dirty="0">
+                        <a:solidFill>
+                          <a:srgbClr val="000000"/>
+                        </a:solidFill>
+                        <a:effectLst/>
                         <a:latin typeface="Times New Roman" panose="02020603050405020304" pitchFamily="18" charset="0"/>
+                        <a:ea typeface="新細明體" panose="02020500000000000000" pitchFamily="18" charset="-120"/>
                         <a:cs typeface="Times New Roman" panose="02020603050405020304" pitchFamily="18" charset="0"/>
                       </a:endParaRPr>
                     </a:p>
                   </a:txBody>
-                  <a:tcPr marL="91425" marR="91425" marT="91425" marB="91425"/>
+                  <a:tcPr marL="9525" marR="9525" marT="9525" marB="0" anchor="ctr"/>
                 </a:tc>
                 <a:tc>
                   <a:txBody>
                     <a:bodyPr/>
                     <a:lstStyle/>
                     <a:p>
-                      <a:pPr marL="0" lvl="0" indent="0" algn="ctr" rtl="0">
-                        <a:spcBef>
-                          <a:spcPts val="0"/>
-                        </a:spcBef>
-                        <a:spcAft>
-                          <a:spcPts val="0"/>
-                        </a:spcAft>
-                        <a:buNone/>
-                      </a:pPr>
+                      <a:pPr algn="ctr" fontAlgn="ctr"/>
                       <a:r>
-                        <a:rPr lang="en-US" altLang="zh-TW" dirty="0" smtClean="0">
+                        <a:rPr lang="en-US" altLang="zh-TW" sz="1400" b="1" i="0" u="none" strike="noStrike" dirty="0">
+                          <a:solidFill>
+                            <a:srgbClr val="000000"/>
+                          </a:solidFill>
+                          <a:effectLst/>
                           <a:latin typeface="Times New Roman" panose="02020603050405020304" pitchFamily="18" charset="0"/>
+                          <a:ea typeface="新細明體" panose="02020500000000000000" pitchFamily="18" charset="-120"/>
                           <a:cs typeface="Times New Roman" panose="02020603050405020304" pitchFamily="18" charset="0"/>
                         </a:rPr>
-                        <a:t>0.025906</a:t>
+                        <a:t>0.05048</a:t>
                       </a:r>
-                      <a:endParaRPr dirty="0">
-                        <a:latin typeface="Times New Roman" panose="02020603050405020304" pitchFamily="18" charset="0"/>
-                        <a:cs typeface="Times New Roman" panose="02020603050405020304" pitchFamily="18" charset="0"/>
-                      </a:endParaRPr>
                     </a:p>
                   </a:txBody>
-                  <a:tcPr marL="91425" marR="91425" marT="91425" marB="91425"/>
+                  <a:tcPr marL="9525" marR="9525" marT="9525" marB="0" anchor="ctr"/>
                 </a:tc>
                 <a:tc>
                   <a:txBody>
                     <a:bodyPr/>
                     <a:lstStyle/>
                     <a:p>
-                      <a:pPr marL="0" lvl="0" indent="0" algn="ctr" rtl="0">
-                        <a:spcBef>
-                          <a:spcPts val="0"/>
-                        </a:spcBef>
-                        <a:spcAft>
-                          <a:spcPts val="0"/>
-                        </a:spcAft>
-                        <a:buNone/>
-                      </a:pPr>
+                      <a:pPr algn="ctr" fontAlgn="ctr"/>
                       <a:r>
-                        <a:rPr lang="en-US" altLang="zh-TW" b="1" dirty="0" smtClean="0">
+                        <a:rPr lang="en-US" altLang="zh-TW" sz="1400" b="0" i="0" u="none" strike="noStrike" dirty="0">
+                          <a:solidFill>
+                            <a:srgbClr val="000000"/>
+                          </a:solidFill>
+                          <a:effectLst/>
                           <a:latin typeface="Times New Roman" panose="02020603050405020304" pitchFamily="18" charset="0"/>
+                          <a:ea typeface="新細明體" panose="02020500000000000000" pitchFamily="18" charset="-120"/>
                           <a:cs typeface="Times New Roman" panose="02020603050405020304" pitchFamily="18" charset="0"/>
                         </a:rPr>
-                        <a:t>0.029714</a:t>
+                        <a:t>0.032425</a:t>
                       </a:r>
-                      <a:endParaRPr b="1" dirty="0">
-                        <a:latin typeface="Times New Roman" panose="02020603050405020304" pitchFamily="18" charset="0"/>
-                        <a:cs typeface="Times New Roman" panose="02020603050405020304" pitchFamily="18" charset="0"/>
-                      </a:endParaRPr>
                     </a:p>
                   </a:txBody>
-                  <a:tcPr marL="91425" marR="91425" marT="91425" marB="91425"/>
+                  <a:tcPr marL="9525" marR="9525" marT="9525" marB="0" anchor="ctr"/>
                 </a:tc>
                 <a:tc>
                   <a:txBody>
                     <a:bodyPr/>
                     <a:lstStyle/>
                     <a:p>
-                      <a:pPr marL="0" lvl="0" indent="0" algn="ctr" rtl="0">
-                        <a:spcBef>
-                          <a:spcPts val="0"/>
-                        </a:spcBef>
-                        <a:spcAft>
-                          <a:spcPts val="0"/>
-                        </a:spcAft>
-                        <a:buNone/>
-                      </a:pPr>
+                      <a:pPr algn="ctr" fontAlgn="ctr"/>
                       <a:r>
-                        <a:rPr lang="en-US" altLang="zh-TW" b="0" dirty="0" smtClean="0">
+                        <a:rPr lang="en-US" altLang="zh-TW" sz="1400" b="0" i="0" u="none" strike="noStrike" dirty="0">
+                          <a:solidFill>
+                            <a:srgbClr val="000000"/>
+                          </a:solidFill>
+                          <a:effectLst/>
                           <a:latin typeface="Times New Roman" panose="02020603050405020304" pitchFamily="18" charset="0"/>
+                          <a:ea typeface="新細明體" panose="02020500000000000000" pitchFamily="18" charset="-120"/>
                           <a:cs typeface="Times New Roman" panose="02020603050405020304" pitchFamily="18" charset="0"/>
                         </a:rPr>
-                        <a:t>0.020090</a:t>
+                        <a:t>0.014489</a:t>
                       </a:r>
-                      <a:endParaRPr b="0" dirty="0">
-                        <a:latin typeface="Times New Roman" panose="02020603050405020304" pitchFamily="18" charset="0"/>
-                        <a:cs typeface="Times New Roman" panose="02020603050405020304" pitchFamily="18" charset="0"/>
-                      </a:endParaRPr>
                     </a:p>
                   </a:txBody>
-                  <a:tcPr marL="91425" marR="91425" marT="91425" marB="91425"/>
+                  <a:tcPr marL="9525" marR="9525" marT="9525" marB="0" anchor="ctr"/>
                 </a:tc>
                 <a:extLst>
                   <a:ext uri="{0D108BD9-81ED-4DB2-BD59-A6C34878D82A}">
@@ -12536,157 +12590,145 @@
                     <a:bodyPr/>
                     <a:lstStyle/>
                     <a:p>
-                      <a:pPr marL="0" lvl="0" indent="0" algn="l" rtl="0">
-                        <a:spcBef>
-                          <a:spcPts val="0"/>
-                        </a:spcBef>
-                        <a:spcAft>
-                          <a:spcPts val="0"/>
-                        </a:spcAft>
-                        <a:buClr>
-                          <a:schemeClr val="dk1"/>
-                        </a:buClr>
-                        <a:buSzPts val="1100"/>
-                        <a:buFont typeface="Arial"/>
-                        <a:buNone/>
-                      </a:pPr>
+                      <a:pPr algn="l" fontAlgn="ctr"/>
                       <a:r>
-                        <a:rPr lang="zh-TW" dirty="0">
+                        <a:rPr lang="en-US" sz="1400" b="0" i="0" u="none" strike="noStrike" dirty="0" err="1">
+                          <a:solidFill>
+                            <a:srgbClr val="000000"/>
+                          </a:solidFill>
+                          <a:effectLst/>
                           <a:latin typeface="Times New Roman" panose="02020603050405020304" pitchFamily="18" charset="0"/>
-                          <a:cs typeface="Times New Roman" panose="02020603050405020304" pitchFamily="18" charset="0"/>
-                        </a:rPr>
-                        <a:t>Sharpe </a:t>
-                      </a:r>
-                      <a:r>
-                        <a:rPr lang="zh-TW" dirty="0" smtClean="0">
-                          <a:latin typeface="Times New Roman" panose="02020603050405020304" pitchFamily="18" charset="0"/>
-                          <a:cs typeface="Times New Roman" panose="02020603050405020304" pitchFamily="18" charset="0"/>
-                        </a:rPr>
-                        <a:t>(</a:t>
-                      </a:r>
-                      <a:r>
-                        <a:rPr lang="zh-TW" altLang="zh-TW" dirty="0" smtClean="0">
-                          <a:latin typeface="Times New Roman" panose="02020603050405020304" pitchFamily="18" charset="0"/>
+                          <a:ea typeface="新細明體" panose="02020500000000000000" pitchFamily="18" charset="-120"/>
                           <a:cs typeface="Times New Roman" panose="02020603050405020304" pitchFamily="18" charset="0"/>
                         </a:rPr>
                         <a:t>VaR</a:t>
                       </a:r>
                       <a:r>
-                        <a:rPr lang="zh-TW" dirty="0" smtClean="0">
+                        <a:rPr lang="en-US" sz="1400" b="0" i="0" u="none" strike="noStrike" dirty="0">
+                          <a:solidFill>
+                            <a:srgbClr val="000000"/>
+                          </a:solidFill>
+                          <a:effectLst/>
                           <a:latin typeface="Times New Roman" panose="02020603050405020304" pitchFamily="18" charset="0"/>
+                          <a:ea typeface="新細明體" panose="02020500000000000000" pitchFamily="18" charset="-120"/>
                           <a:cs typeface="Times New Roman" panose="02020603050405020304" pitchFamily="18" charset="0"/>
                         </a:rPr>
-                        <a:t>)</a:t>
+                        <a:t> Sharpe (</a:t>
                       </a:r>
-                      <a:endParaRPr dirty="0">
+                      <a:r>
+                        <a:rPr lang="en-US" sz="1400" b="0" i="0" u="none" strike="noStrike" dirty="0" err="1">
+                          <a:solidFill>
+                            <a:srgbClr val="000000"/>
+                          </a:solidFill>
+                          <a:effectLst/>
+                          <a:latin typeface="Times New Roman" panose="02020603050405020304" pitchFamily="18" charset="0"/>
+                          <a:ea typeface="新細明體" panose="02020500000000000000" pitchFamily="18" charset="-120"/>
+                          <a:cs typeface="Times New Roman" panose="02020603050405020304" pitchFamily="18" charset="0"/>
+                        </a:rPr>
+                        <a:t>Rf</a:t>
+                      </a:r>
+                      <a:r>
+                        <a:rPr lang="en-US" sz="1400" b="0" i="0" u="none" strike="noStrike" dirty="0">
+                          <a:solidFill>
+                            <a:srgbClr val="000000"/>
+                          </a:solidFill>
+                          <a:effectLst/>
+                          <a:latin typeface="Times New Roman" panose="02020603050405020304" pitchFamily="18" charset="0"/>
+                          <a:ea typeface="新細明體" panose="02020500000000000000" pitchFamily="18" charset="-120"/>
+                          <a:cs typeface="Times New Roman" panose="02020603050405020304" pitchFamily="18" charset="0"/>
+                        </a:rPr>
+                        <a:t>=0%, p=95</a:t>
+                      </a:r>
+                      <a:r>
+                        <a:rPr lang="en-US" sz="1400" b="0" i="0" u="none" strike="noStrike" dirty="0" smtClean="0">
+                          <a:solidFill>
+                            <a:srgbClr val="000000"/>
+                          </a:solidFill>
+                          <a:effectLst/>
+                          <a:latin typeface="Times New Roman" panose="02020603050405020304" pitchFamily="18" charset="0"/>
+                          <a:ea typeface="新細明體" panose="02020500000000000000" pitchFamily="18" charset="-120"/>
+                          <a:cs typeface="Times New Roman" panose="02020603050405020304" pitchFamily="18" charset="0"/>
+                        </a:rPr>
+                        <a:t>%)</a:t>
+                      </a:r>
+                      <a:endParaRPr lang="en-US" sz="1400" b="0" i="0" u="none" strike="noStrike" dirty="0">
+                        <a:solidFill>
+                          <a:srgbClr val="000000"/>
+                        </a:solidFill>
+                        <a:effectLst/>
                         <a:latin typeface="Times New Roman" panose="02020603050405020304" pitchFamily="18" charset="0"/>
+                        <a:ea typeface="新細明體" panose="02020500000000000000" pitchFamily="18" charset="-120"/>
                         <a:cs typeface="Times New Roman" panose="02020603050405020304" pitchFamily="18" charset="0"/>
                       </a:endParaRPr>
                     </a:p>
                   </a:txBody>
-                  <a:tcPr marL="91425" marR="91425" marT="91425" marB="91425"/>
+                  <a:tcPr marL="9525" marR="9525" marT="9525" marB="0" anchor="ctr"/>
                 </a:tc>
                 <a:tc>
                   <a:txBody>
                     <a:bodyPr/>
                     <a:lstStyle/>
                     <a:p>
-                      <a:pPr marL="0" lvl="0" indent="0" algn="ctr" rtl="0">
-                        <a:spcBef>
-                          <a:spcPts val="0"/>
-                        </a:spcBef>
-                        <a:spcAft>
-                          <a:spcPts val="0"/>
-                        </a:spcAft>
-                        <a:buClr>
-                          <a:schemeClr val="dk1"/>
-                        </a:buClr>
-                        <a:buSzPts val="1100"/>
-                        <a:buFont typeface="Arial"/>
-                        <a:buNone/>
-                      </a:pPr>
+                      <a:pPr algn="ctr" fontAlgn="ctr"/>
                       <a:r>
-                        <a:rPr lang="en-US" altLang="zh-TW" dirty="0" smtClean="0">
+                        <a:rPr lang="en-US" altLang="zh-TW" sz="1400" b="1" i="0" u="none" strike="noStrike" dirty="0">
+                          <a:solidFill>
+                            <a:srgbClr val="000000"/>
+                          </a:solidFill>
+                          <a:effectLst/>
                           <a:latin typeface="Times New Roman" panose="02020603050405020304" pitchFamily="18" charset="0"/>
+                          <a:ea typeface="新細明體" panose="02020500000000000000" pitchFamily="18" charset="-120"/>
                           <a:cs typeface="Times New Roman" panose="02020603050405020304" pitchFamily="18" charset="0"/>
                         </a:rPr>
-                        <a:t>0.016180</a:t>
+                        <a:t>0.034155</a:t>
                       </a:r>
-                      <a:endParaRPr dirty="0">
-                        <a:latin typeface="Times New Roman" panose="02020603050405020304" pitchFamily="18" charset="0"/>
-                        <a:cs typeface="Times New Roman" panose="02020603050405020304" pitchFamily="18" charset="0"/>
-                      </a:endParaRPr>
                     </a:p>
                   </a:txBody>
-                  <a:tcPr marL="91425" marR="91425" marT="91425" marB="91425"/>
+                  <a:tcPr marL="9525" marR="9525" marT="9525" marB="0" anchor="ctr"/>
                 </a:tc>
                 <a:tc>
                   <a:txBody>
                     <a:bodyPr/>
                     <a:lstStyle/>
                     <a:p>
-                      <a:pPr marL="0" lvl="0" indent="0" algn="ctr" rtl="0">
-                        <a:spcBef>
-                          <a:spcPts val="0"/>
-                        </a:spcBef>
-                        <a:spcAft>
-                          <a:spcPts val="0"/>
-                        </a:spcAft>
-                        <a:buClr>
-                          <a:schemeClr val="dk1"/>
-                        </a:buClr>
-                        <a:buSzPts val="1100"/>
-                        <a:buFont typeface="Arial"/>
-                        <a:buNone/>
-                      </a:pPr>
+                      <a:pPr algn="ctr" fontAlgn="ctr"/>
                       <a:r>
-                        <a:rPr lang="en-US" altLang="zh-TW" b="1" dirty="0" smtClean="0">
+                        <a:rPr lang="en-US" altLang="zh-TW" sz="1400" b="0" i="0" u="none" strike="noStrike" dirty="0">
+                          <a:solidFill>
+                            <a:srgbClr val="000000"/>
+                          </a:solidFill>
+                          <a:effectLst/>
                           <a:latin typeface="Times New Roman" panose="02020603050405020304" pitchFamily="18" charset="0"/>
+                          <a:ea typeface="新細明體" panose="02020500000000000000" pitchFamily="18" charset="-120"/>
                           <a:cs typeface="Times New Roman" panose="02020603050405020304" pitchFamily="18" charset="0"/>
                         </a:rPr>
-                        <a:t>0.019463</a:t>
+                        <a:t>0.022289</a:t>
                       </a:r>
-                      <a:endParaRPr b="1" dirty="0">
-                        <a:latin typeface="Times New Roman" panose="02020603050405020304" pitchFamily="18" charset="0"/>
-                        <a:cs typeface="Times New Roman" panose="02020603050405020304" pitchFamily="18" charset="0"/>
-                      </a:endParaRPr>
                     </a:p>
                   </a:txBody>
-                  <a:tcPr marL="91425" marR="91425" marT="91425" marB="91425"/>
+                  <a:tcPr marL="9525" marR="9525" marT="9525" marB="0" anchor="ctr"/>
                 </a:tc>
                 <a:tc>
                   <a:txBody>
                     <a:bodyPr/>
                     <a:lstStyle/>
                     <a:p>
-                      <a:pPr marL="0" lvl="0" indent="0" algn="ctr" rtl="0">
-                        <a:spcBef>
-                          <a:spcPts val="0"/>
-                        </a:spcBef>
-                        <a:spcAft>
-                          <a:spcPts val="0"/>
-                        </a:spcAft>
-                        <a:buClr>
-                          <a:schemeClr val="dk1"/>
-                        </a:buClr>
-                        <a:buSzPts val="1100"/>
-                        <a:buFont typeface="Arial"/>
-                        <a:buNone/>
-                      </a:pPr>
+                      <a:pPr algn="ctr" fontAlgn="ctr"/>
                       <a:r>
-                        <a:rPr lang="en-US" altLang="zh-TW" b="0" dirty="0" smtClean="0">
+                        <a:rPr lang="en-US" altLang="zh-TW" sz="1400" b="0" i="0" u="none" strike="noStrike" dirty="0">
+                          <a:solidFill>
+                            <a:srgbClr val="000000"/>
+                          </a:solidFill>
+                          <a:effectLst/>
                           <a:latin typeface="Times New Roman" panose="02020603050405020304" pitchFamily="18" charset="0"/>
+                          <a:ea typeface="新細明體" panose="02020500000000000000" pitchFamily="18" charset="-120"/>
                           <a:cs typeface="Times New Roman" panose="02020603050405020304" pitchFamily="18" charset="0"/>
                         </a:rPr>
-                        <a:t>0.011779</a:t>
+                        <a:t>0.009267</a:t>
                       </a:r>
-                      <a:endParaRPr b="0" dirty="0">
-                        <a:latin typeface="Times New Roman" panose="02020603050405020304" pitchFamily="18" charset="0"/>
-                        <a:cs typeface="Times New Roman" panose="02020603050405020304" pitchFamily="18" charset="0"/>
-                      </a:endParaRPr>
                     </a:p>
                   </a:txBody>
-                  <a:tcPr marL="91425" marR="91425" marT="91425" marB="91425"/>
+                  <a:tcPr marL="9525" marR="9525" marT="9525" marB="0" anchor="ctr"/>
                 </a:tc>
                 <a:extLst>
                   <a:ext uri="{0D108BD9-81ED-4DB2-BD59-A6C34878D82A}">
@@ -12700,157 +12742,133 @@
                     <a:bodyPr/>
                     <a:lstStyle/>
                     <a:p>
-                      <a:pPr marL="0" lvl="0" indent="0" algn="l" rtl="0">
-                        <a:spcBef>
-                          <a:spcPts val="0"/>
-                        </a:spcBef>
-                        <a:spcAft>
-                          <a:spcPts val="0"/>
-                        </a:spcAft>
-                        <a:buClr>
-                          <a:schemeClr val="dk1"/>
-                        </a:buClr>
-                        <a:buSzPts val="1100"/>
-                        <a:buFont typeface="Arial"/>
-                        <a:buNone/>
-                      </a:pPr>
+                      <a:pPr algn="l" fontAlgn="ctr"/>
                       <a:r>
-                        <a:rPr lang="zh-TW" dirty="0">
+                        <a:rPr lang="en-US" sz="1400" b="0" i="0" u="none" strike="noStrike" dirty="0">
+                          <a:solidFill>
+                            <a:srgbClr val="000000"/>
+                          </a:solidFill>
+                          <a:effectLst/>
                           <a:latin typeface="Times New Roman" panose="02020603050405020304" pitchFamily="18" charset="0"/>
+                          <a:ea typeface="新細明體" panose="02020500000000000000" pitchFamily="18" charset="-120"/>
                           <a:cs typeface="Times New Roman" panose="02020603050405020304" pitchFamily="18" charset="0"/>
                         </a:rPr>
-                        <a:t>Sharpe </a:t>
+                        <a:t>ES Sharpe (</a:t>
                       </a:r>
                       <a:r>
-                        <a:rPr lang="en-US" altLang="zh-TW" dirty="0" smtClean="0">
+                        <a:rPr lang="en-US" sz="1400" b="0" i="0" u="none" strike="noStrike" dirty="0" err="1">
+                          <a:solidFill>
+                            <a:srgbClr val="000000"/>
+                          </a:solidFill>
+                          <a:effectLst/>
                           <a:latin typeface="Times New Roman" panose="02020603050405020304" pitchFamily="18" charset="0"/>
+                          <a:ea typeface="新細明體" panose="02020500000000000000" pitchFamily="18" charset="-120"/>
                           <a:cs typeface="Times New Roman" panose="02020603050405020304" pitchFamily="18" charset="0"/>
                         </a:rPr>
-                        <a:t>(</a:t>
+                        <a:t>Rf</a:t>
                       </a:r>
                       <a:r>
-                        <a:rPr lang="zh-TW" altLang="zh-TW" dirty="0" smtClean="0">
+                        <a:rPr lang="en-US" sz="1400" b="0" i="0" u="none" strike="noStrike" dirty="0">
+                          <a:solidFill>
+                            <a:srgbClr val="000000"/>
+                          </a:solidFill>
+                          <a:effectLst/>
                           <a:latin typeface="Times New Roman" panose="02020603050405020304" pitchFamily="18" charset="0"/>
+                          <a:ea typeface="新細明體" panose="02020500000000000000" pitchFamily="18" charset="-120"/>
                           <a:cs typeface="Times New Roman" panose="02020603050405020304" pitchFamily="18" charset="0"/>
                         </a:rPr>
-                        <a:t>ES</a:t>
+                        <a:t>=0%, p=95</a:t>
                       </a:r>
                       <a:r>
-                        <a:rPr lang="zh-TW" dirty="0" smtClean="0">
+                        <a:rPr lang="en-US" sz="1400" b="0" i="0" u="none" strike="noStrike" dirty="0" smtClean="0">
+                          <a:solidFill>
+                            <a:srgbClr val="000000"/>
+                          </a:solidFill>
+                          <a:effectLst/>
                           <a:latin typeface="Times New Roman" panose="02020603050405020304" pitchFamily="18" charset="0"/>
+                          <a:ea typeface="新細明體" panose="02020500000000000000" pitchFamily="18" charset="-120"/>
                           <a:cs typeface="Times New Roman" panose="02020603050405020304" pitchFamily="18" charset="0"/>
                         </a:rPr>
-                        <a:t>)</a:t>
+                        <a:t>%)</a:t>
                       </a:r>
-                      <a:endParaRPr dirty="0">
+                      <a:endParaRPr lang="en-US" sz="1400" b="0" i="0" u="none" strike="noStrike" dirty="0">
+                        <a:solidFill>
+                          <a:srgbClr val="000000"/>
+                        </a:solidFill>
+                        <a:effectLst/>
                         <a:latin typeface="Times New Roman" panose="02020603050405020304" pitchFamily="18" charset="0"/>
+                        <a:ea typeface="新細明體" panose="02020500000000000000" pitchFamily="18" charset="-120"/>
                         <a:cs typeface="Times New Roman" panose="02020603050405020304" pitchFamily="18" charset="0"/>
                       </a:endParaRPr>
                     </a:p>
                   </a:txBody>
-                  <a:tcPr marL="91425" marR="91425" marT="91425" marB="91425"/>
+                  <a:tcPr marL="9525" marR="9525" marT="9525" marB="0" anchor="ctr"/>
                 </a:tc>
                 <a:tc>
                   <a:txBody>
                     <a:bodyPr/>
                     <a:lstStyle/>
                     <a:p>
-                      <a:pPr marL="0" lvl="0" indent="0" algn="ctr" rtl="0">
-                        <a:spcBef>
-                          <a:spcPts val="0"/>
-                        </a:spcBef>
-                        <a:spcAft>
-                          <a:spcPts val="0"/>
-                        </a:spcAft>
-                        <a:buClr>
-                          <a:schemeClr val="dk1"/>
-                        </a:buClr>
-                        <a:buSzPts val="1100"/>
-                        <a:buFont typeface="Arial"/>
-                        <a:buNone/>
-                      </a:pPr>
+                      <a:pPr algn="ctr" fontAlgn="ctr"/>
                       <a:r>
-                        <a:rPr lang="en-US" altLang="zh-TW" dirty="0" smtClean="0">
+                        <a:rPr lang="en-US" altLang="zh-TW" sz="1400" b="1" i="0" u="none" strike="noStrike" dirty="0">
+                          <a:solidFill>
+                            <a:srgbClr val="000000"/>
+                          </a:solidFill>
+                          <a:effectLst/>
                           <a:latin typeface="Times New Roman" panose="02020603050405020304" pitchFamily="18" charset="0"/>
+                          <a:ea typeface="新細明體" panose="02020500000000000000" pitchFamily="18" charset="-120"/>
                           <a:cs typeface="Times New Roman" panose="02020603050405020304" pitchFamily="18" charset="0"/>
                         </a:rPr>
-                        <a:t>0.010278</a:t>
+                        <a:t>0.02301</a:t>
                       </a:r>
-                      <a:endParaRPr dirty="0">
-                        <a:latin typeface="Times New Roman" panose="02020603050405020304" pitchFamily="18" charset="0"/>
-                        <a:cs typeface="Times New Roman" panose="02020603050405020304" pitchFamily="18" charset="0"/>
-                      </a:endParaRPr>
                     </a:p>
                   </a:txBody>
-                  <a:tcPr marL="91425" marR="91425" marT="91425" marB="91425"/>
+                  <a:tcPr marL="9525" marR="9525" marT="9525" marB="0" anchor="ctr"/>
                 </a:tc>
                 <a:tc>
                   <a:txBody>
                     <a:bodyPr/>
                     <a:lstStyle/>
                     <a:p>
-                      <a:pPr marL="0" lvl="0" indent="0" algn="ctr" rtl="0">
-                        <a:spcBef>
-                          <a:spcPts val="0"/>
-                        </a:spcBef>
-                        <a:spcAft>
-                          <a:spcPts val="0"/>
-                        </a:spcAft>
-                        <a:buClr>
-                          <a:schemeClr val="dk1"/>
-                        </a:buClr>
-                        <a:buSzPts val="1100"/>
-                        <a:buFont typeface="Arial"/>
-                        <a:buNone/>
-                      </a:pPr>
+                      <a:pPr algn="ctr" fontAlgn="ctr"/>
                       <a:r>
-                        <a:rPr lang="en-US" altLang="zh-TW" b="1" dirty="0" smtClean="0">
+                        <a:rPr lang="en-US" altLang="zh-TW" sz="1400" b="0" i="0" u="none" strike="noStrike" dirty="0">
+                          <a:solidFill>
+                            <a:srgbClr val="000000"/>
+                          </a:solidFill>
+                          <a:effectLst/>
                           <a:latin typeface="Times New Roman" panose="02020603050405020304" pitchFamily="18" charset="0"/>
+                          <a:ea typeface="新細明體" panose="02020500000000000000" pitchFamily="18" charset="-120"/>
                           <a:cs typeface="Times New Roman" panose="02020603050405020304" pitchFamily="18" charset="0"/>
                         </a:rPr>
-                        <a:t>0.013776</a:t>
+                        <a:t>0.016852</a:t>
                       </a:r>
-                      <a:endParaRPr b="1" dirty="0">
-                        <a:latin typeface="Times New Roman" panose="02020603050405020304" pitchFamily="18" charset="0"/>
-                        <a:cs typeface="Times New Roman" panose="02020603050405020304" pitchFamily="18" charset="0"/>
-                      </a:endParaRPr>
                     </a:p>
                   </a:txBody>
-                  <a:tcPr marL="91425" marR="91425" marT="91425" marB="91425"/>
+                  <a:tcPr marL="9525" marR="9525" marT="9525" marB="0" anchor="ctr"/>
                 </a:tc>
                 <a:tc>
                   <a:txBody>
                     <a:bodyPr/>
                     <a:lstStyle/>
                     <a:p>
-                      <a:pPr marL="0" lvl="0" indent="0" algn="ctr" rtl="0">
-                        <a:spcBef>
-                          <a:spcPts val="0"/>
-                        </a:spcBef>
-                        <a:spcAft>
-                          <a:spcPts val="0"/>
-                        </a:spcAft>
-                        <a:buClr>
-                          <a:schemeClr val="dk1"/>
-                        </a:buClr>
-                        <a:buSzPts val="1100"/>
-                        <a:buFont typeface="Arial"/>
-                        <a:buNone/>
-                      </a:pPr>
+                      <a:pPr algn="ctr" fontAlgn="ctr"/>
                       <a:r>
-                        <a:rPr lang="en-US" altLang="zh-TW" b="0" dirty="0" smtClean="0">
+                        <a:rPr lang="en-US" altLang="zh-TW" sz="1400" b="0" i="0" u="none" strike="noStrike" dirty="0">
+                          <a:solidFill>
+                            <a:srgbClr val="000000"/>
+                          </a:solidFill>
+                          <a:effectLst/>
                           <a:latin typeface="Times New Roman" panose="02020603050405020304" pitchFamily="18" charset="0"/>
+                          <a:ea typeface="新細明體" panose="02020500000000000000" pitchFamily="18" charset="-120"/>
                           <a:cs typeface="Times New Roman" panose="02020603050405020304" pitchFamily="18" charset="0"/>
                         </a:rPr>
-                        <a:t>0.006883</a:t>
+                        <a:t>0.005584</a:t>
                       </a:r>
-                      <a:endParaRPr b="0" dirty="0">
-                        <a:latin typeface="Times New Roman" panose="02020603050405020304" pitchFamily="18" charset="0"/>
-                        <a:cs typeface="Times New Roman" panose="02020603050405020304" pitchFamily="18" charset="0"/>
-                      </a:endParaRPr>
                     </a:p>
                   </a:txBody>
-                  <a:tcPr marL="91425" marR="91425" marT="91425" marB="91425"/>
+                  <a:tcPr marL="9525" marR="9525" marT="9525" marB="0" anchor="ctr"/>
                 </a:tc>
                 <a:extLst>
                   <a:ext uri="{0D108BD9-81ED-4DB2-BD59-A6C34878D82A}">
@@ -12864,137 +12882,121 @@
                     <a:bodyPr/>
                     <a:lstStyle/>
                     <a:p>
-                      <a:pPr marL="0" lvl="0" indent="0" algn="l" rtl="0">
-                        <a:spcBef>
-                          <a:spcPts val="0"/>
-                        </a:spcBef>
-                        <a:spcAft>
-                          <a:spcPts val="0"/>
-                        </a:spcAft>
-                        <a:buNone/>
-                      </a:pPr>
+                      <a:pPr algn="l" fontAlgn="ctr"/>
                       <a:r>
-                        <a:rPr lang="zh-TW" dirty="0">
+                        <a:rPr lang="en-US" sz="1400" b="0" i="0" u="none" strike="noStrike" dirty="0" smtClean="0">
+                          <a:solidFill>
+                            <a:srgbClr val="000000"/>
+                          </a:solidFill>
+                          <a:effectLst/>
                           <a:latin typeface="Times New Roman" panose="02020603050405020304" pitchFamily="18" charset="0"/>
+                          <a:ea typeface="新細明體" panose="02020500000000000000" pitchFamily="18" charset="-120"/>
                           <a:cs typeface="Times New Roman" panose="02020603050405020304" pitchFamily="18" charset="0"/>
                         </a:rPr>
-                        <a:t>Holding Period</a:t>
+                        <a:t>Holding</a:t>
                       </a:r>
-                      <a:endParaRPr dirty="0">
+                      <a:r>
+                        <a:rPr lang="en-US" sz="1400" b="0" i="0" u="none" strike="noStrike" baseline="0" dirty="0" smtClean="0">
+                          <a:solidFill>
+                            <a:srgbClr val="000000"/>
+                          </a:solidFill>
+                          <a:effectLst/>
+                          <a:latin typeface="Times New Roman" panose="02020603050405020304" pitchFamily="18" charset="0"/>
+                          <a:ea typeface="新細明體" panose="02020500000000000000" pitchFamily="18" charset="-120"/>
+                          <a:cs typeface="Times New Roman" panose="02020603050405020304" pitchFamily="18" charset="0"/>
+                        </a:rPr>
+                        <a:t> </a:t>
+                      </a:r>
+                      <a:r>
+                        <a:rPr lang="en-US" sz="1400" b="0" i="0" u="none" strike="noStrike" dirty="0" smtClean="0">
+                          <a:solidFill>
+                            <a:srgbClr val="000000"/>
+                          </a:solidFill>
+                          <a:effectLst/>
+                          <a:latin typeface="Times New Roman" panose="02020603050405020304" pitchFamily="18" charset="0"/>
+                          <a:ea typeface="新細明體" panose="02020500000000000000" pitchFamily="18" charset="-120"/>
+                          <a:cs typeface="Times New Roman" panose="02020603050405020304" pitchFamily="18" charset="0"/>
+                        </a:rPr>
+                        <a:t>period</a:t>
+                      </a:r>
+                      <a:endParaRPr lang="en-US" sz="1400" b="0" i="0" u="none" strike="noStrike" dirty="0">
                         <a:solidFill>
-                          <a:schemeClr val="dk1"/>
+                          <a:srgbClr val="000000"/>
                         </a:solidFill>
+                        <a:effectLst/>
                         <a:latin typeface="Times New Roman" panose="02020603050405020304" pitchFamily="18" charset="0"/>
+                        <a:ea typeface="新細明體" panose="02020500000000000000" pitchFamily="18" charset="-120"/>
                         <a:cs typeface="Times New Roman" panose="02020603050405020304" pitchFamily="18" charset="0"/>
                       </a:endParaRPr>
                     </a:p>
                   </a:txBody>
-                  <a:tcPr marL="91425" marR="91425" marT="91425" marB="91425"/>
+                  <a:tcPr marL="9525" marR="9525" marT="9525" marB="0" anchor="ctr"/>
                 </a:tc>
                 <a:tc>
                   <a:txBody>
                     <a:bodyPr/>
                     <a:lstStyle/>
                     <a:p>
-                      <a:pPr marL="0" lvl="0" indent="0" algn="ctr" rtl="0">
-                        <a:spcBef>
-                          <a:spcPts val="0"/>
-                        </a:spcBef>
-                        <a:spcAft>
-                          <a:spcPts val="0"/>
-                        </a:spcAft>
-                        <a:buNone/>
-                      </a:pPr>
+                      <a:pPr algn="ctr" fontAlgn="ctr"/>
                       <a:r>
-                        <a:rPr lang="en-US" dirty="0" smtClean="0">
+                        <a:rPr lang="en-US" altLang="zh-TW" sz="1400" b="0" i="0" u="none" strike="noStrike" dirty="0">
                           <a:solidFill>
-                            <a:schemeClr val="tx1"/>
+                            <a:srgbClr val="000000"/>
                           </a:solidFill>
                           <a:effectLst/>
                           <a:latin typeface="Times New Roman" panose="02020603050405020304" pitchFamily="18" charset="0"/>
+                          <a:ea typeface="新細明體" panose="02020500000000000000" pitchFamily="18" charset="-120"/>
                           <a:cs typeface="Times New Roman" panose="02020603050405020304" pitchFamily="18" charset="0"/>
                         </a:rPr>
-                        <a:t>20.47</a:t>
+                        <a:t>46.5</a:t>
                       </a:r>
-                      <a:endParaRPr dirty="0">
-                        <a:solidFill>
-                          <a:schemeClr val="dk1"/>
-                        </a:solidFill>
-                        <a:latin typeface="Times New Roman" panose="02020603050405020304" pitchFamily="18" charset="0"/>
-                        <a:cs typeface="Times New Roman" panose="02020603050405020304" pitchFamily="18" charset="0"/>
-                      </a:endParaRPr>
                     </a:p>
                   </a:txBody>
-                  <a:tcPr marL="91425" marR="91425" marT="91425" marB="91425"/>
+                  <a:tcPr marL="9525" marR="9525" marT="9525" marB="0" anchor="ctr"/>
                 </a:tc>
                 <a:tc>
                   <a:txBody>
                     <a:bodyPr/>
                     <a:lstStyle/>
                     <a:p>
-                      <a:pPr marL="0" lvl="0" indent="0" algn="ctr" rtl="0">
-                        <a:spcBef>
-                          <a:spcPts val="0"/>
-                        </a:spcBef>
-                        <a:spcAft>
-                          <a:spcPts val="0"/>
-                        </a:spcAft>
-                        <a:buNone/>
-                      </a:pPr>
+                      <a:pPr algn="ctr" fontAlgn="ctr"/>
                       <a:r>
-                        <a:rPr lang="en-US" dirty="0" smtClean="0">
+                        <a:rPr lang="en-US" altLang="zh-TW" sz="1400" b="0" i="0" u="none" strike="noStrike" dirty="0">
                           <a:solidFill>
-                            <a:schemeClr val="tx1"/>
+                            <a:srgbClr val="000000"/>
                           </a:solidFill>
                           <a:effectLst/>
                           <a:latin typeface="Times New Roman" panose="02020603050405020304" pitchFamily="18" charset="0"/>
+                          <a:ea typeface="新細明體" panose="02020500000000000000" pitchFamily="18" charset="-120"/>
                           <a:cs typeface="Times New Roman" panose="02020603050405020304" pitchFamily="18" charset="0"/>
                         </a:rPr>
-                        <a:t>18.86</a:t>
+                        <a:t>33.75</a:t>
                       </a:r>
-                      <a:endParaRPr dirty="0">
-                        <a:solidFill>
-                          <a:schemeClr val="dk1"/>
-                        </a:solidFill>
-                        <a:latin typeface="Times New Roman" panose="02020603050405020304" pitchFamily="18" charset="0"/>
-                        <a:cs typeface="Times New Roman" panose="02020603050405020304" pitchFamily="18" charset="0"/>
-                      </a:endParaRPr>
                     </a:p>
                   </a:txBody>
-                  <a:tcPr marL="91425" marR="91425" marT="91425" marB="91425"/>
+                  <a:tcPr marL="9525" marR="9525" marT="9525" marB="0" anchor="ctr"/>
                 </a:tc>
                 <a:tc>
                   <a:txBody>
                     <a:bodyPr/>
                     <a:lstStyle/>
                     <a:p>
-                      <a:pPr marL="0" lvl="0" indent="0" algn="ctr" rtl="0">
-                        <a:spcBef>
-                          <a:spcPts val="0"/>
-                        </a:spcBef>
-                        <a:spcAft>
-                          <a:spcPts val="0"/>
-                        </a:spcAft>
-                        <a:buNone/>
-                      </a:pPr>
+                      <a:pPr algn="ctr" fontAlgn="ctr"/>
                       <a:r>
-                        <a:rPr lang="en-US" altLang="zh-TW" dirty="0" smtClean="0">
+                        <a:rPr lang="en-US" altLang="zh-TW" sz="1400" b="0" i="0" u="none" strike="noStrike" dirty="0">
+                          <a:solidFill>
+                            <a:srgbClr val="000000"/>
+                          </a:solidFill>
                           <a:effectLst/>
                           <a:latin typeface="Times New Roman" panose="02020603050405020304" pitchFamily="18" charset="0"/>
+                          <a:ea typeface="新細明體" panose="02020500000000000000" pitchFamily="18" charset="-120"/>
                           <a:cs typeface="Times New Roman" panose="02020603050405020304" pitchFamily="18" charset="0"/>
                         </a:rPr>
-                        <a:t>9.70</a:t>
+                        <a:t>15.4</a:t>
                       </a:r>
-                      <a:endParaRPr dirty="0">
-                        <a:solidFill>
-                          <a:schemeClr val="dk1"/>
-                        </a:solidFill>
-                        <a:latin typeface="Times New Roman" panose="02020603050405020304" pitchFamily="18" charset="0"/>
-                        <a:cs typeface="Times New Roman" panose="02020603050405020304" pitchFamily="18" charset="0"/>
-                      </a:endParaRPr>
                     </a:p>
                   </a:txBody>
-                  <a:tcPr marL="91425" marR="91425" marT="91425" marB="91425"/>
+                  <a:tcPr marL="9525" marR="9525" marT="9525" marB="0" anchor="ctr"/>
                 </a:tc>
                 <a:extLst>
                   <a:ext uri="{0D108BD9-81ED-4DB2-BD59-A6C34878D82A}">
@@ -13008,142 +13010,100 @@
                     <a:bodyPr/>
                     <a:lstStyle/>
                     <a:p>
-                      <a:pPr marL="0" lvl="0" indent="0" algn="l" rtl="0">
-                        <a:spcBef>
-                          <a:spcPts val="0"/>
-                        </a:spcBef>
-                        <a:spcAft>
-                          <a:spcPts val="0"/>
-                        </a:spcAft>
-                        <a:buNone/>
-                      </a:pPr>
+                      <a:pPr algn="l" fontAlgn="ctr"/>
                       <a:r>
-                        <a:rPr lang="en-US" dirty="0" smtClean="0">
+                        <a:rPr lang="en-US" sz="1400" b="0" i="0" u="none" strike="noStrike" dirty="0" smtClean="0">
+                          <a:solidFill>
+                            <a:srgbClr val="000000"/>
+                          </a:solidFill>
+                          <a:effectLst/>
                           <a:latin typeface="Times New Roman" panose="02020603050405020304" pitchFamily="18" charset="0"/>
+                          <a:ea typeface="新細明體" panose="02020500000000000000" pitchFamily="18" charset="-120"/>
                           <a:cs typeface="Times New Roman" panose="02020603050405020304" pitchFamily="18" charset="0"/>
                         </a:rPr>
-                        <a:t>Cumulative</a:t>
+                        <a:t>Cumulative </a:t>
                       </a:r>
                       <a:r>
-                        <a:rPr lang="en-US" baseline="0" dirty="0" smtClean="0">
+                        <a:rPr lang="en-US" sz="1400" b="0" i="0" u="none" strike="noStrike" dirty="0">
+                          <a:solidFill>
+                            <a:srgbClr val="000000"/>
+                          </a:solidFill>
+                          <a:effectLst/>
                           <a:latin typeface="Times New Roman" panose="02020603050405020304" pitchFamily="18" charset="0"/>
+                          <a:ea typeface="新細明體" panose="02020500000000000000" pitchFamily="18" charset="-120"/>
                           <a:cs typeface="Times New Roman" panose="02020603050405020304" pitchFamily="18" charset="0"/>
                         </a:rPr>
-                        <a:t> Profit</a:t>
+                        <a:t>return</a:t>
                       </a:r>
-                      <a:endParaRPr dirty="0">
-                        <a:solidFill>
-                          <a:schemeClr val="dk1"/>
-                        </a:solidFill>
-                        <a:latin typeface="Times New Roman" panose="02020603050405020304" pitchFamily="18" charset="0"/>
-                        <a:cs typeface="Times New Roman" panose="02020603050405020304" pitchFamily="18" charset="0"/>
-                      </a:endParaRPr>
                     </a:p>
                   </a:txBody>
-                  <a:tcPr marL="91425" marR="91425" marT="91425" marB="91425"/>
+                  <a:tcPr marL="9525" marR="9525" marT="9525" marB="0" anchor="ctr"/>
                 </a:tc>
                 <a:tc>
                   <a:txBody>
                     <a:bodyPr/>
                     <a:lstStyle/>
                     <a:p>
-                      <a:pPr marL="0" lvl="0" indent="0" algn="ctr" rtl="0">
-                        <a:spcBef>
-                          <a:spcPts val="0"/>
-                        </a:spcBef>
-                        <a:spcAft>
-                          <a:spcPts val="0"/>
-                        </a:spcAft>
-                        <a:buNone/>
-                      </a:pPr>
+                      <a:pPr algn="ctr" fontAlgn="ctr"/>
                       <a:r>
-                        <a:rPr lang="en-US" altLang="zh-TW" dirty="0" smtClean="0">
+                        <a:rPr lang="en-US" altLang="zh-TW" sz="1400" b="1" i="0" u="none" strike="noStrike" dirty="0">
+                          <a:solidFill>
+                            <a:srgbClr val="000000"/>
+                          </a:solidFill>
+                          <a:effectLst/>
                           <a:latin typeface="Times New Roman" panose="02020603050405020304" pitchFamily="18" charset="0"/>
+                          <a:ea typeface="新細明體" panose="02020500000000000000" pitchFamily="18" charset="-120"/>
                           <a:cs typeface="Times New Roman" panose="02020603050405020304" pitchFamily="18" charset="0"/>
                         </a:rPr>
-                        <a:t>0.01096</a:t>
+                        <a:t>0.019793</a:t>
                       </a:r>
-                      <a:endParaRPr dirty="0">
-                        <a:solidFill>
-                          <a:schemeClr val="dk1"/>
-                        </a:solidFill>
-                        <a:latin typeface="Times New Roman" panose="02020603050405020304" pitchFamily="18" charset="0"/>
-                        <a:cs typeface="Times New Roman" panose="02020603050405020304" pitchFamily="18" charset="0"/>
-                      </a:endParaRPr>
                     </a:p>
                   </a:txBody>
-                  <a:tcPr marL="91425" marR="91425" marT="91425" marB="91425"/>
+                  <a:tcPr marL="9525" marR="9525" marT="9525" marB="0" anchor="ctr"/>
                 </a:tc>
                 <a:tc>
                   <a:txBody>
                     <a:bodyPr/>
                     <a:lstStyle/>
                     <a:p>
-                      <a:pPr marL="0" lvl="0" indent="0" algn="ctr" rtl="0">
-                        <a:spcBef>
-                          <a:spcPts val="0"/>
-                        </a:spcBef>
-                        <a:spcAft>
-                          <a:spcPts val="0"/>
-                        </a:spcAft>
-                        <a:buNone/>
-                      </a:pPr>
+                      <a:pPr algn="ctr" fontAlgn="ctr"/>
                       <a:r>
-                        <a:rPr lang="en-US" altLang="zh-TW" b="1" dirty="0" smtClean="0">
+                        <a:rPr lang="en-US" altLang="zh-TW" sz="1400" b="0" i="0" u="none" strike="noStrike" dirty="0">
+                          <a:solidFill>
+                            <a:srgbClr val="000000"/>
+                          </a:solidFill>
+                          <a:effectLst/>
                           <a:latin typeface="Times New Roman" panose="02020603050405020304" pitchFamily="18" charset="0"/>
+                          <a:ea typeface="新細明體" panose="02020500000000000000" pitchFamily="18" charset="-120"/>
                           <a:cs typeface="Times New Roman" panose="02020603050405020304" pitchFamily="18" charset="0"/>
                         </a:rPr>
-                        <a:t>0.01291</a:t>
+                        <a:t>0.012944</a:t>
                       </a:r>
-                      <a:endParaRPr b="1" dirty="0">
-                        <a:solidFill>
-                          <a:schemeClr val="dk1"/>
-                        </a:solidFill>
-                        <a:latin typeface="Times New Roman" panose="02020603050405020304" pitchFamily="18" charset="0"/>
-                        <a:cs typeface="Times New Roman" panose="02020603050405020304" pitchFamily="18" charset="0"/>
-                      </a:endParaRPr>
                     </a:p>
                   </a:txBody>
-                  <a:tcPr marL="91425" marR="91425" marT="91425" marB="91425"/>
+                  <a:tcPr marL="9525" marR="9525" marT="9525" marB="0" anchor="ctr"/>
                 </a:tc>
                 <a:tc>
                   <a:txBody>
                     <a:bodyPr/>
                     <a:lstStyle/>
                     <a:p>
-                      <a:pPr marL="0" marR="0" lvl="0" indent="0" algn="ctr" defTabSz="914400" rtl="0" eaLnBrk="1" fontAlgn="auto" latinLnBrk="0" hangingPunct="1">
-                        <a:lnSpc>
-                          <a:spcPct val="100000"/>
-                        </a:lnSpc>
-                        <a:spcBef>
-                          <a:spcPts val="0"/>
-                        </a:spcBef>
-                        <a:spcAft>
-                          <a:spcPts val="0"/>
-                        </a:spcAft>
-                        <a:buClr>
-                          <a:srgbClr val="000000"/>
-                        </a:buClr>
-                        <a:buSzTx/>
-                        <a:buFont typeface="Arial"/>
-                        <a:buNone/>
-                        <a:tabLst/>
-                        <a:defRPr/>
-                      </a:pPr>
+                      <a:pPr algn="ctr" fontAlgn="ctr"/>
                       <a:r>
-                        <a:rPr lang="en-US" altLang="zh-TW" b="0" dirty="0" smtClean="0">
+                        <a:rPr lang="en-US" altLang="zh-TW" sz="1400" b="0" i="0" u="none" strike="noStrike" dirty="0">
+                          <a:solidFill>
+                            <a:srgbClr val="000000"/>
+                          </a:solidFill>
+                          <a:effectLst/>
                           <a:latin typeface="Times New Roman" panose="02020603050405020304" pitchFamily="18" charset="0"/>
+                          <a:ea typeface="新細明體" panose="02020500000000000000" pitchFamily="18" charset="-120"/>
                           <a:cs typeface="Times New Roman" panose="02020603050405020304" pitchFamily="18" charset="0"/>
                         </a:rPr>
-                        <a:t>0.008307</a:t>
+                        <a:t>0.004204</a:t>
                       </a:r>
-                      <a:endParaRPr lang="zh-TW" altLang="en-US" b="0" dirty="0" smtClean="0">
-                        <a:latin typeface="Times New Roman" panose="02020603050405020304" pitchFamily="18" charset="0"/>
-                        <a:cs typeface="Times New Roman" panose="02020603050405020304" pitchFamily="18" charset="0"/>
-                      </a:endParaRPr>
                     </a:p>
                   </a:txBody>
-                  <a:tcPr marL="91425" marR="91425" marT="91425" marB="91425"/>
+                  <a:tcPr marL="9525" marR="9525" marT="9525" marB="0" anchor="ctr"/>
                 </a:tc>
                 <a:extLst>
                   <a:ext uri="{0D108BD9-81ED-4DB2-BD59-A6C34878D82A}">
@@ -13303,13 +13263,13 @@
               </a:ext>
             </a:extLst>
           </a:blip>
-          <a:srcRect b="49427"/>
+          <a:srcRect b="49826"/>
           <a:stretch/>
         </p:blipFill>
         <p:spPr>
           <a:xfrm>
-            <a:off x="854644" y="2426115"/>
-            <a:ext cx="7439432" cy="2439395"/>
+            <a:off x="1011640" y="2474614"/>
+            <a:ext cx="7120720" cy="2229011"/>
           </a:xfrm>
           <a:prstGeom prst="rect">
             <a:avLst/>
@@ -13325,6 +13285,312 @@
 </file>
 
 <file path=ppt/slides/slide26.xml><?xml version="1.0" encoding="utf-8"?>
+<p:sld xmlns:a="http://schemas.openxmlformats.org/drawingml/2006/main" xmlns:r="http://schemas.openxmlformats.org/officeDocument/2006/relationships" xmlns:p="http://schemas.openxmlformats.org/presentationml/2006/main">
+  <p:cSld>
+    <p:spTree>
+      <p:nvGrpSpPr>
+        <p:cNvPr id="1" name=""/>
+        <p:cNvGrpSpPr/>
+        <p:nvPr/>
+      </p:nvGrpSpPr>
+      <p:grpSpPr>
+        <a:xfrm>
+          <a:off x="0" y="0"/>
+          <a:ext cx="0" cy="0"/>
+          <a:chOff x="0" y="0"/>
+          <a:chExt cx="0" cy="0"/>
+        </a:xfrm>
+      </p:grpSpPr>
+      <p:sp>
+        <p:nvSpPr>
+          <p:cNvPr id="2" name="標題 1"/>
+          <p:cNvSpPr>
+            <a:spLocks noGrp="1"/>
+          </p:cNvSpPr>
+          <p:nvPr>
+            <p:ph type="title"/>
+          </p:nvPr>
+        </p:nvSpPr>
+        <p:spPr/>
+        <p:txBody>
+          <a:bodyPr/>
+          <a:lstStyle/>
+          <a:p>
+            <a:r>
+              <a:rPr lang="en-US" altLang="zh-TW" dirty="0" smtClean="0"/>
+              <a:t>Different exponential smoothing window for spread</a:t>
+            </a:r>
+            <a:endParaRPr lang="zh-TW" altLang="en-US" dirty="0"/>
+          </a:p>
+        </p:txBody>
+      </p:sp>
+      <p:sp>
+        <p:nvSpPr>
+          <p:cNvPr id="3" name="文字版面配置區 2"/>
+          <p:cNvSpPr>
+            <a:spLocks noGrp="1"/>
+          </p:cNvSpPr>
+          <p:nvPr>
+            <p:ph type="body" idx="1"/>
+          </p:nvPr>
+        </p:nvSpPr>
+        <p:spPr>
+          <a:xfrm>
+            <a:off x="311699" y="1152475"/>
+            <a:ext cx="4116301" cy="3416400"/>
+          </a:xfrm>
+        </p:spPr>
+        <p:txBody>
+          <a:bodyPr/>
+          <a:lstStyle/>
+          <a:p>
+            <a:r>
+              <a:rPr lang="en-US" altLang="zh-TW" dirty="0" smtClean="0"/>
+              <a:t>Here we can smooth the mean and variance for normalization to control the trading frequency.</a:t>
+            </a:r>
+          </a:p>
+          <a:p>
+            <a:r>
+              <a:rPr lang="en-US" altLang="zh-TW" dirty="0" smtClean="0"/>
+              <a:t>The parameters are then time-varying.</a:t>
+            </a:r>
+          </a:p>
+          <a:p>
+            <a:r>
+              <a:rPr lang="en-US" altLang="zh-TW" dirty="0" smtClean="0"/>
+              <a:t>Spread normalized by various smoothing window is visualized.</a:t>
+            </a:r>
+            <a:endParaRPr lang="zh-TW" altLang="en-US" dirty="0"/>
+          </a:p>
+        </p:txBody>
+      </p:sp>
+      <p:pic>
+        <p:nvPicPr>
+          <p:cNvPr id="4" name="圖片 3"/>
+          <p:cNvPicPr>
+            <a:picLocks noChangeAspect="1"/>
+          </p:cNvPicPr>
+          <p:nvPr/>
+        </p:nvPicPr>
+        <p:blipFill>
+          <a:blip r:embed="rId2">
+            <a:extLst>
+              <a:ext uri="{28A0092B-C50C-407E-A947-70E740481C1C}">
+                <a14:useLocalDpi xmlns:a14="http://schemas.microsoft.com/office/drawing/2010/main" val="0"/>
+              </a:ext>
+            </a:extLst>
+          </a:blip>
+          <a:stretch>
+            <a:fillRect/>
+          </a:stretch>
+        </p:blipFill>
+        <p:spPr>
+          <a:xfrm>
+            <a:off x="4428001" y="1017725"/>
+            <a:ext cx="4559541" cy="4043367"/>
+          </a:xfrm>
+          <a:prstGeom prst="rect">
+            <a:avLst/>
+          </a:prstGeom>
+        </p:spPr>
+      </p:pic>
+    </p:spTree>
+    <p:extLst>
+      <p:ext uri="{BB962C8B-B14F-4D97-AF65-F5344CB8AC3E}">
+        <p14:creationId xmlns:p14="http://schemas.microsoft.com/office/powerpoint/2010/main" val="599526053"/>
+      </p:ext>
+    </p:extLst>
+  </p:cSld>
+  <p:clrMapOvr>
+    <a:masterClrMapping/>
+  </p:clrMapOvr>
+  <p:timing>
+    <p:tnLst>
+      <p:par>
+        <p:cTn id="1" dur="indefinite" restart="never" nodeType="tmRoot"/>
+      </p:par>
+    </p:tnLst>
+  </p:timing>
+</p:sld>
+</file>
+
+<file path=ppt/slides/slide27.xml><?xml version="1.0" encoding="utf-8"?>
+<p:sld xmlns:a="http://schemas.openxmlformats.org/drawingml/2006/main" xmlns:r="http://schemas.openxmlformats.org/officeDocument/2006/relationships" xmlns:p="http://schemas.openxmlformats.org/presentationml/2006/main">
+  <p:cSld>
+    <p:spTree>
+      <p:nvGrpSpPr>
+        <p:cNvPr id="1" name=""/>
+        <p:cNvGrpSpPr/>
+        <p:nvPr/>
+      </p:nvGrpSpPr>
+      <p:grpSpPr>
+        <a:xfrm>
+          <a:off x="0" y="0"/>
+          <a:ext cx="0" cy="0"/>
+          <a:chOff x="0" y="0"/>
+          <a:chExt cx="0" cy="0"/>
+        </a:xfrm>
+      </p:grpSpPr>
+      <p:sp>
+        <p:nvSpPr>
+          <p:cNvPr id="2" name="標題 1"/>
+          <p:cNvSpPr>
+            <a:spLocks noGrp="1"/>
+          </p:cNvSpPr>
+          <p:nvPr>
+            <p:ph type="title"/>
+          </p:nvPr>
+        </p:nvSpPr>
+        <p:spPr/>
+        <p:txBody>
+          <a:bodyPr/>
+          <a:lstStyle/>
+          <a:p>
+            <a:r>
+              <a:rPr lang="en-US" altLang="zh-TW" dirty="0" smtClean="0"/>
+              <a:t>Cumulative P&amp;L using various spread smoothing window</a:t>
+            </a:r>
+            <a:endParaRPr lang="zh-TW" altLang="en-US" dirty="0"/>
+          </a:p>
+        </p:txBody>
+      </p:sp>
+      <p:pic>
+        <p:nvPicPr>
+          <p:cNvPr id="6" name="圖片 5"/>
+          <p:cNvPicPr>
+            <a:picLocks noChangeAspect="1"/>
+          </p:cNvPicPr>
+          <p:nvPr/>
+        </p:nvPicPr>
+        <p:blipFill rotWithShape="1">
+          <a:blip r:embed="rId3">
+            <a:extLst>
+              <a:ext uri="{28A0092B-C50C-407E-A947-70E740481C1C}">
+                <a14:useLocalDpi xmlns:a14="http://schemas.microsoft.com/office/drawing/2010/main" val="0"/>
+              </a:ext>
+            </a:extLst>
+          </a:blip>
+          <a:srcRect b="50370"/>
+          <a:stretch/>
+        </p:blipFill>
+        <p:spPr>
+          <a:xfrm>
+            <a:off x="311700" y="1542858"/>
+            <a:ext cx="4300594" cy="1331645"/>
+          </a:xfrm>
+          <a:prstGeom prst="rect">
+            <a:avLst/>
+          </a:prstGeom>
+        </p:spPr>
+      </p:pic>
+      <p:pic>
+        <p:nvPicPr>
+          <p:cNvPr id="7" name="圖片 6"/>
+          <p:cNvPicPr>
+            <a:picLocks noChangeAspect="1"/>
+          </p:cNvPicPr>
+          <p:nvPr/>
+        </p:nvPicPr>
+        <p:blipFill rotWithShape="1">
+          <a:blip r:embed="rId4">
+            <a:extLst>
+              <a:ext uri="{28A0092B-C50C-407E-A947-70E740481C1C}">
+                <a14:useLocalDpi xmlns:a14="http://schemas.microsoft.com/office/drawing/2010/main" val="0"/>
+              </a:ext>
+            </a:extLst>
+          </a:blip>
+          <a:srcRect b="49730"/>
+          <a:stretch/>
+        </p:blipFill>
+        <p:spPr>
+          <a:xfrm>
+            <a:off x="311700" y="3009253"/>
+            <a:ext cx="4247695" cy="1332220"/>
+          </a:xfrm>
+          <a:prstGeom prst="rect">
+            <a:avLst/>
+          </a:prstGeom>
+        </p:spPr>
+      </p:pic>
+      <p:pic>
+        <p:nvPicPr>
+          <p:cNvPr id="8" name="圖片 7"/>
+          <p:cNvPicPr>
+            <a:picLocks noChangeAspect="1"/>
+          </p:cNvPicPr>
+          <p:nvPr/>
+        </p:nvPicPr>
+        <p:blipFill rotWithShape="1">
+          <a:blip r:embed="rId5">
+            <a:extLst>
+              <a:ext uri="{28A0092B-C50C-407E-A947-70E740481C1C}">
+                <a14:useLocalDpi xmlns:a14="http://schemas.microsoft.com/office/drawing/2010/main" val="0"/>
+              </a:ext>
+            </a:extLst>
+          </a:blip>
+          <a:srcRect b="49890"/>
+          <a:stretch/>
+        </p:blipFill>
+        <p:spPr>
+          <a:xfrm>
+            <a:off x="4653475" y="1511325"/>
+            <a:ext cx="4259413" cy="1331645"/>
+          </a:xfrm>
+          <a:prstGeom prst="rect">
+            <a:avLst/>
+          </a:prstGeom>
+        </p:spPr>
+      </p:pic>
+      <p:pic>
+        <p:nvPicPr>
+          <p:cNvPr id="9" name="圖片 8"/>
+          <p:cNvPicPr>
+            <a:picLocks noChangeAspect="1"/>
+          </p:cNvPicPr>
+          <p:nvPr/>
+        </p:nvPicPr>
+        <p:blipFill rotWithShape="1">
+          <a:blip r:embed="rId6">
+            <a:extLst>
+              <a:ext uri="{28A0092B-C50C-407E-A947-70E740481C1C}">
+                <a14:useLocalDpi xmlns:a14="http://schemas.microsoft.com/office/drawing/2010/main" val="0"/>
+              </a:ext>
+            </a:extLst>
+          </a:blip>
+          <a:srcRect b="50210"/>
+          <a:stretch/>
+        </p:blipFill>
+        <p:spPr>
+          <a:xfrm>
+            <a:off x="4653475" y="3026889"/>
+            <a:ext cx="4205032" cy="1306251"/>
+          </a:xfrm>
+          <a:prstGeom prst="rect">
+            <a:avLst/>
+          </a:prstGeom>
+        </p:spPr>
+      </p:pic>
+    </p:spTree>
+    <p:extLst>
+      <p:ext uri="{BB962C8B-B14F-4D97-AF65-F5344CB8AC3E}">
+        <p14:creationId xmlns:p14="http://schemas.microsoft.com/office/powerpoint/2010/main" val="95753107"/>
+      </p:ext>
+    </p:extLst>
+  </p:cSld>
+  <p:clrMapOvr>
+    <a:masterClrMapping/>
+  </p:clrMapOvr>
+  <p:timing>
+    <p:tnLst>
+      <p:par>
+        <p:cTn id="1" dur="indefinite" restart="never" nodeType="tmRoot"/>
+      </p:par>
+    </p:tnLst>
+  </p:timing>
+</p:sld>
+</file>
+
+<file path=ppt/slides/slide28.xml><?xml version="1.0" encoding="utf-8"?>
 <p:sld xmlns:a="http://schemas.openxmlformats.org/drawingml/2006/main" xmlns:r="http://schemas.openxmlformats.org/officeDocument/2006/relationships" xmlns:p="http://schemas.openxmlformats.org/presentationml/2006/main">
   <p:cSld>
     <p:spTree>
@@ -13374,10 +13640,17 @@
   <p:clrMapOvr>
     <a:masterClrMapping/>
   </p:clrMapOvr>
+  <p:timing>
+    <p:tnLst>
+      <p:par>
+        <p:cTn id="1" dur="indefinite" restart="never" nodeType="tmRoot"/>
+      </p:par>
+    </p:tnLst>
+  </p:timing>
 </p:sld>
 </file>
 
-<file path=ppt/slides/slide27.xml><?xml version="1.0" encoding="utf-8"?>
+<file path=ppt/slides/slide29.xml><?xml version="1.0" encoding="utf-8"?>
 <p:sld xmlns:a="http://schemas.openxmlformats.org/drawingml/2006/main" xmlns:r="http://schemas.openxmlformats.org/officeDocument/2006/relationships" xmlns:p="http://schemas.openxmlformats.org/presentationml/2006/main">
   <p:cSld>
     <p:spTree>
@@ -13476,8 +13749,19 @@
             </a:r>
             <a:r>
               <a:rPr lang="en-US" altLang="zh-TW" dirty="0" smtClean="0"/>
-              <a:t>clear and hard to find a proper period.</a:t>
+              <a:t>clear and hard to find a proper period</a:t>
             </a:r>
+            <a:r>
+              <a:rPr lang="en-US" altLang="zh-TW" dirty="0" smtClean="0"/>
+              <a:t>.</a:t>
+            </a:r>
+          </a:p>
+          <a:p>
+            <a:r>
+              <a:rPr lang="en-US" altLang="zh-TW" dirty="0" smtClean="0"/>
+              <a:t>Parameters for normalized spread construction is sensitive to the trading performance.</a:t>
+            </a:r>
+            <a:endParaRPr lang="en-US" altLang="zh-TW" dirty="0" smtClean="0"/>
           </a:p>
           <a:p>
             <a:endParaRPr lang="zh-TW" altLang="en-US" dirty="0"/>
@@ -13769,8 +14053,8 @@
           </a:p>
         </p:txBody>
       </p:sp>
-      <mc:AlternateContent xmlns:mc="http://schemas.openxmlformats.org/markup-compatibility/2006">
-        <mc:Choice xmlns:a14="http://schemas.microsoft.com/office/drawing/2010/main" Requires="a14">
+      <mc:AlternateContent xmlns:mc="http://schemas.openxmlformats.org/markup-compatibility/2006" xmlns:a14="http://schemas.microsoft.com/office/drawing/2010/main">
+        <mc:Choice Requires="a14">
           <p:sp>
             <p:nvSpPr>
               <p:cNvPr id="3" name="文字版面配置區 2"/>
@@ -14474,13 +14758,7 @@
                   <a:rPr lang="en-US" altLang="zh-TW" sz="1600" dirty="0">
                     <a:latin typeface="Cambria Math" panose="02040503050406030204" pitchFamily="18" charset="0"/>
                   </a:rPr>
-                  <a:t>a </a:t>
-                </a:r>
-                <a:r>
-                  <a:rPr lang="en-US" altLang="zh-TW" sz="1600" dirty="0">
-                    <a:latin typeface="Cambria Math" panose="02040503050406030204" pitchFamily="18" charset="0"/>
-                  </a:rPr>
-                  <a:t>unit root is </a:t>
+                  <a:t>a unit root is </a:t>
                 </a:r>
                 <a:r>
                   <a:rPr lang="en-US" altLang="zh-TW" sz="1600" dirty="0" smtClean="0">
@@ -14543,13 +14821,7 @@
                   <a:rPr lang="en-US" altLang="zh-TW" sz="1600" dirty="0">
                     <a:latin typeface="Cambria Math" panose="02040503050406030204" pitchFamily="18" charset="0"/>
                   </a:rPr>
-                  <a:t>the </a:t>
-                </a:r>
-                <a:r>
-                  <a:rPr lang="en-US" altLang="zh-TW" sz="1600" dirty="0">
-                    <a:latin typeface="Cambria Math" panose="02040503050406030204" pitchFamily="18" charset="0"/>
-                  </a:rPr>
-                  <a:t>series is </a:t>
+                  <a:t>the series is </a:t>
                 </a:r>
                 <a:r>
                   <a:rPr lang="en-US" altLang="zh-TW" sz="1600" dirty="0" smtClean="0">
@@ -14570,7 +14842,7 @@
             </p:txBody>
           </p:sp>
         </mc:Choice>
-        <mc:Fallback>
+        <mc:Fallback xmlns="">
           <p:sp>
             <p:nvSpPr>
               <p:cNvPr id="3" name="文字版面配置區 2"/>

--- a/Pair trading for Currencies.pptx
+++ b/Pair trading for Currencies.pptx
@@ -5,45 +5,50 @@
     <p:sldMasterId id="2147483659" r:id="rId1"/>
   </p:sldMasterIdLst>
   <p:notesMasterIdLst>
-    <p:notesMasterId r:id="rId31"/>
+    <p:notesMasterId r:id="rId36"/>
   </p:notesMasterIdLst>
   <p:sldIdLst>
     <p:sldId id="256" r:id="rId2"/>
     <p:sldId id="281" r:id="rId3"/>
     <p:sldId id="282" r:id="rId4"/>
     <p:sldId id="257" r:id="rId5"/>
-    <p:sldId id="267" r:id="rId6"/>
-    <p:sldId id="270" r:id="rId7"/>
-    <p:sldId id="269" r:id="rId8"/>
-    <p:sldId id="268" r:id="rId9"/>
-    <p:sldId id="258" r:id="rId10"/>
-    <p:sldId id="278" r:id="rId11"/>
-    <p:sldId id="283" r:id="rId12"/>
-    <p:sldId id="272" r:id="rId13"/>
-    <p:sldId id="271" r:id="rId14"/>
-    <p:sldId id="260" r:id="rId15"/>
-    <p:sldId id="276" r:id="rId16"/>
-    <p:sldId id="280" r:id="rId17"/>
-    <p:sldId id="284" r:id="rId18"/>
-    <p:sldId id="275" r:id="rId19"/>
-    <p:sldId id="286" r:id="rId20"/>
-    <p:sldId id="264" r:id="rId21"/>
-    <p:sldId id="261" r:id="rId22"/>
-    <p:sldId id="273" r:id="rId23"/>
-    <p:sldId id="274" r:id="rId24"/>
-    <p:sldId id="265" r:id="rId25"/>
-    <p:sldId id="266" r:id="rId26"/>
-    <p:sldId id="287" r:id="rId27"/>
-    <p:sldId id="288" r:id="rId28"/>
-    <p:sldId id="285" r:id="rId29"/>
-    <p:sldId id="279" r:id="rId30"/>
+    <p:sldId id="290" r:id="rId6"/>
+    <p:sldId id="267" r:id="rId7"/>
+    <p:sldId id="270" r:id="rId8"/>
+    <p:sldId id="269" r:id="rId9"/>
+    <p:sldId id="268" r:id="rId10"/>
+    <p:sldId id="258" r:id="rId11"/>
+    <p:sldId id="278" r:id="rId12"/>
+    <p:sldId id="283" r:id="rId13"/>
+    <p:sldId id="272" r:id="rId14"/>
+    <p:sldId id="271" r:id="rId15"/>
+    <p:sldId id="260" r:id="rId16"/>
+    <p:sldId id="276" r:id="rId17"/>
+    <p:sldId id="280" r:id="rId18"/>
+    <p:sldId id="284" r:id="rId19"/>
+    <p:sldId id="275" r:id="rId20"/>
+    <p:sldId id="286" r:id="rId21"/>
+    <p:sldId id="264" r:id="rId22"/>
+    <p:sldId id="261" r:id="rId23"/>
+    <p:sldId id="273" r:id="rId24"/>
+    <p:sldId id="274" r:id="rId25"/>
+    <p:sldId id="265" r:id="rId26"/>
+    <p:sldId id="266" r:id="rId27"/>
+    <p:sldId id="292" r:id="rId28"/>
+    <p:sldId id="293" r:id="rId29"/>
+    <p:sldId id="294" r:id="rId30"/>
+    <p:sldId id="287" r:id="rId31"/>
+    <p:sldId id="288" r:id="rId32"/>
+    <p:sldId id="285" r:id="rId33"/>
+    <p:sldId id="279" r:id="rId34"/>
+    <p:sldId id="289" r:id="rId35"/>
   </p:sldIdLst>
   <p:sldSz cx="9144000" cy="5143500" type="screen16x9"/>
   <p:notesSz cx="6858000" cy="9144000"/>
   <p:embeddedFontLst>
     <p:embeddedFont>
       <p:font typeface="Cambria Math" panose="02040503050406030204" pitchFamily="18" charset="0"/>
-      <p:regular r:id="rId32"/>
+      <p:regular r:id="rId37"/>
     </p:embeddedFont>
   </p:embeddedFontLst>
   <p:defaultTextStyle>
@@ -931,7 +936,7 @@
               </a:spcAft>
               <a:buNone/>
             </a:pPr>
-            <a:endParaRPr/>
+            <a:endParaRPr dirty="0"/>
           </a:p>
         </p:txBody>
       </p:sp>
@@ -1040,7 +1045,7 @@
               </a:spcAft>
               <a:buNone/>
             </a:pPr>
-            <a:endParaRPr/>
+            <a:endParaRPr dirty="0"/>
           </a:p>
         </p:txBody>
       </p:sp>
@@ -1205,6 +1210,170 @@
           <a:bodyPr/>
           <a:lstStyle/>
           <a:p>
+            <a:r>
+              <a:rPr lang="en-US" altLang="zh-TW" dirty="0" smtClean="0"/>
+              <a:t>S2</a:t>
+            </a:r>
+            <a:r>
+              <a:rPr lang="en-US" altLang="zh-TW" baseline="0" dirty="0" smtClean="0"/>
+              <a:t>: </a:t>
+            </a:r>
+            <a:r>
+              <a:rPr lang="en-US" altLang="zh-TW" baseline="0" dirty="0" err="1" smtClean="0"/>
+              <a:t>traing</a:t>
+            </a:r>
+            <a:r>
+              <a:rPr lang="en-US" altLang="zh-TW" baseline="0" dirty="0" smtClean="0"/>
+              <a:t> ~2018, test 2019</a:t>
+            </a:r>
+            <a:endParaRPr lang="zh-TW" altLang="en-US" dirty="0"/>
+          </a:p>
+        </p:txBody>
+      </p:sp>
+    </p:spTree>
+    <p:extLst>
+      <p:ext uri="{BB962C8B-B14F-4D97-AF65-F5344CB8AC3E}">
+        <p14:creationId xmlns:p14="http://schemas.microsoft.com/office/powerpoint/2010/main" val="2489780774"/>
+      </p:ext>
+    </p:extLst>
+  </p:cSld>
+  <p:clrMapOvr>
+    <a:masterClrMapping/>
+  </p:clrMapOvr>
+</p:notes>
+</file>
+
+<file path=ppt/notesSlides/notesSlide14.xml><?xml version="1.0" encoding="utf-8"?>
+<p:notes xmlns:a="http://schemas.openxmlformats.org/drawingml/2006/main" xmlns:r="http://schemas.openxmlformats.org/officeDocument/2006/relationships" xmlns:p="http://schemas.openxmlformats.org/presentationml/2006/main">
+  <p:cSld>
+    <p:spTree>
+      <p:nvGrpSpPr>
+        <p:cNvPr id="1" name=""/>
+        <p:cNvGrpSpPr/>
+        <p:nvPr/>
+      </p:nvGrpSpPr>
+      <p:grpSpPr>
+        <a:xfrm>
+          <a:off x="0" y="0"/>
+          <a:ext cx="0" cy="0"/>
+          <a:chOff x="0" y="0"/>
+          <a:chExt cx="0" cy="0"/>
+        </a:xfrm>
+      </p:grpSpPr>
+      <p:sp>
+        <p:nvSpPr>
+          <p:cNvPr id="2" name="投影片圖像版面配置區 1"/>
+          <p:cNvSpPr>
+            <a:spLocks noGrp="1" noRot="1" noChangeAspect="1"/>
+          </p:cNvSpPr>
+          <p:nvPr>
+            <p:ph type="sldImg"/>
+          </p:nvPr>
+        </p:nvSpPr>
+        <p:spPr>
+          <a:xfrm>
+            <a:off x="381000" y="685800"/>
+            <a:ext cx="6096000" cy="3429000"/>
+          </a:xfrm>
+        </p:spPr>
+      </p:sp>
+      <p:sp>
+        <p:nvSpPr>
+          <p:cNvPr id="3" name="備忘稿版面配置區 2"/>
+          <p:cNvSpPr>
+            <a:spLocks noGrp="1"/>
+          </p:cNvSpPr>
+          <p:nvPr>
+            <p:ph type="body" idx="1"/>
+          </p:nvPr>
+        </p:nvSpPr>
+        <p:spPr/>
+        <p:txBody>
+          <a:bodyPr/>
+          <a:lstStyle/>
+          <a:p>
+            <a:r>
+              <a:rPr lang="en-US" altLang="zh-TW" dirty="0" smtClean="0"/>
+              <a:t>Modify lookback</a:t>
+            </a:r>
+            <a:r>
+              <a:rPr lang="en-US" altLang="zh-TW" baseline="0" dirty="0" smtClean="0"/>
+              <a:t> window size for rolling-LS </a:t>
+            </a:r>
+            <a:r>
+              <a:rPr lang="en-US" altLang="zh-TW" dirty="0" smtClean="0"/>
+              <a:t>S3</a:t>
+            </a:r>
+            <a:r>
+              <a:rPr lang="en-US" altLang="zh-TW" baseline="0" dirty="0" smtClean="0"/>
+              <a:t> </a:t>
+            </a:r>
+            <a:endParaRPr lang="zh-TW" altLang="en-US" dirty="0"/>
+          </a:p>
+        </p:txBody>
+      </p:sp>
+    </p:spTree>
+    <p:extLst>
+      <p:ext uri="{BB962C8B-B14F-4D97-AF65-F5344CB8AC3E}">
+        <p14:creationId xmlns:p14="http://schemas.microsoft.com/office/powerpoint/2010/main" val="3056365638"/>
+      </p:ext>
+    </p:extLst>
+  </p:cSld>
+  <p:clrMapOvr>
+    <a:masterClrMapping/>
+  </p:clrMapOvr>
+</p:notes>
+</file>
+
+<file path=ppt/notesSlides/notesSlide15.xml><?xml version="1.0" encoding="utf-8"?>
+<p:notes xmlns:a="http://schemas.openxmlformats.org/drawingml/2006/main" xmlns:r="http://schemas.openxmlformats.org/officeDocument/2006/relationships" xmlns:p="http://schemas.openxmlformats.org/presentationml/2006/main">
+  <p:cSld>
+    <p:spTree>
+      <p:nvGrpSpPr>
+        <p:cNvPr id="1" name=""/>
+        <p:cNvGrpSpPr/>
+        <p:nvPr/>
+      </p:nvGrpSpPr>
+      <p:grpSpPr>
+        <a:xfrm>
+          <a:off x="0" y="0"/>
+          <a:ext cx="0" cy="0"/>
+          <a:chOff x="0" y="0"/>
+          <a:chExt cx="0" cy="0"/>
+        </a:xfrm>
+      </p:grpSpPr>
+      <p:sp>
+        <p:nvSpPr>
+          <p:cNvPr id="2" name="投影片圖像版面配置區 1"/>
+          <p:cNvSpPr>
+            <a:spLocks noGrp="1" noRot="1" noChangeAspect="1"/>
+          </p:cNvSpPr>
+          <p:nvPr>
+            <p:ph type="sldImg"/>
+          </p:nvPr>
+        </p:nvSpPr>
+        <p:spPr>
+          <a:xfrm>
+            <a:off x="381000" y="685800"/>
+            <a:ext cx="6096000" cy="3429000"/>
+          </a:xfrm>
+        </p:spPr>
+      </p:sp>
+      <p:sp>
+        <p:nvSpPr>
+          <p:cNvPr id="3" name="備忘稿版面配置區 2"/>
+          <p:cNvSpPr>
+            <a:spLocks noGrp="1"/>
+          </p:cNvSpPr>
+          <p:nvPr>
+            <p:ph type="body" idx="1"/>
+          </p:nvPr>
+        </p:nvSpPr>
+        <p:spPr/>
+        <p:txBody>
+          <a:bodyPr/>
+          <a:lstStyle/>
+          <a:p>
             <a:endParaRPr lang="zh-TW" altLang="en-US" dirty="0"/>
           </a:p>
         </p:txBody>
@@ -1213,6 +1382,72 @@
     <p:extLst>
       <p:ext uri="{BB962C8B-B14F-4D97-AF65-F5344CB8AC3E}">
         <p14:creationId xmlns:p14="http://schemas.microsoft.com/office/powerpoint/2010/main" val="3502925500"/>
+      </p:ext>
+    </p:extLst>
+  </p:cSld>
+  <p:clrMapOvr>
+    <a:masterClrMapping/>
+  </p:clrMapOvr>
+</p:notes>
+</file>
+
+<file path=ppt/notesSlides/notesSlide16.xml><?xml version="1.0" encoding="utf-8"?>
+<p:notes xmlns:a="http://schemas.openxmlformats.org/drawingml/2006/main" xmlns:r="http://schemas.openxmlformats.org/officeDocument/2006/relationships" xmlns:p="http://schemas.openxmlformats.org/presentationml/2006/main">
+  <p:cSld>
+    <p:spTree>
+      <p:nvGrpSpPr>
+        <p:cNvPr id="1" name=""/>
+        <p:cNvGrpSpPr/>
+        <p:nvPr/>
+      </p:nvGrpSpPr>
+      <p:grpSpPr>
+        <a:xfrm>
+          <a:off x="0" y="0"/>
+          <a:ext cx="0" cy="0"/>
+          <a:chOff x="0" y="0"/>
+          <a:chExt cx="0" cy="0"/>
+        </a:xfrm>
+      </p:grpSpPr>
+      <p:sp>
+        <p:nvSpPr>
+          <p:cNvPr id="2" name="投影片圖像版面配置區 1"/>
+          <p:cNvSpPr>
+            <a:spLocks noGrp="1" noRot="1" noChangeAspect="1"/>
+          </p:cNvSpPr>
+          <p:nvPr>
+            <p:ph type="sldImg"/>
+          </p:nvPr>
+        </p:nvSpPr>
+        <p:spPr>
+          <a:xfrm>
+            <a:off x="381000" y="685800"/>
+            <a:ext cx="6096000" cy="3429000"/>
+          </a:xfrm>
+        </p:spPr>
+      </p:sp>
+      <p:sp>
+        <p:nvSpPr>
+          <p:cNvPr id="3" name="備忘稿版面配置區 2"/>
+          <p:cNvSpPr>
+            <a:spLocks noGrp="1"/>
+          </p:cNvSpPr>
+          <p:nvPr>
+            <p:ph type="body" idx="1"/>
+          </p:nvPr>
+        </p:nvSpPr>
+        <p:spPr/>
+        <p:txBody>
+          <a:bodyPr/>
+          <a:lstStyle/>
+          <a:p>
+            <a:endParaRPr lang="zh-TW" altLang="en-US" dirty="0"/>
+          </a:p>
+        </p:txBody>
+      </p:sp>
+    </p:spTree>
+    <p:extLst>
+      <p:ext uri="{BB962C8B-B14F-4D97-AF65-F5344CB8AC3E}">
+        <p14:creationId xmlns:p14="http://schemas.microsoft.com/office/powerpoint/2010/main" val="4151636540"/>
       </p:ext>
     </p:extLst>
   </p:cSld>
@@ -6959,6 +7194,18 @@
               <a:rPr lang="zh-TW" dirty="0" smtClean="0"/>
               <a:t>Tang</a:t>
             </a:r>
+            <a:r>
+              <a:rPr lang="en-US" altLang="zh-TW" dirty="0" smtClean="0"/>
+              <a:t> (</a:t>
+            </a:r>
+            <a:r>
+              <a:rPr lang="zh-TW" altLang="en-US" dirty="0" smtClean="0"/>
+              <a:t>湯忠憲</a:t>
+            </a:r>
+            <a:r>
+              <a:rPr lang="en-US" altLang="zh-TW" dirty="0" smtClean="0"/>
+              <a:t>)</a:t>
+            </a:r>
             <a:endParaRPr lang="en-US" altLang="zh-TW" dirty="0" smtClean="0"/>
           </a:p>
           <a:p>
@@ -6984,10 +7231,345 @@
   <p:clrMapOvr>
     <a:masterClrMapping/>
   </p:clrMapOvr>
+  <p:timing>
+    <p:tnLst>
+      <p:par>
+        <p:cTn id="1" dur="indefinite" restart="never" nodeType="tmRoot"/>
+      </p:par>
+    </p:tnLst>
+  </p:timing>
 </p:sld>
 </file>
 
 <file path=ppt/slides/slide10.xml><?xml version="1.0" encoding="utf-8"?>
+<p:sld xmlns:a="http://schemas.openxmlformats.org/drawingml/2006/main" xmlns:r="http://schemas.openxmlformats.org/officeDocument/2006/relationships" xmlns:p="http://schemas.openxmlformats.org/presentationml/2006/main">
+  <p:cSld>
+    <p:spTree>
+      <p:nvGrpSpPr>
+        <p:cNvPr id="1" name="Shape 67"/>
+        <p:cNvGrpSpPr/>
+        <p:nvPr/>
+      </p:nvGrpSpPr>
+      <p:grpSpPr>
+        <a:xfrm>
+          <a:off x="0" y="0"/>
+          <a:ext cx="0" cy="0"/>
+          <a:chOff x="0" y="0"/>
+          <a:chExt cx="0" cy="0"/>
+        </a:xfrm>
+      </p:grpSpPr>
+      <p:sp>
+        <p:nvSpPr>
+          <p:cNvPr id="68" name="Google Shape;68;p15"/>
+          <p:cNvSpPr txBox="1">
+            <a:spLocks noGrp="1"/>
+          </p:cNvSpPr>
+          <p:nvPr>
+            <p:ph type="title"/>
+          </p:nvPr>
+        </p:nvSpPr>
+        <p:spPr>
+          <a:xfrm>
+            <a:off x="311700" y="445025"/>
+            <a:ext cx="8520600" cy="572700"/>
+          </a:xfrm>
+          <a:prstGeom prst="rect">
+            <a:avLst/>
+          </a:prstGeom>
+        </p:spPr>
+        <p:txBody>
+          <a:bodyPr spcFirstLastPara="1" wrap="square" lIns="91425" tIns="91425" rIns="91425" bIns="91425" anchor="t" anchorCtr="0">
+            <a:noAutofit/>
+          </a:bodyPr>
+          <a:lstStyle/>
+          <a:p>
+            <a:pPr marL="0" lvl="0" indent="0" algn="l" rtl="0">
+              <a:spcBef>
+                <a:spcPts val="0"/>
+              </a:spcBef>
+              <a:spcAft>
+                <a:spcPts val="0"/>
+              </a:spcAft>
+              <a:buNone/>
+            </a:pPr>
+            <a:r>
+              <a:rPr lang="zh-TW"/>
+              <a:t>Other tading period</a:t>
+            </a:r>
+            <a:endParaRPr/>
+          </a:p>
+        </p:txBody>
+      </p:sp>
+      <p:sp>
+        <p:nvSpPr>
+          <p:cNvPr id="69" name="Google Shape;69;p15"/>
+          <p:cNvSpPr txBox="1">
+            <a:spLocks noGrp="1"/>
+          </p:cNvSpPr>
+          <p:nvPr>
+            <p:ph type="body" idx="1"/>
+          </p:nvPr>
+        </p:nvSpPr>
+        <p:spPr>
+          <a:xfrm>
+            <a:off x="311700" y="1152475"/>
+            <a:ext cx="8520600" cy="3416400"/>
+          </a:xfrm>
+          <a:prstGeom prst="rect">
+            <a:avLst/>
+          </a:prstGeom>
+        </p:spPr>
+        <p:txBody>
+          <a:bodyPr spcFirstLastPara="1" wrap="square" lIns="91425" tIns="91425" rIns="91425" bIns="91425" anchor="t" anchorCtr="0">
+            <a:noAutofit/>
+          </a:bodyPr>
+          <a:lstStyle/>
+          <a:p>
+            <a:pPr marL="0" lvl="0" indent="0" algn="l" rtl="0">
+              <a:spcBef>
+                <a:spcPts val="0"/>
+              </a:spcBef>
+              <a:spcAft>
+                <a:spcPts val="1600"/>
+              </a:spcAft>
+              <a:buNone/>
+            </a:pPr>
+            <a:endParaRPr dirty="0"/>
+          </a:p>
+        </p:txBody>
+      </p:sp>
+      <p:pic>
+        <p:nvPicPr>
+          <p:cNvPr id="70" name="Google Shape;70;p15"/>
+          <p:cNvPicPr preferRelativeResize="0"/>
+          <p:nvPr/>
+        </p:nvPicPr>
+        <p:blipFill>
+          <a:blip r:embed="rId3">
+            <a:extLst>
+              <a:ext uri="{28A0092B-C50C-407E-A947-70E740481C1C}">
+                <a14:useLocalDpi xmlns:a14="http://schemas.microsoft.com/office/drawing/2010/main" val="0"/>
+              </a:ext>
+            </a:extLst>
+          </a:blip>
+          <a:stretch>
+            <a:fillRect/>
+          </a:stretch>
+        </p:blipFill>
+        <p:spPr>
+          <a:xfrm>
+            <a:off x="1220156" y="3078562"/>
+            <a:ext cx="3097387" cy="2064925"/>
+          </a:xfrm>
+          <a:prstGeom prst="rect">
+            <a:avLst/>
+          </a:prstGeom>
+          <a:noFill/>
+          <a:ln>
+            <a:noFill/>
+          </a:ln>
+        </p:spPr>
+      </p:pic>
+      <p:pic>
+        <p:nvPicPr>
+          <p:cNvPr id="71" name="Google Shape;71;p15"/>
+          <p:cNvPicPr preferRelativeResize="0"/>
+          <p:nvPr/>
+        </p:nvPicPr>
+        <p:blipFill>
+          <a:blip r:embed="rId4">
+            <a:extLst>
+              <a:ext uri="{28A0092B-C50C-407E-A947-70E740481C1C}">
+                <a14:useLocalDpi xmlns:a14="http://schemas.microsoft.com/office/drawing/2010/main" val="0"/>
+              </a:ext>
+            </a:extLst>
+          </a:blip>
+          <a:stretch>
+            <a:fillRect/>
+          </a:stretch>
+        </p:blipFill>
+        <p:spPr>
+          <a:xfrm>
+            <a:off x="1220156" y="968711"/>
+            <a:ext cx="3097387" cy="2064925"/>
+          </a:xfrm>
+          <a:prstGeom prst="rect">
+            <a:avLst/>
+          </a:prstGeom>
+          <a:noFill/>
+          <a:ln>
+            <a:noFill/>
+          </a:ln>
+        </p:spPr>
+      </p:pic>
+      <p:pic>
+        <p:nvPicPr>
+          <p:cNvPr id="72" name="Google Shape;72;p15"/>
+          <p:cNvPicPr preferRelativeResize="0"/>
+          <p:nvPr/>
+        </p:nvPicPr>
+        <p:blipFill>
+          <a:blip r:embed="rId5">
+            <a:extLst>
+              <a:ext uri="{28A0092B-C50C-407E-A947-70E740481C1C}">
+                <a14:useLocalDpi xmlns:a14="http://schemas.microsoft.com/office/drawing/2010/main" val="0"/>
+              </a:ext>
+            </a:extLst>
+          </a:blip>
+          <a:stretch>
+            <a:fillRect/>
+          </a:stretch>
+        </p:blipFill>
+        <p:spPr>
+          <a:xfrm>
+            <a:off x="4883100" y="968691"/>
+            <a:ext cx="3097400" cy="2064933"/>
+          </a:xfrm>
+          <a:prstGeom prst="rect">
+            <a:avLst/>
+          </a:prstGeom>
+          <a:noFill/>
+          <a:ln>
+            <a:noFill/>
+          </a:ln>
+        </p:spPr>
+      </p:pic>
+      <p:pic>
+        <p:nvPicPr>
+          <p:cNvPr id="73" name="Google Shape;73;p15"/>
+          <p:cNvPicPr preferRelativeResize="0"/>
+          <p:nvPr/>
+        </p:nvPicPr>
+        <p:blipFill>
+          <a:blip r:embed="rId6">
+            <a:extLst>
+              <a:ext uri="{28A0092B-C50C-407E-A947-70E740481C1C}">
+                <a14:useLocalDpi xmlns:a14="http://schemas.microsoft.com/office/drawing/2010/main" val="0"/>
+              </a:ext>
+            </a:extLst>
+          </a:blip>
+          <a:stretch>
+            <a:fillRect/>
+          </a:stretch>
+        </p:blipFill>
+        <p:spPr>
+          <a:xfrm>
+            <a:off x="4883100" y="3078560"/>
+            <a:ext cx="3097400" cy="2064933"/>
+          </a:xfrm>
+          <a:prstGeom prst="rect">
+            <a:avLst/>
+          </a:prstGeom>
+          <a:noFill/>
+          <a:ln>
+            <a:noFill/>
+          </a:ln>
+        </p:spPr>
+      </p:pic>
+      <p:sp>
+        <p:nvSpPr>
+          <p:cNvPr id="74" name="Google Shape;74;p15"/>
+          <p:cNvSpPr/>
+          <p:nvPr/>
+        </p:nvSpPr>
+        <p:spPr>
+          <a:xfrm>
+            <a:off x="7333075" y="3176875"/>
+            <a:ext cx="647400" cy="572700"/>
+          </a:xfrm>
+          <a:prstGeom prst="ellipse">
+            <a:avLst/>
+          </a:prstGeom>
+          <a:noFill/>
+          <a:ln w="28575" cap="flat" cmpd="sng">
+            <a:solidFill>
+              <a:schemeClr val="accent5"/>
+            </a:solidFill>
+            <a:prstDash val="solid"/>
+            <a:round/>
+            <a:headEnd type="none" w="sm" len="sm"/>
+            <a:tailEnd type="none" w="sm" len="sm"/>
+          </a:ln>
+        </p:spPr>
+        <p:txBody>
+          <a:bodyPr spcFirstLastPara="1" wrap="square" lIns="91425" tIns="91425" rIns="91425" bIns="91425" anchor="ctr" anchorCtr="0">
+            <a:noAutofit/>
+          </a:bodyPr>
+          <a:lstStyle/>
+          <a:p>
+            <a:pPr marL="0" lvl="0" indent="0" algn="l" rtl="0">
+              <a:spcBef>
+                <a:spcPts val="0"/>
+              </a:spcBef>
+              <a:spcAft>
+                <a:spcPts val="0"/>
+              </a:spcAft>
+              <a:buNone/>
+            </a:pPr>
+            <a:endParaRPr/>
+          </a:p>
+        </p:txBody>
+      </p:sp>
+      <p:sp>
+        <p:nvSpPr>
+          <p:cNvPr id="75" name="Google Shape;75;p15"/>
+          <p:cNvSpPr/>
+          <p:nvPr/>
+        </p:nvSpPr>
+        <p:spPr>
+          <a:xfrm>
+            <a:off x="7333075" y="1017725"/>
+            <a:ext cx="647400" cy="572700"/>
+          </a:xfrm>
+          <a:prstGeom prst="ellipse">
+            <a:avLst/>
+          </a:prstGeom>
+          <a:noFill/>
+          <a:ln w="28575" cap="flat" cmpd="sng">
+            <a:solidFill>
+              <a:schemeClr val="accent5"/>
+            </a:solidFill>
+            <a:prstDash val="solid"/>
+            <a:round/>
+            <a:headEnd type="none" w="sm" len="sm"/>
+            <a:tailEnd type="none" w="sm" len="sm"/>
+          </a:ln>
+        </p:spPr>
+        <p:txBody>
+          <a:bodyPr spcFirstLastPara="1" wrap="square" lIns="91425" tIns="91425" rIns="91425" bIns="91425" anchor="ctr" anchorCtr="0">
+            <a:noAutofit/>
+          </a:bodyPr>
+          <a:lstStyle/>
+          <a:p>
+            <a:pPr marL="0" lvl="0" indent="0" algn="l" rtl="0">
+              <a:spcBef>
+                <a:spcPts val="0"/>
+              </a:spcBef>
+              <a:spcAft>
+                <a:spcPts val="0"/>
+              </a:spcAft>
+              <a:buNone/>
+            </a:pPr>
+            <a:endParaRPr/>
+          </a:p>
+        </p:txBody>
+      </p:sp>
+    </p:spTree>
+  </p:cSld>
+  <p:clrMapOvr>
+    <a:masterClrMapping/>
+  </p:clrMapOvr>
+  <p:timing>
+    <p:tnLst>
+      <p:par>
+        <p:cTn id="1" dur="indefinite" restart="never" nodeType="tmRoot"/>
+      </p:par>
+    </p:tnLst>
+  </p:timing>
+</p:sld>
+</file>
+
+<file path=ppt/slides/slide11.xml><?xml version="1.0" encoding="utf-8"?>
 <p:sld xmlns:a="http://schemas.openxmlformats.org/drawingml/2006/main" xmlns:r="http://schemas.openxmlformats.org/officeDocument/2006/relationships" xmlns:p="http://schemas.openxmlformats.org/presentationml/2006/main">
   <p:cSld>
     <p:spTree>
@@ -7021,7 +7603,7 @@
           <a:p>
             <a:r>
               <a:rPr lang="en-US" altLang="zh-TW" dirty="0" smtClean="0"/>
-              <a:t>Log prices of AUD and NZD against USD</a:t>
+              <a:t>Prices of AUD and NZD against USD</a:t>
             </a:r>
             <a:endParaRPr lang="zh-TW" altLang="en-US" dirty="0"/>
           </a:p>
@@ -7085,10 +7667,17 @@
   <p:clrMapOvr>
     <a:masterClrMapping/>
   </p:clrMapOvr>
+  <p:timing>
+    <p:tnLst>
+      <p:par>
+        <p:cTn id="1" dur="indefinite" restart="never" nodeType="tmRoot"/>
+      </p:par>
+    </p:tnLst>
+  </p:timing>
 </p:sld>
 </file>
 
-<file path=ppt/slides/slide11.xml><?xml version="1.0" encoding="utf-8"?>
+<file path=ppt/slides/slide12.xml><?xml version="1.0" encoding="utf-8"?>
 <p:sld xmlns:a="http://schemas.openxmlformats.org/drawingml/2006/main" xmlns:r="http://schemas.openxmlformats.org/officeDocument/2006/relationships" xmlns:p="http://schemas.openxmlformats.org/presentationml/2006/main">
   <p:cSld>
     <p:spTree>
@@ -7142,10 +7731,17 @@
   <p:clrMapOvr>
     <a:masterClrMapping/>
   </p:clrMapOvr>
+  <p:timing>
+    <p:tnLst>
+      <p:par>
+        <p:cTn id="1" dur="indefinite" restart="never" nodeType="tmRoot"/>
+      </p:par>
+    </p:tnLst>
+  </p:timing>
 </p:sld>
 </file>
 
-<file path=ppt/slides/slide12.xml><?xml version="1.0" encoding="utf-8"?>
+<file path=ppt/slides/slide13.xml><?xml version="1.0" encoding="utf-8"?>
 <p:sld xmlns:a="http://schemas.openxmlformats.org/drawingml/2006/main" xmlns:r="http://schemas.openxmlformats.org/officeDocument/2006/relationships" xmlns:p="http://schemas.openxmlformats.org/presentationml/2006/main">
   <p:cSld>
     <p:spTree>
@@ -7555,13 +8151,7 @@
                           <a:rPr lang="en-US" altLang="zh-TW" b="0" i="1" dirty="0" smtClean="0">
                             <a:latin typeface="Cambria Math" panose="02040503050406030204" pitchFamily="18" charset="0"/>
                           </a:rPr>
-                          <m:t>−</m:t>
-                        </m:r>
-                        <m:r>
-                          <a:rPr lang="en-US" altLang="zh-TW" b="0" i="1" dirty="0" smtClean="0">
-                            <a:latin typeface="Cambria Math" panose="02040503050406030204" pitchFamily="18" charset="0"/>
-                          </a:rPr>
-                          <m:t>1</m:t>
+                          <m:t>−1</m:t>
                         </m:r>
                       </m:sub>
                     </m:sSub>
@@ -7569,13 +8159,7 @@
                       <a:rPr lang="en-US" altLang="zh-TW" b="0" i="1" dirty="0" smtClean="0">
                         <a:latin typeface="Cambria Math" panose="02040503050406030204" pitchFamily="18" charset="0"/>
                       </a:rPr>
-                      <m:t>=</m:t>
-                    </m:r>
-                    <m:r>
-                      <a:rPr lang="en-US" altLang="zh-TW" b="0" i="1" dirty="0" smtClean="0">
-                        <a:latin typeface="Cambria Math" panose="02040503050406030204" pitchFamily="18" charset="0"/>
-                      </a:rPr>
-                      <m:t>0</m:t>
+                      <m:t>=0</m:t>
                     </m:r>
                   </m:oMath>
                 </a14:m>
@@ -7772,13 +8356,7 @@
                           <a:rPr lang="en-US" altLang="zh-TW" i="1" dirty="0">
                             <a:latin typeface="Cambria Math" panose="02040503050406030204" pitchFamily="18" charset="0"/>
                           </a:rPr>
-                          <m:t>−</m:t>
-                        </m:r>
-                        <m:r>
-                          <a:rPr lang="en-US" altLang="zh-TW" i="1" dirty="0">
-                            <a:latin typeface="Cambria Math" panose="02040503050406030204" pitchFamily="18" charset="0"/>
-                          </a:rPr>
-                          <m:t>1</m:t>
+                          <m:t>−1</m:t>
                         </m:r>
                       </m:sub>
                     </m:sSub>
@@ -7786,13 +8364,7 @@
                       <a:rPr lang="en-US" altLang="zh-TW" i="1" dirty="0">
                         <a:latin typeface="Cambria Math" panose="02040503050406030204" pitchFamily="18" charset="0"/>
                       </a:rPr>
-                      <m:t>=</m:t>
-                    </m:r>
-                    <m:r>
-                      <a:rPr lang="en-US" altLang="zh-TW" i="1" dirty="0">
-                        <a:latin typeface="Cambria Math" panose="02040503050406030204" pitchFamily="18" charset="0"/>
-                      </a:rPr>
-                      <m:t>0</m:t>
+                      <m:t>=0</m:t>
                     </m:r>
                   </m:oMath>
                 </a14:m>
@@ -7917,10 +8489,17 @@
   <p:clrMapOvr>
     <a:masterClrMapping/>
   </p:clrMapOvr>
+  <p:timing>
+    <p:tnLst>
+      <p:par>
+        <p:cTn id="1" dur="indefinite" restart="never" nodeType="tmRoot"/>
+      </p:par>
+    </p:tnLst>
+  </p:timing>
 </p:sld>
 </file>
 
-<file path=ppt/slides/slide13.xml><?xml version="1.0" encoding="utf-8"?>
+<file path=ppt/slides/slide14.xml><?xml version="1.0" encoding="utf-8"?>
 <p:sld xmlns:a="http://schemas.openxmlformats.org/drawingml/2006/main" xmlns:r="http://schemas.openxmlformats.org/officeDocument/2006/relationships" xmlns:p="http://schemas.openxmlformats.org/presentationml/2006/main">
   <p:cSld>
     <p:spTree>
@@ -8034,8 +8613,8 @@
           </p:sp>
         </mc:Fallback>
       </mc:AlternateContent>
-      <mc:AlternateContent xmlns:mc="http://schemas.openxmlformats.org/markup-compatibility/2006">
-        <mc:Choice xmlns:a14="http://schemas.microsoft.com/office/drawing/2010/main" Requires="a14">
+      <mc:AlternateContent xmlns:mc="http://schemas.openxmlformats.org/markup-compatibility/2006" xmlns:a14="http://schemas.microsoft.com/office/drawing/2010/main">
+        <mc:Choice Requires="a14">
           <p:sp>
             <p:nvSpPr>
               <p:cNvPr id="3" name="文字版面配置區 2"/>
@@ -8140,13 +8719,8 @@
                 </a14:m>
                 <a:r>
                   <a:rPr lang="en-US" altLang="zh-TW" sz="1600" dirty="0" smtClean="0"/>
-                  <a:t> = </a:t>
+                  <a:t> = 0.75</a:t>
                 </a:r>
-                <a:r>
-                  <a:rPr lang="en-US" altLang="zh-TW" sz="1600" dirty="0" smtClean="0"/>
-                  <a:t>0.75</a:t>
-                </a:r>
-                <a:endParaRPr lang="en-US" altLang="zh-TW" sz="1600" dirty="0" smtClean="0"/>
               </a:p>
               <a:p>
                 <a:endParaRPr lang="en-US" altLang="zh-TW" dirty="0"/>
@@ -8157,7 +8731,7 @@
             </p:txBody>
           </p:sp>
         </mc:Choice>
-        <mc:Fallback>
+        <mc:Fallback xmlns="">
           <p:sp>
             <p:nvSpPr>
               <p:cNvPr id="3" name="文字版面配置區 2"/>
@@ -8297,10 +8871,17 @@
   <p:clrMapOvr>
     <a:masterClrMapping/>
   </p:clrMapOvr>
+  <p:timing>
+    <p:tnLst>
+      <p:par>
+        <p:cTn id="1" dur="indefinite" restart="never" nodeType="tmRoot"/>
+      </p:par>
+    </p:tnLst>
+  </p:timing>
 </p:sld>
 </file>
 
-<file path=ppt/slides/slide14.xml><?xml version="1.0" encoding="utf-8"?>
+<file path=ppt/slides/slide15.xml><?xml version="1.0" encoding="utf-8"?>
 <p:sld xmlns:a="http://schemas.openxmlformats.org/drawingml/2006/main" xmlns:r="http://schemas.openxmlformats.org/officeDocument/2006/relationships" xmlns:p="http://schemas.openxmlformats.org/presentationml/2006/main">
   <p:cSld>
     <p:spTree>
@@ -8394,8 +8975,8 @@
           </a:p>
         </p:txBody>
       </p:sp>
-      <mc:AlternateContent xmlns:mc="http://schemas.openxmlformats.org/markup-compatibility/2006">
-        <mc:Choice xmlns:a14="http://schemas.microsoft.com/office/drawing/2010/main" Requires="a14">
+      <mc:AlternateContent xmlns:mc="http://schemas.openxmlformats.org/markup-compatibility/2006" xmlns:a14="http://schemas.microsoft.com/office/drawing/2010/main">
+        <mc:Choice Requires="a14">
           <p:sp>
             <p:nvSpPr>
               <p:cNvPr id="87" name="Google Shape;87;p17"/>
@@ -9220,15 +9801,7 @@
                 </a:r>
                 <a:r>
                   <a:rPr lang="en-US" sz="1600" dirty="0" smtClean="0"/>
-                  <a:t>ookback window length: </a:t>
-                </a:r>
-                <a:r>
-                  <a:rPr lang="en-US" sz="1600" dirty="0" smtClean="0"/>
-                  <a:t>300 </a:t>
-                </a:r>
-                <a:r>
-                  <a:rPr lang="en-US" sz="1600" dirty="0" smtClean="0"/>
-                  <a:t>days</a:t>
+                  <a:t>ookback window length: 300 days</a:t>
                 </a:r>
               </a:p>
               <a:p>
@@ -9247,7 +9820,7 @@
             </p:txBody>
           </p:sp>
         </mc:Choice>
-        <mc:Fallback>
+        <mc:Fallback xmlns="">
           <p:sp>
             <p:nvSpPr>
               <p:cNvPr id="87" name="Google Shape;87;p17"/>
@@ -9293,10 +9866,17 @@
   <p:clrMapOvr>
     <a:masterClrMapping/>
   </p:clrMapOvr>
+  <p:timing>
+    <p:tnLst>
+      <p:par>
+        <p:cTn id="1" dur="indefinite" restart="never" nodeType="tmRoot"/>
+      </p:par>
+    </p:tnLst>
+  </p:timing>
 </p:sld>
 </file>
 
-<file path=ppt/slides/slide15.xml><?xml version="1.0" encoding="utf-8"?>
+<file path=ppt/slides/slide16.xml><?xml version="1.0" encoding="utf-8"?>
 <p:sld xmlns:a="http://schemas.openxmlformats.org/drawingml/2006/main" xmlns:r="http://schemas.openxmlformats.org/officeDocument/2006/relationships" xmlns:p="http://schemas.openxmlformats.org/presentationml/2006/main">
   <p:cSld>
     <p:spTree>
@@ -10738,10 +11318,17 @@
   <p:clrMapOvr>
     <a:masterClrMapping/>
   </p:clrMapOvr>
+  <p:timing>
+    <p:tnLst>
+      <p:par>
+        <p:cTn id="1" dur="indefinite" restart="never" nodeType="tmRoot"/>
+      </p:par>
+    </p:tnLst>
+  </p:timing>
 </p:sld>
 </file>
 
-<file path=ppt/slides/slide16.xml><?xml version="1.0" encoding="utf-8"?>
+<file path=ppt/slides/slide17.xml><?xml version="1.0" encoding="utf-8"?>
 <p:sld xmlns:a="http://schemas.openxmlformats.org/drawingml/2006/main" xmlns:r="http://schemas.openxmlformats.org/officeDocument/2006/relationships" xmlns:p="http://schemas.openxmlformats.org/presentationml/2006/main">
   <p:cSld>
     <p:spTree>
@@ -11177,10 +11764,17 @@
   <p:clrMapOvr>
     <a:masterClrMapping/>
   </p:clrMapOvr>
+  <p:timing>
+    <p:tnLst>
+      <p:par>
+        <p:cTn id="1" dur="indefinite" restart="never" nodeType="tmRoot"/>
+      </p:par>
+    </p:tnLst>
+  </p:timing>
 </p:sld>
 </file>
 
-<file path=ppt/slides/slide17.xml><?xml version="1.0" encoding="utf-8"?>
+<file path=ppt/slides/slide18.xml><?xml version="1.0" encoding="utf-8"?>
 <p:sld xmlns:a="http://schemas.openxmlformats.org/drawingml/2006/main" xmlns:r="http://schemas.openxmlformats.org/officeDocument/2006/relationships" xmlns:p="http://schemas.openxmlformats.org/presentationml/2006/main">
   <p:cSld>
     <p:spTree>
@@ -11234,10 +11828,17 @@
   <p:clrMapOvr>
     <a:masterClrMapping/>
   </p:clrMapOvr>
+  <p:timing>
+    <p:tnLst>
+      <p:par>
+        <p:cTn id="1" dur="indefinite" restart="never" nodeType="tmRoot"/>
+      </p:par>
+    </p:tnLst>
+  </p:timing>
 </p:sld>
 </file>
 
-<file path=ppt/slides/slide18.xml><?xml version="1.0" encoding="utf-8"?>
+<file path=ppt/slides/slide19.xml><?xml version="1.0" encoding="utf-8"?>
 <p:sld xmlns:a="http://schemas.openxmlformats.org/drawingml/2006/main" xmlns:r="http://schemas.openxmlformats.org/officeDocument/2006/relationships" xmlns:p="http://schemas.openxmlformats.org/presentationml/2006/main">
   <p:cSld>
     <p:spTree>
@@ -11336,10 +11937,122 @@
   <p:clrMapOvr>
     <a:masterClrMapping/>
   </p:clrMapOvr>
+  <p:timing>
+    <p:tnLst>
+      <p:par>
+        <p:cTn id="1" dur="indefinite" restart="never" nodeType="tmRoot"/>
+      </p:par>
+    </p:tnLst>
+  </p:timing>
 </p:sld>
 </file>
 
-<file path=ppt/slides/slide19.xml><?xml version="1.0" encoding="utf-8"?>
+<file path=ppt/slides/slide2.xml><?xml version="1.0" encoding="utf-8"?>
+<p:sld xmlns:a="http://schemas.openxmlformats.org/drawingml/2006/main" xmlns:r="http://schemas.openxmlformats.org/officeDocument/2006/relationships" xmlns:p="http://schemas.openxmlformats.org/presentationml/2006/main">
+  <p:cSld>
+    <p:spTree>
+      <p:nvGrpSpPr>
+        <p:cNvPr id="1" name=""/>
+        <p:cNvGrpSpPr/>
+        <p:nvPr/>
+      </p:nvGrpSpPr>
+      <p:grpSpPr>
+        <a:xfrm>
+          <a:off x="0" y="0"/>
+          <a:ext cx="0" cy="0"/>
+          <a:chOff x="0" y="0"/>
+          <a:chExt cx="0" cy="0"/>
+        </a:xfrm>
+      </p:grpSpPr>
+      <p:sp>
+        <p:nvSpPr>
+          <p:cNvPr id="3" name="標題 2"/>
+          <p:cNvSpPr>
+            <a:spLocks noGrp="1"/>
+          </p:cNvSpPr>
+          <p:nvPr>
+            <p:ph type="title"/>
+          </p:nvPr>
+        </p:nvSpPr>
+        <p:spPr/>
+        <p:txBody>
+          <a:bodyPr/>
+          <a:lstStyle/>
+          <a:p>
+            <a:r>
+              <a:rPr lang="en-US" altLang="zh-TW" dirty="0" smtClean="0"/>
+              <a:t>Outline</a:t>
+            </a:r>
+            <a:endParaRPr lang="zh-TW" altLang="en-US" dirty="0"/>
+          </a:p>
+        </p:txBody>
+      </p:sp>
+      <p:sp>
+        <p:nvSpPr>
+          <p:cNvPr id="4" name="文字版面配置區 3"/>
+          <p:cNvSpPr>
+            <a:spLocks noGrp="1"/>
+          </p:cNvSpPr>
+          <p:nvPr>
+            <p:ph type="body" idx="1"/>
+          </p:nvPr>
+        </p:nvSpPr>
+        <p:spPr/>
+        <p:txBody>
+          <a:bodyPr/>
+          <a:lstStyle/>
+          <a:p>
+            <a:r>
+              <a:rPr lang="en-US" altLang="zh-TW" dirty="0"/>
+              <a:t>Pairs </a:t>
+            </a:r>
+            <a:r>
+              <a:rPr lang="en-US" altLang="zh-TW" dirty="0" smtClean="0"/>
+              <a:t>formation</a:t>
+            </a:r>
+          </a:p>
+          <a:p>
+            <a:r>
+              <a:rPr lang="en-US" altLang="zh-TW" dirty="0" smtClean="0"/>
+              <a:t>Trading strategy</a:t>
+            </a:r>
+          </a:p>
+          <a:p>
+            <a:r>
+              <a:rPr lang="en-US" altLang="zh-TW" dirty="0" smtClean="0"/>
+              <a:t>Experiment results</a:t>
+            </a:r>
+          </a:p>
+          <a:p>
+            <a:r>
+              <a:rPr lang="en-US" altLang="zh-TW" dirty="0" smtClean="0"/>
+              <a:t>Conclusion</a:t>
+            </a:r>
+            <a:endParaRPr lang="zh-TW" altLang="en-US" dirty="0"/>
+          </a:p>
+        </p:txBody>
+      </p:sp>
+    </p:spTree>
+    <p:extLst>
+      <p:ext uri="{BB962C8B-B14F-4D97-AF65-F5344CB8AC3E}">
+        <p14:creationId xmlns:p14="http://schemas.microsoft.com/office/powerpoint/2010/main" val="479497370"/>
+      </p:ext>
+    </p:extLst>
+  </p:cSld>
+  <p:clrMapOvr>
+    <a:masterClrMapping/>
+  </p:clrMapOvr>
+  <p:timing>
+    <p:tnLst>
+      <p:par>
+        <p:cTn id="1" dur="indefinite" restart="never" nodeType="tmRoot"/>
+      </p:par>
+    </p:tnLst>
+  </p:timing>
+</p:sld>
+</file>
+
+<file path=ppt/slides/slide20.xml><?xml version="1.0" encoding="utf-8"?>
 <p:sld xmlns:a="http://schemas.openxmlformats.org/drawingml/2006/main" xmlns:r="http://schemas.openxmlformats.org/officeDocument/2006/relationships" xmlns:p="http://schemas.openxmlformats.org/presentationml/2006/main">
   <p:cSld>
     <p:spTree>
@@ -11438,104 +12151,17 @@
   <p:clrMapOvr>
     <a:masterClrMapping/>
   </p:clrMapOvr>
+  <p:timing>
+    <p:tnLst>
+      <p:par>
+        <p:cTn id="1" dur="indefinite" restart="never" nodeType="tmRoot"/>
+      </p:par>
+    </p:tnLst>
+  </p:timing>
 </p:sld>
 </file>
 
-<file path=ppt/slides/slide2.xml><?xml version="1.0" encoding="utf-8"?>
-<p:sld xmlns:a="http://schemas.openxmlformats.org/drawingml/2006/main" xmlns:r="http://schemas.openxmlformats.org/officeDocument/2006/relationships" xmlns:p="http://schemas.openxmlformats.org/presentationml/2006/main">
-  <p:cSld>
-    <p:spTree>
-      <p:nvGrpSpPr>
-        <p:cNvPr id="1" name=""/>
-        <p:cNvGrpSpPr/>
-        <p:nvPr/>
-      </p:nvGrpSpPr>
-      <p:grpSpPr>
-        <a:xfrm>
-          <a:off x="0" y="0"/>
-          <a:ext cx="0" cy="0"/>
-          <a:chOff x="0" y="0"/>
-          <a:chExt cx="0" cy="0"/>
-        </a:xfrm>
-      </p:grpSpPr>
-      <p:sp>
-        <p:nvSpPr>
-          <p:cNvPr id="3" name="標題 2"/>
-          <p:cNvSpPr>
-            <a:spLocks noGrp="1"/>
-          </p:cNvSpPr>
-          <p:nvPr>
-            <p:ph type="title"/>
-          </p:nvPr>
-        </p:nvSpPr>
-        <p:spPr/>
-        <p:txBody>
-          <a:bodyPr/>
-          <a:lstStyle/>
-          <a:p>
-            <a:r>
-              <a:rPr lang="en-US" altLang="zh-TW" dirty="0" smtClean="0"/>
-              <a:t>Outline</a:t>
-            </a:r>
-            <a:endParaRPr lang="zh-TW" altLang="en-US" dirty="0"/>
-          </a:p>
-        </p:txBody>
-      </p:sp>
-      <p:sp>
-        <p:nvSpPr>
-          <p:cNvPr id="4" name="文字版面配置區 3"/>
-          <p:cNvSpPr>
-            <a:spLocks noGrp="1"/>
-          </p:cNvSpPr>
-          <p:nvPr>
-            <p:ph type="body" idx="1"/>
-          </p:nvPr>
-        </p:nvSpPr>
-        <p:spPr/>
-        <p:txBody>
-          <a:bodyPr/>
-          <a:lstStyle/>
-          <a:p>
-            <a:r>
-              <a:rPr lang="en-US" altLang="zh-TW" dirty="0" smtClean="0"/>
-              <a:t>Pair Selection</a:t>
-            </a:r>
-          </a:p>
-          <a:p>
-            <a:r>
-              <a:rPr lang="en-US" altLang="zh-TW" dirty="0" smtClean="0"/>
-              <a:t>Trading strategy</a:t>
-            </a:r>
-          </a:p>
-          <a:p>
-            <a:r>
-              <a:rPr lang="en-US" altLang="zh-TW" dirty="0" smtClean="0"/>
-              <a:t>Experiment results</a:t>
-            </a:r>
-          </a:p>
-          <a:p>
-            <a:r>
-              <a:rPr lang="en-US" altLang="zh-TW" dirty="0" smtClean="0"/>
-              <a:t>Conclusion</a:t>
-            </a:r>
-            <a:endParaRPr lang="zh-TW" altLang="en-US" dirty="0"/>
-          </a:p>
-        </p:txBody>
-      </p:sp>
-    </p:spTree>
-    <p:extLst>
-      <p:ext uri="{BB962C8B-B14F-4D97-AF65-F5344CB8AC3E}">
-        <p14:creationId xmlns:p14="http://schemas.microsoft.com/office/powerpoint/2010/main" val="479497370"/>
-      </p:ext>
-    </p:extLst>
-  </p:cSld>
-  <p:clrMapOvr>
-    <a:masterClrMapping/>
-  </p:clrMapOvr>
-</p:sld>
-</file>
-
-<file path=ppt/slides/slide20.xml><?xml version="1.0" encoding="utf-8"?>
+<file path=ppt/slides/slide21.xml><?xml version="1.0" encoding="utf-8"?>
 <p:sld xmlns:a="http://schemas.openxmlformats.org/drawingml/2006/main" xmlns:r="http://schemas.openxmlformats.org/officeDocument/2006/relationships" xmlns:p="http://schemas.openxmlformats.org/presentationml/2006/main">
   <p:cSld>
     <p:spTree>
@@ -11629,10 +12255,17 @@
   <p:clrMapOvr>
     <a:masterClrMapping/>
   </p:clrMapOvr>
+  <p:timing>
+    <p:tnLst>
+      <p:par>
+        <p:cTn id="1" dur="indefinite" restart="never" nodeType="tmRoot"/>
+      </p:par>
+    </p:tnLst>
+  </p:timing>
 </p:sld>
 </file>
 
-<file path=ppt/slides/slide21.xml><?xml version="1.0" encoding="utf-8"?>
+<file path=ppt/slides/slide22.xml><?xml version="1.0" encoding="utf-8"?>
 <p:sld xmlns:a="http://schemas.openxmlformats.org/drawingml/2006/main" xmlns:r="http://schemas.openxmlformats.org/officeDocument/2006/relationships" xmlns:p="http://schemas.openxmlformats.org/presentationml/2006/main">
   <p:cSld>
     <p:spTree>
@@ -11684,10 +12317,10 @@
               <a:buNone/>
             </a:pPr>
             <a:r>
-              <a:rPr lang="zh-TW"/>
+              <a:rPr lang="zh-TW" dirty="0"/>
               <a:t>LS regression</a:t>
             </a:r>
-            <a:endParaRPr/>
+            <a:endParaRPr dirty="0"/>
           </a:p>
         </p:txBody>
       </p:sp>
@@ -11748,23 +12381,180 @@
         </p:blipFill>
         <p:spPr>
           <a:xfrm>
-            <a:off x="1911259" y="1217575"/>
-            <a:ext cx="5321480" cy="3320067"/>
+            <a:off x="1911259" y="1379621"/>
+            <a:ext cx="5321480" cy="2995974"/>
           </a:xfrm>
           <a:prstGeom prst="rect">
             <a:avLst/>
           </a:prstGeom>
         </p:spPr>
       </p:pic>
+      <p:sp>
+        <p:nvSpPr>
+          <p:cNvPr id="3" name="橢圓 2"/>
+          <p:cNvSpPr/>
+          <p:nvPr/>
+        </p:nvSpPr>
+        <p:spPr>
+          <a:xfrm>
+            <a:off x="6121190" y="1518962"/>
+            <a:ext cx="869058" cy="808602"/>
+          </a:xfrm>
+          <a:prstGeom prst="ellipse">
+            <a:avLst/>
+          </a:prstGeom>
+          <a:noFill/>
+          <a:ln w="19050" cap="flat" cmpd="sng" algn="ctr">
+            <a:solidFill>
+              <a:schemeClr val="accent1"/>
+            </a:solidFill>
+            <a:prstDash val="solid"/>
+            <a:round/>
+            <a:headEnd type="none" w="med" len="med"/>
+            <a:tailEnd type="none" w="med" len="med"/>
+          </a:ln>
+        </p:spPr>
+        <p:style>
+          <a:lnRef idx="0">
+            <a:scrgbClr r="0" g="0" b="0"/>
+          </a:lnRef>
+          <a:fillRef idx="0">
+            <a:scrgbClr r="0" g="0" b="0"/>
+          </a:fillRef>
+          <a:effectRef idx="0">
+            <a:scrgbClr r="0" g="0" b="0"/>
+          </a:effectRef>
+          <a:fontRef idx="minor">
+            <a:schemeClr val="accent1"/>
+          </a:fontRef>
+        </p:style>
+        <p:txBody>
+          <a:bodyPr rtlCol="0" anchor="ctr"/>
+          <a:lstStyle/>
+          <a:p>
+            <a:pPr algn="ctr"/>
+            <a:endParaRPr lang="zh-TW" altLang="en-US"/>
+          </a:p>
+        </p:txBody>
+      </p:sp>
+      <p:sp>
+        <p:nvSpPr>
+          <p:cNvPr id="4" name="文字方塊 3"/>
+          <p:cNvSpPr txBox="1"/>
+          <p:nvPr/>
+        </p:nvSpPr>
+        <p:spPr>
+          <a:xfrm>
+            <a:off x="5371856" y="2238775"/>
+            <a:ext cx="3425938" cy="307777"/>
+          </a:xfrm>
+          <a:prstGeom prst="rect">
+            <a:avLst/>
+          </a:prstGeom>
+          <a:noFill/>
+        </p:spPr>
+        <p:txBody>
+          <a:bodyPr wrap="none" rtlCol="0">
+            <a:spAutoFit/>
+          </a:bodyPr>
+          <a:lstStyle/>
+          <a:p>
+            <a:r>
+              <a:rPr lang="en-US" altLang="zh-TW" dirty="0">
+                <a:ln w="0"/>
+                <a:solidFill>
+                  <a:schemeClr val="accent1"/>
+                </a:solidFill>
+                <a:effectLst>
+                  <a:outerShdw blurRad="38100" dist="25400" dir="5400000" algn="ctr" rotWithShape="0">
+                    <a:srgbClr val="6E747A">
+                      <a:alpha val="43000"/>
+                    </a:srgbClr>
+                  </a:outerShdw>
+                </a:effectLst>
+              </a:rPr>
+              <a:t>spread </a:t>
+            </a:r>
+            <a:r>
+              <a:rPr lang="en-US" altLang="zh-TW" dirty="0" smtClean="0">
+                <a:ln w="0"/>
+                <a:solidFill>
+                  <a:schemeClr val="accent1"/>
+                </a:solidFill>
+                <a:effectLst>
+                  <a:outerShdw blurRad="38100" dist="25400" dir="5400000" algn="ctr" rotWithShape="0">
+                    <a:srgbClr val="6E747A">
+                      <a:alpha val="43000"/>
+                    </a:srgbClr>
+                  </a:outerShdw>
+                </a:effectLst>
+              </a:rPr>
+              <a:t>seems to be drift </a:t>
+            </a:r>
+            <a:r>
+              <a:rPr lang="en-US" altLang="zh-TW" dirty="0">
+                <a:ln w="0"/>
+                <a:solidFill>
+                  <a:schemeClr val="accent1"/>
+                </a:solidFill>
+                <a:effectLst>
+                  <a:outerShdw blurRad="38100" dist="25400" dir="5400000" algn="ctr" rotWithShape="0">
+                    <a:srgbClr val="6E747A">
+                      <a:alpha val="43000"/>
+                    </a:srgbClr>
+                  </a:outerShdw>
+                </a:effectLst>
+              </a:rPr>
+              <a:t>from </a:t>
+            </a:r>
+            <a:r>
+              <a:rPr lang="en-US" altLang="zh-TW" dirty="0" smtClean="0">
+                <a:ln w="0"/>
+                <a:solidFill>
+                  <a:schemeClr val="accent1"/>
+                </a:solidFill>
+                <a:effectLst>
+                  <a:outerShdw blurRad="38100" dist="25400" dir="5400000" algn="ctr" rotWithShape="0">
+                    <a:srgbClr val="6E747A">
+                      <a:alpha val="43000"/>
+                    </a:srgbClr>
+                  </a:outerShdw>
+                </a:effectLst>
+              </a:rPr>
+              <a:t>equilibrium</a:t>
+            </a:r>
+            <a:endParaRPr lang="zh-TW" altLang="en-US" dirty="0">
+              <a:ln w="0"/>
+              <a:solidFill>
+                <a:schemeClr val="accent1"/>
+              </a:solidFill>
+              <a:effectLst>
+                <a:outerShdw blurRad="38100" dist="25400" dir="5400000" algn="ctr" rotWithShape="0">
+                  <a:srgbClr val="6E747A">
+                    <a:alpha val="43000"/>
+                  </a:srgbClr>
+                </a:outerShdw>
+              </a:effectLst>
+            </a:endParaRPr>
+          </a:p>
+        </p:txBody>
+      </p:sp>
     </p:spTree>
   </p:cSld>
   <p:clrMapOvr>
     <a:masterClrMapping/>
   </p:clrMapOvr>
+  <p:timing>
+    <p:tnLst>
+      <p:par>
+        <p:cTn id="1" dur="indefinite" restart="never" nodeType="tmRoot"/>
+      </p:par>
+    </p:tnLst>
+  </p:timing>
 </p:sld>
 </file>
 
-<file path=ppt/slides/slide22.xml><?xml version="1.0" encoding="utf-8"?>
+<file path=ppt/slides/slide23.xml><?xml version="1.0" encoding="utf-8"?>
 <p:sld xmlns:a="http://schemas.openxmlformats.org/drawingml/2006/main" xmlns:r="http://schemas.openxmlformats.org/officeDocument/2006/relationships" xmlns:p="http://schemas.openxmlformats.org/presentationml/2006/main">
   <p:cSld>
     <p:spTree>
@@ -11871,14 +12661,344 @@
         </p:blipFill>
         <p:spPr>
           <a:xfrm>
-            <a:off x="1911260" y="1217575"/>
-            <a:ext cx="5321480" cy="3320067"/>
+            <a:off x="1911260" y="1379621"/>
+            <a:ext cx="5321480" cy="2995974"/>
           </a:xfrm>
           <a:prstGeom prst="rect">
             <a:avLst/>
           </a:prstGeom>
         </p:spPr>
       </p:pic>
+      <p:sp>
+        <p:nvSpPr>
+          <p:cNvPr id="5" name="橢圓 4"/>
+          <p:cNvSpPr/>
+          <p:nvPr/>
+        </p:nvSpPr>
+        <p:spPr>
+          <a:xfrm>
+            <a:off x="6453699" y="1919483"/>
+            <a:ext cx="370294" cy="430751"/>
+          </a:xfrm>
+          <a:prstGeom prst="ellipse">
+            <a:avLst/>
+          </a:prstGeom>
+          <a:noFill/>
+          <a:ln w="19050" cap="flat" cmpd="sng" algn="ctr">
+            <a:solidFill>
+              <a:schemeClr val="accent1"/>
+            </a:solidFill>
+            <a:prstDash val="solid"/>
+            <a:round/>
+            <a:headEnd type="none" w="med" len="med"/>
+            <a:tailEnd type="none" w="med" len="med"/>
+          </a:ln>
+        </p:spPr>
+        <p:style>
+          <a:lnRef idx="0">
+            <a:scrgbClr r="0" g="0" b="0"/>
+          </a:lnRef>
+          <a:fillRef idx="0">
+            <a:scrgbClr r="0" g="0" b="0"/>
+          </a:fillRef>
+          <a:effectRef idx="0">
+            <a:scrgbClr r="0" g="0" b="0"/>
+          </a:effectRef>
+          <a:fontRef idx="minor">
+            <a:schemeClr val="accent1"/>
+          </a:fontRef>
+        </p:style>
+        <p:txBody>
+          <a:bodyPr rtlCol="0" anchor="ctr"/>
+          <a:lstStyle/>
+          <a:p>
+            <a:pPr algn="ctr"/>
+            <a:endParaRPr lang="zh-TW" altLang="en-US"/>
+          </a:p>
+        </p:txBody>
+      </p:sp>
+      <p:sp>
+        <p:nvSpPr>
+          <p:cNvPr id="3" name="文字方塊 2"/>
+          <p:cNvSpPr txBox="1"/>
+          <p:nvPr/>
+        </p:nvSpPr>
+        <p:spPr>
+          <a:xfrm>
+            <a:off x="6453699" y="2315027"/>
+            <a:ext cx="3425938" cy="523220"/>
+          </a:xfrm>
+          <a:prstGeom prst="rect">
+            <a:avLst/>
+          </a:prstGeom>
+          <a:noFill/>
+        </p:spPr>
+        <p:txBody>
+          <a:bodyPr wrap="none" rtlCol="0">
+            <a:spAutoFit/>
+          </a:bodyPr>
+          <a:lstStyle/>
+          <a:p>
+            <a:r>
+              <a:rPr lang="en-US" altLang="zh-TW" dirty="0">
+                <a:ln w="0"/>
+                <a:solidFill>
+                  <a:schemeClr val="accent1"/>
+                </a:solidFill>
+                <a:effectLst>
+                  <a:outerShdw blurRad="38100" dist="25400" dir="5400000" algn="ctr" rotWithShape="0">
+                    <a:srgbClr val="6E747A">
+                      <a:alpha val="43000"/>
+                    </a:srgbClr>
+                  </a:outerShdw>
+                </a:effectLst>
+              </a:rPr>
+              <a:t>spread seems to be drift from equilibrium</a:t>
+            </a:r>
+            <a:endParaRPr lang="zh-TW" altLang="en-US" dirty="0">
+              <a:ln w="0"/>
+              <a:solidFill>
+                <a:schemeClr val="accent1"/>
+              </a:solidFill>
+              <a:effectLst>
+                <a:outerShdw blurRad="38100" dist="25400" dir="5400000" algn="ctr" rotWithShape="0">
+                  <a:srgbClr val="6E747A">
+                    <a:alpha val="43000"/>
+                  </a:srgbClr>
+                </a:outerShdw>
+              </a:effectLst>
+            </a:endParaRPr>
+          </a:p>
+          <a:p>
+            <a:endParaRPr lang="zh-TW" altLang="en-US" dirty="0">
+              <a:ln w="0"/>
+              <a:solidFill>
+                <a:schemeClr val="accent1"/>
+              </a:solidFill>
+              <a:effectLst>
+                <a:outerShdw blurRad="38100" dist="25400" dir="5400000" algn="ctr" rotWithShape="0">
+                  <a:srgbClr val="6E747A">
+                    <a:alpha val="43000"/>
+                  </a:srgbClr>
+                </a:outerShdw>
+              </a:effectLst>
+            </a:endParaRPr>
+          </a:p>
+        </p:txBody>
+      </p:sp>
+      <p:sp>
+        <p:nvSpPr>
+          <p:cNvPr id="7" name="橢圓 6"/>
+          <p:cNvSpPr/>
+          <p:nvPr/>
+        </p:nvSpPr>
+        <p:spPr>
+          <a:xfrm>
+            <a:off x="5090906" y="1635465"/>
+            <a:ext cx="317393" cy="250641"/>
+          </a:xfrm>
+          <a:prstGeom prst="ellipse">
+            <a:avLst/>
+          </a:prstGeom>
+          <a:noFill/>
+          <a:ln w="19050" cap="flat" cmpd="sng" algn="ctr">
+            <a:solidFill>
+              <a:schemeClr val="accent5"/>
+            </a:solidFill>
+            <a:prstDash val="solid"/>
+            <a:round/>
+            <a:headEnd type="none" w="med" len="med"/>
+            <a:tailEnd type="none" w="med" len="med"/>
+          </a:ln>
+        </p:spPr>
+        <p:style>
+          <a:lnRef idx="0">
+            <a:scrgbClr r="0" g="0" b="0"/>
+          </a:lnRef>
+          <a:fillRef idx="0">
+            <a:scrgbClr r="0" g="0" b="0"/>
+          </a:fillRef>
+          <a:effectRef idx="0">
+            <a:scrgbClr r="0" g="0" b="0"/>
+          </a:effectRef>
+          <a:fontRef idx="minor">
+            <a:schemeClr val="accent5"/>
+          </a:fontRef>
+        </p:style>
+        <p:txBody>
+          <a:bodyPr rtlCol="0" anchor="ctr"/>
+          <a:lstStyle/>
+          <a:p>
+            <a:pPr algn="ctr"/>
+            <a:endParaRPr lang="zh-TW" altLang="en-US"/>
+          </a:p>
+        </p:txBody>
+      </p:sp>
+      <p:sp>
+        <p:nvSpPr>
+          <p:cNvPr id="8" name="橢圓 7"/>
+          <p:cNvSpPr/>
+          <p:nvPr/>
+        </p:nvSpPr>
+        <p:spPr>
+          <a:xfrm>
+            <a:off x="3232692" y="1379621"/>
+            <a:ext cx="576047" cy="570091"/>
+          </a:xfrm>
+          <a:prstGeom prst="ellipse">
+            <a:avLst/>
+          </a:prstGeom>
+          <a:noFill/>
+          <a:ln w="19050" cap="flat" cmpd="sng" algn="ctr">
+            <a:solidFill>
+              <a:schemeClr val="accent5"/>
+            </a:solidFill>
+            <a:prstDash val="solid"/>
+            <a:round/>
+            <a:headEnd type="none" w="med" len="med"/>
+            <a:tailEnd type="none" w="med" len="med"/>
+          </a:ln>
+        </p:spPr>
+        <p:style>
+          <a:lnRef idx="0">
+            <a:scrgbClr r="0" g="0" b="0"/>
+          </a:lnRef>
+          <a:fillRef idx="0">
+            <a:scrgbClr r="0" g="0" b="0"/>
+          </a:fillRef>
+          <a:effectRef idx="0">
+            <a:scrgbClr r="0" g="0" b="0"/>
+          </a:effectRef>
+          <a:fontRef idx="minor">
+            <a:schemeClr val="accent5"/>
+          </a:fontRef>
+        </p:style>
+        <p:txBody>
+          <a:bodyPr rtlCol="0" anchor="ctr"/>
+          <a:lstStyle/>
+          <a:p>
+            <a:pPr algn="ctr"/>
+            <a:endParaRPr lang="zh-TW" altLang="en-US"/>
+          </a:p>
+        </p:txBody>
+      </p:sp>
+      <p:sp>
+        <p:nvSpPr>
+          <p:cNvPr id="4" name="矩形 3"/>
+          <p:cNvSpPr/>
+          <p:nvPr/>
+        </p:nvSpPr>
+        <p:spPr>
+          <a:xfrm>
+            <a:off x="4572000" y="1323062"/>
+            <a:ext cx="2920992" cy="307777"/>
+          </a:xfrm>
+          <a:prstGeom prst="rect">
+            <a:avLst/>
+          </a:prstGeom>
+        </p:spPr>
+        <p:txBody>
+          <a:bodyPr wrap="none">
+            <a:spAutoFit/>
+          </a:bodyPr>
+          <a:lstStyle/>
+          <a:p>
+            <a:r>
+              <a:rPr lang="en-US" altLang="zh-TW" dirty="0" smtClean="0">
+                <a:ln w="0"/>
+                <a:solidFill>
+                  <a:schemeClr val="accent5"/>
+                </a:solidFill>
+                <a:effectLst>
+                  <a:outerShdw blurRad="38100" dist="19050" dir="2700000" algn="tl" rotWithShape="0">
+                    <a:schemeClr val="dk1">
+                      <a:alpha val="40000"/>
+                    </a:schemeClr>
+                  </a:outerShdw>
+                </a:effectLst>
+              </a:rPr>
+              <a:t>spread </a:t>
+            </a:r>
+            <a:r>
+              <a:rPr lang="en-US" altLang="zh-TW" dirty="0">
+                <a:ln w="0"/>
+                <a:solidFill>
+                  <a:schemeClr val="accent5"/>
+                </a:solidFill>
+                <a:effectLst>
+                  <a:outerShdw blurRad="38100" dist="19050" dir="2700000" algn="tl" rotWithShape="0">
+                    <a:schemeClr val="dk1">
+                      <a:alpha val="40000"/>
+                    </a:schemeClr>
+                  </a:outerShdw>
+                </a:effectLst>
+              </a:rPr>
+              <a:t>blows up and incurs losses</a:t>
+            </a:r>
+            <a:endParaRPr lang="zh-TW" altLang="en-US" dirty="0">
+              <a:ln w="0"/>
+              <a:solidFill>
+                <a:schemeClr val="accent5"/>
+              </a:solidFill>
+              <a:effectLst>
+                <a:outerShdw blurRad="38100" dist="19050" dir="2700000" algn="tl" rotWithShape="0">
+                  <a:schemeClr val="dk1">
+                    <a:alpha val="40000"/>
+                  </a:schemeClr>
+                </a:outerShdw>
+              </a:effectLst>
+            </a:endParaRPr>
+          </a:p>
+        </p:txBody>
+      </p:sp>
+      <p:sp>
+        <p:nvSpPr>
+          <p:cNvPr id="10" name="橢圓 9"/>
+          <p:cNvSpPr/>
+          <p:nvPr/>
+        </p:nvSpPr>
+        <p:spPr>
+          <a:xfrm>
+            <a:off x="3052583" y="2126024"/>
+            <a:ext cx="576047" cy="570091"/>
+          </a:xfrm>
+          <a:prstGeom prst="ellipse">
+            <a:avLst/>
+          </a:prstGeom>
+          <a:noFill/>
+          <a:ln w="19050" cap="flat" cmpd="sng" algn="ctr">
+            <a:solidFill>
+              <a:schemeClr val="accent5"/>
+            </a:solidFill>
+            <a:prstDash val="solid"/>
+            <a:round/>
+            <a:headEnd type="none" w="med" len="med"/>
+            <a:tailEnd type="none" w="med" len="med"/>
+          </a:ln>
+        </p:spPr>
+        <p:style>
+          <a:lnRef idx="0">
+            <a:scrgbClr r="0" g="0" b="0"/>
+          </a:lnRef>
+          <a:fillRef idx="0">
+            <a:scrgbClr r="0" g="0" b="0"/>
+          </a:fillRef>
+          <a:effectRef idx="0">
+            <a:scrgbClr r="0" g="0" b="0"/>
+          </a:effectRef>
+          <a:fontRef idx="minor">
+            <a:schemeClr val="accent5"/>
+          </a:fontRef>
+        </p:style>
+        <p:txBody>
+          <a:bodyPr rtlCol="0" anchor="ctr"/>
+          <a:lstStyle/>
+          <a:p>
+            <a:pPr algn="ctr"/>
+            <a:endParaRPr lang="zh-TW" altLang="en-US"/>
+          </a:p>
+        </p:txBody>
+      </p:sp>
     </p:spTree>
     <p:extLst>
       <p:ext uri="{BB962C8B-B14F-4D97-AF65-F5344CB8AC3E}">
@@ -11889,10 +13009,17 @@
   <p:clrMapOvr>
     <a:masterClrMapping/>
   </p:clrMapOvr>
+  <p:timing>
+    <p:tnLst>
+      <p:par>
+        <p:cTn id="1" dur="indefinite" restart="never" nodeType="tmRoot"/>
+      </p:par>
+    </p:tnLst>
+  </p:timing>
 </p:sld>
 </file>
 
-<file path=ppt/slides/slide23.xml><?xml version="1.0" encoding="utf-8"?>
+<file path=ppt/slides/slide24.xml><?xml version="1.0" encoding="utf-8"?>
 <p:sld xmlns:a="http://schemas.openxmlformats.org/drawingml/2006/main" xmlns:r="http://schemas.openxmlformats.org/officeDocument/2006/relationships" xmlns:p="http://schemas.openxmlformats.org/presentationml/2006/main">
   <p:cSld>
     <p:spTree>
@@ -12007,14 +13134,356 @@
         </p:blipFill>
         <p:spPr>
           <a:xfrm>
-            <a:off x="1911260" y="1217574"/>
-            <a:ext cx="5321480" cy="3320067"/>
+            <a:off x="1911260" y="1379620"/>
+            <a:ext cx="5321480" cy="2995974"/>
           </a:xfrm>
           <a:prstGeom prst="rect">
             <a:avLst/>
           </a:prstGeom>
         </p:spPr>
       </p:pic>
+      <p:sp>
+        <p:nvSpPr>
+          <p:cNvPr id="3" name="橢圓 2"/>
+          <p:cNvSpPr/>
+          <p:nvPr/>
+        </p:nvSpPr>
+        <p:spPr>
+          <a:xfrm>
+            <a:off x="3151278" y="1390492"/>
+            <a:ext cx="657461" cy="559220"/>
+          </a:xfrm>
+          <a:prstGeom prst="ellipse">
+            <a:avLst/>
+          </a:prstGeom>
+          <a:noFill/>
+          <a:ln w="19050" cap="flat" cmpd="sng" algn="ctr">
+            <a:solidFill>
+              <a:schemeClr val="accent5"/>
+            </a:solidFill>
+            <a:prstDash val="solid"/>
+            <a:round/>
+            <a:headEnd type="none" w="med" len="med"/>
+            <a:tailEnd type="none" w="med" len="med"/>
+          </a:ln>
+        </p:spPr>
+        <p:style>
+          <a:lnRef idx="0">
+            <a:scrgbClr r="0" g="0" b="0"/>
+          </a:lnRef>
+          <a:fillRef idx="0">
+            <a:scrgbClr r="0" g="0" b="0"/>
+          </a:fillRef>
+          <a:effectRef idx="0">
+            <a:scrgbClr r="0" g="0" b="0"/>
+          </a:effectRef>
+          <a:fontRef idx="minor">
+            <a:schemeClr val="accent5"/>
+          </a:fontRef>
+        </p:style>
+        <p:txBody>
+          <a:bodyPr rtlCol="0" anchor="ctr"/>
+          <a:lstStyle/>
+          <a:p>
+            <a:pPr algn="ctr"/>
+            <a:endParaRPr lang="zh-TW" altLang="en-US"/>
+          </a:p>
+        </p:txBody>
+      </p:sp>
+      <p:sp>
+        <p:nvSpPr>
+          <p:cNvPr id="7" name="橢圓 6"/>
+          <p:cNvSpPr/>
+          <p:nvPr/>
+        </p:nvSpPr>
+        <p:spPr>
+          <a:xfrm>
+            <a:off x="4088350" y="2244436"/>
+            <a:ext cx="317393" cy="250641"/>
+          </a:xfrm>
+          <a:prstGeom prst="ellipse">
+            <a:avLst/>
+          </a:prstGeom>
+          <a:noFill/>
+          <a:ln w="19050" cap="flat" cmpd="sng" algn="ctr">
+            <a:solidFill>
+              <a:schemeClr val="accent5"/>
+            </a:solidFill>
+            <a:prstDash val="solid"/>
+            <a:round/>
+            <a:headEnd type="none" w="med" len="med"/>
+            <a:tailEnd type="none" w="med" len="med"/>
+          </a:ln>
+        </p:spPr>
+        <p:style>
+          <a:lnRef idx="0">
+            <a:scrgbClr r="0" g="0" b="0"/>
+          </a:lnRef>
+          <a:fillRef idx="0">
+            <a:scrgbClr r="0" g="0" b="0"/>
+          </a:fillRef>
+          <a:effectRef idx="0">
+            <a:scrgbClr r="0" g="0" b="0"/>
+          </a:effectRef>
+          <a:fontRef idx="minor">
+            <a:schemeClr val="accent5"/>
+          </a:fontRef>
+        </p:style>
+        <p:txBody>
+          <a:bodyPr rtlCol="0" anchor="ctr"/>
+          <a:lstStyle/>
+          <a:p>
+            <a:pPr algn="ctr"/>
+            <a:endParaRPr lang="zh-TW" altLang="en-US"/>
+          </a:p>
+        </p:txBody>
+      </p:sp>
+      <p:sp>
+        <p:nvSpPr>
+          <p:cNvPr id="8" name="橢圓 7"/>
+          <p:cNvSpPr/>
+          <p:nvPr/>
+        </p:nvSpPr>
+        <p:spPr>
+          <a:xfrm>
+            <a:off x="2947241" y="2342678"/>
+            <a:ext cx="309836" cy="244341"/>
+          </a:xfrm>
+          <a:prstGeom prst="ellipse">
+            <a:avLst/>
+          </a:prstGeom>
+          <a:noFill/>
+          <a:ln w="19050" cap="flat" cmpd="sng" algn="ctr">
+            <a:solidFill>
+              <a:schemeClr val="accent5"/>
+            </a:solidFill>
+            <a:prstDash val="solid"/>
+            <a:round/>
+            <a:headEnd type="none" w="med" len="med"/>
+            <a:tailEnd type="none" w="med" len="med"/>
+          </a:ln>
+        </p:spPr>
+        <p:style>
+          <a:lnRef idx="0">
+            <a:scrgbClr r="0" g="0" b="0"/>
+          </a:lnRef>
+          <a:fillRef idx="0">
+            <a:scrgbClr r="0" g="0" b="0"/>
+          </a:fillRef>
+          <a:effectRef idx="0">
+            <a:scrgbClr r="0" g="0" b="0"/>
+          </a:effectRef>
+          <a:fontRef idx="minor">
+            <a:schemeClr val="accent5"/>
+          </a:fontRef>
+        </p:style>
+        <p:txBody>
+          <a:bodyPr rtlCol="0" anchor="ctr"/>
+          <a:lstStyle/>
+          <a:p>
+            <a:pPr algn="ctr"/>
+            <a:endParaRPr lang="zh-TW" altLang="en-US"/>
+          </a:p>
+        </p:txBody>
+      </p:sp>
+      <p:sp>
+        <p:nvSpPr>
+          <p:cNvPr id="9" name="橢圓 8"/>
+          <p:cNvSpPr/>
+          <p:nvPr/>
+        </p:nvSpPr>
+        <p:spPr>
+          <a:xfrm>
+            <a:off x="5061340" y="1648936"/>
+            <a:ext cx="317393" cy="250641"/>
+          </a:xfrm>
+          <a:prstGeom prst="ellipse">
+            <a:avLst/>
+          </a:prstGeom>
+          <a:noFill/>
+          <a:ln w="19050" cap="flat" cmpd="sng" algn="ctr">
+            <a:solidFill>
+              <a:schemeClr val="accent5"/>
+            </a:solidFill>
+            <a:prstDash val="solid"/>
+            <a:round/>
+            <a:headEnd type="none" w="med" len="med"/>
+            <a:tailEnd type="none" w="med" len="med"/>
+          </a:ln>
+        </p:spPr>
+        <p:style>
+          <a:lnRef idx="0">
+            <a:scrgbClr r="0" g="0" b="0"/>
+          </a:lnRef>
+          <a:fillRef idx="0">
+            <a:scrgbClr r="0" g="0" b="0"/>
+          </a:fillRef>
+          <a:effectRef idx="0">
+            <a:scrgbClr r="0" g="0" b="0"/>
+          </a:effectRef>
+          <a:fontRef idx="minor">
+            <a:schemeClr val="accent5"/>
+          </a:fontRef>
+        </p:style>
+        <p:txBody>
+          <a:bodyPr rtlCol="0" anchor="ctr"/>
+          <a:lstStyle/>
+          <a:p>
+            <a:pPr algn="ctr"/>
+            <a:endParaRPr lang="zh-TW" altLang="en-US"/>
+          </a:p>
+        </p:txBody>
+      </p:sp>
+      <p:sp>
+        <p:nvSpPr>
+          <p:cNvPr id="4" name="文字方塊 3"/>
+          <p:cNvSpPr txBox="1"/>
+          <p:nvPr/>
+        </p:nvSpPr>
+        <p:spPr>
+          <a:xfrm>
+            <a:off x="4760921" y="1206501"/>
+            <a:ext cx="2951449" cy="307777"/>
+          </a:xfrm>
+          <a:prstGeom prst="rect">
+            <a:avLst/>
+          </a:prstGeom>
+          <a:noFill/>
+        </p:spPr>
+        <p:txBody>
+          <a:bodyPr wrap="none" rtlCol="0">
+            <a:spAutoFit/>
+          </a:bodyPr>
+          <a:lstStyle/>
+          <a:p>
+            <a:r>
+              <a:rPr lang="en-US" altLang="zh-TW" dirty="0" smtClean="0">
+                <a:ln w="0"/>
+                <a:solidFill>
+                  <a:schemeClr val="accent5"/>
+                </a:solidFill>
+                <a:effectLst>
+                  <a:outerShdw blurRad="38100" dist="19050" dir="2700000" algn="tl" rotWithShape="0">
+                    <a:schemeClr val="dk1">
+                      <a:alpha val="40000"/>
+                    </a:schemeClr>
+                  </a:outerShdw>
+                </a:effectLst>
+              </a:rPr>
+              <a:t>Spread blows up and incurs losses</a:t>
+            </a:r>
+            <a:endParaRPr lang="zh-TW" altLang="en-US" dirty="0">
+              <a:ln w="0"/>
+              <a:solidFill>
+                <a:schemeClr val="accent5"/>
+              </a:solidFill>
+              <a:effectLst>
+                <a:outerShdw blurRad="38100" dist="19050" dir="2700000" algn="tl" rotWithShape="0">
+                  <a:schemeClr val="dk1">
+                    <a:alpha val="40000"/>
+                  </a:schemeClr>
+                </a:outerShdw>
+              </a:effectLst>
+            </a:endParaRPr>
+          </a:p>
+        </p:txBody>
+      </p:sp>
+      <p:sp>
+        <p:nvSpPr>
+          <p:cNvPr id="11" name="橢圓 10"/>
+          <p:cNvSpPr/>
+          <p:nvPr/>
+        </p:nvSpPr>
+        <p:spPr>
+          <a:xfrm>
+            <a:off x="3650042" y="2217357"/>
+            <a:ext cx="317393" cy="250641"/>
+          </a:xfrm>
+          <a:prstGeom prst="ellipse">
+            <a:avLst/>
+          </a:prstGeom>
+          <a:noFill/>
+          <a:ln w="19050" cap="flat" cmpd="sng" algn="ctr">
+            <a:solidFill>
+              <a:schemeClr val="accent5"/>
+            </a:solidFill>
+            <a:prstDash val="solid"/>
+            <a:round/>
+            <a:headEnd type="none" w="med" len="med"/>
+            <a:tailEnd type="none" w="med" len="med"/>
+          </a:ln>
+        </p:spPr>
+        <p:style>
+          <a:lnRef idx="0">
+            <a:scrgbClr r="0" g="0" b="0"/>
+          </a:lnRef>
+          <a:fillRef idx="0">
+            <a:scrgbClr r="0" g="0" b="0"/>
+          </a:fillRef>
+          <a:effectRef idx="0">
+            <a:scrgbClr r="0" g="0" b="0"/>
+          </a:effectRef>
+          <a:fontRef idx="minor">
+            <a:schemeClr val="accent5"/>
+          </a:fontRef>
+        </p:style>
+        <p:txBody>
+          <a:bodyPr rtlCol="0" anchor="ctr"/>
+          <a:lstStyle/>
+          <a:p>
+            <a:pPr algn="ctr"/>
+            <a:endParaRPr lang="zh-TW" altLang="en-US"/>
+          </a:p>
+        </p:txBody>
+      </p:sp>
+      <p:sp>
+        <p:nvSpPr>
+          <p:cNvPr id="12" name="橢圓 11"/>
+          <p:cNvSpPr/>
+          <p:nvPr/>
+        </p:nvSpPr>
+        <p:spPr>
+          <a:xfrm>
+            <a:off x="3958962" y="1630866"/>
+            <a:ext cx="317393" cy="250641"/>
+          </a:xfrm>
+          <a:prstGeom prst="ellipse">
+            <a:avLst/>
+          </a:prstGeom>
+          <a:noFill/>
+          <a:ln w="19050" cap="flat" cmpd="sng" algn="ctr">
+            <a:solidFill>
+              <a:schemeClr val="accent5"/>
+            </a:solidFill>
+            <a:prstDash val="solid"/>
+            <a:round/>
+            <a:headEnd type="none" w="med" len="med"/>
+            <a:tailEnd type="none" w="med" len="med"/>
+          </a:ln>
+        </p:spPr>
+        <p:style>
+          <a:lnRef idx="0">
+            <a:scrgbClr r="0" g="0" b="0"/>
+          </a:lnRef>
+          <a:fillRef idx="0">
+            <a:scrgbClr r="0" g="0" b="0"/>
+          </a:fillRef>
+          <a:effectRef idx="0">
+            <a:scrgbClr r="0" g="0" b="0"/>
+          </a:effectRef>
+          <a:fontRef idx="minor">
+            <a:schemeClr val="accent5"/>
+          </a:fontRef>
+        </p:style>
+        <p:txBody>
+          <a:bodyPr rtlCol="0" anchor="ctr"/>
+          <a:lstStyle/>
+          <a:p>
+            <a:pPr algn="ctr"/>
+            <a:endParaRPr lang="zh-TW" altLang="en-US"/>
+          </a:p>
+        </p:txBody>
+      </p:sp>
     </p:spTree>
     <p:extLst>
       <p:ext uri="{BB962C8B-B14F-4D97-AF65-F5344CB8AC3E}">
@@ -12025,10 +13494,17 @@
   <p:clrMapOvr>
     <a:masterClrMapping/>
   </p:clrMapOvr>
+  <p:timing>
+    <p:tnLst>
+      <p:par>
+        <p:cTn id="1" dur="indefinite" restart="never" nodeType="tmRoot"/>
+      </p:par>
+    </p:tnLst>
+  </p:timing>
 </p:sld>
 </file>
 
-<file path=ppt/slides/slide24.xml><?xml version="1.0" encoding="utf-8"?>
+<file path=ppt/slides/slide25.xml><?xml version="1.0" encoding="utf-8"?>
 <p:sld xmlns:a="http://schemas.openxmlformats.org/drawingml/2006/main" xmlns:r="http://schemas.openxmlformats.org/officeDocument/2006/relationships" xmlns:p="http://schemas.openxmlformats.org/presentationml/2006/main">
   <p:cSld>
     <p:spTree>
@@ -12102,14 +13578,14 @@
           <p:nvPr>
             <p:extLst>
               <p:ext uri="{D42A27DB-BD31-4B8C-83A1-F6EECF244321}">
-                <p14:modId xmlns:p14="http://schemas.microsoft.com/office/powerpoint/2010/main" val="2965469991"/>
+                <p14:modId xmlns:p14="http://schemas.microsoft.com/office/powerpoint/2010/main" val="2175722707"/>
               </p:ext>
             </p:extLst>
           </p:nvPr>
         </p:nvGraphicFramePr>
         <p:xfrm>
-          <a:off x="580000" y="1415039"/>
-          <a:ext cx="7983999" cy="2682200"/>
+          <a:off x="2225543" y="1707885"/>
+          <a:ext cx="4692913" cy="2306227"/>
         </p:xfrm>
         <a:graphic>
           <a:graphicData uri="http://schemas.openxmlformats.org/drawingml/2006/table">
@@ -12118,28 +13594,28 @@
                 <a:tableStyleId>{9D7B26C5-4107-4FEC-AEDC-1716B250A1EF}</a:tableStyleId>
               </a:tblPr>
               <a:tblGrid>
-                <a:gridCol w="2705416">
+                <a:gridCol w="1450948">
                   <a:extLst>
                     <a:ext uri="{9D8B030D-6E8A-4147-A177-3AD203B41FA5}">
                       <a16:colId xmlns:a16="http://schemas.microsoft.com/office/drawing/2014/main" val="20000"/>
                     </a:ext>
                   </a:extLst>
                 </a:gridCol>
-                <a:gridCol w="1465831">
+                <a:gridCol w="1080655">
                   <a:extLst>
                     <a:ext uri="{9D8B030D-6E8A-4147-A177-3AD203B41FA5}">
                       <a16:colId xmlns:a16="http://schemas.microsoft.com/office/drawing/2014/main" val="20001"/>
                     </a:ext>
                   </a:extLst>
                 </a:gridCol>
-                <a:gridCol w="1912941">
+                <a:gridCol w="1080655">
                   <a:extLst>
                     <a:ext uri="{9D8B030D-6E8A-4147-A177-3AD203B41FA5}">
                       <a16:colId xmlns:a16="http://schemas.microsoft.com/office/drawing/2014/main" val="20002"/>
                     </a:ext>
                   </a:extLst>
                 </a:gridCol>
-                <a:gridCol w="1899811">
+                <a:gridCol w="1080655">
                   <a:extLst>
                     <a:ext uri="{9D8B030D-6E8A-4147-A177-3AD203B41FA5}">
                       <a16:colId xmlns:a16="http://schemas.microsoft.com/office/drawing/2014/main" val="20003"/>
@@ -12147,7 +13623,7 @@
                   </a:extLst>
                 </a:gridCol>
               </a:tblGrid>
-              <a:tr h="381000">
+              <a:tr h="327594">
                 <a:tc>
                   <a:txBody>
                     <a:bodyPr/>
@@ -12288,7 +13764,7 @@
                   </a:ext>
                 </a:extLst>
               </a:tr>
-              <a:tr h="381000">
+              <a:tr h="327594">
                 <a:tc>
                   <a:txBody>
                     <a:bodyPr/>
@@ -12337,7 +13813,7 @@
                     <a:p>
                       <a:pPr algn="ctr" fontAlgn="ctr"/>
                       <a:r>
-                        <a:rPr lang="en-US" altLang="zh-TW" sz="1400" b="0" i="0" u="none" strike="noStrike" dirty="0">
+                        <a:rPr lang="en-US" altLang="zh-TW" sz="1400" b="0" i="0" u="none" strike="noStrike" dirty="0" smtClean="0">
                           <a:solidFill>
                             <a:srgbClr val="000000"/>
                           </a:solidFill>
@@ -12347,6 +13823,62 @@
                           <a:cs typeface="Times New Roman" panose="02020603050405020304" pitchFamily="18" charset="0"/>
                         </a:rPr>
                         <a:t>0.000961</a:t>
+                      </a:r>
+                      <a:endParaRPr lang="en-US" altLang="zh-TW" sz="1400" b="0" i="0" u="none" strike="noStrike" dirty="0">
+                        <a:solidFill>
+                          <a:srgbClr val="000000"/>
+                        </a:solidFill>
+                        <a:effectLst/>
+                        <a:latin typeface="Times New Roman" panose="02020603050405020304" pitchFamily="18" charset="0"/>
+                        <a:ea typeface="新細明體" panose="02020500000000000000" pitchFamily="18" charset="-120"/>
+                        <a:cs typeface="Times New Roman" panose="02020603050405020304" pitchFamily="18" charset="0"/>
+                      </a:endParaRPr>
+                    </a:p>
+                  </a:txBody>
+                  <a:tcPr marL="9525" marR="9525" marT="9525" marB="0" anchor="ctr">
+                    <a:lnT w="12700" cap="flat" cmpd="sng" algn="ctr">
+                      <a:solidFill>
+                        <a:schemeClr val="tx1"/>
+                      </a:solidFill>
+                      <a:prstDash val="solid"/>
+                      <a:round/>
+                      <a:headEnd type="none" w="med" len="med"/>
+                      <a:tailEnd type="none" w="med" len="med"/>
+                    </a:lnT>
+                  </a:tcPr>
+                </a:tc>
+                <a:tc>
+                  <a:txBody>
+                    <a:bodyPr/>
+                    <a:lstStyle/>
+                    <a:p>
+                      <a:pPr marR="0" algn="ctr" rtl="0" fontAlgn="ctr">
+                        <a:lnSpc>
+                          <a:spcPct val="100000"/>
+                        </a:lnSpc>
+                        <a:spcBef>
+                          <a:spcPts val="0"/>
+                        </a:spcBef>
+                        <a:spcAft>
+                          <a:spcPts val="0"/>
+                        </a:spcAft>
+                        <a:buClr>
+                          <a:srgbClr val="000000"/>
+                        </a:buClr>
+                        <a:buFont typeface="Arial"/>
+                      </a:pPr>
+                      <a:r>
+                        <a:rPr lang="en-US" altLang="zh-TW" sz="1400" b="0" i="0" u="none" strike="noStrike" cap="none" dirty="0">
+                          <a:solidFill>
+                            <a:srgbClr val="000000"/>
+                          </a:solidFill>
+                          <a:effectLst/>
+                          <a:latin typeface="Times New Roman" panose="02020603050405020304" pitchFamily="18" charset="0"/>
+                          <a:ea typeface="+mn-ea"/>
+                          <a:cs typeface="Times New Roman" panose="02020603050405020304" pitchFamily="18" charset="0"/>
+                          <a:sym typeface="Arial"/>
+                        </a:rPr>
+                        <a:t>0.001084</a:t>
                       </a:r>
                     </a:p>
                   </a:txBody>
@@ -12367,50 +13899,33 @@
                     <a:bodyPr/>
                     <a:lstStyle/>
                     <a:p>
-                      <a:pPr algn="ctr" fontAlgn="ctr"/>
+                      <a:pPr marR="0" algn="ctr" rtl="0" fontAlgn="ctr">
+                        <a:lnSpc>
+                          <a:spcPct val="100000"/>
+                        </a:lnSpc>
+                        <a:spcBef>
+                          <a:spcPts val="0"/>
+                        </a:spcBef>
+                        <a:spcAft>
+                          <a:spcPts val="0"/>
+                        </a:spcAft>
+                        <a:buClr>
+                          <a:srgbClr val="000000"/>
+                        </a:buClr>
+                        <a:buFont typeface="Arial"/>
+                      </a:pPr>
                       <a:r>
-                        <a:rPr lang="en-US" altLang="zh-TW" sz="1400" b="0" i="0" u="none" strike="noStrike" dirty="0">
+                        <a:rPr lang="en-US" altLang="zh-TW" sz="1400" b="1" i="0" u="none" strike="noStrike" cap="none" dirty="0">
                           <a:solidFill>
                             <a:srgbClr val="000000"/>
                           </a:solidFill>
                           <a:effectLst/>
                           <a:latin typeface="Times New Roman" panose="02020603050405020304" pitchFamily="18" charset="0"/>
-                          <a:ea typeface="新細明體" panose="02020500000000000000" pitchFamily="18" charset="-120"/>
+                          <a:ea typeface="+mn-ea"/>
                           <a:cs typeface="Times New Roman" panose="02020603050405020304" pitchFamily="18" charset="0"/>
+                          <a:sym typeface="Arial"/>
                         </a:rPr>
-                        <a:t>0.000982</a:t>
-                      </a:r>
-                    </a:p>
-                  </a:txBody>
-                  <a:tcPr marL="9525" marR="9525" marT="9525" marB="0" anchor="ctr">
-                    <a:lnT w="12700" cap="flat" cmpd="sng" algn="ctr">
-                      <a:solidFill>
-                        <a:schemeClr val="tx1"/>
-                      </a:solidFill>
-                      <a:prstDash val="solid"/>
-                      <a:round/>
-                      <a:headEnd type="none" w="med" len="med"/>
-                      <a:tailEnd type="none" w="med" len="med"/>
-                    </a:lnT>
-                  </a:tcPr>
-                </a:tc>
-                <a:tc>
-                  <a:txBody>
-                    <a:bodyPr/>
-                    <a:lstStyle/>
-                    <a:p>
-                      <a:pPr algn="ctr" fontAlgn="ctr"/>
-                      <a:r>
-                        <a:rPr lang="en-US" altLang="zh-TW" sz="1400" b="1" i="0" u="none" strike="noStrike" dirty="0">
-                          <a:solidFill>
-                            <a:srgbClr val="000000"/>
-                          </a:solidFill>
-                          <a:effectLst/>
-                          <a:latin typeface="Times New Roman" panose="02020603050405020304" pitchFamily="18" charset="0"/>
-                          <a:ea typeface="新細明體" panose="02020500000000000000" pitchFamily="18" charset="-120"/>
-                          <a:cs typeface="Times New Roman" panose="02020603050405020304" pitchFamily="18" charset="0"/>
-                        </a:rPr>
-                        <a:t>0.000704</a:t>
+                        <a:t>0.000743</a:t>
                       </a:r>
                     </a:p>
                   </a:txBody>
@@ -12432,7 +13947,7 @@
                   </a:ext>
                 </a:extLst>
               </a:tr>
-              <a:tr h="381000">
+              <a:tr h="327594">
                 <a:tc>
                   <a:txBody>
                     <a:bodyPr/>
@@ -12461,31 +13976,7 @@
                           <a:ea typeface="新細明體" panose="02020500000000000000" pitchFamily="18" charset="-120"/>
                           <a:cs typeface="Times New Roman" panose="02020603050405020304" pitchFamily="18" charset="0"/>
                         </a:rPr>
-                        <a:t> Sharpe (</a:t>
-                      </a:r>
-                      <a:r>
-                        <a:rPr lang="en-US" sz="1400" b="0" i="0" u="none" strike="noStrike" dirty="0" err="1">
-                          <a:solidFill>
-                            <a:srgbClr val="000000"/>
-                          </a:solidFill>
-                          <a:effectLst/>
-                          <a:latin typeface="Times New Roman" panose="02020603050405020304" pitchFamily="18" charset="0"/>
-                          <a:ea typeface="新細明體" panose="02020500000000000000" pitchFamily="18" charset="-120"/>
-                          <a:cs typeface="Times New Roman" panose="02020603050405020304" pitchFamily="18" charset="0"/>
-                        </a:rPr>
-                        <a:t>Rf</a:t>
-                      </a:r>
-                      <a:r>
-                        <a:rPr lang="en-US" sz="1400" b="0" i="0" u="none" strike="noStrike" dirty="0">
-                          <a:solidFill>
-                            <a:srgbClr val="000000"/>
-                          </a:solidFill>
-                          <a:effectLst/>
-                          <a:latin typeface="Times New Roman" panose="02020603050405020304" pitchFamily="18" charset="0"/>
-                          <a:ea typeface="新細明體" panose="02020500000000000000" pitchFamily="18" charset="-120"/>
-                          <a:cs typeface="Times New Roman" panose="02020603050405020304" pitchFamily="18" charset="0"/>
-                        </a:rPr>
-                        <a:t>=0%, p=95</a:t>
+                        <a:t> </a:t>
                       </a:r>
                       <a:r>
                         <a:rPr lang="en-US" sz="1400" b="0" i="0" u="none" strike="noStrike" dirty="0" smtClean="0">
@@ -12497,7 +13988,7 @@
                           <a:ea typeface="新細明體" panose="02020500000000000000" pitchFamily="18" charset="-120"/>
                           <a:cs typeface="Times New Roman" panose="02020603050405020304" pitchFamily="18" charset="0"/>
                         </a:rPr>
-                        <a:t>%)</a:t>
+                        <a:t>Sharpe</a:t>
                       </a:r>
                       <a:endParaRPr lang="en-US" sz="1400" b="0" i="0" u="none" strike="noStrike" dirty="0">
                         <a:solidFill>
@@ -12519,16 +14010,62 @@
                     <a:p>
                       <a:pPr algn="ctr" fontAlgn="ctr"/>
                       <a:r>
-                        <a:rPr lang="en-US" altLang="zh-TW" sz="1400" b="1" i="0" u="none" strike="noStrike" dirty="0">
+                        <a:rPr lang="en-US" altLang="zh-TW" sz="1400" b="1" i="0" u="none" strike="noStrike" dirty="0" smtClean="0">
                           <a:solidFill>
                             <a:srgbClr val="000000"/>
                           </a:solidFill>
                           <a:effectLst/>
                           <a:latin typeface="Times New Roman" panose="02020603050405020304" pitchFamily="18" charset="0"/>
-                          <a:ea typeface="新細明體" panose="02020500000000000000" pitchFamily="18" charset="-120"/>
+                          <a:ea typeface="+mn-ea"/>
                           <a:cs typeface="Times New Roman" panose="02020603050405020304" pitchFamily="18" charset="0"/>
                         </a:rPr>
-                        <a:t>0.05048</a:t>
+                        <a:t>0.050247</a:t>
+                      </a:r>
+                      <a:endParaRPr lang="en-US" altLang="zh-TW" sz="1400" b="1" i="0" u="none" strike="noStrike" dirty="0">
+                        <a:solidFill>
+                          <a:srgbClr val="000000"/>
+                        </a:solidFill>
+                        <a:effectLst/>
+                        <a:latin typeface="Times New Roman" panose="02020603050405020304" pitchFamily="18" charset="0"/>
+                        <a:ea typeface="+mn-ea"/>
+                        <a:cs typeface="Times New Roman" panose="02020603050405020304" pitchFamily="18" charset="0"/>
+                      </a:endParaRPr>
+                    </a:p>
+                  </a:txBody>
+                  <a:tcPr marL="9525" marR="9525" marT="9525" marB="0" anchor="ctr"/>
+                </a:tc>
+                <a:tc>
+                  <a:txBody>
+                    <a:bodyPr/>
+                    <a:lstStyle/>
+                    <a:p>
+                      <a:pPr marR="0" algn="ctr" rtl="0" fontAlgn="ctr">
+                        <a:lnSpc>
+                          <a:spcPct val="100000"/>
+                        </a:lnSpc>
+                        <a:spcBef>
+                          <a:spcPts val="0"/>
+                        </a:spcBef>
+                        <a:spcAft>
+                          <a:spcPts val="0"/>
+                        </a:spcAft>
+                        <a:buClr>
+                          <a:srgbClr val="000000"/>
+                        </a:buClr>
+                        <a:buFont typeface="Arial"/>
+                      </a:pPr>
+                      <a:r>
+                        <a:rPr lang="en-US" altLang="zh-TW" sz="1400" b="0" i="0" u="none" strike="noStrike" cap="none" dirty="0">
+                          <a:solidFill>
+                            <a:srgbClr val="000000"/>
+                          </a:solidFill>
+                          <a:effectLst/>
+                          <a:latin typeface="Times New Roman" panose="02020603050405020304" pitchFamily="18" charset="0"/>
+                          <a:ea typeface="+mn-ea"/>
+                          <a:cs typeface="Times New Roman" panose="02020603050405020304" pitchFamily="18" charset="0"/>
+                          <a:sym typeface="Arial"/>
+                        </a:rPr>
+                        <a:t>-0.01103</a:t>
                       </a:r>
                     </a:p>
                   </a:txBody>
@@ -12539,40 +14076,33 @@
                     <a:bodyPr/>
                     <a:lstStyle/>
                     <a:p>
-                      <a:pPr algn="ctr" fontAlgn="ctr"/>
+                      <a:pPr marR="0" algn="ctr" rtl="0" fontAlgn="ctr">
+                        <a:lnSpc>
+                          <a:spcPct val="100000"/>
+                        </a:lnSpc>
+                        <a:spcBef>
+                          <a:spcPts val="0"/>
+                        </a:spcBef>
+                        <a:spcAft>
+                          <a:spcPts val="0"/>
+                        </a:spcAft>
+                        <a:buClr>
+                          <a:srgbClr val="000000"/>
+                        </a:buClr>
+                        <a:buFont typeface="Arial"/>
+                      </a:pPr>
                       <a:r>
-                        <a:rPr lang="en-US" altLang="zh-TW" sz="1400" b="0" i="0" u="none" strike="noStrike" dirty="0">
+                        <a:rPr lang="en-US" altLang="zh-TW" sz="1400" b="0" i="0" u="none" strike="noStrike" cap="none" dirty="0">
                           <a:solidFill>
                             <a:srgbClr val="000000"/>
                           </a:solidFill>
                           <a:effectLst/>
                           <a:latin typeface="Times New Roman" panose="02020603050405020304" pitchFamily="18" charset="0"/>
-                          <a:ea typeface="新細明體" panose="02020500000000000000" pitchFamily="18" charset="-120"/>
+                          <a:ea typeface="+mn-ea"/>
                           <a:cs typeface="Times New Roman" panose="02020603050405020304" pitchFamily="18" charset="0"/>
+                          <a:sym typeface="Arial"/>
                         </a:rPr>
-                        <a:t>0.032425</a:t>
-                      </a:r>
-                    </a:p>
-                  </a:txBody>
-                  <a:tcPr marL="9525" marR="9525" marT="9525" marB="0" anchor="ctr"/>
-                </a:tc>
-                <a:tc>
-                  <a:txBody>
-                    <a:bodyPr/>
-                    <a:lstStyle/>
-                    <a:p>
-                      <a:pPr algn="ctr" fontAlgn="ctr"/>
-                      <a:r>
-                        <a:rPr lang="en-US" altLang="zh-TW" sz="1400" b="0" i="0" u="none" strike="noStrike" dirty="0">
-                          <a:solidFill>
-                            <a:srgbClr val="000000"/>
-                          </a:solidFill>
-                          <a:effectLst/>
-                          <a:latin typeface="Times New Roman" panose="02020603050405020304" pitchFamily="18" charset="0"/>
-                          <a:ea typeface="新細明體" panose="02020500000000000000" pitchFamily="18" charset="-120"/>
-                          <a:cs typeface="Times New Roman" panose="02020603050405020304" pitchFamily="18" charset="0"/>
-                        </a:rPr>
-                        <a:t>0.014489</a:t>
+                        <a:t>0.012807</a:t>
                       </a:r>
                     </a:p>
                   </a:txBody>
@@ -12584,7 +14114,7 @@
                   </a:ext>
                 </a:extLst>
               </a:tr>
-              <a:tr h="396200">
+              <a:tr h="340663">
                 <a:tc>
                   <a:txBody>
                     <a:bodyPr/>
@@ -12613,31 +14143,7 @@
                           <a:ea typeface="新細明體" panose="02020500000000000000" pitchFamily="18" charset="-120"/>
                           <a:cs typeface="Times New Roman" panose="02020603050405020304" pitchFamily="18" charset="0"/>
                         </a:rPr>
-                        <a:t> Sharpe (</a:t>
-                      </a:r>
-                      <a:r>
-                        <a:rPr lang="en-US" sz="1400" b="0" i="0" u="none" strike="noStrike" dirty="0" err="1">
-                          <a:solidFill>
-                            <a:srgbClr val="000000"/>
-                          </a:solidFill>
-                          <a:effectLst/>
-                          <a:latin typeface="Times New Roman" panose="02020603050405020304" pitchFamily="18" charset="0"/>
-                          <a:ea typeface="新細明體" panose="02020500000000000000" pitchFamily="18" charset="-120"/>
-                          <a:cs typeface="Times New Roman" panose="02020603050405020304" pitchFamily="18" charset="0"/>
-                        </a:rPr>
-                        <a:t>Rf</a:t>
-                      </a:r>
-                      <a:r>
-                        <a:rPr lang="en-US" sz="1400" b="0" i="0" u="none" strike="noStrike" dirty="0">
-                          <a:solidFill>
-                            <a:srgbClr val="000000"/>
-                          </a:solidFill>
-                          <a:effectLst/>
-                          <a:latin typeface="Times New Roman" panose="02020603050405020304" pitchFamily="18" charset="0"/>
-                          <a:ea typeface="新細明體" panose="02020500000000000000" pitchFamily="18" charset="-120"/>
-                          <a:cs typeface="Times New Roman" panose="02020603050405020304" pitchFamily="18" charset="0"/>
-                        </a:rPr>
-                        <a:t>=0%, p=95</a:t>
+                        <a:t> </a:t>
                       </a:r>
                       <a:r>
                         <a:rPr lang="en-US" sz="1400" b="0" i="0" u="none" strike="noStrike" dirty="0" smtClean="0">
@@ -12649,7 +14155,7 @@
                           <a:ea typeface="新細明體" panose="02020500000000000000" pitchFamily="18" charset="-120"/>
                           <a:cs typeface="Times New Roman" panose="02020603050405020304" pitchFamily="18" charset="0"/>
                         </a:rPr>
-                        <a:t>%)</a:t>
+                        <a:t>Sharpe</a:t>
                       </a:r>
                       <a:endParaRPr lang="en-US" sz="1400" b="0" i="0" u="none" strike="noStrike" dirty="0">
                         <a:solidFill>
@@ -12671,16 +14177,62 @@
                     <a:p>
                       <a:pPr algn="ctr" fontAlgn="ctr"/>
                       <a:r>
-                        <a:rPr lang="en-US" altLang="zh-TW" sz="1400" b="1" i="0" u="none" strike="noStrike" dirty="0">
+                        <a:rPr lang="en-US" altLang="zh-TW" sz="1400" b="1" i="0" u="none" strike="noStrike" dirty="0" smtClean="0">
                           <a:solidFill>
                             <a:srgbClr val="000000"/>
                           </a:solidFill>
                           <a:effectLst/>
                           <a:latin typeface="Times New Roman" panose="02020603050405020304" pitchFamily="18" charset="0"/>
-                          <a:ea typeface="新細明體" panose="02020500000000000000" pitchFamily="18" charset="-120"/>
+                          <a:ea typeface="+mn-ea"/>
                           <a:cs typeface="Times New Roman" panose="02020603050405020304" pitchFamily="18" charset="0"/>
                         </a:rPr>
-                        <a:t>0.034155</a:t>
+                        <a:t>0.034007</a:t>
+                      </a:r>
+                      <a:endParaRPr lang="en-US" altLang="zh-TW" sz="1400" b="1" i="0" u="none" strike="noStrike" dirty="0">
+                        <a:solidFill>
+                          <a:srgbClr val="000000"/>
+                        </a:solidFill>
+                        <a:effectLst/>
+                        <a:latin typeface="Times New Roman" panose="02020603050405020304" pitchFamily="18" charset="0"/>
+                        <a:ea typeface="+mn-ea"/>
+                        <a:cs typeface="Times New Roman" panose="02020603050405020304" pitchFamily="18" charset="0"/>
+                      </a:endParaRPr>
+                    </a:p>
+                  </a:txBody>
+                  <a:tcPr marL="9525" marR="9525" marT="9525" marB="0" anchor="ctr"/>
+                </a:tc>
+                <a:tc>
+                  <a:txBody>
+                    <a:bodyPr/>
+                    <a:lstStyle/>
+                    <a:p>
+                      <a:pPr marR="0" algn="ctr" rtl="0" fontAlgn="ctr">
+                        <a:lnSpc>
+                          <a:spcPct val="100000"/>
+                        </a:lnSpc>
+                        <a:spcBef>
+                          <a:spcPts val="0"/>
+                        </a:spcBef>
+                        <a:spcAft>
+                          <a:spcPts val="0"/>
+                        </a:spcAft>
+                        <a:buClr>
+                          <a:srgbClr val="000000"/>
+                        </a:buClr>
+                        <a:buFont typeface="Arial"/>
+                      </a:pPr>
+                      <a:r>
+                        <a:rPr lang="en-US" altLang="zh-TW" sz="1400" b="0" i="0" u="none" strike="noStrike" cap="none" dirty="0">
+                          <a:solidFill>
+                            <a:srgbClr val="000000"/>
+                          </a:solidFill>
+                          <a:effectLst/>
+                          <a:latin typeface="Times New Roman" panose="02020603050405020304" pitchFamily="18" charset="0"/>
+                          <a:ea typeface="+mn-ea"/>
+                          <a:cs typeface="Times New Roman" panose="02020603050405020304" pitchFamily="18" charset="0"/>
+                          <a:sym typeface="Arial"/>
+                        </a:rPr>
+                        <a:t>-0.00707</a:t>
                       </a:r>
                     </a:p>
                   </a:txBody>
@@ -12691,40 +14243,33 @@
                     <a:bodyPr/>
                     <a:lstStyle/>
                     <a:p>
-                      <a:pPr algn="ctr" fontAlgn="ctr"/>
+                      <a:pPr marR="0" algn="ctr" rtl="0" fontAlgn="ctr">
+                        <a:lnSpc>
+                          <a:spcPct val="100000"/>
+                        </a:lnSpc>
+                        <a:spcBef>
+                          <a:spcPts val="0"/>
+                        </a:spcBef>
+                        <a:spcAft>
+                          <a:spcPts val="0"/>
+                        </a:spcAft>
+                        <a:buClr>
+                          <a:srgbClr val="000000"/>
+                        </a:buClr>
+                        <a:buFont typeface="Arial"/>
+                      </a:pPr>
                       <a:r>
-                        <a:rPr lang="en-US" altLang="zh-TW" sz="1400" b="0" i="0" u="none" strike="noStrike" dirty="0">
+                        <a:rPr lang="en-US" altLang="zh-TW" sz="1400" b="0" i="0" u="none" strike="noStrike" cap="none" dirty="0">
                           <a:solidFill>
                             <a:srgbClr val="000000"/>
                           </a:solidFill>
                           <a:effectLst/>
                           <a:latin typeface="Times New Roman" panose="02020603050405020304" pitchFamily="18" charset="0"/>
-                          <a:ea typeface="新細明體" panose="02020500000000000000" pitchFamily="18" charset="-120"/>
+                          <a:ea typeface="+mn-ea"/>
                           <a:cs typeface="Times New Roman" panose="02020603050405020304" pitchFamily="18" charset="0"/>
+                          <a:sym typeface="Arial"/>
                         </a:rPr>
-                        <a:t>0.022289</a:t>
-                      </a:r>
-                    </a:p>
-                  </a:txBody>
-                  <a:tcPr marL="9525" marR="9525" marT="9525" marB="0" anchor="ctr"/>
-                </a:tc>
-                <a:tc>
-                  <a:txBody>
-                    <a:bodyPr/>
-                    <a:lstStyle/>
-                    <a:p>
-                      <a:pPr algn="ctr" fontAlgn="ctr"/>
-                      <a:r>
-                        <a:rPr lang="en-US" altLang="zh-TW" sz="1400" b="0" i="0" u="none" strike="noStrike" dirty="0">
-                          <a:solidFill>
-                            <a:srgbClr val="000000"/>
-                          </a:solidFill>
-                          <a:effectLst/>
-                          <a:latin typeface="Times New Roman" panose="02020603050405020304" pitchFamily="18" charset="0"/>
-                          <a:ea typeface="新細明體" panose="02020500000000000000" pitchFamily="18" charset="-120"/>
-                          <a:cs typeface="Times New Roman" panose="02020603050405020304" pitchFamily="18" charset="0"/>
-                        </a:rPr>
-                        <a:t>0.009267</a:t>
+                        <a:t>0.008065</a:t>
                       </a:r>
                     </a:p>
                   </a:txBody>
@@ -12736,7 +14281,7 @@
                   </a:ext>
                 </a:extLst>
               </a:tr>
-              <a:tr h="381000">
+              <a:tr h="327594">
                 <a:tc>
                   <a:txBody>
                     <a:bodyPr/>
@@ -12753,31 +14298,7 @@
                           <a:ea typeface="新細明體" panose="02020500000000000000" pitchFamily="18" charset="-120"/>
                           <a:cs typeface="Times New Roman" panose="02020603050405020304" pitchFamily="18" charset="0"/>
                         </a:rPr>
-                        <a:t>ES Sharpe (</a:t>
-                      </a:r>
-                      <a:r>
-                        <a:rPr lang="en-US" sz="1400" b="0" i="0" u="none" strike="noStrike" dirty="0" err="1">
-                          <a:solidFill>
-                            <a:srgbClr val="000000"/>
-                          </a:solidFill>
-                          <a:effectLst/>
-                          <a:latin typeface="Times New Roman" panose="02020603050405020304" pitchFamily="18" charset="0"/>
-                          <a:ea typeface="新細明體" panose="02020500000000000000" pitchFamily="18" charset="-120"/>
-                          <a:cs typeface="Times New Roman" panose="02020603050405020304" pitchFamily="18" charset="0"/>
-                        </a:rPr>
-                        <a:t>Rf</a:t>
-                      </a:r>
-                      <a:r>
-                        <a:rPr lang="en-US" sz="1400" b="0" i="0" u="none" strike="noStrike" dirty="0">
-                          <a:solidFill>
-                            <a:srgbClr val="000000"/>
-                          </a:solidFill>
-                          <a:effectLst/>
-                          <a:latin typeface="Times New Roman" panose="02020603050405020304" pitchFamily="18" charset="0"/>
-                          <a:ea typeface="新細明體" panose="02020500000000000000" pitchFamily="18" charset="-120"/>
-                          <a:cs typeface="Times New Roman" panose="02020603050405020304" pitchFamily="18" charset="0"/>
-                        </a:rPr>
-                        <a:t>=0%, p=95</a:t>
+                        <a:t>ES </a:t>
                       </a:r>
                       <a:r>
                         <a:rPr lang="en-US" sz="1400" b="0" i="0" u="none" strike="noStrike" dirty="0" smtClean="0">
@@ -12789,7 +14310,7 @@
                           <a:ea typeface="新細明體" panose="02020500000000000000" pitchFamily="18" charset="-120"/>
                           <a:cs typeface="Times New Roman" panose="02020603050405020304" pitchFamily="18" charset="0"/>
                         </a:rPr>
-                        <a:t>%)</a:t>
+                        <a:t>Sharpe</a:t>
                       </a:r>
                       <a:endParaRPr lang="en-US" sz="1400" b="0" i="0" u="none" strike="noStrike" dirty="0">
                         <a:solidFill>
@@ -12811,16 +14332,62 @@
                     <a:p>
                       <a:pPr algn="ctr" fontAlgn="ctr"/>
                       <a:r>
-                        <a:rPr lang="en-US" altLang="zh-TW" sz="1400" b="1" i="0" u="none" strike="noStrike" dirty="0">
+                        <a:rPr lang="en-US" altLang="zh-TW" sz="1400" b="1" i="0" u="none" strike="noStrike" dirty="0" smtClean="0">
                           <a:solidFill>
                             <a:srgbClr val="000000"/>
                           </a:solidFill>
                           <a:effectLst/>
                           <a:latin typeface="Times New Roman" panose="02020603050405020304" pitchFamily="18" charset="0"/>
-                          <a:ea typeface="新細明體" panose="02020500000000000000" pitchFamily="18" charset="-120"/>
+                          <a:ea typeface="+mn-ea"/>
                           <a:cs typeface="Times New Roman" panose="02020603050405020304" pitchFamily="18" charset="0"/>
                         </a:rPr>
-                        <a:t>0.02301</a:t>
+                        <a:t>0.022922</a:t>
+                      </a:r>
+                      <a:endParaRPr lang="en-US" altLang="zh-TW" sz="1400" b="1" i="0" u="none" strike="noStrike" dirty="0">
+                        <a:solidFill>
+                          <a:srgbClr val="000000"/>
+                        </a:solidFill>
+                        <a:effectLst/>
+                        <a:latin typeface="Times New Roman" panose="02020603050405020304" pitchFamily="18" charset="0"/>
+                        <a:ea typeface="+mn-ea"/>
+                        <a:cs typeface="Times New Roman" panose="02020603050405020304" pitchFamily="18" charset="0"/>
+                      </a:endParaRPr>
+                    </a:p>
+                  </a:txBody>
+                  <a:tcPr marL="9525" marR="9525" marT="9525" marB="0" anchor="ctr"/>
+                </a:tc>
+                <a:tc>
+                  <a:txBody>
+                    <a:bodyPr/>
+                    <a:lstStyle/>
+                    <a:p>
+                      <a:pPr marR="0" algn="ctr" rtl="0" fontAlgn="ctr">
+                        <a:lnSpc>
+                          <a:spcPct val="100000"/>
+                        </a:lnSpc>
+                        <a:spcBef>
+                          <a:spcPts val="0"/>
+                        </a:spcBef>
+                        <a:spcAft>
+                          <a:spcPts val="0"/>
+                        </a:spcAft>
+                        <a:buClr>
+                          <a:srgbClr val="000000"/>
+                        </a:buClr>
+                        <a:buFont typeface="Arial"/>
+                      </a:pPr>
+                      <a:r>
+                        <a:rPr lang="en-US" altLang="zh-TW" sz="1400" b="0" i="0" u="none" strike="noStrike" cap="none" dirty="0">
+                          <a:solidFill>
+                            <a:srgbClr val="000000"/>
+                          </a:solidFill>
+                          <a:effectLst/>
+                          <a:latin typeface="Times New Roman" panose="02020603050405020304" pitchFamily="18" charset="0"/>
+                          <a:ea typeface="+mn-ea"/>
+                          <a:cs typeface="Times New Roman" panose="02020603050405020304" pitchFamily="18" charset="0"/>
+                          <a:sym typeface="Arial"/>
+                        </a:rPr>
+                        <a:t>-0.00524</a:t>
                       </a:r>
                     </a:p>
                   </a:txBody>
@@ -12831,40 +14398,33 @@
                     <a:bodyPr/>
                     <a:lstStyle/>
                     <a:p>
-                      <a:pPr algn="ctr" fontAlgn="ctr"/>
+                      <a:pPr marR="0" algn="ctr" rtl="0" fontAlgn="ctr">
+                        <a:lnSpc>
+                          <a:spcPct val="100000"/>
+                        </a:lnSpc>
+                        <a:spcBef>
+                          <a:spcPts val="0"/>
+                        </a:spcBef>
+                        <a:spcAft>
+                          <a:spcPts val="0"/>
+                        </a:spcAft>
+                        <a:buClr>
+                          <a:srgbClr val="000000"/>
+                        </a:buClr>
+                        <a:buFont typeface="Arial"/>
+                      </a:pPr>
                       <a:r>
-                        <a:rPr lang="en-US" altLang="zh-TW" sz="1400" b="0" i="0" u="none" strike="noStrike" dirty="0">
+                        <a:rPr lang="en-US" altLang="zh-TW" sz="1400" b="0" i="0" u="none" strike="noStrike" cap="none" dirty="0">
                           <a:solidFill>
                             <a:srgbClr val="000000"/>
                           </a:solidFill>
                           <a:effectLst/>
                           <a:latin typeface="Times New Roman" panose="02020603050405020304" pitchFamily="18" charset="0"/>
-                          <a:ea typeface="新細明體" panose="02020500000000000000" pitchFamily="18" charset="-120"/>
+                          <a:ea typeface="+mn-ea"/>
                           <a:cs typeface="Times New Roman" panose="02020603050405020304" pitchFamily="18" charset="0"/>
+                          <a:sym typeface="Arial"/>
                         </a:rPr>
-                        <a:t>0.016852</a:t>
-                      </a:r>
-                    </a:p>
-                  </a:txBody>
-                  <a:tcPr marL="9525" marR="9525" marT="9525" marB="0" anchor="ctr"/>
-                </a:tc>
-                <a:tc>
-                  <a:txBody>
-                    <a:bodyPr/>
-                    <a:lstStyle/>
-                    <a:p>
-                      <a:pPr algn="ctr" fontAlgn="ctr"/>
-                      <a:r>
-                        <a:rPr lang="en-US" altLang="zh-TW" sz="1400" b="0" i="0" u="none" strike="noStrike" dirty="0">
-                          <a:solidFill>
-                            <a:srgbClr val="000000"/>
-                          </a:solidFill>
-                          <a:effectLst/>
-                          <a:latin typeface="Times New Roman" panose="02020603050405020304" pitchFamily="18" charset="0"/>
-                          <a:ea typeface="新細明體" panose="02020500000000000000" pitchFamily="18" charset="-120"/>
-                          <a:cs typeface="Times New Roman" panose="02020603050405020304" pitchFamily="18" charset="0"/>
-                        </a:rPr>
-                        <a:t>0.005584</a:t>
+                        <a:t>0.004991</a:t>
                       </a:r>
                     </a:p>
                   </a:txBody>
@@ -12876,7 +14436,7 @@
                   </a:ext>
                 </a:extLst>
               </a:tr>
-              <a:tr h="381000">
+              <a:tr h="327594">
                 <a:tc>
                   <a:txBody>
                     <a:bodyPr/>
@@ -12939,16 +14499,62 @@
                     <a:p>
                       <a:pPr algn="ctr" fontAlgn="ctr"/>
                       <a:r>
-                        <a:rPr lang="en-US" altLang="zh-TW" sz="1400" b="0" i="0" u="none" strike="noStrike" dirty="0">
+                        <a:rPr lang="en-US" altLang="zh-TW" sz="1400" b="0" i="0" u="none" strike="noStrike" dirty="0" smtClean="0">
                           <a:solidFill>
                             <a:srgbClr val="000000"/>
                           </a:solidFill>
                           <a:effectLst/>
                           <a:latin typeface="Times New Roman" panose="02020603050405020304" pitchFamily="18" charset="0"/>
-                          <a:ea typeface="新細明體" panose="02020500000000000000" pitchFamily="18" charset="-120"/>
+                          <a:ea typeface="+mn-ea"/>
                           <a:cs typeface="Times New Roman" panose="02020603050405020304" pitchFamily="18" charset="0"/>
                         </a:rPr>
-                        <a:t>46.5</a:t>
+                        <a:t>46.166667</a:t>
+                      </a:r>
+                      <a:endParaRPr lang="en-US" altLang="zh-TW" sz="1400" b="0" i="0" u="none" strike="noStrike" dirty="0">
+                        <a:solidFill>
+                          <a:srgbClr val="000000"/>
+                        </a:solidFill>
+                        <a:effectLst/>
+                        <a:latin typeface="Times New Roman" panose="02020603050405020304" pitchFamily="18" charset="0"/>
+                        <a:ea typeface="+mn-ea"/>
+                        <a:cs typeface="Times New Roman" panose="02020603050405020304" pitchFamily="18" charset="0"/>
+                      </a:endParaRPr>
+                    </a:p>
+                  </a:txBody>
+                  <a:tcPr marL="9525" marR="9525" marT="9525" marB="0" anchor="ctr"/>
+                </a:tc>
+                <a:tc>
+                  <a:txBody>
+                    <a:bodyPr/>
+                    <a:lstStyle/>
+                    <a:p>
+                      <a:pPr marR="0" algn="ctr" rtl="0" fontAlgn="ctr">
+                        <a:lnSpc>
+                          <a:spcPct val="100000"/>
+                        </a:lnSpc>
+                        <a:spcBef>
+                          <a:spcPts val="0"/>
+                        </a:spcBef>
+                        <a:spcAft>
+                          <a:spcPts val="0"/>
+                        </a:spcAft>
+                        <a:buClr>
+                          <a:srgbClr val="000000"/>
+                        </a:buClr>
+                        <a:buFont typeface="Arial"/>
+                      </a:pPr>
+                      <a:r>
+                        <a:rPr lang="en-US" altLang="zh-TW" sz="1400" b="0" i="0" u="none" strike="noStrike" cap="none" dirty="0">
+                          <a:solidFill>
+                            <a:srgbClr val="000000"/>
+                          </a:solidFill>
+                          <a:effectLst/>
+                          <a:latin typeface="Times New Roman" panose="02020603050405020304" pitchFamily="18" charset="0"/>
+                          <a:ea typeface="+mn-ea"/>
+                          <a:cs typeface="Times New Roman" panose="02020603050405020304" pitchFamily="18" charset="0"/>
+                          <a:sym typeface="Arial"/>
+                        </a:rPr>
+                        <a:t>62.6</a:t>
                       </a:r>
                     </a:p>
                   </a:txBody>
@@ -12959,40 +14565,33 @@
                     <a:bodyPr/>
                     <a:lstStyle/>
                     <a:p>
-                      <a:pPr algn="ctr" fontAlgn="ctr"/>
+                      <a:pPr marR="0" algn="ctr" rtl="0" fontAlgn="ctr">
+                        <a:lnSpc>
+                          <a:spcPct val="100000"/>
+                        </a:lnSpc>
+                        <a:spcBef>
+                          <a:spcPts val="0"/>
+                        </a:spcBef>
+                        <a:spcAft>
+                          <a:spcPts val="0"/>
+                        </a:spcAft>
+                        <a:buClr>
+                          <a:srgbClr val="000000"/>
+                        </a:buClr>
+                        <a:buFont typeface="Arial"/>
+                      </a:pPr>
                       <a:r>
-                        <a:rPr lang="en-US" altLang="zh-TW" sz="1400" b="0" i="0" u="none" strike="noStrike" dirty="0">
+                        <a:rPr lang="en-US" altLang="zh-TW" sz="1400" b="0" i="0" u="none" strike="noStrike" cap="none" dirty="0">
                           <a:solidFill>
                             <a:srgbClr val="000000"/>
                           </a:solidFill>
                           <a:effectLst/>
                           <a:latin typeface="Times New Roman" panose="02020603050405020304" pitchFamily="18" charset="0"/>
-                          <a:ea typeface="新細明體" panose="02020500000000000000" pitchFamily="18" charset="-120"/>
+                          <a:ea typeface="+mn-ea"/>
                           <a:cs typeface="Times New Roman" panose="02020603050405020304" pitchFamily="18" charset="0"/>
+                          <a:sym typeface="Arial"/>
                         </a:rPr>
-                        <a:t>33.75</a:t>
-                      </a:r>
-                    </a:p>
-                  </a:txBody>
-                  <a:tcPr marL="9525" marR="9525" marT="9525" marB="0" anchor="ctr"/>
-                </a:tc>
-                <a:tc>
-                  <a:txBody>
-                    <a:bodyPr/>
-                    <a:lstStyle/>
-                    <a:p>
-                      <a:pPr algn="ctr" fontAlgn="ctr"/>
-                      <a:r>
-                        <a:rPr lang="en-US" altLang="zh-TW" sz="1400" b="0" i="0" u="none" strike="noStrike" dirty="0">
-                          <a:solidFill>
-                            <a:srgbClr val="000000"/>
-                          </a:solidFill>
-                          <a:effectLst/>
-                          <a:latin typeface="Times New Roman" panose="02020603050405020304" pitchFamily="18" charset="0"/>
-                          <a:ea typeface="新細明體" panose="02020500000000000000" pitchFamily="18" charset="-120"/>
-                          <a:cs typeface="Times New Roman" panose="02020603050405020304" pitchFamily="18" charset="0"/>
-                        </a:rPr>
-                        <a:t>15.4</a:t>
+                        <a:t>15.58333</a:t>
                       </a:r>
                     </a:p>
                   </a:txBody>
@@ -13004,7 +14603,7 @@
                   </a:ext>
                 </a:extLst>
               </a:tr>
-              <a:tr h="381000">
+              <a:tr h="327594">
                 <a:tc>
                   <a:txBody>
                     <a:bodyPr/>
@@ -13046,16 +14645,62 @@
                     <a:p>
                       <a:pPr algn="ctr" fontAlgn="ctr"/>
                       <a:r>
-                        <a:rPr lang="en-US" altLang="zh-TW" sz="1400" b="1" i="0" u="none" strike="noStrike" dirty="0">
+                        <a:rPr lang="en-US" altLang="zh-TW" sz="1400" b="1" i="0" u="none" strike="noStrike" dirty="0" smtClean="0">
                           <a:solidFill>
                             <a:srgbClr val="000000"/>
                           </a:solidFill>
                           <a:effectLst/>
                           <a:latin typeface="Times New Roman" panose="02020603050405020304" pitchFamily="18" charset="0"/>
-                          <a:ea typeface="新細明體" panose="02020500000000000000" pitchFamily="18" charset="-120"/>
+                          <a:ea typeface="+mn-ea"/>
                           <a:cs typeface="Times New Roman" panose="02020603050405020304" pitchFamily="18" charset="0"/>
                         </a:rPr>
-                        <a:t>0.019793</a:t>
+                        <a:t>0.019687</a:t>
+                      </a:r>
+                      <a:endParaRPr lang="en-US" altLang="zh-TW" sz="1400" b="1" i="0" u="none" strike="noStrike" dirty="0">
+                        <a:solidFill>
+                          <a:srgbClr val="000000"/>
+                        </a:solidFill>
+                        <a:effectLst/>
+                        <a:latin typeface="Times New Roman" panose="02020603050405020304" pitchFamily="18" charset="0"/>
+                        <a:ea typeface="+mn-ea"/>
+                        <a:cs typeface="Times New Roman" panose="02020603050405020304" pitchFamily="18" charset="0"/>
+                      </a:endParaRPr>
+                    </a:p>
+                  </a:txBody>
+                  <a:tcPr marL="9525" marR="9525" marT="9525" marB="0" anchor="ctr"/>
+                </a:tc>
+                <a:tc>
+                  <a:txBody>
+                    <a:bodyPr/>
+                    <a:lstStyle/>
+                    <a:p>
+                      <a:pPr marR="0" algn="ctr" rtl="0" fontAlgn="ctr">
+                        <a:lnSpc>
+                          <a:spcPct val="100000"/>
+                        </a:lnSpc>
+                        <a:spcBef>
+                          <a:spcPts val="0"/>
+                        </a:spcBef>
+                        <a:spcAft>
+                          <a:spcPts val="0"/>
+                        </a:spcAft>
+                        <a:buClr>
+                          <a:srgbClr val="000000"/>
+                        </a:buClr>
+                        <a:buFont typeface="Arial"/>
+                      </a:pPr>
+                      <a:r>
+                        <a:rPr lang="en-US" altLang="zh-TW" sz="1400" b="0" i="0" u="none" strike="noStrike" cap="none" dirty="0">
+                          <a:solidFill>
+                            <a:srgbClr val="000000"/>
+                          </a:solidFill>
+                          <a:effectLst/>
+                          <a:latin typeface="Times New Roman" panose="02020603050405020304" pitchFamily="18" charset="0"/>
+                          <a:ea typeface="+mn-ea"/>
+                          <a:cs typeface="Times New Roman" panose="02020603050405020304" pitchFamily="18" charset="0"/>
+                          <a:sym typeface="Arial"/>
+                        </a:rPr>
+                        <a:t>-0.00493</a:t>
                       </a:r>
                     </a:p>
                   </a:txBody>
@@ -13066,40 +14711,33 @@
                     <a:bodyPr/>
                     <a:lstStyle/>
                     <a:p>
-                      <a:pPr algn="ctr" fontAlgn="ctr"/>
+                      <a:pPr marR="0" algn="ctr" rtl="0" fontAlgn="ctr">
+                        <a:lnSpc>
+                          <a:spcPct val="100000"/>
+                        </a:lnSpc>
+                        <a:spcBef>
+                          <a:spcPts val="0"/>
+                        </a:spcBef>
+                        <a:spcAft>
+                          <a:spcPts val="0"/>
+                        </a:spcAft>
+                        <a:buClr>
+                          <a:srgbClr val="000000"/>
+                        </a:buClr>
+                        <a:buFont typeface="Arial"/>
+                      </a:pPr>
                       <a:r>
-                        <a:rPr lang="en-US" altLang="zh-TW" sz="1400" b="0" i="0" u="none" strike="noStrike" dirty="0">
+                        <a:rPr lang="en-US" altLang="zh-TW" sz="1400" b="0" i="0" u="none" strike="noStrike" cap="none" dirty="0">
                           <a:solidFill>
                             <a:srgbClr val="000000"/>
                           </a:solidFill>
                           <a:effectLst/>
                           <a:latin typeface="Times New Roman" panose="02020603050405020304" pitchFamily="18" charset="0"/>
-                          <a:ea typeface="新細明體" panose="02020500000000000000" pitchFamily="18" charset="-120"/>
+                          <a:ea typeface="+mn-ea"/>
                           <a:cs typeface="Times New Roman" panose="02020603050405020304" pitchFamily="18" charset="0"/>
+                          <a:sym typeface="Arial"/>
                         </a:rPr>
-                        <a:t>0.012944</a:t>
-                      </a:r>
-                    </a:p>
-                  </a:txBody>
-                  <a:tcPr marL="9525" marR="9525" marT="9525" marB="0" anchor="ctr"/>
-                </a:tc>
-                <a:tc>
-                  <a:txBody>
-                    <a:bodyPr/>
-                    <a:lstStyle/>
-                    <a:p>
-                      <a:pPr algn="ctr" fontAlgn="ctr"/>
-                      <a:r>
-                        <a:rPr lang="en-US" altLang="zh-TW" sz="1400" b="0" i="0" u="none" strike="noStrike" dirty="0">
-                          <a:solidFill>
-                            <a:srgbClr val="000000"/>
-                          </a:solidFill>
-                          <a:effectLst/>
-                          <a:latin typeface="Times New Roman" panose="02020603050405020304" pitchFamily="18" charset="0"/>
-                          <a:ea typeface="新細明體" panose="02020500000000000000" pitchFamily="18" charset="-120"/>
-                          <a:cs typeface="Times New Roman" panose="02020603050405020304" pitchFamily="18" charset="0"/>
-                        </a:rPr>
-                        <a:t>0.004204</a:t>
+                        <a:t>0.003921</a:t>
                       </a:r>
                     </a:p>
                   </a:txBody>
@@ -13120,10 +14758,17 @@
   <p:clrMapOvr>
     <a:masterClrMapping/>
   </p:clrMapOvr>
+  <p:timing>
+    <p:tnLst>
+      <p:par>
+        <p:cTn id="1" dur="indefinite" restart="never" nodeType="tmRoot"/>
+      </p:par>
+    </p:tnLst>
+  </p:timing>
 </p:sld>
 </file>
 
-<file path=ppt/slides/slide25.xml><?xml version="1.0" encoding="utf-8"?>
+<file path=ppt/slides/slide26.xml><?xml version="1.0" encoding="utf-8"?>
 <p:sld xmlns:a="http://schemas.openxmlformats.org/drawingml/2006/main" xmlns:r="http://schemas.openxmlformats.org/officeDocument/2006/relationships" xmlns:p="http://schemas.openxmlformats.org/presentationml/2006/main">
   <p:cSld>
     <p:spTree>
@@ -13263,13 +14908,13 @@
               </a:ext>
             </a:extLst>
           </a:blip>
-          <a:srcRect b="49826"/>
+          <a:srcRect b="47307"/>
           <a:stretch/>
         </p:blipFill>
         <p:spPr>
           <a:xfrm>
-            <a:off x="1011640" y="2474614"/>
-            <a:ext cx="7120720" cy="2229011"/>
+            <a:off x="637393" y="2466147"/>
+            <a:ext cx="7869214" cy="2334452"/>
           </a:xfrm>
           <a:prstGeom prst="rect">
             <a:avLst/>
@@ -13281,10 +14926,2754 @@
   <p:clrMapOvr>
     <a:masterClrMapping/>
   </p:clrMapOvr>
+  <p:timing>
+    <p:tnLst>
+      <p:par>
+        <p:cTn id="1" dur="indefinite" restart="never" nodeType="tmRoot"/>
+      </p:par>
+    </p:tnLst>
+  </p:timing>
 </p:sld>
 </file>
 
-<file path=ppt/slides/slide26.xml><?xml version="1.0" encoding="utf-8"?>
+<file path=ppt/slides/slide27.xml><?xml version="1.0" encoding="utf-8"?>
+<p:sld xmlns:a="http://schemas.openxmlformats.org/drawingml/2006/main" xmlns:r="http://schemas.openxmlformats.org/officeDocument/2006/relationships" xmlns:p="http://schemas.openxmlformats.org/presentationml/2006/main">
+  <p:cSld>
+    <p:spTree>
+      <p:nvGrpSpPr>
+        <p:cNvPr id="1" name=""/>
+        <p:cNvGrpSpPr/>
+        <p:nvPr/>
+      </p:nvGrpSpPr>
+      <p:grpSpPr>
+        <a:xfrm>
+          <a:off x="0" y="0"/>
+          <a:ext cx="0" cy="0"/>
+          <a:chOff x="0" y="0"/>
+          <a:chExt cx="0" cy="0"/>
+        </a:xfrm>
+      </p:grpSpPr>
+      <p:sp>
+        <p:nvSpPr>
+          <p:cNvPr id="2" name="標題 1"/>
+          <p:cNvSpPr>
+            <a:spLocks noGrp="1"/>
+          </p:cNvSpPr>
+          <p:nvPr>
+            <p:ph type="title"/>
+          </p:nvPr>
+        </p:nvSpPr>
+        <p:spPr/>
+        <p:txBody>
+          <a:bodyPr/>
+          <a:lstStyle/>
+          <a:p>
+            <a:r>
+              <a:rPr lang="en-US" altLang="zh-TW" dirty="0" smtClean="0"/>
+              <a:t>How about considering testing period more recently?</a:t>
+            </a:r>
+            <a:endParaRPr lang="zh-TW" altLang="en-US" dirty="0"/>
+          </a:p>
+        </p:txBody>
+      </p:sp>
+      <p:sp>
+        <p:nvSpPr>
+          <p:cNvPr id="3" name="文字版面配置區 2"/>
+          <p:cNvSpPr>
+            <a:spLocks noGrp="1"/>
+          </p:cNvSpPr>
+          <p:nvPr>
+            <p:ph type="body" idx="1"/>
+          </p:nvPr>
+        </p:nvSpPr>
+        <p:spPr/>
+        <p:txBody>
+          <a:bodyPr/>
+          <a:lstStyle/>
+          <a:p>
+            <a:r>
+              <a:rPr lang="en-US" altLang="zh-TW" dirty="0" smtClean="0"/>
+              <a:t>Set testing period: 2019/01/01 ~ 2019/07/30</a:t>
+            </a:r>
+          </a:p>
+          <a:p>
+            <a:r>
+              <a:rPr lang="en-US" altLang="zh-TW" dirty="0" smtClean="0"/>
+              <a:t>Parameters shifted a little bit since the end of 2018.</a:t>
+            </a:r>
+          </a:p>
+          <a:p>
+            <a:r>
+              <a:rPr lang="en-US" altLang="zh-TW" dirty="0" smtClean="0"/>
+              <a:t>LS and rolling-LS can </a:t>
+            </a:r>
+            <a:r>
+              <a:rPr lang="en-US" altLang="zh-TW" dirty="0"/>
+              <a:t>not deal with time-varying </a:t>
+            </a:r>
+            <a:r>
+              <a:rPr lang="en-US" altLang="zh-TW" dirty="0" smtClean="0"/>
+              <a:t>parameters </a:t>
+            </a:r>
+            <a:r>
+              <a:rPr lang="en-US" altLang="zh-TW" dirty="0"/>
+              <a:t>effectively.</a:t>
+            </a:r>
+            <a:endParaRPr lang="zh-TW" altLang="en-US" dirty="0"/>
+          </a:p>
+          <a:p>
+            <a:endParaRPr lang="zh-TW" altLang="en-US" dirty="0"/>
+          </a:p>
+          <a:p>
+            <a:endParaRPr lang="zh-TW" altLang="en-US" dirty="0"/>
+          </a:p>
+        </p:txBody>
+      </p:sp>
+      <p:graphicFrame>
+        <p:nvGraphicFramePr>
+          <p:cNvPr id="4" name="Google Shape;117;p22"/>
+          <p:cNvGraphicFramePr/>
+          <p:nvPr>
+            <p:extLst>
+              <p:ext uri="{D42A27DB-BD31-4B8C-83A1-F6EECF244321}">
+                <p14:modId xmlns:p14="http://schemas.microsoft.com/office/powerpoint/2010/main" val="2019679111"/>
+              </p:ext>
+            </p:extLst>
+          </p:nvPr>
+        </p:nvGraphicFramePr>
+        <p:xfrm>
+          <a:off x="503007" y="3681109"/>
+          <a:ext cx="3948547" cy="1246907"/>
+        </p:xfrm>
+        <a:graphic>
+          <a:graphicData uri="http://schemas.openxmlformats.org/drawingml/2006/table">
+            <a:tbl>
+              <a:tblPr>
+                <a:tableStyleId>{9D7B26C5-4107-4FEC-AEDC-1716B250A1EF}</a:tableStyleId>
+              </a:tblPr>
+              <a:tblGrid>
+                <a:gridCol w="1220806">
+                  <a:extLst>
+                    <a:ext uri="{9D8B030D-6E8A-4147-A177-3AD203B41FA5}">
+                      <a16:colId xmlns:a16="http://schemas.microsoft.com/office/drawing/2014/main" val="20000"/>
+                    </a:ext>
+                  </a:extLst>
+                </a:gridCol>
+                <a:gridCol w="909247">
+                  <a:extLst>
+                    <a:ext uri="{9D8B030D-6E8A-4147-A177-3AD203B41FA5}">
+                      <a16:colId xmlns:a16="http://schemas.microsoft.com/office/drawing/2014/main" val="20001"/>
+                    </a:ext>
+                  </a:extLst>
+                </a:gridCol>
+                <a:gridCol w="909247">
+                  <a:extLst>
+                    <a:ext uri="{9D8B030D-6E8A-4147-A177-3AD203B41FA5}">
+                      <a16:colId xmlns:a16="http://schemas.microsoft.com/office/drawing/2014/main" val="20002"/>
+                    </a:ext>
+                  </a:extLst>
+                </a:gridCol>
+                <a:gridCol w="909247">
+                  <a:extLst>
+                    <a:ext uri="{9D8B030D-6E8A-4147-A177-3AD203B41FA5}">
+                      <a16:colId xmlns:a16="http://schemas.microsoft.com/office/drawing/2014/main" val="20003"/>
+                    </a:ext>
+                  </a:extLst>
+                </a:gridCol>
+              </a:tblGrid>
+              <a:tr h="176862">
+                <a:tc>
+                  <a:txBody>
+                    <a:bodyPr/>
+                    <a:lstStyle/>
+                    <a:p>
+                      <a:pPr algn="l" fontAlgn="ctr"/>
+                      <a:endParaRPr lang="zh-TW" altLang="en-US" sz="1100" b="0" i="0" u="none" strike="noStrike" dirty="0">
+                        <a:solidFill>
+                          <a:srgbClr val="000000"/>
+                        </a:solidFill>
+                        <a:effectLst/>
+                        <a:latin typeface="Times New Roman" panose="02020603050405020304" pitchFamily="18" charset="0"/>
+                        <a:ea typeface="新細明體" panose="02020500000000000000" pitchFamily="18" charset="-120"/>
+                        <a:cs typeface="Times New Roman" panose="02020603050405020304" pitchFamily="18" charset="0"/>
+                      </a:endParaRPr>
+                    </a:p>
+                  </a:txBody>
+                  <a:tcPr marL="9525" marR="9525" marT="9525" marB="0" anchor="ctr">
+                    <a:lnB w="12700" cap="flat" cmpd="sng" algn="ctr">
+                      <a:solidFill>
+                        <a:schemeClr val="tx1"/>
+                      </a:solidFill>
+                      <a:prstDash val="solid"/>
+                      <a:round/>
+                      <a:headEnd type="none" w="med" len="med"/>
+                      <a:tailEnd type="none" w="med" len="med"/>
+                    </a:lnB>
+                  </a:tcPr>
+                </a:tc>
+                <a:tc>
+                  <a:txBody>
+                    <a:bodyPr/>
+                    <a:lstStyle/>
+                    <a:p>
+                      <a:pPr algn="ctr" fontAlgn="ctr"/>
+                      <a:r>
+                        <a:rPr lang="en-US" sz="1100" b="0" i="0" u="none" strike="noStrike" dirty="0">
+                          <a:solidFill>
+                            <a:srgbClr val="000000"/>
+                          </a:solidFill>
+                          <a:effectLst/>
+                          <a:latin typeface="Times New Roman" panose="02020603050405020304" pitchFamily="18" charset="0"/>
+                          <a:ea typeface="新細明體" panose="02020500000000000000" pitchFamily="18" charset="-120"/>
+                          <a:cs typeface="Times New Roman" panose="02020603050405020304" pitchFamily="18" charset="0"/>
+                        </a:rPr>
+                        <a:t>LS</a:t>
+                      </a:r>
+                    </a:p>
+                  </a:txBody>
+                  <a:tcPr marL="9525" marR="9525" marT="9525" marB="0" anchor="ctr">
+                    <a:lnB w="12700" cap="flat" cmpd="sng" algn="ctr">
+                      <a:solidFill>
+                        <a:schemeClr val="tx1"/>
+                      </a:solidFill>
+                      <a:prstDash val="solid"/>
+                      <a:round/>
+                      <a:headEnd type="none" w="med" len="med"/>
+                      <a:tailEnd type="none" w="med" len="med"/>
+                    </a:lnB>
+                  </a:tcPr>
+                </a:tc>
+                <a:tc>
+                  <a:txBody>
+                    <a:bodyPr/>
+                    <a:lstStyle/>
+                    <a:p>
+                      <a:pPr algn="ctr" fontAlgn="ctr"/>
+                      <a:r>
+                        <a:rPr lang="en-US" sz="1100" b="0" i="0" u="none" strike="noStrike" dirty="0">
+                          <a:solidFill>
+                            <a:srgbClr val="000000"/>
+                          </a:solidFill>
+                          <a:effectLst/>
+                          <a:latin typeface="Times New Roman" panose="02020603050405020304" pitchFamily="18" charset="0"/>
+                          <a:ea typeface="新細明體" panose="02020500000000000000" pitchFamily="18" charset="-120"/>
+                          <a:cs typeface="Times New Roman" panose="02020603050405020304" pitchFamily="18" charset="0"/>
+                        </a:rPr>
+                        <a:t>rolling-LS</a:t>
+                      </a:r>
+                    </a:p>
+                  </a:txBody>
+                  <a:tcPr marL="9525" marR="9525" marT="9525" marB="0" anchor="ctr">
+                    <a:lnB w="12700" cap="flat" cmpd="sng" algn="ctr">
+                      <a:solidFill>
+                        <a:schemeClr val="tx1"/>
+                      </a:solidFill>
+                      <a:prstDash val="solid"/>
+                      <a:round/>
+                      <a:headEnd type="none" w="med" len="med"/>
+                      <a:tailEnd type="none" w="med" len="med"/>
+                    </a:lnB>
+                  </a:tcPr>
+                </a:tc>
+                <a:tc>
+                  <a:txBody>
+                    <a:bodyPr/>
+                    <a:lstStyle/>
+                    <a:p>
+                      <a:pPr algn="ctr" fontAlgn="ctr"/>
+                      <a:r>
+                        <a:rPr lang="en-US" sz="1100" b="0" i="0" u="none" strike="noStrike" dirty="0" err="1">
+                          <a:solidFill>
+                            <a:srgbClr val="000000"/>
+                          </a:solidFill>
+                          <a:effectLst/>
+                          <a:latin typeface="Times New Roman" panose="02020603050405020304" pitchFamily="18" charset="0"/>
+                          <a:ea typeface="新細明體" panose="02020500000000000000" pitchFamily="18" charset="-120"/>
+                          <a:cs typeface="Times New Roman" panose="02020603050405020304" pitchFamily="18" charset="0"/>
+                        </a:rPr>
+                        <a:t>Kalman</a:t>
+                      </a:r>
+                      <a:endParaRPr lang="en-US" sz="1100" b="0" i="0" u="none" strike="noStrike" dirty="0">
+                        <a:solidFill>
+                          <a:srgbClr val="000000"/>
+                        </a:solidFill>
+                        <a:effectLst/>
+                        <a:latin typeface="Times New Roman" panose="02020603050405020304" pitchFamily="18" charset="0"/>
+                        <a:ea typeface="新細明體" panose="02020500000000000000" pitchFamily="18" charset="-120"/>
+                        <a:cs typeface="Times New Roman" panose="02020603050405020304" pitchFamily="18" charset="0"/>
+                      </a:endParaRPr>
+                    </a:p>
+                  </a:txBody>
+                  <a:tcPr marL="9525" marR="9525" marT="9525" marB="0" anchor="ctr">
+                    <a:lnB w="12700" cap="flat" cmpd="sng" algn="ctr">
+                      <a:solidFill>
+                        <a:schemeClr val="tx1"/>
+                      </a:solidFill>
+                      <a:prstDash val="solid"/>
+                      <a:round/>
+                      <a:headEnd type="none" w="med" len="med"/>
+                      <a:tailEnd type="none" w="med" len="med"/>
+                    </a:lnB>
+                  </a:tcPr>
+                </a:tc>
+                <a:extLst>
+                  <a:ext uri="{0D108BD9-81ED-4DB2-BD59-A6C34878D82A}">
+                    <a16:rowId xmlns:a16="http://schemas.microsoft.com/office/drawing/2014/main" val="10000"/>
+                  </a:ext>
+                </a:extLst>
+              </a:tr>
+              <a:tr h="176862">
+                <a:tc>
+                  <a:txBody>
+                    <a:bodyPr/>
+                    <a:lstStyle/>
+                    <a:p>
+                      <a:pPr algn="l" fontAlgn="ctr"/>
+                      <a:r>
+                        <a:rPr lang="en-US" sz="1100" b="0" i="0" u="none" strike="noStrike" dirty="0" smtClean="0">
+                          <a:solidFill>
+                            <a:srgbClr val="000000"/>
+                          </a:solidFill>
+                          <a:effectLst/>
+                          <a:latin typeface="Times New Roman" panose="02020603050405020304" pitchFamily="18" charset="0"/>
+                          <a:ea typeface="新細明體" panose="02020500000000000000" pitchFamily="18" charset="-120"/>
+                          <a:cs typeface="Times New Roman" panose="02020603050405020304" pitchFamily="18" charset="0"/>
+                        </a:rPr>
+                        <a:t>Volatility</a:t>
+                      </a:r>
+                      <a:endParaRPr lang="en-US" sz="1100" b="0" i="0" u="none" strike="noStrike" dirty="0">
+                        <a:solidFill>
+                          <a:srgbClr val="000000"/>
+                        </a:solidFill>
+                        <a:effectLst/>
+                        <a:latin typeface="Times New Roman" panose="02020603050405020304" pitchFamily="18" charset="0"/>
+                        <a:ea typeface="新細明體" panose="02020500000000000000" pitchFamily="18" charset="-120"/>
+                        <a:cs typeface="Times New Roman" panose="02020603050405020304" pitchFamily="18" charset="0"/>
+                      </a:endParaRPr>
+                    </a:p>
+                  </a:txBody>
+                  <a:tcPr marL="9525" marR="9525" marT="9525" marB="0" anchor="ctr">
+                    <a:lnT w="12700" cap="flat" cmpd="sng" algn="ctr">
+                      <a:solidFill>
+                        <a:schemeClr val="tx1"/>
+                      </a:solidFill>
+                      <a:prstDash val="solid"/>
+                      <a:round/>
+                      <a:headEnd type="none" w="med" len="med"/>
+                      <a:tailEnd type="none" w="med" len="med"/>
+                    </a:lnT>
+                  </a:tcPr>
+                </a:tc>
+                <a:tc>
+                  <a:txBody>
+                    <a:bodyPr/>
+                    <a:lstStyle/>
+                    <a:p>
+                      <a:pPr algn="ctr" fontAlgn="ctr"/>
+                      <a:r>
+                        <a:rPr lang="en-US" altLang="zh-TW" sz="1100" b="0" i="0" u="none" strike="noStrike" dirty="0">
+                          <a:solidFill>
+                            <a:srgbClr val="000000"/>
+                          </a:solidFill>
+                          <a:effectLst/>
+                          <a:latin typeface="Times New Roman" panose="02020603050405020304" pitchFamily="18" charset="0"/>
+                          <a:ea typeface="新細明體" panose="02020500000000000000" pitchFamily="18" charset="-120"/>
+                          <a:cs typeface="Times New Roman" panose="02020603050405020304" pitchFamily="18" charset="0"/>
+                        </a:rPr>
+                        <a:t>0.001022</a:t>
+                      </a:r>
+                    </a:p>
+                  </a:txBody>
+                  <a:tcPr marL="9525" marR="9525" marT="9525" marB="0" anchor="ctr">
+                    <a:lnT w="12700" cap="flat" cmpd="sng" algn="ctr">
+                      <a:solidFill>
+                        <a:schemeClr val="tx1"/>
+                      </a:solidFill>
+                      <a:prstDash val="solid"/>
+                      <a:round/>
+                      <a:headEnd type="none" w="med" len="med"/>
+                      <a:tailEnd type="none" w="med" len="med"/>
+                    </a:lnT>
+                  </a:tcPr>
+                </a:tc>
+                <a:tc>
+                  <a:txBody>
+                    <a:bodyPr/>
+                    <a:lstStyle/>
+                    <a:p>
+                      <a:pPr algn="ctr" fontAlgn="ctr"/>
+                      <a:r>
+                        <a:rPr lang="en-US" altLang="zh-TW" sz="1100" b="0" i="0" u="none" strike="noStrike" dirty="0">
+                          <a:solidFill>
+                            <a:srgbClr val="000000"/>
+                          </a:solidFill>
+                          <a:effectLst/>
+                          <a:latin typeface="Times New Roman" panose="02020603050405020304" pitchFamily="18" charset="0"/>
+                          <a:ea typeface="新細明體" panose="02020500000000000000" pitchFamily="18" charset="-120"/>
+                          <a:cs typeface="Times New Roman" panose="02020603050405020304" pitchFamily="18" charset="0"/>
+                        </a:rPr>
+                        <a:t>0.001081</a:t>
+                      </a:r>
+                    </a:p>
+                  </a:txBody>
+                  <a:tcPr marL="9525" marR="9525" marT="9525" marB="0" anchor="ctr">
+                    <a:lnT w="12700" cap="flat" cmpd="sng" algn="ctr">
+                      <a:solidFill>
+                        <a:schemeClr val="tx1"/>
+                      </a:solidFill>
+                      <a:prstDash val="solid"/>
+                      <a:round/>
+                      <a:headEnd type="none" w="med" len="med"/>
+                      <a:tailEnd type="none" w="med" len="med"/>
+                    </a:lnT>
+                  </a:tcPr>
+                </a:tc>
+                <a:tc>
+                  <a:txBody>
+                    <a:bodyPr/>
+                    <a:lstStyle/>
+                    <a:p>
+                      <a:pPr algn="ctr" fontAlgn="ctr"/>
+                      <a:r>
+                        <a:rPr lang="en-US" altLang="zh-TW" sz="1100" b="1" i="0" u="none" strike="noStrike" dirty="0">
+                          <a:solidFill>
+                            <a:srgbClr val="000000"/>
+                          </a:solidFill>
+                          <a:effectLst/>
+                          <a:latin typeface="Times New Roman" panose="02020603050405020304" pitchFamily="18" charset="0"/>
+                          <a:ea typeface="新細明體" panose="02020500000000000000" pitchFamily="18" charset="-120"/>
+                          <a:cs typeface="Times New Roman" panose="02020603050405020304" pitchFamily="18" charset="0"/>
+                        </a:rPr>
+                        <a:t>0.000611</a:t>
+                      </a:r>
+                    </a:p>
+                  </a:txBody>
+                  <a:tcPr marL="9525" marR="9525" marT="9525" marB="0" anchor="ctr">
+                    <a:lnT w="12700" cap="flat" cmpd="sng" algn="ctr">
+                      <a:solidFill>
+                        <a:schemeClr val="tx1"/>
+                      </a:solidFill>
+                      <a:prstDash val="solid"/>
+                      <a:round/>
+                      <a:headEnd type="none" w="med" len="med"/>
+                      <a:tailEnd type="none" w="med" len="med"/>
+                    </a:lnT>
+                  </a:tcPr>
+                </a:tc>
+                <a:extLst>
+                  <a:ext uri="{0D108BD9-81ED-4DB2-BD59-A6C34878D82A}">
+                    <a16:rowId xmlns:a16="http://schemas.microsoft.com/office/drawing/2014/main" val="10001"/>
+                  </a:ext>
+                </a:extLst>
+              </a:tr>
+              <a:tr h="176862">
+                <a:tc>
+                  <a:txBody>
+                    <a:bodyPr/>
+                    <a:lstStyle/>
+                    <a:p>
+                      <a:pPr algn="l" fontAlgn="ctr"/>
+                      <a:r>
+                        <a:rPr lang="en-US" sz="1100" b="0" i="0" u="none" strike="noStrike" dirty="0" err="1">
+                          <a:solidFill>
+                            <a:srgbClr val="000000"/>
+                          </a:solidFill>
+                          <a:effectLst/>
+                          <a:latin typeface="Times New Roman" panose="02020603050405020304" pitchFamily="18" charset="0"/>
+                          <a:ea typeface="新細明體" panose="02020500000000000000" pitchFamily="18" charset="-120"/>
+                          <a:cs typeface="Times New Roman" panose="02020603050405020304" pitchFamily="18" charset="0"/>
+                        </a:rPr>
+                        <a:t>StdDev</a:t>
+                      </a:r>
+                      <a:r>
+                        <a:rPr lang="en-US" sz="1100" b="0" i="0" u="none" strike="noStrike" dirty="0">
+                          <a:solidFill>
+                            <a:srgbClr val="000000"/>
+                          </a:solidFill>
+                          <a:effectLst/>
+                          <a:latin typeface="Times New Roman" panose="02020603050405020304" pitchFamily="18" charset="0"/>
+                          <a:ea typeface="新細明體" panose="02020500000000000000" pitchFamily="18" charset="-120"/>
+                          <a:cs typeface="Times New Roman" panose="02020603050405020304" pitchFamily="18" charset="0"/>
+                        </a:rPr>
+                        <a:t> </a:t>
+                      </a:r>
+                      <a:r>
+                        <a:rPr lang="en-US" sz="1100" b="0" i="0" u="none" strike="noStrike" dirty="0" smtClean="0">
+                          <a:solidFill>
+                            <a:srgbClr val="000000"/>
+                          </a:solidFill>
+                          <a:effectLst/>
+                          <a:latin typeface="Times New Roman" panose="02020603050405020304" pitchFamily="18" charset="0"/>
+                          <a:ea typeface="新細明體" panose="02020500000000000000" pitchFamily="18" charset="-120"/>
+                          <a:cs typeface="Times New Roman" panose="02020603050405020304" pitchFamily="18" charset="0"/>
+                        </a:rPr>
+                        <a:t>Sharpe</a:t>
+                      </a:r>
+                      <a:endParaRPr lang="en-US" sz="1100" b="0" i="0" u="none" strike="noStrike" dirty="0">
+                        <a:solidFill>
+                          <a:srgbClr val="000000"/>
+                        </a:solidFill>
+                        <a:effectLst/>
+                        <a:latin typeface="Times New Roman" panose="02020603050405020304" pitchFamily="18" charset="0"/>
+                        <a:ea typeface="新細明體" panose="02020500000000000000" pitchFamily="18" charset="-120"/>
+                        <a:cs typeface="Times New Roman" panose="02020603050405020304" pitchFamily="18" charset="0"/>
+                      </a:endParaRPr>
+                    </a:p>
+                  </a:txBody>
+                  <a:tcPr marL="9525" marR="9525" marT="9525" marB="0" anchor="ctr"/>
+                </a:tc>
+                <a:tc>
+                  <a:txBody>
+                    <a:bodyPr/>
+                    <a:lstStyle/>
+                    <a:p>
+                      <a:pPr algn="ctr" fontAlgn="ctr"/>
+                      <a:r>
+                        <a:rPr lang="en-US" altLang="zh-TW" sz="1100" b="0" i="0" u="none" strike="noStrike" dirty="0">
+                          <a:solidFill>
+                            <a:srgbClr val="000000"/>
+                          </a:solidFill>
+                          <a:effectLst/>
+                          <a:latin typeface="Times New Roman" panose="02020603050405020304" pitchFamily="18" charset="0"/>
+                          <a:ea typeface="新細明體" panose="02020500000000000000" pitchFamily="18" charset="-120"/>
+                          <a:cs typeface="Times New Roman" panose="02020603050405020304" pitchFamily="18" charset="0"/>
+                        </a:rPr>
+                        <a:t>-0.02029</a:t>
+                      </a:r>
+                    </a:p>
+                  </a:txBody>
+                  <a:tcPr marL="9525" marR="9525" marT="9525" marB="0" anchor="ctr"/>
+                </a:tc>
+                <a:tc>
+                  <a:txBody>
+                    <a:bodyPr/>
+                    <a:lstStyle/>
+                    <a:p>
+                      <a:pPr algn="ctr" fontAlgn="ctr"/>
+                      <a:r>
+                        <a:rPr lang="en-US" altLang="zh-TW" sz="1100" b="0" i="0" u="none" strike="noStrike">
+                          <a:solidFill>
+                            <a:srgbClr val="000000"/>
+                          </a:solidFill>
+                          <a:effectLst/>
+                          <a:latin typeface="Times New Roman" panose="02020603050405020304" pitchFamily="18" charset="0"/>
+                          <a:ea typeface="新細明體" panose="02020500000000000000" pitchFamily="18" charset="-120"/>
+                          <a:cs typeface="Times New Roman" panose="02020603050405020304" pitchFamily="18" charset="0"/>
+                        </a:rPr>
+                        <a:t>-0.04575</a:t>
+                      </a:r>
+                    </a:p>
+                  </a:txBody>
+                  <a:tcPr marL="9525" marR="9525" marT="9525" marB="0" anchor="ctr"/>
+                </a:tc>
+                <a:tc>
+                  <a:txBody>
+                    <a:bodyPr/>
+                    <a:lstStyle/>
+                    <a:p>
+                      <a:pPr algn="ctr" fontAlgn="ctr"/>
+                      <a:r>
+                        <a:rPr lang="en-US" altLang="zh-TW" sz="1100" b="1" i="0" u="none" strike="noStrike" dirty="0">
+                          <a:solidFill>
+                            <a:srgbClr val="000000"/>
+                          </a:solidFill>
+                          <a:effectLst/>
+                          <a:latin typeface="Times New Roman" panose="02020603050405020304" pitchFamily="18" charset="0"/>
+                          <a:ea typeface="新細明體" panose="02020500000000000000" pitchFamily="18" charset="-120"/>
+                          <a:cs typeface="Times New Roman" panose="02020603050405020304" pitchFamily="18" charset="0"/>
+                        </a:rPr>
+                        <a:t>0.06648</a:t>
+                      </a:r>
+                    </a:p>
+                  </a:txBody>
+                  <a:tcPr marL="9525" marR="9525" marT="9525" marB="0" anchor="ctr"/>
+                </a:tc>
+                <a:extLst>
+                  <a:ext uri="{0D108BD9-81ED-4DB2-BD59-A6C34878D82A}">
+                    <a16:rowId xmlns:a16="http://schemas.microsoft.com/office/drawing/2014/main" val="10002"/>
+                  </a:ext>
+                </a:extLst>
+              </a:tr>
+              <a:tr h="183917">
+                <a:tc>
+                  <a:txBody>
+                    <a:bodyPr/>
+                    <a:lstStyle/>
+                    <a:p>
+                      <a:pPr algn="l" fontAlgn="ctr"/>
+                      <a:r>
+                        <a:rPr lang="en-US" sz="1100" b="0" i="0" u="none" strike="noStrike" dirty="0" err="1">
+                          <a:solidFill>
+                            <a:srgbClr val="000000"/>
+                          </a:solidFill>
+                          <a:effectLst/>
+                          <a:latin typeface="Times New Roman" panose="02020603050405020304" pitchFamily="18" charset="0"/>
+                          <a:ea typeface="新細明體" panose="02020500000000000000" pitchFamily="18" charset="-120"/>
+                          <a:cs typeface="Times New Roman" panose="02020603050405020304" pitchFamily="18" charset="0"/>
+                        </a:rPr>
+                        <a:t>VaR</a:t>
+                      </a:r>
+                      <a:r>
+                        <a:rPr lang="en-US" sz="1100" b="0" i="0" u="none" strike="noStrike" dirty="0">
+                          <a:solidFill>
+                            <a:srgbClr val="000000"/>
+                          </a:solidFill>
+                          <a:effectLst/>
+                          <a:latin typeface="Times New Roman" panose="02020603050405020304" pitchFamily="18" charset="0"/>
+                          <a:ea typeface="新細明體" panose="02020500000000000000" pitchFamily="18" charset="-120"/>
+                          <a:cs typeface="Times New Roman" panose="02020603050405020304" pitchFamily="18" charset="0"/>
+                        </a:rPr>
+                        <a:t> </a:t>
+                      </a:r>
+                      <a:r>
+                        <a:rPr lang="en-US" sz="1100" b="0" i="0" u="none" strike="noStrike" dirty="0" smtClean="0">
+                          <a:solidFill>
+                            <a:srgbClr val="000000"/>
+                          </a:solidFill>
+                          <a:effectLst/>
+                          <a:latin typeface="Times New Roman" panose="02020603050405020304" pitchFamily="18" charset="0"/>
+                          <a:ea typeface="新細明體" panose="02020500000000000000" pitchFamily="18" charset="-120"/>
+                          <a:cs typeface="Times New Roman" panose="02020603050405020304" pitchFamily="18" charset="0"/>
+                        </a:rPr>
+                        <a:t>Sharpe</a:t>
+                      </a:r>
+                      <a:endParaRPr lang="en-US" sz="1100" b="0" i="0" u="none" strike="noStrike" dirty="0">
+                        <a:solidFill>
+                          <a:srgbClr val="000000"/>
+                        </a:solidFill>
+                        <a:effectLst/>
+                        <a:latin typeface="Times New Roman" panose="02020603050405020304" pitchFamily="18" charset="0"/>
+                        <a:ea typeface="新細明體" panose="02020500000000000000" pitchFamily="18" charset="-120"/>
+                        <a:cs typeface="Times New Roman" panose="02020603050405020304" pitchFamily="18" charset="0"/>
+                      </a:endParaRPr>
+                    </a:p>
+                  </a:txBody>
+                  <a:tcPr marL="9525" marR="9525" marT="9525" marB="0" anchor="ctr"/>
+                </a:tc>
+                <a:tc>
+                  <a:txBody>
+                    <a:bodyPr/>
+                    <a:lstStyle/>
+                    <a:p>
+                      <a:pPr algn="ctr" fontAlgn="ctr"/>
+                      <a:r>
+                        <a:rPr lang="en-US" altLang="zh-TW" sz="1100" b="0" i="0" u="none" strike="noStrike" dirty="0">
+                          <a:solidFill>
+                            <a:srgbClr val="000000"/>
+                          </a:solidFill>
+                          <a:effectLst/>
+                          <a:latin typeface="Times New Roman" panose="02020603050405020304" pitchFamily="18" charset="0"/>
+                          <a:ea typeface="新細明體" panose="02020500000000000000" pitchFamily="18" charset="-120"/>
+                          <a:cs typeface="Times New Roman" panose="02020603050405020304" pitchFamily="18" charset="0"/>
+                        </a:rPr>
+                        <a:t>-0.01227</a:t>
+                      </a:r>
+                    </a:p>
+                  </a:txBody>
+                  <a:tcPr marL="9525" marR="9525" marT="9525" marB="0" anchor="ctr"/>
+                </a:tc>
+                <a:tc>
+                  <a:txBody>
+                    <a:bodyPr/>
+                    <a:lstStyle/>
+                    <a:p>
+                      <a:pPr algn="ctr" fontAlgn="ctr"/>
+                      <a:r>
+                        <a:rPr lang="en-US" altLang="zh-TW" sz="1100" b="0" i="0" u="none" strike="noStrike" dirty="0">
+                          <a:solidFill>
+                            <a:srgbClr val="000000"/>
+                          </a:solidFill>
+                          <a:effectLst/>
+                          <a:latin typeface="Times New Roman" panose="02020603050405020304" pitchFamily="18" charset="0"/>
+                          <a:ea typeface="新細明體" panose="02020500000000000000" pitchFamily="18" charset="-120"/>
+                          <a:cs typeface="Times New Roman" panose="02020603050405020304" pitchFamily="18" charset="0"/>
+                        </a:rPr>
+                        <a:t>-0.02611</a:t>
+                      </a:r>
+                    </a:p>
+                  </a:txBody>
+                  <a:tcPr marL="9525" marR="9525" marT="9525" marB="0" anchor="ctr"/>
+                </a:tc>
+                <a:tc>
+                  <a:txBody>
+                    <a:bodyPr/>
+                    <a:lstStyle/>
+                    <a:p>
+                      <a:pPr algn="ctr" fontAlgn="ctr"/>
+                      <a:r>
+                        <a:rPr lang="en-US" altLang="zh-TW" sz="1100" b="1" i="0" u="none" strike="noStrike" dirty="0">
+                          <a:solidFill>
+                            <a:srgbClr val="000000"/>
+                          </a:solidFill>
+                          <a:effectLst/>
+                          <a:latin typeface="Times New Roman" panose="02020603050405020304" pitchFamily="18" charset="0"/>
+                          <a:ea typeface="新細明體" panose="02020500000000000000" pitchFamily="18" charset="-120"/>
+                          <a:cs typeface="Times New Roman" panose="02020603050405020304" pitchFamily="18" charset="0"/>
+                        </a:rPr>
+                        <a:t>0.059302</a:t>
+                      </a:r>
+                    </a:p>
+                  </a:txBody>
+                  <a:tcPr marL="9525" marR="9525" marT="9525" marB="0" anchor="ctr"/>
+                </a:tc>
+                <a:extLst>
+                  <a:ext uri="{0D108BD9-81ED-4DB2-BD59-A6C34878D82A}">
+                    <a16:rowId xmlns:a16="http://schemas.microsoft.com/office/drawing/2014/main" val="10003"/>
+                  </a:ext>
+                </a:extLst>
+              </a:tr>
+              <a:tr h="176862">
+                <a:tc>
+                  <a:txBody>
+                    <a:bodyPr/>
+                    <a:lstStyle/>
+                    <a:p>
+                      <a:pPr algn="l" fontAlgn="ctr"/>
+                      <a:r>
+                        <a:rPr lang="en-US" sz="1100" b="0" i="0" u="none" strike="noStrike" dirty="0">
+                          <a:solidFill>
+                            <a:srgbClr val="000000"/>
+                          </a:solidFill>
+                          <a:effectLst/>
+                          <a:latin typeface="Times New Roman" panose="02020603050405020304" pitchFamily="18" charset="0"/>
+                          <a:ea typeface="新細明體" panose="02020500000000000000" pitchFamily="18" charset="-120"/>
+                          <a:cs typeface="Times New Roman" panose="02020603050405020304" pitchFamily="18" charset="0"/>
+                        </a:rPr>
+                        <a:t>ES </a:t>
+                      </a:r>
+                      <a:r>
+                        <a:rPr lang="en-US" sz="1100" b="0" i="0" u="none" strike="noStrike" dirty="0" smtClean="0">
+                          <a:solidFill>
+                            <a:srgbClr val="000000"/>
+                          </a:solidFill>
+                          <a:effectLst/>
+                          <a:latin typeface="Times New Roman" panose="02020603050405020304" pitchFamily="18" charset="0"/>
+                          <a:ea typeface="新細明體" panose="02020500000000000000" pitchFamily="18" charset="-120"/>
+                          <a:cs typeface="Times New Roman" panose="02020603050405020304" pitchFamily="18" charset="0"/>
+                        </a:rPr>
+                        <a:t>Sharpe</a:t>
+                      </a:r>
+                      <a:endParaRPr lang="en-US" sz="1100" b="0" i="0" u="none" strike="noStrike" dirty="0">
+                        <a:solidFill>
+                          <a:srgbClr val="000000"/>
+                        </a:solidFill>
+                        <a:effectLst/>
+                        <a:latin typeface="Times New Roman" panose="02020603050405020304" pitchFamily="18" charset="0"/>
+                        <a:ea typeface="新細明體" panose="02020500000000000000" pitchFamily="18" charset="-120"/>
+                        <a:cs typeface="Times New Roman" panose="02020603050405020304" pitchFamily="18" charset="0"/>
+                      </a:endParaRPr>
+                    </a:p>
+                  </a:txBody>
+                  <a:tcPr marL="9525" marR="9525" marT="9525" marB="0" anchor="ctr"/>
+                </a:tc>
+                <a:tc>
+                  <a:txBody>
+                    <a:bodyPr/>
+                    <a:lstStyle/>
+                    <a:p>
+                      <a:pPr algn="ctr" fontAlgn="ctr"/>
+                      <a:r>
+                        <a:rPr lang="en-US" altLang="zh-TW" sz="1100" b="0" i="0" u="none" strike="noStrike" dirty="0">
+                          <a:solidFill>
+                            <a:srgbClr val="000000"/>
+                          </a:solidFill>
+                          <a:effectLst/>
+                          <a:latin typeface="Times New Roman" panose="02020603050405020304" pitchFamily="18" charset="0"/>
+                          <a:ea typeface="新細明體" panose="02020500000000000000" pitchFamily="18" charset="-120"/>
+                          <a:cs typeface="Times New Roman" panose="02020603050405020304" pitchFamily="18" charset="0"/>
+                        </a:rPr>
+                        <a:t>-0.00874</a:t>
+                      </a:r>
+                    </a:p>
+                  </a:txBody>
+                  <a:tcPr marL="9525" marR="9525" marT="9525" marB="0" anchor="ctr"/>
+                </a:tc>
+                <a:tc>
+                  <a:txBody>
+                    <a:bodyPr/>
+                    <a:lstStyle/>
+                    <a:p>
+                      <a:pPr algn="ctr" fontAlgn="ctr"/>
+                      <a:r>
+                        <a:rPr lang="en-US" altLang="zh-TW" sz="1100" b="0" i="0" u="none" strike="noStrike" dirty="0">
+                          <a:solidFill>
+                            <a:srgbClr val="000000"/>
+                          </a:solidFill>
+                          <a:effectLst/>
+                          <a:latin typeface="Times New Roman" panose="02020603050405020304" pitchFamily="18" charset="0"/>
+                          <a:ea typeface="新細明體" panose="02020500000000000000" pitchFamily="18" charset="-120"/>
+                          <a:cs typeface="Times New Roman" panose="02020603050405020304" pitchFamily="18" charset="0"/>
+                        </a:rPr>
+                        <a:t>-0.01897</a:t>
+                      </a:r>
+                    </a:p>
+                  </a:txBody>
+                  <a:tcPr marL="9525" marR="9525" marT="9525" marB="0" anchor="ctr"/>
+                </a:tc>
+                <a:tc>
+                  <a:txBody>
+                    <a:bodyPr/>
+                    <a:lstStyle/>
+                    <a:p>
+                      <a:pPr algn="ctr" fontAlgn="ctr"/>
+                      <a:r>
+                        <a:rPr lang="en-US" altLang="zh-TW" sz="1100" b="1" i="0" u="none" strike="noStrike" dirty="0">
+                          <a:solidFill>
+                            <a:srgbClr val="000000"/>
+                          </a:solidFill>
+                          <a:effectLst/>
+                          <a:latin typeface="Times New Roman" panose="02020603050405020304" pitchFamily="18" charset="0"/>
+                          <a:ea typeface="新細明體" panose="02020500000000000000" pitchFamily="18" charset="-120"/>
+                          <a:cs typeface="Times New Roman" panose="02020603050405020304" pitchFamily="18" charset="0"/>
+                        </a:rPr>
+                        <a:t>0.059302</a:t>
+                      </a:r>
+                    </a:p>
+                  </a:txBody>
+                  <a:tcPr marL="9525" marR="9525" marT="9525" marB="0" anchor="ctr"/>
+                </a:tc>
+                <a:extLst>
+                  <a:ext uri="{0D108BD9-81ED-4DB2-BD59-A6C34878D82A}">
+                    <a16:rowId xmlns:a16="http://schemas.microsoft.com/office/drawing/2014/main" val="10004"/>
+                  </a:ext>
+                </a:extLst>
+              </a:tr>
+              <a:tr h="176862">
+                <a:tc>
+                  <a:txBody>
+                    <a:bodyPr/>
+                    <a:lstStyle/>
+                    <a:p>
+                      <a:pPr algn="l" fontAlgn="ctr"/>
+                      <a:r>
+                        <a:rPr lang="en-US" sz="1100" b="0" i="0" u="none" strike="noStrike" dirty="0" smtClean="0">
+                          <a:solidFill>
+                            <a:srgbClr val="000000"/>
+                          </a:solidFill>
+                          <a:effectLst/>
+                          <a:latin typeface="Times New Roman" panose="02020603050405020304" pitchFamily="18" charset="0"/>
+                          <a:ea typeface="新細明體" panose="02020500000000000000" pitchFamily="18" charset="-120"/>
+                          <a:cs typeface="Times New Roman" panose="02020603050405020304" pitchFamily="18" charset="0"/>
+                        </a:rPr>
+                        <a:t>Holding</a:t>
+                      </a:r>
+                      <a:r>
+                        <a:rPr lang="en-US" sz="1100" b="0" i="0" u="none" strike="noStrike" baseline="0" dirty="0" smtClean="0">
+                          <a:solidFill>
+                            <a:srgbClr val="000000"/>
+                          </a:solidFill>
+                          <a:effectLst/>
+                          <a:latin typeface="Times New Roman" panose="02020603050405020304" pitchFamily="18" charset="0"/>
+                          <a:ea typeface="新細明體" panose="02020500000000000000" pitchFamily="18" charset="-120"/>
+                          <a:cs typeface="Times New Roman" panose="02020603050405020304" pitchFamily="18" charset="0"/>
+                        </a:rPr>
+                        <a:t> </a:t>
+                      </a:r>
+                      <a:r>
+                        <a:rPr lang="en-US" sz="1100" b="0" i="0" u="none" strike="noStrike" dirty="0" smtClean="0">
+                          <a:solidFill>
+                            <a:srgbClr val="000000"/>
+                          </a:solidFill>
+                          <a:effectLst/>
+                          <a:latin typeface="Times New Roman" panose="02020603050405020304" pitchFamily="18" charset="0"/>
+                          <a:ea typeface="新細明體" panose="02020500000000000000" pitchFamily="18" charset="-120"/>
+                          <a:cs typeface="Times New Roman" panose="02020603050405020304" pitchFamily="18" charset="0"/>
+                        </a:rPr>
+                        <a:t>period</a:t>
+                      </a:r>
+                      <a:endParaRPr lang="en-US" sz="1100" b="0" i="0" u="none" strike="noStrike" dirty="0">
+                        <a:solidFill>
+                          <a:srgbClr val="000000"/>
+                        </a:solidFill>
+                        <a:effectLst/>
+                        <a:latin typeface="Times New Roman" panose="02020603050405020304" pitchFamily="18" charset="0"/>
+                        <a:ea typeface="新細明體" panose="02020500000000000000" pitchFamily="18" charset="-120"/>
+                        <a:cs typeface="Times New Roman" panose="02020603050405020304" pitchFamily="18" charset="0"/>
+                      </a:endParaRPr>
+                    </a:p>
+                  </a:txBody>
+                  <a:tcPr marL="9525" marR="9525" marT="9525" marB="0" anchor="ctr"/>
+                </a:tc>
+                <a:tc>
+                  <a:txBody>
+                    <a:bodyPr/>
+                    <a:lstStyle/>
+                    <a:p>
+                      <a:pPr algn="ctr" fontAlgn="ctr"/>
+                      <a:r>
+                        <a:rPr lang="en-US" sz="1100" b="0" i="0" u="none" strike="noStrike" dirty="0" err="1">
+                          <a:solidFill>
+                            <a:srgbClr val="000000"/>
+                          </a:solidFill>
+                          <a:effectLst/>
+                          <a:latin typeface="Times New Roman" panose="02020603050405020304" pitchFamily="18" charset="0"/>
+                          <a:ea typeface="新細明體" panose="02020500000000000000" pitchFamily="18" charset="-120"/>
+                          <a:cs typeface="Times New Roman" panose="02020603050405020304" pitchFamily="18" charset="0"/>
+                        </a:rPr>
+                        <a:t>Inf</a:t>
+                      </a:r>
+                      <a:endParaRPr lang="en-US" sz="1100" b="0" i="0" u="none" strike="noStrike" dirty="0">
+                        <a:solidFill>
+                          <a:srgbClr val="000000"/>
+                        </a:solidFill>
+                        <a:effectLst/>
+                        <a:latin typeface="Times New Roman" panose="02020603050405020304" pitchFamily="18" charset="0"/>
+                        <a:ea typeface="新細明體" panose="02020500000000000000" pitchFamily="18" charset="-120"/>
+                        <a:cs typeface="Times New Roman" panose="02020603050405020304" pitchFamily="18" charset="0"/>
+                      </a:endParaRPr>
+                    </a:p>
+                  </a:txBody>
+                  <a:tcPr marL="9525" marR="9525" marT="9525" marB="0" anchor="ctr"/>
+                </a:tc>
+                <a:tc>
+                  <a:txBody>
+                    <a:bodyPr/>
+                    <a:lstStyle/>
+                    <a:p>
+                      <a:pPr algn="ctr" fontAlgn="ctr"/>
+                      <a:r>
+                        <a:rPr lang="en-US" sz="1100" b="0" i="0" u="none" strike="noStrike" dirty="0" err="1">
+                          <a:solidFill>
+                            <a:srgbClr val="000000"/>
+                          </a:solidFill>
+                          <a:effectLst/>
+                          <a:latin typeface="Times New Roman" panose="02020603050405020304" pitchFamily="18" charset="0"/>
+                          <a:ea typeface="新細明體" panose="02020500000000000000" pitchFamily="18" charset="-120"/>
+                          <a:cs typeface="Times New Roman" panose="02020603050405020304" pitchFamily="18" charset="0"/>
+                        </a:rPr>
+                        <a:t>Inf</a:t>
+                      </a:r>
+                      <a:endParaRPr lang="en-US" sz="1100" b="0" i="0" u="none" strike="noStrike" dirty="0">
+                        <a:solidFill>
+                          <a:srgbClr val="000000"/>
+                        </a:solidFill>
+                        <a:effectLst/>
+                        <a:latin typeface="Times New Roman" panose="02020603050405020304" pitchFamily="18" charset="0"/>
+                        <a:ea typeface="新細明體" panose="02020500000000000000" pitchFamily="18" charset="-120"/>
+                        <a:cs typeface="Times New Roman" panose="02020603050405020304" pitchFamily="18" charset="0"/>
+                      </a:endParaRPr>
+                    </a:p>
+                  </a:txBody>
+                  <a:tcPr marL="9525" marR="9525" marT="9525" marB="0" anchor="ctr"/>
+                </a:tc>
+                <a:tc>
+                  <a:txBody>
+                    <a:bodyPr/>
+                    <a:lstStyle/>
+                    <a:p>
+                      <a:pPr algn="ctr" fontAlgn="ctr"/>
+                      <a:r>
+                        <a:rPr lang="en-US" altLang="zh-TW" sz="1100" b="0" i="0" u="none" strike="noStrike" dirty="0">
+                          <a:solidFill>
+                            <a:srgbClr val="000000"/>
+                          </a:solidFill>
+                          <a:effectLst/>
+                          <a:latin typeface="Times New Roman" panose="02020603050405020304" pitchFamily="18" charset="0"/>
+                          <a:ea typeface="新細明體" panose="02020500000000000000" pitchFamily="18" charset="-120"/>
+                          <a:cs typeface="Times New Roman" panose="02020603050405020304" pitchFamily="18" charset="0"/>
+                        </a:rPr>
+                        <a:t>12.2</a:t>
+                      </a:r>
+                    </a:p>
+                  </a:txBody>
+                  <a:tcPr marL="9525" marR="9525" marT="9525" marB="0" anchor="ctr"/>
+                </a:tc>
+                <a:extLst>
+                  <a:ext uri="{0D108BD9-81ED-4DB2-BD59-A6C34878D82A}">
+                    <a16:rowId xmlns:a16="http://schemas.microsoft.com/office/drawing/2014/main" val="10005"/>
+                  </a:ext>
+                </a:extLst>
+              </a:tr>
+              <a:tr h="176862">
+                <a:tc>
+                  <a:txBody>
+                    <a:bodyPr/>
+                    <a:lstStyle/>
+                    <a:p>
+                      <a:pPr algn="l" fontAlgn="ctr"/>
+                      <a:r>
+                        <a:rPr lang="en-US" sz="1100" b="0" i="0" u="none" strike="noStrike" dirty="0" smtClean="0">
+                          <a:solidFill>
+                            <a:srgbClr val="000000"/>
+                          </a:solidFill>
+                          <a:effectLst/>
+                          <a:latin typeface="Times New Roman" panose="02020603050405020304" pitchFamily="18" charset="0"/>
+                          <a:ea typeface="新細明體" panose="02020500000000000000" pitchFamily="18" charset="-120"/>
+                          <a:cs typeface="Times New Roman" panose="02020603050405020304" pitchFamily="18" charset="0"/>
+                        </a:rPr>
+                        <a:t>Cumulative </a:t>
+                      </a:r>
+                      <a:r>
+                        <a:rPr lang="en-US" sz="1100" b="0" i="0" u="none" strike="noStrike" dirty="0">
+                          <a:solidFill>
+                            <a:srgbClr val="000000"/>
+                          </a:solidFill>
+                          <a:effectLst/>
+                          <a:latin typeface="Times New Roman" panose="02020603050405020304" pitchFamily="18" charset="0"/>
+                          <a:ea typeface="新細明體" panose="02020500000000000000" pitchFamily="18" charset="-120"/>
+                          <a:cs typeface="Times New Roman" panose="02020603050405020304" pitchFamily="18" charset="0"/>
+                        </a:rPr>
+                        <a:t>return</a:t>
+                      </a:r>
+                    </a:p>
+                  </a:txBody>
+                  <a:tcPr marL="9525" marR="9525" marT="9525" marB="0" anchor="ctr"/>
+                </a:tc>
+                <a:tc>
+                  <a:txBody>
+                    <a:bodyPr/>
+                    <a:lstStyle/>
+                    <a:p>
+                      <a:pPr algn="ctr" fontAlgn="ctr"/>
+                      <a:r>
+                        <a:rPr lang="en-US" altLang="zh-TW" sz="1100" b="0" i="0" u="none" strike="noStrike" dirty="0">
+                          <a:solidFill>
+                            <a:srgbClr val="000000"/>
+                          </a:solidFill>
+                          <a:effectLst/>
+                          <a:latin typeface="Times New Roman" panose="02020603050405020304" pitchFamily="18" charset="0"/>
+                          <a:ea typeface="新細明體" panose="02020500000000000000" pitchFamily="18" charset="-120"/>
+                          <a:cs typeface="Times New Roman" panose="02020603050405020304" pitchFamily="18" charset="0"/>
+                        </a:rPr>
+                        <a:t>-0.00331</a:t>
+                      </a:r>
+                    </a:p>
+                  </a:txBody>
+                  <a:tcPr marL="9525" marR="9525" marT="9525" marB="0" anchor="ctr"/>
+                </a:tc>
+                <a:tc>
+                  <a:txBody>
+                    <a:bodyPr/>
+                    <a:lstStyle/>
+                    <a:p>
+                      <a:pPr algn="ctr" fontAlgn="ctr"/>
+                      <a:r>
+                        <a:rPr lang="en-US" altLang="zh-TW" sz="1100" b="0" i="0" u="none" strike="noStrike" dirty="0">
+                          <a:solidFill>
+                            <a:srgbClr val="000000"/>
+                          </a:solidFill>
+                          <a:effectLst/>
+                          <a:latin typeface="Times New Roman" panose="02020603050405020304" pitchFamily="18" charset="0"/>
+                          <a:ea typeface="新細明體" panose="02020500000000000000" pitchFamily="18" charset="-120"/>
+                          <a:cs typeface="Times New Roman" panose="02020603050405020304" pitchFamily="18" charset="0"/>
+                        </a:rPr>
+                        <a:t>-0.00771</a:t>
+                      </a:r>
+                    </a:p>
+                  </a:txBody>
+                  <a:tcPr marL="9525" marR="9525" marT="9525" marB="0" anchor="ctr"/>
+                </a:tc>
+                <a:tc>
+                  <a:txBody>
+                    <a:bodyPr/>
+                    <a:lstStyle/>
+                    <a:p>
+                      <a:pPr algn="ctr" fontAlgn="ctr"/>
+                      <a:r>
+                        <a:rPr lang="en-US" altLang="zh-TW" sz="1100" b="1" i="0" u="none" strike="noStrike" dirty="0">
+                          <a:solidFill>
+                            <a:srgbClr val="000000"/>
+                          </a:solidFill>
+                          <a:effectLst/>
+                          <a:latin typeface="Times New Roman" panose="02020603050405020304" pitchFamily="18" charset="0"/>
+                          <a:ea typeface="新細明體" panose="02020500000000000000" pitchFamily="18" charset="-120"/>
+                          <a:cs typeface="Times New Roman" panose="02020603050405020304" pitchFamily="18" charset="0"/>
+                        </a:rPr>
+                        <a:t>0.005907</a:t>
+                      </a:r>
+                    </a:p>
+                  </a:txBody>
+                  <a:tcPr marL="9525" marR="9525" marT="9525" marB="0" anchor="ctr"/>
+                </a:tc>
+                <a:extLst>
+                  <a:ext uri="{0D108BD9-81ED-4DB2-BD59-A6C34878D82A}">
+                    <a16:rowId xmlns:a16="http://schemas.microsoft.com/office/drawing/2014/main" val="2317466718"/>
+                  </a:ext>
+                </a:extLst>
+              </a:tr>
+            </a:tbl>
+          </a:graphicData>
+        </a:graphic>
+      </p:graphicFrame>
+      <p:pic>
+        <p:nvPicPr>
+          <p:cNvPr id="9" name="圖片 8"/>
+          <p:cNvPicPr>
+            <a:picLocks noChangeAspect="1"/>
+          </p:cNvPicPr>
+          <p:nvPr/>
+        </p:nvPicPr>
+        <p:blipFill rotWithShape="1">
+          <a:blip r:embed="rId3">
+            <a:extLst>
+              <a:ext uri="{28A0092B-C50C-407E-A947-70E740481C1C}">
+                <a14:useLocalDpi xmlns:a14="http://schemas.microsoft.com/office/drawing/2010/main" val="0"/>
+              </a:ext>
+            </a:extLst>
+          </a:blip>
+          <a:srcRect b="49570"/>
+          <a:stretch/>
+        </p:blipFill>
+        <p:spPr>
+          <a:xfrm>
+            <a:off x="4788307" y="3733193"/>
+            <a:ext cx="4208332" cy="1194823"/>
+          </a:xfrm>
+          <a:prstGeom prst="rect">
+            <a:avLst/>
+          </a:prstGeom>
+        </p:spPr>
+      </p:pic>
+      <p:pic>
+        <p:nvPicPr>
+          <p:cNvPr id="10" name="圖片 9"/>
+          <p:cNvPicPr>
+            <a:picLocks noChangeAspect="1"/>
+          </p:cNvPicPr>
+          <p:nvPr/>
+        </p:nvPicPr>
+        <p:blipFill rotWithShape="1">
+          <a:blip r:embed="rId4">
+            <a:extLst>
+              <a:ext uri="{28A0092B-C50C-407E-A947-70E740481C1C}">
+                <a14:useLocalDpi xmlns:a14="http://schemas.microsoft.com/office/drawing/2010/main" val="0"/>
+              </a:ext>
+            </a:extLst>
+          </a:blip>
+          <a:srcRect b="50689"/>
+          <a:stretch/>
+        </p:blipFill>
+        <p:spPr>
+          <a:xfrm>
+            <a:off x="362324" y="2371970"/>
+            <a:ext cx="4375359" cy="1214666"/>
+          </a:xfrm>
+          <a:prstGeom prst="rect">
+            <a:avLst/>
+          </a:prstGeom>
+        </p:spPr>
+      </p:pic>
+      <p:sp>
+        <p:nvSpPr>
+          <p:cNvPr id="11" name="橢圓 10"/>
+          <p:cNvSpPr/>
+          <p:nvPr/>
+        </p:nvSpPr>
+        <p:spPr>
+          <a:xfrm>
+            <a:off x="3834258" y="2605227"/>
+            <a:ext cx="737742" cy="611699"/>
+          </a:xfrm>
+          <a:prstGeom prst="ellipse">
+            <a:avLst/>
+          </a:prstGeom>
+          <a:noFill/>
+        </p:spPr>
+        <p:style>
+          <a:lnRef idx="2">
+            <a:schemeClr val="accent1"/>
+          </a:lnRef>
+          <a:fillRef idx="1">
+            <a:schemeClr val="lt1"/>
+          </a:fillRef>
+          <a:effectRef idx="0">
+            <a:schemeClr val="accent1"/>
+          </a:effectRef>
+          <a:fontRef idx="minor">
+            <a:schemeClr val="dk1"/>
+          </a:fontRef>
+        </p:style>
+        <p:txBody>
+          <a:bodyPr rtlCol="0" anchor="ctr"/>
+          <a:lstStyle/>
+          <a:p>
+            <a:pPr algn="ctr"/>
+            <a:endParaRPr lang="zh-TW" altLang="en-US"/>
+          </a:p>
+        </p:txBody>
+      </p:sp>
+      <p:sp>
+        <p:nvSpPr>
+          <p:cNvPr id="12" name="矩形 11"/>
+          <p:cNvSpPr/>
+          <p:nvPr/>
+        </p:nvSpPr>
+        <p:spPr>
+          <a:xfrm>
+            <a:off x="2821054" y="2093442"/>
+            <a:ext cx="5505033" cy="307777"/>
+          </a:xfrm>
+          <a:prstGeom prst="rect">
+            <a:avLst/>
+          </a:prstGeom>
+        </p:spPr>
+        <p:txBody>
+          <a:bodyPr wrap="none">
+            <a:spAutoFit/>
+          </a:bodyPr>
+          <a:lstStyle/>
+          <a:p>
+            <a:r>
+              <a:rPr lang="en-US" altLang="zh-TW" dirty="0">
+                <a:ln w="0"/>
+                <a:solidFill>
+                  <a:schemeClr val="accent1"/>
+                </a:solidFill>
+                <a:effectLst>
+                  <a:outerShdw blurRad="38100" dist="25400" dir="5400000" algn="ctr" rotWithShape="0">
+                    <a:srgbClr val="6E747A">
+                      <a:alpha val="43000"/>
+                    </a:srgbClr>
+                  </a:outerShdw>
+                </a:effectLst>
+              </a:rPr>
+              <a:t>spread seems to be drift from </a:t>
+            </a:r>
+            <a:r>
+              <a:rPr lang="en-US" altLang="zh-TW" dirty="0" smtClean="0">
+                <a:ln w="0"/>
+                <a:solidFill>
+                  <a:schemeClr val="accent1"/>
+                </a:solidFill>
+                <a:effectLst>
+                  <a:outerShdw blurRad="38100" dist="25400" dir="5400000" algn="ctr" rotWithShape="0">
+                    <a:srgbClr val="6E747A">
+                      <a:alpha val="43000"/>
+                    </a:srgbClr>
+                  </a:outerShdw>
+                </a:effectLst>
+              </a:rPr>
+              <a:t>equilibrium for both LS and rolling-LS</a:t>
+            </a:r>
+            <a:endParaRPr lang="zh-TW" altLang="en-US" dirty="0">
+              <a:ln w="0"/>
+              <a:solidFill>
+                <a:schemeClr val="accent1"/>
+              </a:solidFill>
+              <a:effectLst>
+                <a:outerShdw blurRad="38100" dist="25400" dir="5400000" algn="ctr" rotWithShape="0">
+                  <a:srgbClr val="6E747A">
+                    <a:alpha val="43000"/>
+                  </a:srgbClr>
+                </a:outerShdw>
+              </a:effectLst>
+            </a:endParaRPr>
+          </a:p>
+        </p:txBody>
+      </p:sp>
+      <p:pic>
+        <p:nvPicPr>
+          <p:cNvPr id="13" name="圖片 12"/>
+          <p:cNvPicPr>
+            <a:picLocks noChangeAspect="1"/>
+          </p:cNvPicPr>
+          <p:nvPr/>
+        </p:nvPicPr>
+        <p:blipFill rotWithShape="1">
+          <a:blip r:embed="rId5">
+            <a:extLst>
+              <a:ext uri="{28A0092B-C50C-407E-A947-70E740481C1C}">
+                <a14:useLocalDpi xmlns:a14="http://schemas.microsoft.com/office/drawing/2010/main" val="0"/>
+              </a:ext>
+            </a:extLst>
+          </a:blip>
+          <a:srcRect b="51010"/>
+          <a:stretch/>
+        </p:blipFill>
+        <p:spPr>
+          <a:xfrm>
+            <a:off x="4674951" y="2367848"/>
+            <a:ext cx="4418872" cy="1218788"/>
+          </a:xfrm>
+          <a:prstGeom prst="rect">
+            <a:avLst/>
+          </a:prstGeom>
+        </p:spPr>
+      </p:pic>
+      <p:sp>
+        <p:nvSpPr>
+          <p:cNvPr id="14" name="橢圓 13"/>
+          <p:cNvSpPr/>
+          <p:nvPr/>
+        </p:nvSpPr>
+        <p:spPr>
+          <a:xfrm>
+            <a:off x="8094558" y="2742366"/>
+            <a:ext cx="737742" cy="611699"/>
+          </a:xfrm>
+          <a:prstGeom prst="ellipse">
+            <a:avLst/>
+          </a:prstGeom>
+          <a:noFill/>
+        </p:spPr>
+        <p:style>
+          <a:lnRef idx="2">
+            <a:schemeClr val="accent1"/>
+          </a:lnRef>
+          <a:fillRef idx="1">
+            <a:schemeClr val="lt1"/>
+          </a:fillRef>
+          <a:effectRef idx="0">
+            <a:schemeClr val="accent1"/>
+          </a:effectRef>
+          <a:fontRef idx="minor">
+            <a:schemeClr val="dk1"/>
+          </a:fontRef>
+        </p:style>
+        <p:txBody>
+          <a:bodyPr rtlCol="0" anchor="ctr"/>
+          <a:lstStyle/>
+          <a:p>
+            <a:pPr algn="ctr"/>
+            <a:endParaRPr lang="zh-TW" altLang="en-US"/>
+          </a:p>
+        </p:txBody>
+      </p:sp>
+    </p:spTree>
+    <p:extLst>
+      <p:ext uri="{BB962C8B-B14F-4D97-AF65-F5344CB8AC3E}">
+        <p14:creationId xmlns:p14="http://schemas.microsoft.com/office/powerpoint/2010/main" val="422712448"/>
+      </p:ext>
+    </p:extLst>
+  </p:cSld>
+  <p:clrMapOvr>
+    <a:masterClrMapping/>
+  </p:clrMapOvr>
+  <p:timing>
+    <p:tnLst>
+      <p:par>
+        <p:cTn id="1" dur="indefinite" restart="never" nodeType="tmRoot"/>
+      </p:par>
+    </p:tnLst>
+  </p:timing>
+</p:sld>
+</file>
+
+<file path=ppt/slides/slide28.xml><?xml version="1.0" encoding="utf-8"?>
+<p:sld xmlns:a="http://schemas.openxmlformats.org/drawingml/2006/main" xmlns:r="http://schemas.openxmlformats.org/officeDocument/2006/relationships" xmlns:p="http://schemas.openxmlformats.org/presentationml/2006/main">
+  <p:cSld>
+    <p:spTree>
+      <p:nvGrpSpPr>
+        <p:cNvPr id="1" name=""/>
+        <p:cNvGrpSpPr/>
+        <p:nvPr/>
+      </p:nvGrpSpPr>
+      <p:grpSpPr>
+        <a:xfrm>
+          <a:off x="0" y="0"/>
+          <a:ext cx="0" cy="0"/>
+          <a:chOff x="0" y="0"/>
+          <a:chExt cx="0" cy="0"/>
+        </a:xfrm>
+      </p:grpSpPr>
+      <p:sp>
+        <p:nvSpPr>
+          <p:cNvPr id="2" name="標題 1"/>
+          <p:cNvSpPr>
+            <a:spLocks noGrp="1"/>
+          </p:cNvSpPr>
+          <p:nvPr>
+            <p:ph type="title"/>
+          </p:nvPr>
+        </p:nvSpPr>
+        <p:spPr/>
+        <p:txBody>
+          <a:bodyPr/>
+          <a:lstStyle/>
+          <a:p>
+            <a:r>
+              <a:rPr lang="zh-TW" altLang="zh-TW" dirty="0"/>
+              <a:t>Cumulative P</a:t>
+            </a:r>
+            <a:r>
+              <a:rPr lang="en-US" altLang="zh-TW" dirty="0"/>
+              <a:t>&amp;</a:t>
+            </a:r>
+            <a:r>
+              <a:rPr lang="zh-TW" altLang="zh-TW" dirty="0"/>
+              <a:t>L Curve</a:t>
+            </a:r>
+            <a:endParaRPr lang="zh-TW" altLang="en-US" dirty="0"/>
+          </a:p>
+        </p:txBody>
+      </p:sp>
+      <p:sp>
+        <p:nvSpPr>
+          <p:cNvPr id="3" name="文字版面配置區 2"/>
+          <p:cNvSpPr>
+            <a:spLocks noGrp="1"/>
+          </p:cNvSpPr>
+          <p:nvPr>
+            <p:ph type="body" idx="1"/>
+          </p:nvPr>
+        </p:nvSpPr>
+        <p:spPr/>
+        <p:txBody>
+          <a:bodyPr/>
+          <a:lstStyle/>
+          <a:p>
+            <a:endParaRPr lang="zh-TW" altLang="en-US" dirty="0"/>
+          </a:p>
+        </p:txBody>
+      </p:sp>
+      <p:pic>
+        <p:nvPicPr>
+          <p:cNvPr id="4" name="圖片 3"/>
+          <p:cNvPicPr>
+            <a:picLocks noChangeAspect="1"/>
+          </p:cNvPicPr>
+          <p:nvPr/>
+        </p:nvPicPr>
+        <p:blipFill rotWithShape="1">
+          <a:blip r:embed="rId2">
+            <a:extLst>
+              <a:ext uri="{28A0092B-C50C-407E-A947-70E740481C1C}">
+                <a14:useLocalDpi xmlns:a14="http://schemas.microsoft.com/office/drawing/2010/main" val="0"/>
+              </a:ext>
+            </a:extLst>
+          </a:blip>
+          <a:srcRect b="49570"/>
+          <a:stretch/>
+        </p:blipFill>
+        <p:spPr>
+          <a:xfrm>
+            <a:off x="1466994" y="1152475"/>
+            <a:ext cx="6210012" cy="1763137"/>
+          </a:xfrm>
+          <a:prstGeom prst="rect">
+            <a:avLst/>
+          </a:prstGeom>
+        </p:spPr>
+      </p:pic>
+      <p:pic>
+        <p:nvPicPr>
+          <p:cNvPr id="5" name="圖片 4"/>
+          <p:cNvPicPr>
+            <a:picLocks noChangeAspect="1"/>
+          </p:cNvPicPr>
+          <p:nvPr/>
+        </p:nvPicPr>
+        <p:blipFill rotWithShape="1">
+          <a:blip r:embed="rId3">
+            <a:extLst>
+              <a:ext uri="{28A0092B-C50C-407E-A947-70E740481C1C}">
+                <a14:useLocalDpi xmlns:a14="http://schemas.microsoft.com/office/drawing/2010/main" val="0"/>
+              </a:ext>
+            </a:extLst>
+          </a:blip>
+          <a:srcRect b="50689"/>
+          <a:stretch/>
+        </p:blipFill>
+        <p:spPr>
+          <a:xfrm>
+            <a:off x="1466994" y="3263342"/>
+            <a:ext cx="6211092" cy="1724293"/>
+          </a:xfrm>
+          <a:prstGeom prst="rect">
+            <a:avLst/>
+          </a:prstGeom>
+        </p:spPr>
+      </p:pic>
+      <p:sp>
+        <p:nvSpPr>
+          <p:cNvPr id="6" name="橢圓 5"/>
+          <p:cNvSpPr/>
+          <p:nvPr/>
+        </p:nvSpPr>
+        <p:spPr>
+          <a:xfrm>
+            <a:off x="6461256" y="3673498"/>
+            <a:ext cx="876615" cy="736505"/>
+          </a:xfrm>
+          <a:prstGeom prst="ellipse">
+            <a:avLst/>
+          </a:prstGeom>
+          <a:noFill/>
+        </p:spPr>
+        <p:style>
+          <a:lnRef idx="2">
+            <a:schemeClr val="accent1"/>
+          </a:lnRef>
+          <a:fillRef idx="1">
+            <a:schemeClr val="lt1"/>
+          </a:fillRef>
+          <a:effectRef idx="0">
+            <a:schemeClr val="accent1"/>
+          </a:effectRef>
+          <a:fontRef idx="minor">
+            <a:schemeClr val="dk1"/>
+          </a:fontRef>
+        </p:style>
+        <p:txBody>
+          <a:bodyPr rtlCol="0" anchor="ctr"/>
+          <a:lstStyle/>
+          <a:p>
+            <a:pPr algn="ctr"/>
+            <a:endParaRPr lang="zh-TW" altLang="en-US"/>
+          </a:p>
+        </p:txBody>
+      </p:sp>
+      <p:sp>
+        <p:nvSpPr>
+          <p:cNvPr id="7" name="矩形 6"/>
+          <p:cNvSpPr/>
+          <p:nvPr/>
+        </p:nvSpPr>
+        <p:spPr>
+          <a:xfrm>
+            <a:off x="5262166" y="3100849"/>
+            <a:ext cx="3425938" cy="307777"/>
+          </a:xfrm>
+          <a:prstGeom prst="rect">
+            <a:avLst/>
+          </a:prstGeom>
+        </p:spPr>
+        <p:txBody>
+          <a:bodyPr wrap="none">
+            <a:spAutoFit/>
+          </a:bodyPr>
+          <a:lstStyle/>
+          <a:p>
+            <a:r>
+              <a:rPr lang="en-US" altLang="zh-TW" dirty="0">
+                <a:ln w="0"/>
+                <a:solidFill>
+                  <a:schemeClr val="accent1"/>
+                </a:solidFill>
+                <a:effectLst>
+                  <a:outerShdw blurRad="38100" dist="25400" dir="5400000" algn="ctr" rotWithShape="0">
+                    <a:srgbClr val="6E747A">
+                      <a:alpha val="43000"/>
+                    </a:srgbClr>
+                  </a:outerShdw>
+                </a:effectLst>
+              </a:rPr>
+              <a:t>spread seems to be drift from equilibrium</a:t>
+            </a:r>
+            <a:endParaRPr lang="zh-TW" altLang="en-US" dirty="0">
+              <a:ln w="0"/>
+              <a:solidFill>
+                <a:schemeClr val="accent1"/>
+              </a:solidFill>
+              <a:effectLst>
+                <a:outerShdw blurRad="38100" dist="25400" dir="5400000" algn="ctr" rotWithShape="0">
+                  <a:srgbClr val="6E747A">
+                    <a:alpha val="43000"/>
+                  </a:srgbClr>
+                </a:outerShdw>
+              </a:effectLst>
+            </a:endParaRPr>
+          </a:p>
+        </p:txBody>
+      </p:sp>
+    </p:spTree>
+    <p:extLst>
+      <p:ext uri="{BB962C8B-B14F-4D97-AF65-F5344CB8AC3E}">
+        <p14:creationId xmlns:p14="http://schemas.microsoft.com/office/powerpoint/2010/main" val="1748163839"/>
+      </p:ext>
+    </p:extLst>
+  </p:cSld>
+  <p:clrMapOvr>
+    <a:masterClrMapping/>
+  </p:clrMapOvr>
+  <p:timing>
+    <p:tnLst>
+      <p:par>
+        <p:cTn id="1" dur="indefinite" restart="never" nodeType="tmRoot"/>
+      </p:par>
+    </p:tnLst>
+  </p:timing>
+</p:sld>
+</file>
+
+<file path=ppt/slides/slide29.xml><?xml version="1.0" encoding="utf-8"?>
+<p:sld xmlns:a="http://schemas.openxmlformats.org/drawingml/2006/main" xmlns:r="http://schemas.openxmlformats.org/officeDocument/2006/relationships" xmlns:p="http://schemas.openxmlformats.org/presentationml/2006/main">
+  <p:cSld>
+    <p:spTree>
+      <p:nvGrpSpPr>
+        <p:cNvPr id="1" name=""/>
+        <p:cNvGrpSpPr/>
+        <p:nvPr/>
+      </p:nvGrpSpPr>
+      <p:grpSpPr>
+        <a:xfrm>
+          <a:off x="0" y="0"/>
+          <a:ext cx="0" cy="0"/>
+          <a:chOff x="0" y="0"/>
+          <a:chExt cx="0" cy="0"/>
+        </a:xfrm>
+      </p:grpSpPr>
+      <p:sp>
+        <p:nvSpPr>
+          <p:cNvPr id="2" name="標題 1"/>
+          <p:cNvSpPr>
+            <a:spLocks noGrp="1"/>
+          </p:cNvSpPr>
+          <p:nvPr>
+            <p:ph type="title"/>
+          </p:nvPr>
+        </p:nvSpPr>
+        <p:spPr/>
+        <p:txBody>
+          <a:bodyPr/>
+          <a:lstStyle/>
+          <a:p>
+            <a:r>
+              <a:rPr lang="en-US" altLang="zh-TW" dirty="0" smtClean="0"/>
+              <a:t>Make rolling-LS more sensitive</a:t>
+            </a:r>
+            <a:endParaRPr lang="zh-TW" altLang="en-US" dirty="0"/>
+          </a:p>
+        </p:txBody>
+      </p:sp>
+      <p:sp>
+        <p:nvSpPr>
+          <p:cNvPr id="3" name="文字版面配置區 2"/>
+          <p:cNvSpPr>
+            <a:spLocks noGrp="1"/>
+          </p:cNvSpPr>
+          <p:nvPr>
+            <p:ph type="body" idx="1"/>
+          </p:nvPr>
+        </p:nvSpPr>
+        <p:spPr>
+          <a:xfrm>
+            <a:off x="311700" y="1017725"/>
+            <a:ext cx="8520600" cy="3416400"/>
+          </a:xfrm>
+        </p:spPr>
+        <p:txBody>
+          <a:bodyPr/>
+          <a:lstStyle/>
+          <a:p>
+            <a:r>
+              <a:rPr lang="en-US" altLang="zh-TW" dirty="0"/>
+              <a:t>Set look back </a:t>
+            </a:r>
+            <a:r>
+              <a:rPr lang="en-US" altLang="zh-TW" dirty="0" smtClean="0"/>
+              <a:t>window size from 300 to 90 days for rolling-LS</a:t>
+            </a:r>
+          </a:p>
+          <a:p>
+            <a:r>
+              <a:rPr lang="en-US" altLang="zh-TW" dirty="0" smtClean="0"/>
+              <a:t>Update rate: 10 days</a:t>
+            </a:r>
+          </a:p>
+          <a:p>
+            <a:r>
+              <a:rPr lang="en-US" altLang="zh-TW" dirty="0" smtClean="0"/>
+              <a:t>Catch the parameter shifts!</a:t>
+            </a:r>
+          </a:p>
+          <a:p>
+            <a:r>
+              <a:rPr lang="en-US" altLang="zh-TW" dirty="0" smtClean="0"/>
+              <a:t>But trigger more “spread </a:t>
+            </a:r>
+            <a:r>
+              <a:rPr lang="en-US" altLang="zh-TW" dirty="0"/>
+              <a:t>exploding </a:t>
+            </a:r>
+            <a:r>
+              <a:rPr lang="en-US" altLang="zh-TW" dirty="0" smtClean="0"/>
+              <a:t>”.</a:t>
+            </a:r>
+          </a:p>
+          <a:p>
+            <a:endParaRPr lang="zh-TW" altLang="en-US" dirty="0"/>
+          </a:p>
+        </p:txBody>
+      </p:sp>
+      <p:pic>
+        <p:nvPicPr>
+          <p:cNvPr id="4" name="圖片 3"/>
+          <p:cNvPicPr>
+            <a:picLocks noChangeAspect="1"/>
+          </p:cNvPicPr>
+          <p:nvPr/>
+        </p:nvPicPr>
+        <p:blipFill>
+          <a:blip r:embed="rId3">
+            <a:extLst>
+              <a:ext uri="{28A0092B-C50C-407E-A947-70E740481C1C}">
+                <a14:useLocalDpi xmlns:a14="http://schemas.microsoft.com/office/drawing/2010/main" val="0"/>
+              </a:ext>
+            </a:extLst>
+          </a:blip>
+          <a:stretch>
+            <a:fillRect/>
+          </a:stretch>
+        </p:blipFill>
+        <p:spPr>
+          <a:xfrm>
+            <a:off x="4617523" y="2356590"/>
+            <a:ext cx="4526477" cy="2548391"/>
+          </a:xfrm>
+          <a:prstGeom prst="rect">
+            <a:avLst/>
+          </a:prstGeom>
+        </p:spPr>
+      </p:pic>
+      <p:pic>
+        <p:nvPicPr>
+          <p:cNvPr id="5" name="圖片 4"/>
+          <p:cNvPicPr>
+            <a:picLocks noChangeAspect="1"/>
+          </p:cNvPicPr>
+          <p:nvPr/>
+        </p:nvPicPr>
+        <p:blipFill rotWithShape="1">
+          <a:blip r:embed="rId4">
+            <a:extLst>
+              <a:ext uri="{28A0092B-C50C-407E-A947-70E740481C1C}">
+                <a14:useLocalDpi xmlns:a14="http://schemas.microsoft.com/office/drawing/2010/main" val="0"/>
+              </a:ext>
+            </a:extLst>
+          </a:blip>
+          <a:srcRect b="49090"/>
+          <a:stretch/>
+        </p:blipFill>
+        <p:spPr>
+          <a:xfrm>
+            <a:off x="127273" y="2356590"/>
+            <a:ext cx="4626095" cy="1325929"/>
+          </a:xfrm>
+          <a:prstGeom prst="rect">
+            <a:avLst/>
+          </a:prstGeom>
+        </p:spPr>
+      </p:pic>
+      <p:graphicFrame>
+        <p:nvGraphicFramePr>
+          <p:cNvPr id="6" name="Google Shape;117;p22"/>
+          <p:cNvGraphicFramePr/>
+          <p:nvPr>
+            <p:extLst>
+              <p:ext uri="{D42A27DB-BD31-4B8C-83A1-F6EECF244321}">
+                <p14:modId xmlns:p14="http://schemas.microsoft.com/office/powerpoint/2010/main" val="434619115"/>
+              </p:ext>
+            </p:extLst>
+          </p:nvPr>
+        </p:nvGraphicFramePr>
+        <p:xfrm>
+          <a:off x="546926" y="3682519"/>
+          <a:ext cx="3495126" cy="1240155"/>
+        </p:xfrm>
+        <a:graphic>
+          <a:graphicData uri="http://schemas.openxmlformats.org/drawingml/2006/table">
+            <a:tbl>
+              <a:tblPr>
+                <a:tableStyleId>{9D7B26C5-4107-4FEC-AEDC-1716B250A1EF}</a:tableStyleId>
+              </a:tblPr>
+              <a:tblGrid>
+                <a:gridCol w="1080618">
+                  <a:extLst>
+                    <a:ext uri="{9D8B030D-6E8A-4147-A177-3AD203B41FA5}">
+                      <a16:colId xmlns:a16="http://schemas.microsoft.com/office/drawing/2014/main" val="20000"/>
+                    </a:ext>
+                  </a:extLst>
+                </a:gridCol>
+                <a:gridCol w="804836">
+                  <a:extLst>
+                    <a:ext uri="{9D8B030D-6E8A-4147-A177-3AD203B41FA5}">
+                      <a16:colId xmlns:a16="http://schemas.microsoft.com/office/drawing/2014/main" val="20001"/>
+                    </a:ext>
+                  </a:extLst>
+                </a:gridCol>
+                <a:gridCol w="804836">
+                  <a:extLst>
+                    <a:ext uri="{9D8B030D-6E8A-4147-A177-3AD203B41FA5}">
+                      <a16:colId xmlns:a16="http://schemas.microsoft.com/office/drawing/2014/main" val="20002"/>
+                    </a:ext>
+                  </a:extLst>
+                </a:gridCol>
+                <a:gridCol w="804836">
+                  <a:extLst>
+                    <a:ext uri="{9D8B030D-6E8A-4147-A177-3AD203B41FA5}">
+                      <a16:colId xmlns:a16="http://schemas.microsoft.com/office/drawing/2014/main" val="20003"/>
+                    </a:ext>
+                  </a:extLst>
+                </a:gridCol>
+              </a:tblGrid>
+              <a:tr h="105358">
+                <a:tc>
+                  <a:txBody>
+                    <a:bodyPr/>
+                    <a:lstStyle/>
+                    <a:p>
+                      <a:pPr algn="l" fontAlgn="ctr"/>
+                      <a:endParaRPr lang="zh-TW" altLang="en-US" sz="1100" b="0" i="0" u="none" strike="noStrike" dirty="0">
+                        <a:solidFill>
+                          <a:srgbClr val="000000"/>
+                        </a:solidFill>
+                        <a:effectLst/>
+                        <a:latin typeface="Times New Roman" panose="02020603050405020304" pitchFamily="18" charset="0"/>
+                        <a:ea typeface="新細明體" panose="02020500000000000000" pitchFamily="18" charset="-120"/>
+                        <a:cs typeface="Times New Roman" panose="02020603050405020304" pitchFamily="18" charset="0"/>
+                      </a:endParaRPr>
+                    </a:p>
+                  </a:txBody>
+                  <a:tcPr marL="9525" marR="9525" marT="9525" marB="0" anchor="ctr">
+                    <a:lnB w="12700" cap="flat" cmpd="sng" algn="ctr">
+                      <a:solidFill>
+                        <a:schemeClr val="tx1"/>
+                      </a:solidFill>
+                      <a:prstDash val="solid"/>
+                      <a:round/>
+                      <a:headEnd type="none" w="med" len="med"/>
+                      <a:tailEnd type="none" w="med" len="med"/>
+                    </a:lnB>
+                  </a:tcPr>
+                </a:tc>
+                <a:tc>
+                  <a:txBody>
+                    <a:bodyPr/>
+                    <a:lstStyle/>
+                    <a:p>
+                      <a:pPr algn="ctr" fontAlgn="ctr"/>
+                      <a:r>
+                        <a:rPr lang="en-US" sz="1100" b="0" i="0" u="none" strike="noStrike" dirty="0">
+                          <a:solidFill>
+                            <a:srgbClr val="000000"/>
+                          </a:solidFill>
+                          <a:effectLst/>
+                          <a:latin typeface="Times New Roman" panose="02020603050405020304" pitchFamily="18" charset="0"/>
+                          <a:ea typeface="新細明體" panose="02020500000000000000" pitchFamily="18" charset="-120"/>
+                          <a:cs typeface="Times New Roman" panose="02020603050405020304" pitchFamily="18" charset="0"/>
+                        </a:rPr>
+                        <a:t>LS</a:t>
+                      </a:r>
+                    </a:p>
+                  </a:txBody>
+                  <a:tcPr marL="9525" marR="9525" marT="9525" marB="0" anchor="ctr">
+                    <a:lnB w="12700" cap="flat" cmpd="sng" algn="ctr">
+                      <a:solidFill>
+                        <a:schemeClr val="tx1"/>
+                      </a:solidFill>
+                      <a:prstDash val="solid"/>
+                      <a:round/>
+                      <a:headEnd type="none" w="med" len="med"/>
+                      <a:tailEnd type="none" w="med" len="med"/>
+                    </a:lnB>
+                  </a:tcPr>
+                </a:tc>
+                <a:tc>
+                  <a:txBody>
+                    <a:bodyPr/>
+                    <a:lstStyle/>
+                    <a:p>
+                      <a:pPr algn="ctr" fontAlgn="ctr"/>
+                      <a:r>
+                        <a:rPr lang="en-US" sz="1100" b="0" i="0" u="none" strike="noStrike" dirty="0">
+                          <a:solidFill>
+                            <a:srgbClr val="000000"/>
+                          </a:solidFill>
+                          <a:effectLst/>
+                          <a:latin typeface="Times New Roman" panose="02020603050405020304" pitchFamily="18" charset="0"/>
+                          <a:ea typeface="新細明體" panose="02020500000000000000" pitchFamily="18" charset="-120"/>
+                          <a:cs typeface="Times New Roman" panose="02020603050405020304" pitchFamily="18" charset="0"/>
+                        </a:rPr>
+                        <a:t>rolling-LS</a:t>
+                      </a:r>
+                    </a:p>
+                  </a:txBody>
+                  <a:tcPr marL="9525" marR="9525" marT="9525" marB="0" anchor="ctr">
+                    <a:lnB w="12700" cap="flat" cmpd="sng" algn="ctr">
+                      <a:solidFill>
+                        <a:schemeClr val="tx1"/>
+                      </a:solidFill>
+                      <a:prstDash val="solid"/>
+                      <a:round/>
+                      <a:headEnd type="none" w="med" len="med"/>
+                      <a:tailEnd type="none" w="med" len="med"/>
+                    </a:lnB>
+                  </a:tcPr>
+                </a:tc>
+                <a:tc>
+                  <a:txBody>
+                    <a:bodyPr/>
+                    <a:lstStyle/>
+                    <a:p>
+                      <a:pPr algn="ctr" fontAlgn="ctr"/>
+                      <a:r>
+                        <a:rPr lang="en-US" sz="1100" b="0" i="0" u="none" strike="noStrike" dirty="0" err="1">
+                          <a:solidFill>
+                            <a:srgbClr val="000000"/>
+                          </a:solidFill>
+                          <a:effectLst/>
+                          <a:latin typeface="Times New Roman" panose="02020603050405020304" pitchFamily="18" charset="0"/>
+                          <a:ea typeface="新細明體" panose="02020500000000000000" pitchFamily="18" charset="-120"/>
+                          <a:cs typeface="Times New Roman" panose="02020603050405020304" pitchFamily="18" charset="0"/>
+                        </a:rPr>
+                        <a:t>Kalman</a:t>
+                      </a:r>
+                      <a:endParaRPr lang="en-US" sz="1100" b="0" i="0" u="none" strike="noStrike" dirty="0">
+                        <a:solidFill>
+                          <a:srgbClr val="000000"/>
+                        </a:solidFill>
+                        <a:effectLst/>
+                        <a:latin typeface="Times New Roman" panose="02020603050405020304" pitchFamily="18" charset="0"/>
+                        <a:ea typeface="新細明體" panose="02020500000000000000" pitchFamily="18" charset="-120"/>
+                        <a:cs typeface="Times New Roman" panose="02020603050405020304" pitchFamily="18" charset="0"/>
+                      </a:endParaRPr>
+                    </a:p>
+                  </a:txBody>
+                  <a:tcPr marL="9525" marR="9525" marT="9525" marB="0" anchor="ctr">
+                    <a:lnB w="12700" cap="flat" cmpd="sng" algn="ctr">
+                      <a:solidFill>
+                        <a:schemeClr val="tx1"/>
+                      </a:solidFill>
+                      <a:prstDash val="solid"/>
+                      <a:round/>
+                      <a:headEnd type="none" w="med" len="med"/>
+                      <a:tailEnd type="none" w="med" len="med"/>
+                    </a:lnB>
+                  </a:tcPr>
+                </a:tc>
+                <a:extLst>
+                  <a:ext uri="{0D108BD9-81ED-4DB2-BD59-A6C34878D82A}">
+                    <a16:rowId xmlns:a16="http://schemas.microsoft.com/office/drawing/2014/main" val="10000"/>
+                  </a:ext>
+                </a:extLst>
+              </a:tr>
+              <a:tr h="105358">
+                <a:tc>
+                  <a:txBody>
+                    <a:bodyPr/>
+                    <a:lstStyle/>
+                    <a:p>
+                      <a:pPr algn="l" fontAlgn="ctr"/>
+                      <a:r>
+                        <a:rPr lang="en-US" sz="1100" b="0" i="0" u="none" strike="noStrike" dirty="0" smtClean="0">
+                          <a:solidFill>
+                            <a:srgbClr val="000000"/>
+                          </a:solidFill>
+                          <a:effectLst/>
+                          <a:latin typeface="Times New Roman" panose="02020603050405020304" pitchFamily="18" charset="0"/>
+                          <a:ea typeface="新細明體" panose="02020500000000000000" pitchFamily="18" charset="-120"/>
+                          <a:cs typeface="Times New Roman" panose="02020603050405020304" pitchFamily="18" charset="0"/>
+                        </a:rPr>
+                        <a:t>Volatility</a:t>
+                      </a:r>
+                      <a:endParaRPr lang="en-US" sz="1100" b="0" i="0" u="none" strike="noStrike" dirty="0">
+                        <a:solidFill>
+                          <a:srgbClr val="000000"/>
+                        </a:solidFill>
+                        <a:effectLst/>
+                        <a:latin typeface="Times New Roman" panose="02020603050405020304" pitchFamily="18" charset="0"/>
+                        <a:ea typeface="新細明體" panose="02020500000000000000" pitchFamily="18" charset="-120"/>
+                        <a:cs typeface="Times New Roman" panose="02020603050405020304" pitchFamily="18" charset="0"/>
+                      </a:endParaRPr>
+                    </a:p>
+                  </a:txBody>
+                  <a:tcPr marL="9525" marR="9525" marT="9525" marB="0" anchor="ctr">
+                    <a:lnT w="12700" cap="flat" cmpd="sng" algn="ctr">
+                      <a:solidFill>
+                        <a:schemeClr val="tx1"/>
+                      </a:solidFill>
+                      <a:prstDash val="solid"/>
+                      <a:round/>
+                      <a:headEnd type="none" w="med" len="med"/>
+                      <a:tailEnd type="none" w="med" len="med"/>
+                    </a:lnT>
+                  </a:tcPr>
+                </a:tc>
+                <a:tc>
+                  <a:txBody>
+                    <a:bodyPr/>
+                    <a:lstStyle/>
+                    <a:p>
+                      <a:pPr algn="ctr" fontAlgn="ctr"/>
+                      <a:r>
+                        <a:rPr lang="en-US" altLang="zh-TW" sz="1050" b="0" i="0" u="none" strike="noStrike" dirty="0">
+                          <a:solidFill>
+                            <a:srgbClr val="000000"/>
+                          </a:solidFill>
+                          <a:effectLst/>
+                          <a:latin typeface="Times New Roman" panose="02020603050405020304" pitchFamily="18" charset="0"/>
+                          <a:ea typeface="新細明體" panose="02020500000000000000" pitchFamily="18" charset="-120"/>
+                          <a:cs typeface="Times New Roman" panose="02020603050405020304" pitchFamily="18" charset="0"/>
+                        </a:rPr>
+                        <a:t>0.001022</a:t>
+                      </a:r>
+                    </a:p>
+                  </a:txBody>
+                  <a:tcPr marL="9525" marR="9525" marT="9525" marB="0" anchor="ctr">
+                    <a:lnT w="12700" cap="flat" cmpd="sng" algn="ctr">
+                      <a:solidFill>
+                        <a:schemeClr val="tx1"/>
+                      </a:solidFill>
+                      <a:prstDash val="solid"/>
+                      <a:round/>
+                      <a:headEnd type="none" w="med" len="med"/>
+                      <a:tailEnd type="none" w="med" len="med"/>
+                    </a:lnT>
+                  </a:tcPr>
+                </a:tc>
+                <a:tc>
+                  <a:txBody>
+                    <a:bodyPr/>
+                    <a:lstStyle/>
+                    <a:p>
+                      <a:pPr algn="ctr" fontAlgn="ctr"/>
+                      <a:r>
+                        <a:rPr lang="en-US" altLang="zh-TW" sz="1050" b="0" i="0" u="none" strike="noStrike">
+                          <a:solidFill>
+                            <a:srgbClr val="000000"/>
+                          </a:solidFill>
+                          <a:effectLst/>
+                          <a:latin typeface="Times New Roman" panose="02020603050405020304" pitchFamily="18" charset="0"/>
+                          <a:ea typeface="新細明體" panose="02020500000000000000" pitchFamily="18" charset="-120"/>
+                          <a:cs typeface="Times New Roman" panose="02020603050405020304" pitchFamily="18" charset="0"/>
+                        </a:rPr>
+                        <a:t>0.000806</a:t>
+                      </a:r>
+                    </a:p>
+                  </a:txBody>
+                  <a:tcPr marL="9525" marR="9525" marT="9525" marB="0" anchor="ctr">
+                    <a:lnT w="12700" cap="flat" cmpd="sng" algn="ctr">
+                      <a:solidFill>
+                        <a:schemeClr val="tx1"/>
+                      </a:solidFill>
+                      <a:prstDash val="solid"/>
+                      <a:round/>
+                      <a:headEnd type="none" w="med" len="med"/>
+                      <a:tailEnd type="none" w="med" len="med"/>
+                    </a:lnT>
+                  </a:tcPr>
+                </a:tc>
+                <a:tc>
+                  <a:txBody>
+                    <a:bodyPr/>
+                    <a:lstStyle/>
+                    <a:p>
+                      <a:pPr algn="ctr" fontAlgn="ctr"/>
+                      <a:r>
+                        <a:rPr lang="en-US" altLang="zh-TW" sz="1050" b="1" i="0" u="none" strike="noStrike" dirty="0">
+                          <a:solidFill>
+                            <a:srgbClr val="000000"/>
+                          </a:solidFill>
+                          <a:effectLst/>
+                          <a:latin typeface="Times New Roman" panose="02020603050405020304" pitchFamily="18" charset="0"/>
+                          <a:ea typeface="新細明體" panose="02020500000000000000" pitchFamily="18" charset="-120"/>
+                          <a:cs typeface="Times New Roman" panose="02020603050405020304" pitchFamily="18" charset="0"/>
+                        </a:rPr>
+                        <a:t>0.000611</a:t>
+                      </a:r>
+                    </a:p>
+                  </a:txBody>
+                  <a:tcPr marL="9525" marR="9525" marT="9525" marB="0" anchor="ctr">
+                    <a:lnT w="12700" cap="flat" cmpd="sng" algn="ctr">
+                      <a:solidFill>
+                        <a:schemeClr val="tx1"/>
+                      </a:solidFill>
+                      <a:prstDash val="solid"/>
+                      <a:round/>
+                      <a:headEnd type="none" w="med" len="med"/>
+                      <a:tailEnd type="none" w="med" len="med"/>
+                    </a:lnT>
+                  </a:tcPr>
+                </a:tc>
+                <a:extLst>
+                  <a:ext uri="{0D108BD9-81ED-4DB2-BD59-A6C34878D82A}">
+                    <a16:rowId xmlns:a16="http://schemas.microsoft.com/office/drawing/2014/main" val="10001"/>
+                  </a:ext>
+                </a:extLst>
+              </a:tr>
+              <a:tr h="105358">
+                <a:tc>
+                  <a:txBody>
+                    <a:bodyPr/>
+                    <a:lstStyle/>
+                    <a:p>
+                      <a:pPr algn="l" fontAlgn="ctr"/>
+                      <a:r>
+                        <a:rPr lang="en-US" sz="1100" b="0" i="0" u="none" strike="noStrike" dirty="0" err="1">
+                          <a:solidFill>
+                            <a:srgbClr val="000000"/>
+                          </a:solidFill>
+                          <a:effectLst/>
+                          <a:latin typeface="Times New Roman" panose="02020603050405020304" pitchFamily="18" charset="0"/>
+                          <a:ea typeface="新細明體" panose="02020500000000000000" pitchFamily="18" charset="-120"/>
+                          <a:cs typeface="Times New Roman" panose="02020603050405020304" pitchFamily="18" charset="0"/>
+                        </a:rPr>
+                        <a:t>StdDev</a:t>
+                      </a:r>
+                      <a:r>
+                        <a:rPr lang="en-US" sz="1100" b="0" i="0" u="none" strike="noStrike" dirty="0">
+                          <a:solidFill>
+                            <a:srgbClr val="000000"/>
+                          </a:solidFill>
+                          <a:effectLst/>
+                          <a:latin typeface="Times New Roman" panose="02020603050405020304" pitchFamily="18" charset="0"/>
+                          <a:ea typeface="新細明體" panose="02020500000000000000" pitchFamily="18" charset="-120"/>
+                          <a:cs typeface="Times New Roman" panose="02020603050405020304" pitchFamily="18" charset="0"/>
+                        </a:rPr>
+                        <a:t> </a:t>
+                      </a:r>
+                      <a:r>
+                        <a:rPr lang="en-US" sz="1100" b="0" i="0" u="none" strike="noStrike" dirty="0" smtClean="0">
+                          <a:solidFill>
+                            <a:srgbClr val="000000"/>
+                          </a:solidFill>
+                          <a:effectLst/>
+                          <a:latin typeface="Times New Roman" panose="02020603050405020304" pitchFamily="18" charset="0"/>
+                          <a:ea typeface="新細明體" panose="02020500000000000000" pitchFamily="18" charset="-120"/>
+                          <a:cs typeface="Times New Roman" panose="02020603050405020304" pitchFamily="18" charset="0"/>
+                        </a:rPr>
+                        <a:t>Sharpe</a:t>
+                      </a:r>
+                      <a:endParaRPr lang="en-US" sz="1100" b="0" i="0" u="none" strike="noStrike" dirty="0">
+                        <a:solidFill>
+                          <a:srgbClr val="000000"/>
+                        </a:solidFill>
+                        <a:effectLst/>
+                        <a:latin typeface="Times New Roman" panose="02020603050405020304" pitchFamily="18" charset="0"/>
+                        <a:ea typeface="新細明體" panose="02020500000000000000" pitchFamily="18" charset="-120"/>
+                        <a:cs typeface="Times New Roman" panose="02020603050405020304" pitchFamily="18" charset="0"/>
+                      </a:endParaRPr>
+                    </a:p>
+                  </a:txBody>
+                  <a:tcPr marL="9525" marR="9525" marT="9525" marB="0" anchor="ctr"/>
+                </a:tc>
+                <a:tc>
+                  <a:txBody>
+                    <a:bodyPr/>
+                    <a:lstStyle/>
+                    <a:p>
+                      <a:pPr algn="ctr" fontAlgn="ctr"/>
+                      <a:r>
+                        <a:rPr lang="en-US" altLang="zh-TW" sz="1050" b="0" i="0" u="none" strike="noStrike" dirty="0">
+                          <a:solidFill>
+                            <a:srgbClr val="000000"/>
+                          </a:solidFill>
+                          <a:effectLst/>
+                          <a:latin typeface="Times New Roman" panose="02020603050405020304" pitchFamily="18" charset="0"/>
+                          <a:ea typeface="新細明體" panose="02020500000000000000" pitchFamily="18" charset="-120"/>
+                          <a:cs typeface="Times New Roman" panose="02020603050405020304" pitchFamily="18" charset="0"/>
+                        </a:rPr>
+                        <a:t>-0.02029</a:t>
+                      </a:r>
+                    </a:p>
+                  </a:txBody>
+                  <a:tcPr marL="9525" marR="9525" marT="9525" marB="0" anchor="ctr"/>
+                </a:tc>
+                <a:tc>
+                  <a:txBody>
+                    <a:bodyPr/>
+                    <a:lstStyle/>
+                    <a:p>
+                      <a:pPr algn="ctr" fontAlgn="ctr"/>
+                      <a:r>
+                        <a:rPr lang="en-US" altLang="zh-TW" sz="1050" b="1" i="0" u="none" strike="noStrike" dirty="0">
+                          <a:solidFill>
+                            <a:srgbClr val="000000"/>
+                          </a:solidFill>
+                          <a:effectLst/>
+                          <a:latin typeface="Times New Roman" panose="02020603050405020304" pitchFamily="18" charset="0"/>
+                          <a:ea typeface="新細明體" panose="02020500000000000000" pitchFamily="18" charset="-120"/>
+                          <a:cs typeface="Times New Roman" panose="02020603050405020304" pitchFamily="18" charset="0"/>
+                        </a:rPr>
+                        <a:t>0.121372</a:t>
+                      </a:r>
+                    </a:p>
+                  </a:txBody>
+                  <a:tcPr marL="9525" marR="9525" marT="9525" marB="0" anchor="ctr"/>
+                </a:tc>
+                <a:tc>
+                  <a:txBody>
+                    <a:bodyPr/>
+                    <a:lstStyle/>
+                    <a:p>
+                      <a:pPr algn="ctr" fontAlgn="ctr"/>
+                      <a:r>
+                        <a:rPr lang="en-US" altLang="zh-TW" sz="1050" b="0" i="0" u="none" strike="noStrike">
+                          <a:solidFill>
+                            <a:srgbClr val="000000"/>
+                          </a:solidFill>
+                          <a:effectLst/>
+                          <a:latin typeface="Times New Roman" panose="02020603050405020304" pitchFamily="18" charset="0"/>
+                          <a:ea typeface="新細明體" panose="02020500000000000000" pitchFamily="18" charset="-120"/>
+                          <a:cs typeface="Times New Roman" panose="02020603050405020304" pitchFamily="18" charset="0"/>
+                        </a:rPr>
+                        <a:t>0.06648</a:t>
+                      </a:r>
+                    </a:p>
+                  </a:txBody>
+                  <a:tcPr marL="9525" marR="9525" marT="9525" marB="0" anchor="ctr"/>
+                </a:tc>
+                <a:extLst>
+                  <a:ext uri="{0D108BD9-81ED-4DB2-BD59-A6C34878D82A}">
+                    <a16:rowId xmlns:a16="http://schemas.microsoft.com/office/drawing/2014/main" val="10002"/>
+                  </a:ext>
+                </a:extLst>
+              </a:tr>
+              <a:tr h="109561">
+                <a:tc>
+                  <a:txBody>
+                    <a:bodyPr/>
+                    <a:lstStyle/>
+                    <a:p>
+                      <a:pPr algn="l" fontAlgn="ctr"/>
+                      <a:r>
+                        <a:rPr lang="en-US" sz="1100" b="0" i="0" u="none" strike="noStrike" dirty="0" err="1">
+                          <a:solidFill>
+                            <a:srgbClr val="000000"/>
+                          </a:solidFill>
+                          <a:effectLst/>
+                          <a:latin typeface="Times New Roman" panose="02020603050405020304" pitchFamily="18" charset="0"/>
+                          <a:ea typeface="新細明體" panose="02020500000000000000" pitchFamily="18" charset="-120"/>
+                          <a:cs typeface="Times New Roman" panose="02020603050405020304" pitchFamily="18" charset="0"/>
+                        </a:rPr>
+                        <a:t>VaR</a:t>
+                      </a:r>
+                      <a:r>
+                        <a:rPr lang="en-US" sz="1100" b="0" i="0" u="none" strike="noStrike" dirty="0">
+                          <a:solidFill>
+                            <a:srgbClr val="000000"/>
+                          </a:solidFill>
+                          <a:effectLst/>
+                          <a:latin typeface="Times New Roman" panose="02020603050405020304" pitchFamily="18" charset="0"/>
+                          <a:ea typeface="新細明體" panose="02020500000000000000" pitchFamily="18" charset="-120"/>
+                          <a:cs typeface="Times New Roman" panose="02020603050405020304" pitchFamily="18" charset="0"/>
+                        </a:rPr>
+                        <a:t> </a:t>
+                      </a:r>
+                      <a:r>
+                        <a:rPr lang="en-US" sz="1100" b="0" i="0" u="none" strike="noStrike" dirty="0" smtClean="0">
+                          <a:solidFill>
+                            <a:srgbClr val="000000"/>
+                          </a:solidFill>
+                          <a:effectLst/>
+                          <a:latin typeface="Times New Roman" panose="02020603050405020304" pitchFamily="18" charset="0"/>
+                          <a:ea typeface="新細明體" panose="02020500000000000000" pitchFamily="18" charset="-120"/>
+                          <a:cs typeface="Times New Roman" panose="02020603050405020304" pitchFamily="18" charset="0"/>
+                        </a:rPr>
+                        <a:t>Sharpe</a:t>
+                      </a:r>
+                      <a:endParaRPr lang="en-US" sz="1100" b="0" i="0" u="none" strike="noStrike" dirty="0">
+                        <a:solidFill>
+                          <a:srgbClr val="000000"/>
+                        </a:solidFill>
+                        <a:effectLst/>
+                        <a:latin typeface="Times New Roman" panose="02020603050405020304" pitchFamily="18" charset="0"/>
+                        <a:ea typeface="新細明體" panose="02020500000000000000" pitchFamily="18" charset="-120"/>
+                        <a:cs typeface="Times New Roman" panose="02020603050405020304" pitchFamily="18" charset="0"/>
+                      </a:endParaRPr>
+                    </a:p>
+                  </a:txBody>
+                  <a:tcPr marL="9525" marR="9525" marT="9525" marB="0" anchor="ctr"/>
+                </a:tc>
+                <a:tc>
+                  <a:txBody>
+                    <a:bodyPr/>
+                    <a:lstStyle/>
+                    <a:p>
+                      <a:pPr algn="ctr" fontAlgn="ctr"/>
+                      <a:r>
+                        <a:rPr lang="en-US" altLang="zh-TW" sz="1050" b="0" i="0" u="none" strike="noStrike" dirty="0">
+                          <a:solidFill>
+                            <a:srgbClr val="000000"/>
+                          </a:solidFill>
+                          <a:effectLst/>
+                          <a:latin typeface="Times New Roman" panose="02020603050405020304" pitchFamily="18" charset="0"/>
+                          <a:ea typeface="新細明體" panose="02020500000000000000" pitchFamily="18" charset="-120"/>
+                          <a:cs typeface="Times New Roman" panose="02020603050405020304" pitchFamily="18" charset="0"/>
+                        </a:rPr>
+                        <a:t>-0.01227</a:t>
+                      </a:r>
+                    </a:p>
+                  </a:txBody>
+                  <a:tcPr marL="9525" marR="9525" marT="9525" marB="0" anchor="ctr"/>
+                </a:tc>
+                <a:tc>
+                  <a:txBody>
+                    <a:bodyPr/>
+                    <a:lstStyle/>
+                    <a:p>
+                      <a:pPr algn="ctr" fontAlgn="ctr"/>
+                      <a:r>
+                        <a:rPr lang="en-US" altLang="zh-TW" sz="1050" b="1" i="0" u="none" strike="noStrike" dirty="0">
+                          <a:solidFill>
+                            <a:srgbClr val="000000"/>
+                          </a:solidFill>
+                          <a:effectLst/>
+                          <a:latin typeface="Times New Roman" panose="02020603050405020304" pitchFamily="18" charset="0"/>
+                          <a:ea typeface="新細明體" panose="02020500000000000000" pitchFamily="18" charset="-120"/>
+                          <a:cs typeface="Times New Roman" panose="02020603050405020304" pitchFamily="18" charset="0"/>
+                        </a:rPr>
+                        <a:t>1.302548</a:t>
+                      </a:r>
+                    </a:p>
+                  </a:txBody>
+                  <a:tcPr marL="9525" marR="9525" marT="9525" marB="0" anchor="ctr"/>
+                </a:tc>
+                <a:tc>
+                  <a:txBody>
+                    <a:bodyPr/>
+                    <a:lstStyle/>
+                    <a:p>
+                      <a:pPr algn="ctr" fontAlgn="ctr"/>
+                      <a:r>
+                        <a:rPr lang="en-US" altLang="zh-TW" sz="1050" b="0" i="0" u="none" strike="noStrike">
+                          <a:solidFill>
+                            <a:srgbClr val="000000"/>
+                          </a:solidFill>
+                          <a:effectLst/>
+                          <a:latin typeface="Times New Roman" panose="02020603050405020304" pitchFamily="18" charset="0"/>
+                          <a:ea typeface="新細明體" panose="02020500000000000000" pitchFamily="18" charset="-120"/>
+                          <a:cs typeface="Times New Roman" panose="02020603050405020304" pitchFamily="18" charset="0"/>
+                        </a:rPr>
+                        <a:t>0.059302</a:t>
+                      </a:r>
+                    </a:p>
+                  </a:txBody>
+                  <a:tcPr marL="9525" marR="9525" marT="9525" marB="0" anchor="ctr"/>
+                </a:tc>
+                <a:extLst>
+                  <a:ext uri="{0D108BD9-81ED-4DB2-BD59-A6C34878D82A}">
+                    <a16:rowId xmlns:a16="http://schemas.microsoft.com/office/drawing/2014/main" val="10003"/>
+                  </a:ext>
+                </a:extLst>
+              </a:tr>
+              <a:tr h="105358">
+                <a:tc>
+                  <a:txBody>
+                    <a:bodyPr/>
+                    <a:lstStyle/>
+                    <a:p>
+                      <a:pPr algn="l" fontAlgn="ctr"/>
+                      <a:r>
+                        <a:rPr lang="en-US" sz="1100" b="0" i="0" u="none" strike="noStrike" dirty="0">
+                          <a:solidFill>
+                            <a:srgbClr val="000000"/>
+                          </a:solidFill>
+                          <a:effectLst/>
+                          <a:latin typeface="Times New Roman" panose="02020603050405020304" pitchFamily="18" charset="0"/>
+                          <a:ea typeface="新細明體" panose="02020500000000000000" pitchFamily="18" charset="-120"/>
+                          <a:cs typeface="Times New Roman" panose="02020603050405020304" pitchFamily="18" charset="0"/>
+                        </a:rPr>
+                        <a:t>ES </a:t>
+                      </a:r>
+                      <a:r>
+                        <a:rPr lang="en-US" sz="1100" b="0" i="0" u="none" strike="noStrike" dirty="0" smtClean="0">
+                          <a:solidFill>
+                            <a:srgbClr val="000000"/>
+                          </a:solidFill>
+                          <a:effectLst/>
+                          <a:latin typeface="Times New Roman" panose="02020603050405020304" pitchFamily="18" charset="0"/>
+                          <a:ea typeface="新細明體" panose="02020500000000000000" pitchFamily="18" charset="-120"/>
+                          <a:cs typeface="Times New Roman" panose="02020603050405020304" pitchFamily="18" charset="0"/>
+                        </a:rPr>
+                        <a:t>Sharpe</a:t>
+                      </a:r>
+                      <a:endParaRPr lang="en-US" sz="1100" b="0" i="0" u="none" strike="noStrike" dirty="0">
+                        <a:solidFill>
+                          <a:srgbClr val="000000"/>
+                        </a:solidFill>
+                        <a:effectLst/>
+                        <a:latin typeface="Times New Roman" panose="02020603050405020304" pitchFamily="18" charset="0"/>
+                        <a:ea typeface="新細明體" panose="02020500000000000000" pitchFamily="18" charset="-120"/>
+                        <a:cs typeface="Times New Roman" panose="02020603050405020304" pitchFamily="18" charset="0"/>
+                      </a:endParaRPr>
+                    </a:p>
+                  </a:txBody>
+                  <a:tcPr marL="9525" marR="9525" marT="9525" marB="0" anchor="ctr"/>
+                </a:tc>
+                <a:tc>
+                  <a:txBody>
+                    <a:bodyPr/>
+                    <a:lstStyle/>
+                    <a:p>
+                      <a:pPr algn="ctr" fontAlgn="ctr"/>
+                      <a:r>
+                        <a:rPr lang="en-US" altLang="zh-TW" sz="1050" b="0" i="0" u="none" strike="noStrike">
+                          <a:solidFill>
+                            <a:srgbClr val="000000"/>
+                          </a:solidFill>
+                          <a:effectLst/>
+                          <a:latin typeface="Times New Roman" panose="02020603050405020304" pitchFamily="18" charset="0"/>
+                          <a:ea typeface="新細明體" panose="02020500000000000000" pitchFamily="18" charset="-120"/>
+                          <a:cs typeface="Times New Roman" panose="02020603050405020304" pitchFamily="18" charset="0"/>
+                        </a:rPr>
+                        <a:t>-0.00874</a:t>
+                      </a:r>
+                    </a:p>
+                  </a:txBody>
+                  <a:tcPr marL="9525" marR="9525" marT="9525" marB="0" anchor="ctr"/>
+                </a:tc>
+                <a:tc>
+                  <a:txBody>
+                    <a:bodyPr/>
+                    <a:lstStyle/>
+                    <a:p>
+                      <a:pPr algn="ctr" fontAlgn="ctr"/>
+                      <a:r>
+                        <a:rPr lang="en-US" altLang="zh-TW" sz="1050" b="0" i="0" u="none" strike="noStrike" dirty="0">
+                          <a:solidFill>
+                            <a:srgbClr val="000000"/>
+                          </a:solidFill>
+                          <a:effectLst/>
+                          <a:latin typeface="Times New Roman" panose="02020603050405020304" pitchFamily="18" charset="0"/>
+                          <a:ea typeface="新細明體" panose="02020500000000000000" pitchFamily="18" charset="-120"/>
+                          <a:cs typeface="Times New Roman" panose="02020603050405020304" pitchFamily="18" charset="0"/>
+                        </a:rPr>
+                        <a:t>0.029292</a:t>
+                      </a:r>
+                    </a:p>
+                  </a:txBody>
+                  <a:tcPr marL="9525" marR="9525" marT="9525" marB="0" anchor="ctr"/>
+                </a:tc>
+                <a:tc>
+                  <a:txBody>
+                    <a:bodyPr/>
+                    <a:lstStyle/>
+                    <a:p>
+                      <a:pPr algn="ctr" fontAlgn="ctr"/>
+                      <a:r>
+                        <a:rPr lang="en-US" altLang="zh-TW" sz="1050" b="1" i="0" u="none" strike="noStrike" dirty="0">
+                          <a:solidFill>
+                            <a:srgbClr val="000000"/>
+                          </a:solidFill>
+                          <a:effectLst/>
+                          <a:latin typeface="Times New Roman" panose="02020603050405020304" pitchFamily="18" charset="0"/>
+                          <a:ea typeface="新細明體" panose="02020500000000000000" pitchFamily="18" charset="-120"/>
+                          <a:cs typeface="Times New Roman" panose="02020603050405020304" pitchFamily="18" charset="0"/>
+                        </a:rPr>
+                        <a:t>0.059302</a:t>
+                      </a:r>
+                    </a:p>
+                  </a:txBody>
+                  <a:tcPr marL="9525" marR="9525" marT="9525" marB="0" anchor="ctr"/>
+                </a:tc>
+                <a:extLst>
+                  <a:ext uri="{0D108BD9-81ED-4DB2-BD59-A6C34878D82A}">
+                    <a16:rowId xmlns:a16="http://schemas.microsoft.com/office/drawing/2014/main" val="10004"/>
+                  </a:ext>
+                </a:extLst>
+              </a:tr>
+              <a:tr h="105358">
+                <a:tc>
+                  <a:txBody>
+                    <a:bodyPr/>
+                    <a:lstStyle/>
+                    <a:p>
+                      <a:pPr algn="l" fontAlgn="ctr"/>
+                      <a:r>
+                        <a:rPr lang="en-US" sz="1100" b="0" i="0" u="none" strike="noStrike" dirty="0" smtClean="0">
+                          <a:solidFill>
+                            <a:srgbClr val="000000"/>
+                          </a:solidFill>
+                          <a:effectLst/>
+                          <a:latin typeface="Times New Roman" panose="02020603050405020304" pitchFamily="18" charset="0"/>
+                          <a:ea typeface="新細明體" panose="02020500000000000000" pitchFamily="18" charset="-120"/>
+                          <a:cs typeface="Times New Roman" panose="02020603050405020304" pitchFamily="18" charset="0"/>
+                        </a:rPr>
+                        <a:t>Holding</a:t>
+                      </a:r>
+                      <a:r>
+                        <a:rPr lang="en-US" sz="1100" b="0" i="0" u="none" strike="noStrike" baseline="0" dirty="0" smtClean="0">
+                          <a:solidFill>
+                            <a:srgbClr val="000000"/>
+                          </a:solidFill>
+                          <a:effectLst/>
+                          <a:latin typeface="Times New Roman" panose="02020603050405020304" pitchFamily="18" charset="0"/>
+                          <a:ea typeface="新細明體" panose="02020500000000000000" pitchFamily="18" charset="-120"/>
+                          <a:cs typeface="Times New Roman" panose="02020603050405020304" pitchFamily="18" charset="0"/>
+                        </a:rPr>
+                        <a:t> </a:t>
+                      </a:r>
+                      <a:r>
+                        <a:rPr lang="en-US" sz="1100" b="0" i="0" u="none" strike="noStrike" dirty="0" smtClean="0">
+                          <a:solidFill>
+                            <a:srgbClr val="000000"/>
+                          </a:solidFill>
+                          <a:effectLst/>
+                          <a:latin typeface="Times New Roman" panose="02020603050405020304" pitchFamily="18" charset="0"/>
+                          <a:ea typeface="新細明體" panose="02020500000000000000" pitchFamily="18" charset="-120"/>
+                          <a:cs typeface="Times New Roman" panose="02020603050405020304" pitchFamily="18" charset="0"/>
+                        </a:rPr>
+                        <a:t>period</a:t>
+                      </a:r>
+                      <a:endParaRPr lang="en-US" sz="1100" b="0" i="0" u="none" strike="noStrike" dirty="0">
+                        <a:solidFill>
+                          <a:srgbClr val="000000"/>
+                        </a:solidFill>
+                        <a:effectLst/>
+                        <a:latin typeface="Times New Roman" panose="02020603050405020304" pitchFamily="18" charset="0"/>
+                        <a:ea typeface="新細明體" panose="02020500000000000000" pitchFamily="18" charset="-120"/>
+                        <a:cs typeface="Times New Roman" panose="02020603050405020304" pitchFamily="18" charset="0"/>
+                      </a:endParaRPr>
+                    </a:p>
+                  </a:txBody>
+                  <a:tcPr marL="9525" marR="9525" marT="9525" marB="0" anchor="ctr"/>
+                </a:tc>
+                <a:tc>
+                  <a:txBody>
+                    <a:bodyPr/>
+                    <a:lstStyle/>
+                    <a:p>
+                      <a:pPr algn="ctr" fontAlgn="ctr"/>
+                      <a:r>
+                        <a:rPr lang="en-US" sz="1050" b="0" i="0" u="none" strike="noStrike">
+                          <a:solidFill>
+                            <a:srgbClr val="000000"/>
+                          </a:solidFill>
+                          <a:effectLst/>
+                          <a:latin typeface="Times New Roman" panose="02020603050405020304" pitchFamily="18" charset="0"/>
+                          <a:ea typeface="新細明體" panose="02020500000000000000" pitchFamily="18" charset="-120"/>
+                          <a:cs typeface="Times New Roman" panose="02020603050405020304" pitchFamily="18" charset="0"/>
+                        </a:rPr>
+                        <a:t>Inf</a:t>
+                      </a:r>
+                    </a:p>
+                  </a:txBody>
+                  <a:tcPr marL="9525" marR="9525" marT="9525" marB="0" anchor="ctr"/>
+                </a:tc>
+                <a:tc>
+                  <a:txBody>
+                    <a:bodyPr/>
+                    <a:lstStyle/>
+                    <a:p>
+                      <a:pPr algn="ctr" fontAlgn="ctr"/>
+                      <a:r>
+                        <a:rPr lang="en-US" altLang="zh-TW" sz="1050" b="0" i="0" u="none" strike="noStrike" dirty="0">
+                          <a:solidFill>
+                            <a:srgbClr val="000000"/>
+                          </a:solidFill>
+                          <a:effectLst/>
+                          <a:latin typeface="Times New Roman" panose="02020603050405020304" pitchFamily="18" charset="0"/>
+                          <a:ea typeface="新細明體" panose="02020500000000000000" pitchFamily="18" charset="-120"/>
+                          <a:cs typeface="Times New Roman" panose="02020603050405020304" pitchFamily="18" charset="0"/>
+                        </a:rPr>
+                        <a:t>7.6</a:t>
+                      </a:r>
+                    </a:p>
+                  </a:txBody>
+                  <a:tcPr marL="9525" marR="9525" marT="9525" marB="0" anchor="ctr"/>
+                </a:tc>
+                <a:tc>
+                  <a:txBody>
+                    <a:bodyPr/>
+                    <a:lstStyle/>
+                    <a:p>
+                      <a:pPr algn="ctr" fontAlgn="ctr"/>
+                      <a:r>
+                        <a:rPr lang="en-US" altLang="zh-TW" sz="1050" b="0" i="0" u="none" strike="noStrike" dirty="0">
+                          <a:solidFill>
+                            <a:srgbClr val="000000"/>
+                          </a:solidFill>
+                          <a:effectLst/>
+                          <a:latin typeface="Times New Roman" panose="02020603050405020304" pitchFamily="18" charset="0"/>
+                          <a:ea typeface="新細明體" panose="02020500000000000000" pitchFamily="18" charset="-120"/>
+                          <a:cs typeface="Times New Roman" panose="02020603050405020304" pitchFamily="18" charset="0"/>
+                        </a:rPr>
+                        <a:t>12.2</a:t>
+                      </a:r>
+                    </a:p>
+                  </a:txBody>
+                  <a:tcPr marL="9525" marR="9525" marT="9525" marB="0" anchor="ctr"/>
+                </a:tc>
+                <a:extLst>
+                  <a:ext uri="{0D108BD9-81ED-4DB2-BD59-A6C34878D82A}">
+                    <a16:rowId xmlns:a16="http://schemas.microsoft.com/office/drawing/2014/main" val="10005"/>
+                  </a:ext>
+                </a:extLst>
+              </a:tr>
+              <a:tr h="105358">
+                <a:tc>
+                  <a:txBody>
+                    <a:bodyPr/>
+                    <a:lstStyle/>
+                    <a:p>
+                      <a:pPr algn="l" fontAlgn="ctr"/>
+                      <a:r>
+                        <a:rPr lang="en-US" sz="1100" b="0" i="0" u="none" strike="noStrike" dirty="0" smtClean="0">
+                          <a:solidFill>
+                            <a:srgbClr val="000000"/>
+                          </a:solidFill>
+                          <a:effectLst/>
+                          <a:latin typeface="Times New Roman" panose="02020603050405020304" pitchFamily="18" charset="0"/>
+                          <a:ea typeface="新細明體" panose="02020500000000000000" pitchFamily="18" charset="-120"/>
+                          <a:cs typeface="Times New Roman" panose="02020603050405020304" pitchFamily="18" charset="0"/>
+                        </a:rPr>
+                        <a:t>Cumulative </a:t>
+                      </a:r>
+                      <a:r>
+                        <a:rPr lang="en-US" sz="1100" b="0" i="0" u="none" strike="noStrike" dirty="0">
+                          <a:solidFill>
+                            <a:srgbClr val="000000"/>
+                          </a:solidFill>
+                          <a:effectLst/>
+                          <a:latin typeface="Times New Roman" panose="02020603050405020304" pitchFamily="18" charset="0"/>
+                          <a:ea typeface="新細明體" panose="02020500000000000000" pitchFamily="18" charset="-120"/>
+                          <a:cs typeface="Times New Roman" panose="02020603050405020304" pitchFamily="18" charset="0"/>
+                        </a:rPr>
+                        <a:t>return</a:t>
+                      </a:r>
+                    </a:p>
+                  </a:txBody>
+                  <a:tcPr marL="9525" marR="9525" marT="9525" marB="0" anchor="ctr"/>
+                </a:tc>
+                <a:tc>
+                  <a:txBody>
+                    <a:bodyPr/>
+                    <a:lstStyle/>
+                    <a:p>
+                      <a:pPr algn="ctr" fontAlgn="ctr"/>
+                      <a:r>
+                        <a:rPr lang="en-US" altLang="zh-TW" sz="1050" b="0" i="0" u="none" strike="noStrike">
+                          <a:solidFill>
+                            <a:srgbClr val="000000"/>
+                          </a:solidFill>
+                          <a:effectLst/>
+                          <a:latin typeface="Times New Roman" panose="02020603050405020304" pitchFamily="18" charset="0"/>
+                          <a:ea typeface="新細明體" panose="02020500000000000000" pitchFamily="18" charset="-120"/>
+                          <a:cs typeface="Times New Roman" panose="02020603050405020304" pitchFamily="18" charset="0"/>
+                        </a:rPr>
+                        <a:t>-0.00331</a:t>
+                      </a:r>
+                    </a:p>
+                  </a:txBody>
+                  <a:tcPr marL="9525" marR="9525" marT="9525" marB="0" anchor="ctr"/>
+                </a:tc>
+                <a:tc>
+                  <a:txBody>
+                    <a:bodyPr/>
+                    <a:lstStyle/>
+                    <a:p>
+                      <a:pPr algn="ctr" fontAlgn="ctr"/>
+                      <a:r>
+                        <a:rPr lang="en-US" altLang="zh-TW" sz="1050" b="1" i="0" u="none" strike="noStrike" dirty="0">
+                          <a:solidFill>
+                            <a:srgbClr val="000000"/>
+                          </a:solidFill>
+                          <a:effectLst/>
+                          <a:latin typeface="Times New Roman" panose="02020603050405020304" pitchFamily="18" charset="0"/>
+                          <a:ea typeface="新細明體" panose="02020500000000000000" pitchFamily="18" charset="-120"/>
+                          <a:cs typeface="Times New Roman" panose="02020603050405020304" pitchFamily="18" charset="0"/>
+                        </a:rPr>
+                        <a:t>0.014262</a:t>
+                      </a:r>
+                    </a:p>
+                  </a:txBody>
+                  <a:tcPr marL="9525" marR="9525" marT="9525" marB="0" anchor="ctr"/>
+                </a:tc>
+                <a:tc>
+                  <a:txBody>
+                    <a:bodyPr/>
+                    <a:lstStyle/>
+                    <a:p>
+                      <a:pPr algn="ctr" fontAlgn="ctr"/>
+                      <a:r>
+                        <a:rPr lang="en-US" altLang="zh-TW" sz="1050" b="0" i="0" u="none" strike="noStrike" dirty="0">
+                          <a:solidFill>
+                            <a:srgbClr val="000000"/>
+                          </a:solidFill>
+                          <a:effectLst/>
+                          <a:latin typeface="Times New Roman" panose="02020603050405020304" pitchFamily="18" charset="0"/>
+                          <a:ea typeface="新細明體" panose="02020500000000000000" pitchFamily="18" charset="-120"/>
+                          <a:cs typeface="Times New Roman" panose="02020603050405020304" pitchFamily="18" charset="0"/>
+                        </a:rPr>
+                        <a:t>0.005907</a:t>
+                      </a:r>
+                    </a:p>
+                  </a:txBody>
+                  <a:tcPr marL="9525" marR="9525" marT="9525" marB="0" anchor="ctr"/>
+                </a:tc>
+                <a:extLst>
+                  <a:ext uri="{0D108BD9-81ED-4DB2-BD59-A6C34878D82A}">
+                    <a16:rowId xmlns:a16="http://schemas.microsoft.com/office/drawing/2014/main" val="2317466718"/>
+                  </a:ext>
+                </a:extLst>
+              </a:tr>
+            </a:tbl>
+          </a:graphicData>
+        </a:graphic>
+      </p:graphicFrame>
+    </p:spTree>
+    <p:extLst>
+      <p:ext uri="{BB962C8B-B14F-4D97-AF65-F5344CB8AC3E}">
+        <p14:creationId xmlns:p14="http://schemas.microsoft.com/office/powerpoint/2010/main" val="2696220762"/>
+      </p:ext>
+    </p:extLst>
+  </p:cSld>
+  <p:clrMapOvr>
+    <a:masterClrMapping/>
+  </p:clrMapOvr>
+  <p:timing>
+    <p:tnLst>
+      <p:par>
+        <p:cTn id="1" dur="indefinite" restart="never" nodeType="tmRoot"/>
+      </p:par>
+    </p:tnLst>
+  </p:timing>
+</p:sld>
+</file>
+
+<file path=ppt/slides/slide3.xml><?xml version="1.0" encoding="utf-8"?>
+<p:sld xmlns:a="http://schemas.openxmlformats.org/drawingml/2006/main" xmlns:r="http://schemas.openxmlformats.org/officeDocument/2006/relationships" xmlns:p="http://schemas.openxmlformats.org/presentationml/2006/main">
+  <p:cSld>
+    <p:spTree>
+      <p:nvGrpSpPr>
+        <p:cNvPr id="1" name=""/>
+        <p:cNvGrpSpPr/>
+        <p:nvPr/>
+      </p:nvGrpSpPr>
+      <p:grpSpPr>
+        <a:xfrm>
+          <a:off x="0" y="0"/>
+          <a:ext cx="0" cy="0"/>
+          <a:chOff x="0" y="0"/>
+          <a:chExt cx="0" cy="0"/>
+        </a:xfrm>
+      </p:grpSpPr>
+      <p:sp>
+        <p:nvSpPr>
+          <p:cNvPr id="4" name="標題 3"/>
+          <p:cNvSpPr>
+            <a:spLocks noGrp="1"/>
+          </p:cNvSpPr>
+          <p:nvPr>
+            <p:ph type="title"/>
+          </p:nvPr>
+        </p:nvSpPr>
+        <p:spPr/>
+        <p:txBody>
+          <a:bodyPr/>
+          <a:lstStyle/>
+          <a:p>
+            <a:r>
+              <a:rPr lang="en-US" altLang="zh-TW" dirty="0"/>
+              <a:t>Pair formation</a:t>
+            </a:r>
+            <a:endParaRPr lang="zh-TW" altLang="en-US" dirty="0"/>
+          </a:p>
+        </p:txBody>
+      </p:sp>
+    </p:spTree>
+    <p:extLst>
+      <p:ext uri="{BB962C8B-B14F-4D97-AF65-F5344CB8AC3E}">
+        <p14:creationId xmlns:p14="http://schemas.microsoft.com/office/powerpoint/2010/main" val="444295686"/>
+      </p:ext>
+    </p:extLst>
+  </p:cSld>
+  <p:clrMapOvr>
+    <a:masterClrMapping/>
+  </p:clrMapOvr>
+  <p:timing>
+    <p:tnLst>
+      <p:par>
+        <p:cTn id="1" dur="indefinite" restart="never" nodeType="tmRoot"/>
+      </p:par>
+    </p:tnLst>
+  </p:timing>
+</p:sld>
+</file>
+
+<file path=ppt/slides/slide30.xml><?xml version="1.0" encoding="utf-8"?>
 <p:sld xmlns:a="http://schemas.openxmlformats.org/drawingml/2006/main" xmlns:r="http://schemas.openxmlformats.org/officeDocument/2006/relationships" xmlns:p="http://schemas.openxmlformats.org/presentationml/2006/main">
   <p:cSld>
     <p:spTree>
@@ -13414,7 +17803,7 @@
 </p:sld>
 </file>
 
-<file path=ppt/slides/slide27.xml><?xml version="1.0" encoding="utf-8"?>
+<file path=ppt/slides/slide31.xml><?xml version="1.0" encoding="utf-8"?>
 <p:sld xmlns:a="http://schemas.openxmlformats.org/drawingml/2006/main" xmlns:r="http://schemas.openxmlformats.org/officeDocument/2006/relationships" xmlns:p="http://schemas.openxmlformats.org/presentationml/2006/main">
   <p:cSld>
     <p:spTree>
@@ -13543,7 +17932,7 @@
       </p:pic>
       <p:pic>
         <p:nvPicPr>
-          <p:cNvPr id="9" name="圖片 8"/>
+          <p:cNvPr id="4" name="圖片 3"/>
           <p:cNvPicPr>
             <a:picLocks noChangeAspect="1"/>
           </p:cNvPicPr>
@@ -13557,13 +17946,13 @@
               </a:ext>
             </a:extLst>
           </a:blip>
-          <a:srcRect b="50210"/>
+          <a:srcRect b="50414"/>
           <a:stretch/>
         </p:blipFill>
         <p:spPr>
           <a:xfrm>
-            <a:off x="4653475" y="3026889"/>
-            <a:ext cx="4205032" cy="1306251"/>
+            <a:off x="4559395" y="3009253"/>
+            <a:ext cx="4353493" cy="1346819"/>
           </a:xfrm>
           <a:prstGeom prst="rect">
             <a:avLst/>
@@ -13590,7 +17979,7 @@
 </p:sld>
 </file>
 
-<file path=ppt/slides/slide28.xml><?xml version="1.0" encoding="utf-8"?>
+<file path=ppt/slides/slide32.xml><?xml version="1.0" encoding="utf-8"?>
 <p:sld xmlns:a="http://schemas.openxmlformats.org/drawingml/2006/main" xmlns:r="http://schemas.openxmlformats.org/officeDocument/2006/relationships" xmlns:p="http://schemas.openxmlformats.org/presentationml/2006/main">
   <p:cSld>
     <p:spTree>
@@ -13650,7 +18039,7 @@
 </p:sld>
 </file>
 
-<file path=ppt/slides/slide29.xml><?xml version="1.0" encoding="utf-8"?>
+<file path=ppt/slides/slide33.xml><?xml version="1.0" encoding="utf-8"?>
 <p:sld xmlns:a="http://schemas.openxmlformats.org/drawingml/2006/main" xmlns:r="http://schemas.openxmlformats.org/officeDocument/2006/relationships" xmlns:p="http://schemas.openxmlformats.org/presentationml/2006/main">
   <p:cSld>
     <p:spTree>
@@ -13749,7 +18138,58 @@
             </a:r>
             <a:r>
               <a:rPr lang="en-US" altLang="zh-TW" dirty="0" smtClean="0"/>
-              <a:t>clear and hard to find a proper period</a:t>
+              <a:t>clear and hard to find a proper period.</a:t>
+            </a:r>
+          </a:p>
+          <a:p>
+            <a:r>
+              <a:rPr lang="en-US" altLang="zh-TW" dirty="0" smtClean="0"/>
+              <a:t>There is a trade off between tracking frequency (how often the parameters update) </a:t>
+            </a:r>
+            <a:r>
+              <a:rPr lang="en-US" altLang="zh-TW" dirty="0"/>
+              <a:t>and stability </a:t>
+            </a:r>
+            <a:r>
+              <a:rPr lang="en-US" altLang="zh-TW" dirty="0" smtClean="0"/>
+              <a:t>of spreads.</a:t>
+            </a:r>
+          </a:p>
+          <a:p>
+            <a:pPr lvl="1">
+              <a:spcBef>
+                <a:spcPts val="600"/>
+              </a:spcBef>
+            </a:pPr>
+            <a:r>
+              <a:rPr lang="en-US" altLang="zh-TW" dirty="0"/>
+              <a:t>h</a:t>
+            </a:r>
+            <a:r>
+              <a:rPr lang="en-US" altLang="zh-TW" dirty="0" smtClean="0"/>
+              <a:t>igh tracking frequency-&gt; estimate the parameters locally-&gt; easily cause spread exploding</a:t>
+            </a:r>
+          </a:p>
+          <a:p>
+            <a:pPr lvl="1">
+              <a:spcBef>
+                <a:spcPts val="600"/>
+              </a:spcBef>
+            </a:pPr>
+            <a:r>
+              <a:rPr lang="en-US" altLang="zh-TW" dirty="0"/>
+              <a:t>l</a:t>
+            </a:r>
+            <a:r>
+              <a:rPr lang="en-US" altLang="zh-TW" dirty="0" smtClean="0"/>
+              <a:t>ow tracking frequency-&gt; hard to handle parameter shift-&gt; spread never revert</a:t>
+            </a:r>
+            <a:endParaRPr lang="en-US" altLang="zh-TW" dirty="0" smtClean="0"/>
+          </a:p>
+          <a:p>
+            <a:r>
+              <a:rPr lang="en-US" altLang="zh-TW" dirty="0"/>
+              <a:t>Parameters for normalized spread construction is sensitive to the trading performance</a:t>
             </a:r>
             <a:r>
               <a:rPr lang="en-US" altLang="zh-TW" dirty="0" smtClean="0"/>
@@ -13757,14 +18197,10 @@
             </a:r>
           </a:p>
           <a:p>
-            <a:r>
-              <a:rPr lang="en-US" altLang="zh-TW" dirty="0" smtClean="0"/>
-              <a:t>Parameters for normalized spread construction is sensitive to the trading performance.</a:t>
-            </a:r>
-            <a:endParaRPr lang="en-US" altLang="zh-TW" dirty="0" smtClean="0"/>
+            <a:endParaRPr lang="en-US" altLang="zh-TW" dirty="0"/>
           </a:p>
           <a:p>
-            <a:endParaRPr lang="zh-TW" altLang="en-US" dirty="0"/>
+            <a:endParaRPr lang="en-US" altLang="zh-TW" dirty="0" smtClean="0"/>
           </a:p>
         </p:txBody>
       </p:sp>
@@ -13778,10 +18214,17 @@
   <p:clrMapOvr>
     <a:masterClrMapping/>
   </p:clrMapOvr>
+  <p:timing>
+    <p:tnLst>
+      <p:par>
+        <p:cTn id="1" dur="indefinite" restart="never" nodeType="tmRoot"/>
+      </p:par>
+    </p:tnLst>
+  </p:timing>
 </p:sld>
 </file>
 
-<file path=ppt/slides/slide3.xml><?xml version="1.0" encoding="utf-8"?>
+<file path=ppt/slides/slide34.xml><?xml version="1.0" encoding="utf-8"?>
 <p:sld xmlns:a="http://schemas.openxmlformats.org/drawingml/2006/main" xmlns:r="http://schemas.openxmlformats.org/officeDocument/2006/relationships" xmlns:p="http://schemas.openxmlformats.org/presentationml/2006/main">
   <p:cSld>
     <p:spTree>
@@ -13800,7 +18243,7 @@
       </p:grpSpPr>
       <p:sp>
         <p:nvSpPr>
-          <p:cNvPr id="4" name="標題 3"/>
+          <p:cNvPr id="2" name="標題 1"/>
           <p:cNvSpPr>
             <a:spLocks noGrp="1"/>
           </p:cNvSpPr>
@@ -13814,27 +18257,131 @@
           <a:lstStyle/>
           <a:p>
             <a:r>
-              <a:rPr lang="en-US" altLang="zh-TW" dirty="0"/>
-              <a:t>Pair </a:t>
+              <a:rPr lang="en-US" altLang="zh-TW" dirty="0" smtClean="0"/>
+              <a:t>Reference</a:t>
+            </a:r>
+            <a:endParaRPr lang="zh-TW" altLang="en-US" dirty="0"/>
+          </a:p>
+        </p:txBody>
+      </p:sp>
+      <p:sp>
+        <p:nvSpPr>
+          <p:cNvPr id="3" name="文字版面配置區 2"/>
+          <p:cNvSpPr>
+            <a:spLocks noGrp="1"/>
+          </p:cNvSpPr>
+          <p:nvPr>
+            <p:ph type="body" idx="1"/>
+          </p:nvPr>
+        </p:nvSpPr>
+        <p:spPr/>
+        <p:txBody>
+          <a:bodyPr/>
+          <a:lstStyle/>
+          <a:p>
+            <a:r>
+              <a:rPr lang="en-US" altLang="zh-TW" sz="1600" dirty="0"/>
+              <a:t>Feng, </a:t>
             </a:r>
             <a:r>
-              <a:rPr lang="en-US" altLang="zh-TW" dirty="0" smtClean="0"/>
-              <a:t>Selection</a:t>
+              <a:rPr lang="en-US" altLang="zh-TW" sz="1600" dirty="0" err="1"/>
+              <a:t>Yiyong</a:t>
             </a:r>
-            <a:endParaRPr lang="zh-TW" altLang="en-US" dirty="0"/>
+            <a:r>
+              <a:rPr lang="en-US" altLang="zh-TW" sz="1600" dirty="0"/>
+              <a:t>, and Daniel P. Palomar. "A signal processing perspective on financial engineering." Foundations and Trends® in Signal Processing 9.1–2 (2016): 1-231.</a:t>
+            </a:r>
+            <a:endParaRPr lang="en-US" altLang="zh-TW" sz="1600" dirty="0" smtClean="0"/>
+          </a:p>
+          <a:p>
+            <a:r>
+              <a:rPr lang="en-US" altLang="zh-TW" sz="1600" dirty="0" err="1" smtClean="0"/>
+              <a:t>Gatev</a:t>
+            </a:r>
+            <a:r>
+              <a:rPr lang="en-US" altLang="zh-TW" sz="1600" dirty="0" smtClean="0"/>
+              <a:t>, Evan, William N. </a:t>
+            </a:r>
+            <a:r>
+              <a:rPr lang="en-US" altLang="zh-TW" sz="1600" dirty="0" err="1" smtClean="0"/>
+              <a:t>Goetzmann</a:t>
+            </a:r>
+            <a:r>
+              <a:rPr lang="en-US" altLang="zh-TW" sz="1600" dirty="0" smtClean="0"/>
+              <a:t>, and K. Geert </a:t>
+            </a:r>
+            <a:r>
+              <a:rPr lang="en-US" altLang="zh-TW" sz="1600" dirty="0" err="1" smtClean="0"/>
+              <a:t>Rouwenhorst</a:t>
+            </a:r>
+            <a:r>
+              <a:rPr lang="en-US" altLang="zh-TW" sz="1600" dirty="0" smtClean="0"/>
+              <a:t>. "Pairs trading: Performance of a relative-value arbitrage rule." The Review of Financial Studies 19.3 (2006): 797-827.</a:t>
+            </a:r>
+          </a:p>
+          <a:p>
+            <a:r>
+              <a:rPr lang="en-US" altLang="zh-TW" sz="1600" dirty="0" smtClean="0"/>
+              <a:t>Chen</a:t>
+            </a:r>
+            <a:r>
+              <a:rPr lang="en-US" altLang="zh-TW" sz="1600" dirty="0"/>
+              <a:t>, Cathy WS, Max Chen, and Shu-Yu Chen. "Pairs trading via three-regime threshold autoregressive GARCH models." Modeling Dependence in Econometrics. Springer, Cham, 2014. 127-140</a:t>
+            </a:r>
+            <a:r>
+              <a:rPr lang="en-US" altLang="zh-TW" sz="1600" dirty="0" smtClean="0"/>
+              <a:t>.</a:t>
+            </a:r>
+          </a:p>
+          <a:p>
+            <a:r>
+              <a:rPr lang="en-US" altLang="zh-TW" sz="1600" dirty="0"/>
+              <a:t>Engle, Robert F., and Clive WJ Granger. "Co-integration and error correction: representation, estimation, and testing." </a:t>
+            </a:r>
+            <a:r>
+              <a:rPr lang="en-US" altLang="zh-TW" sz="1600" dirty="0" err="1"/>
+              <a:t>Econometrica</a:t>
+            </a:r>
+            <a:r>
+              <a:rPr lang="en-US" altLang="zh-TW" sz="1600" dirty="0"/>
+              <a:t>: journal of the Econometric Society (1987): 251-276.</a:t>
+            </a:r>
+            <a:endParaRPr lang="en-US" altLang="zh-TW" sz="1600" dirty="0" smtClean="0"/>
+          </a:p>
+          <a:p>
+            <a:r>
+              <a:rPr lang="en-US" altLang="zh-TW" sz="1600" dirty="0" smtClean="0"/>
+              <a:t>PPT </a:t>
+            </a:r>
+            <a:r>
+              <a:rPr lang="en-US" altLang="zh-TW" sz="1600" dirty="0"/>
+              <a:t>from Prof. Daniel P. </a:t>
+            </a:r>
+            <a:r>
+              <a:rPr lang="en-US" altLang="zh-TW" sz="1600" dirty="0" smtClean="0"/>
+              <a:t>Palomar</a:t>
+            </a:r>
+            <a:endParaRPr lang="zh-TW" altLang="en-US" sz="1600" dirty="0"/>
           </a:p>
         </p:txBody>
       </p:sp>
     </p:spTree>
     <p:extLst>
       <p:ext uri="{BB962C8B-B14F-4D97-AF65-F5344CB8AC3E}">
-        <p14:creationId xmlns:p14="http://schemas.microsoft.com/office/powerpoint/2010/main" val="444295686"/>
+        <p14:creationId xmlns:p14="http://schemas.microsoft.com/office/powerpoint/2010/main" val="2552402521"/>
       </p:ext>
     </p:extLst>
   </p:cSld>
   <p:clrMapOvr>
     <a:masterClrMapping/>
   </p:clrMapOvr>
+  <p:timing>
+    <p:tnLst>
+      <p:par>
+        <p:cTn id="1" dur="indefinite" restart="never" nodeType="tmRoot"/>
+      </p:par>
+    </p:tnLst>
+  </p:timing>
 </p:sld>
 </file>
 
@@ -13945,7 +18492,7 @@
             </a:r>
             <a:r>
               <a:rPr lang="en-US" altLang="zh-TW" dirty="0" smtClean="0"/>
-              <a:t>test</a:t>
+              <a:t>test (1987)</a:t>
             </a:r>
           </a:p>
           <a:p>
@@ -14002,10 +18549,377 @@
   <p:clrMapOvr>
     <a:masterClrMapping/>
   </p:clrMapOvr>
+  <p:timing>
+    <p:tnLst>
+      <p:par>
+        <p:cTn id="1" dur="indefinite" restart="never" nodeType="tmRoot"/>
+      </p:par>
+    </p:tnLst>
+  </p:timing>
 </p:sld>
 </file>
 
 <file path=ppt/slides/slide5.xml><?xml version="1.0" encoding="utf-8"?>
+<p:sld xmlns:a="http://schemas.openxmlformats.org/drawingml/2006/main" xmlns:r="http://schemas.openxmlformats.org/officeDocument/2006/relationships" xmlns:p="http://schemas.openxmlformats.org/presentationml/2006/main">
+  <p:cSld>
+    <p:spTree>
+      <p:nvGrpSpPr>
+        <p:cNvPr id="1" name=""/>
+        <p:cNvGrpSpPr/>
+        <p:nvPr/>
+      </p:nvGrpSpPr>
+      <p:grpSpPr>
+        <a:xfrm>
+          <a:off x="0" y="0"/>
+          <a:ext cx="0" cy="0"/>
+          <a:chOff x="0" y="0"/>
+          <a:chExt cx="0" cy="0"/>
+        </a:xfrm>
+      </p:grpSpPr>
+      <p:sp>
+        <p:nvSpPr>
+          <p:cNvPr id="2" name="標題 1"/>
+          <p:cNvSpPr>
+            <a:spLocks noGrp="1"/>
+          </p:cNvSpPr>
+          <p:nvPr>
+            <p:ph type="title"/>
+          </p:nvPr>
+        </p:nvSpPr>
+        <p:spPr/>
+        <p:txBody>
+          <a:bodyPr/>
+          <a:lstStyle/>
+          <a:p>
+            <a:r>
+              <a:rPr lang="en-US" altLang="zh-TW" dirty="0" err="1" smtClean="0"/>
+              <a:t>Cointegration</a:t>
+            </a:r>
+            <a:r>
+              <a:rPr lang="en-US" altLang="zh-TW" dirty="0" smtClean="0"/>
+              <a:t> model</a:t>
+            </a:r>
+            <a:endParaRPr lang="zh-TW" altLang="en-US" dirty="0"/>
+          </a:p>
+        </p:txBody>
+      </p:sp>
+      <mc:AlternateContent xmlns:mc="http://schemas.openxmlformats.org/markup-compatibility/2006">
+        <mc:Choice xmlns:a14="http://schemas.microsoft.com/office/drawing/2010/main" Requires="a14">
+          <p:sp>
+            <p:nvSpPr>
+              <p:cNvPr id="3" name="文字版面配置區 2"/>
+              <p:cNvSpPr>
+                <a:spLocks noGrp="1"/>
+              </p:cNvSpPr>
+              <p:nvPr>
+                <p:ph type="body" idx="1"/>
+              </p:nvPr>
+            </p:nvSpPr>
+            <p:spPr/>
+            <p:txBody>
+              <a:bodyPr/>
+              <a:lstStyle/>
+              <a:p>
+                <a:r>
+                  <a:rPr lang="en-US" altLang="zh-TW" dirty="0"/>
+                  <a:t>A group of nonstationary stock prices </a:t>
+                </a:r>
+                <a:r>
+                  <a:rPr lang="en-US" altLang="zh-TW" dirty="0" smtClean="0"/>
+                  <a:t>can</a:t>
+                </a:r>
+                <a:r>
+                  <a:rPr lang="zh-TW" altLang="en-US" dirty="0" smtClean="0"/>
+                  <a:t> </a:t>
+                </a:r>
+                <a:r>
+                  <a:rPr lang="en-US" altLang="zh-TW" dirty="0" smtClean="0"/>
+                  <a:t>have </a:t>
+                </a:r>
+                <a:r>
+                  <a:rPr lang="en-US" altLang="zh-TW" dirty="0"/>
+                  <a:t>a common stochastic </a:t>
+                </a:r>
+                <a:r>
+                  <a:rPr lang="en-US" altLang="zh-TW" dirty="0" smtClean="0"/>
+                  <a:t>trend.</a:t>
+                </a:r>
+                <a:endParaRPr lang="en-US" altLang="zh-TW" dirty="0" smtClean="0"/>
+              </a:p>
+              <a:p>
+                <a:r>
+                  <a:rPr lang="en-US" altLang="zh-TW" dirty="0" smtClean="0"/>
+                  <a:t>Two </a:t>
+                </a:r>
+                <a:r>
+                  <a:rPr lang="en-US" altLang="zh-TW" dirty="0" smtClean="0"/>
+                  <a:t>non-stationary time series </a:t>
+                </a:r>
+                <a14:m>
+                  <m:oMath xmlns:m="http://schemas.openxmlformats.org/officeDocument/2006/math">
+                    <m:r>
+                      <a:rPr lang="en-US" altLang="zh-TW" i="1">
+                        <a:latin typeface="Cambria Math" panose="02040503050406030204" pitchFamily="18" charset="0"/>
+                      </a:rPr>
+                      <m:t>𝑥</m:t>
+                    </m:r>
+                    <m:r>
+                      <a:rPr lang="en-US" altLang="zh-TW" i="1">
+                        <a:latin typeface="Cambria Math" panose="02040503050406030204" pitchFamily="18" charset="0"/>
+                      </a:rPr>
+                      <m:t>(</m:t>
+                    </m:r>
+                    <m:r>
+                      <a:rPr lang="en-US" altLang="zh-TW" i="1">
+                        <a:latin typeface="Cambria Math" panose="02040503050406030204" pitchFamily="18" charset="0"/>
+                      </a:rPr>
+                      <m:t>𝑡</m:t>
+                    </m:r>
+                    <m:r>
+                      <a:rPr lang="en-US" altLang="zh-TW" i="1">
+                        <a:latin typeface="Cambria Math" panose="02040503050406030204" pitchFamily="18" charset="0"/>
+                      </a:rPr>
+                      <m:t>)</m:t>
+                    </m:r>
+                  </m:oMath>
+                </a14:m>
+                <a:r>
+                  <a:rPr lang="zh-TW" altLang="en-US" dirty="0"/>
+                  <a:t> </a:t>
+                </a:r>
+                <a:r>
+                  <a:rPr lang="en-US" altLang="zh-TW" dirty="0"/>
+                  <a:t>and </a:t>
+                </a:r>
+                <a14:m>
+                  <m:oMath xmlns:m="http://schemas.openxmlformats.org/officeDocument/2006/math">
+                    <m:r>
+                      <m:rPr>
+                        <m:sty m:val="p"/>
+                      </m:rPr>
+                      <a:rPr lang="en-US" altLang="zh-TW">
+                        <a:latin typeface="Cambria Math" panose="02040503050406030204" pitchFamily="18" charset="0"/>
+                      </a:rPr>
+                      <m:t>y</m:t>
+                    </m:r>
+                    <m:d>
+                      <m:dPr>
+                        <m:ctrlPr>
+                          <a:rPr lang="en-US" altLang="zh-TW" i="1">
+                            <a:latin typeface="Cambria Math" panose="02040503050406030204" pitchFamily="18" charset="0"/>
+                          </a:rPr>
+                        </m:ctrlPr>
+                      </m:dPr>
+                      <m:e>
+                        <m:r>
+                          <a:rPr lang="en-US" altLang="zh-TW" i="1">
+                            <a:latin typeface="Cambria Math" panose="02040503050406030204" pitchFamily="18" charset="0"/>
+                          </a:rPr>
+                          <m:t>𝑡</m:t>
+                        </m:r>
+                      </m:e>
+                    </m:d>
+                  </m:oMath>
+                </a14:m>
+                <a:r>
+                  <a:rPr lang="zh-TW" altLang="en-US" dirty="0" smtClean="0"/>
+                  <a:t> </a:t>
+                </a:r>
+                <a:r>
+                  <a:rPr lang="en-US" altLang="zh-TW" dirty="0" smtClean="0"/>
+                  <a:t>are </a:t>
+                </a:r>
+                <a:r>
+                  <a:rPr lang="en-US" altLang="zh-TW" dirty="0" err="1" smtClean="0"/>
+                  <a:t>cointegrated</a:t>
+                </a:r>
+                <a:r>
+                  <a:rPr lang="en-US" altLang="zh-TW" dirty="0" smtClean="0"/>
+                  <a:t> if some linear combination </a:t>
+                </a:r>
+                <a14:m>
+                  <m:oMath xmlns:m="http://schemas.openxmlformats.org/officeDocument/2006/math">
+                    <m:r>
+                      <m:rPr>
+                        <m:sty m:val="p"/>
+                      </m:rPr>
+                      <a:rPr lang="en-US" altLang="zh-TW" b="0" i="0" smtClean="0">
+                        <a:latin typeface="Cambria Math" panose="02040503050406030204" pitchFamily="18" charset="0"/>
+                      </a:rPr>
+                      <m:t>a</m:t>
+                    </m:r>
+                    <m:r>
+                      <a:rPr lang="en-US" altLang="zh-TW" i="1">
+                        <a:latin typeface="Cambria Math" panose="02040503050406030204" pitchFamily="18" charset="0"/>
+                      </a:rPr>
+                      <m:t>𝑥</m:t>
+                    </m:r>
+                    <m:d>
+                      <m:dPr>
+                        <m:ctrlPr>
+                          <a:rPr lang="en-US" altLang="zh-TW" i="1">
+                            <a:latin typeface="Cambria Math" panose="02040503050406030204" pitchFamily="18" charset="0"/>
+                          </a:rPr>
+                        </m:ctrlPr>
+                      </m:dPr>
+                      <m:e>
+                        <m:r>
+                          <a:rPr lang="en-US" altLang="zh-TW" i="1">
+                            <a:latin typeface="Cambria Math" panose="02040503050406030204" pitchFamily="18" charset="0"/>
+                          </a:rPr>
+                          <m:t>𝑡</m:t>
+                        </m:r>
+                      </m:e>
+                    </m:d>
+                    <m:r>
+                      <a:rPr lang="en-US" altLang="zh-TW" b="0" i="1" smtClean="0">
+                        <a:latin typeface="Cambria Math" panose="02040503050406030204" pitchFamily="18" charset="0"/>
+                      </a:rPr>
+                      <m:t>+</m:t>
+                    </m:r>
+                    <m:r>
+                      <m:rPr>
+                        <m:sty m:val="p"/>
+                      </m:rPr>
+                      <a:rPr lang="en-US" altLang="zh-TW" b="0" i="0" smtClean="0">
+                        <a:latin typeface="Cambria Math" panose="02040503050406030204" pitchFamily="18" charset="0"/>
+                      </a:rPr>
+                      <m:t>b</m:t>
+                    </m:r>
+                    <m:r>
+                      <m:rPr>
+                        <m:sty m:val="p"/>
+                      </m:rPr>
+                      <a:rPr lang="en-US" altLang="zh-TW">
+                        <a:latin typeface="Cambria Math" panose="02040503050406030204" pitchFamily="18" charset="0"/>
+                      </a:rPr>
+                      <m:t>y</m:t>
+                    </m:r>
+                    <m:d>
+                      <m:dPr>
+                        <m:ctrlPr>
+                          <a:rPr lang="en-US" altLang="zh-TW" i="1">
+                            <a:latin typeface="Cambria Math" panose="02040503050406030204" pitchFamily="18" charset="0"/>
+                          </a:rPr>
+                        </m:ctrlPr>
+                      </m:dPr>
+                      <m:e>
+                        <m:r>
+                          <a:rPr lang="en-US" altLang="zh-TW" i="1">
+                            <a:latin typeface="Cambria Math" panose="02040503050406030204" pitchFamily="18" charset="0"/>
+                          </a:rPr>
+                          <m:t>𝑡</m:t>
+                        </m:r>
+                      </m:e>
+                    </m:d>
+                  </m:oMath>
+                </a14:m>
+                <a:r>
+                  <a:rPr lang="en-US" altLang="zh-TW" dirty="0" smtClean="0"/>
+                  <a:t>, with </a:t>
+                </a:r>
+                <a14:m>
+                  <m:oMath xmlns:m="http://schemas.openxmlformats.org/officeDocument/2006/math">
+                    <m:r>
+                      <m:rPr>
+                        <m:sty m:val="p"/>
+                      </m:rPr>
+                      <a:rPr lang="en-US" altLang="zh-TW">
+                        <a:latin typeface="Cambria Math" panose="02040503050406030204" pitchFamily="18" charset="0"/>
+                      </a:rPr>
+                      <m:t>a</m:t>
+                    </m:r>
+                  </m:oMath>
+                </a14:m>
+                <a:r>
+                  <a:rPr lang="zh-TW" altLang="en-US" dirty="0" smtClean="0"/>
+                  <a:t> </a:t>
+                </a:r>
+                <a:r>
+                  <a:rPr lang="en-US" altLang="zh-TW" dirty="0" smtClean="0"/>
+                  <a:t>and </a:t>
+                </a:r>
+                <a14:m>
+                  <m:oMath xmlns:m="http://schemas.openxmlformats.org/officeDocument/2006/math">
+                    <m:r>
+                      <m:rPr>
+                        <m:sty m:val="p"/>
+                      </m:rPr>
+                      <a:rPr lang="en-US" altLang="zh-TW">
+                        <a:latin typeface="Cambria Math" panose="02040503050406030204" pitchFamily="18" charset="0"/>
+                      </a:rPr>
+                      <m:t>b</m:t>
+                    </m:r>
+                  </m:oMath>
+                </a14:m>
+                <a:r>
+                  <a:rPr lang="zh-TW" altLang="en-US" dirty="0" smtClean="0"/>
+                  <a:t> </a:t>
+                </a:r>
+                <a:r>
+                  <a:rPr lang="en-US" altLang="zh-TW" dirty="0" smtClean="0"/>
+                  <a:t>being constants, is a stationary series.</a:t>
+                </a:r>
+                <a:endParaRPr lang="zh-TW" altLang="en-US" dirty="0"/>
+              </a:p>
+            </p:txBody>
+          </p:sp>
+        </mc:Choice>
+        <mc:Fallback>
+          <p:sp>
+            <p:nvSpPr>
+              <p:cNvPr id="3" name="文字版面配置區 2"/>
+              <p:cNvSpPr>
+                <a:spLocks noGrp="1" noRot="1" noChangeAspect="1" noMove="1" noResize="1" noEditPoints="1" noAdjustHandles="1" noChangeArrowheads="1" noChangeShapeType="1" noTextEdit="1"/>
+              </p:cNvSpPr>
+              <p:nvPr>
+                <p:ph type="body" idx="1"/>
+              </p:nvPr>
+            </p:nvSpPr>
+            <p:spPr>
+              <a:blipFill>
+                <a:blip r:embed="rId2"/>
+                <a:stretch>
+                  <a:fillRect r="-1359"/>
+                </a:stretch>
+              </a:blipFill>
+            </p:spPr>
+            <p:txBody>
+              <a:bodyPr/>
+              <a:lstStyle/>
+              <a:p>
+                <a:r>
+                  <a:rPr lang="zh-TW" altLang="en-US">
+                    <a:noFill/>
+                  </a:rPr>
+                  <a:t> </a:t>
+                </a:r>
+              </a:p>
+            </p:txBody>
+          </p:sp>
+        </mc:Fallback>
+      </mc:AlternateContent>
+    </p:spTree>
+    <p:extLst>
+      <p:ext uri="{BB962C8B-B14F-4D97-AF65-F5344CB8AC3E}">
+        <p14:creationId xmlns:p14="http://schemas.microsoft.com/office/powerpoint/2010/main" val="3472118206"/>
+      </p:ext>
+    </p:extLst>
+  </p:cSld>
+  <p:clrMapOvr>
+    <a:masterClrMapping/>
+  </p:clrMapOvr>
+  <p:timing>
+    <p:tnLst>
+      <p:par>
+        <p:cTn id="1" dur="indefinite" restart="never" nodeType="tmRoot"/>
+      </p:par>
+    </p:tnLst>
+  </p:timing>
+</p:sld>
+</file>
+
+<file path=ppt/slides/slide6.xml><?xml version="1.0" encoding="utf-8"?>
 <p:sld xmlns:a="http://schemas.openxmlformats.org/drawingml/2006/main" xmlns:r="http://schemas.openxmlformats.org/officeDocument/2006/relationships" xmlns:p="http://schemas.openxmlformats.org/presentationml/2006/main">
   <p:cSld>
     <p:spTree>
@@ -14385,13 +19299,7 @@
                           <a:rPr lang="en-US" altLang="zh-TW" sz="1600" b="0" i="1" smtClean="0">
                             <a:latin typeface="Cambria Math" panose="02040503050406030204" pitchFamily="18" charset="0"/>
                           </a:rPr>
-                          <m:t>−</m:t>
-                        </m:r>
-                        <m:r>
-                          <a:rPr lang="en-US" altLang="zh-TW" sz="1600" b="0" i="1" smtClean="0">
-                            <a:latin typeface="Cambria Math" panose="02040503050406030204" pitchFamily="18" charset="0"/>
-                          </a:rPr>
-                          <m:t>1</m:t>
+                          <m:t>−1</m:t>
                         </m:r>
                       </m:e>
                     </m:d>
@@ -14537,13 +19445,7 @@
                       <a:rPr lang="en-US" altLang="zh-TW" sz="2000" b="0" i="1" smtClean="0">
                         <a:latin typeface="Cambria Math" panose="02040503050406030204" pitchFamily="18" charset="0"/>
                       </a:rPr>
-                      <m:t>&lt;</m:t>
-                    </m:r>
-                    <m:r>
-                      <a:rPr lang="en-US" altLang="zh-TW" sz="2000" b="0" i="1" smtClean="0">
-                        <a:latin typeface="Cambria Math" panose="02040503050406030204" pitchFamily="18" charset="0"/>
-                      </a:rPr>
-                      <m:t>1</m:t>
+                      <m:t>&lt;1</m:t>
                     </m:r>
                   </m:oMath>
                 </a14:m>
@@ -14876,6 +19778,51 @@
           </p:sp>
         </mc:Fallback>
       </mc:AlternateContent>
+      <p:sp>
+        <p:nvSpPr>
+          <p:cNvPr id="5" name="文字方塊 4"/>
+          <p:cNvSpPr txBox="1"/>
+          <p:nvPr/>
+        </p:nvSpPr>
+        <p:spPr>
+          <a:xfrm>
+            <a:off x="3045481" y="4774168"/>
+            <a:ext cx="6218369" cy="369332"/>
+          </a:xfrm>
+          <a:prstGeom prst="rect">
+            <a:avLst/>
+          </a:prstGeom>
+          <a:noFill/>
+        </p:spPr>
+        <p:txBody>
+          <a:bodyPr wrap="none" rtlCol="0">
+            <a:spAutoFit/>
+          </a:bodyPr>
+          <a:lstStyle/>
+          <a:p>
+            <a:r>
+              <a:rPr lang="en-US" altLang="zh-TW" sz="900" dirty="0"/>
+              <a:t>Engle, Robert F., and Clive WJ Granger. "Co-integration and error correction: representation, estimation, and testing." </a:t>
+            </a:r>
+            <a:endParaRPr lang="en-US" altLang="zh-TW" sz="900" dirty="0" smtClean="0"/>
+          </a:p>
+          <a:p>
+            <a:r>
+              <a:rPr lang="en-US" altLang="zh-TW" sz="900" dirty="0" err="1" smtClean="0"/>
+              <a:t>Econometrica</a:t>
+            </a:r>
+            <a:r>
+              <a:rPr lang="en-US" altLang="zh-TW" sz="900" dirty="0"/>
+              <a:t>: journal of the Econometric Society (1987): 251-276</a:t>
+            </a:r>
+            <a:r>
+              <a:rPr lang="en-US" altLang="zh-TW" sz="900" dirty="0" smtClean="0"/>
+              <a:t>.</a:t>
+            </a:r>
+            <a:endParaRPr lang="en-US" altLang="zh-TW" sz="900" dirty="0"/>
+          </a:p>
+        </p:txBody>
+      </p:sp>
     </p:spTree>
     <p:extLst>
       <p:ext uri="{BB962C8B-B14F-4D97-AF65-F5344CB8AC3E}">
@@ -14886,10 +19833,17 @@
   <p:clrMapOvr>
     <a:masterClrMapping/>
   </p:clrMapOvr>
+  <p:timing>
+    <p:tnLst>
+      <p:par>
+        <p:cTn id="1" dur="indefinite" restart="never" nodeType="tmRoot"/>
+      </p:par>
+    </p:tnLst>
+  </p:timing>
 </p:sld>
 </file>
 
-<file path=ppt/slides/slide6.xml><?xml version="1.0" encoding="utf-8"?>
+<file path=ppt/slides/slide7.xml><?xml version="1.0" encoding="utf-8"?>
 <p:sld xmlns:a="http://schemas.openxmlformats.org/drawingml/2006/main" xmlns:r="http://schemas.openxmlformats.org/officeDocument/2006/relationships" xmlns:p="http://schemas.openxmlformats.org/presentationml/2006/main">
   <p:cSld>
     <p:spTree>
@@ -14929,6 +19883,29 @@
           </a:p>
         </p:txBody>
       </p:sp>
+      <p:sp>
+        <p:nvSpPr>
+          <p:cNvPr id="5" name="文字版面配置區 4"/>
+          <p:cNvSpPr>
+            <a:spLocks noGrp="1"/>
+          </p:cNvSpPr>
+          <p:nvPr>
+            <p:ph type="body" idx="1"/>
+          </p:nvPr>
+        </p:nvSpPr>
+        <p:spPr/>
+        <p:txBody>
+          <a:bodyPr/>
+          <a:lstStyle/>
+          <a:p>
+            <a:r>
+              <a:rPr lang="en-US" altLang="zh-TW" dirty="0" smtClean="0"/>
+              <a:t>Pair: AUD/USD and NZD/USD</a:t>
+            </a:r>
+            <a:endParaRPr lang="zh-TW" altLang="en-US" dirty="0"/>
+          </a:p>
+        </p:txBody>
+      </p:sp>
       <p:pic>
         <p:nvPicPr>
           <p:cNvPr id="4" name="圖片 3"/>
@@ -14950,7 +19927,7 @@
         </p:blipFill>
         <p:spPr>
           <a:xfrm>
-            <a:off x="921457" y="1186453"/>
+            <a:off x="921457" y="1760787"/>
             <a:ext cx="7301086" cy="3022811"/>
           </a:xfrm>
           <a:prstGeom prst="rect">
@@ -14958,6 +19935,54 @@
           </a:prstGeom>
         </p:spPr>
       </p:pic>
+      <p:sp>
+        <p:nvSpPr>
+          <p:cNvPr id="6" name="矩形 5"/>
+          <p:cNvSpPr/>
+          <p:nvPr/>
+        </p:nvSpPr>
+        <p:spPr>
+          <a:xfrm>
+            <a:off x="823716" y="2675187"/>
+            <a:ext cx="5584641" cy="143583"/>
+          </a:xfrm>
+          <a:prstGeom prst="rect">
+            <a:avLst/>
+          </a:prstGeom>
+          <a:noFill/>
+          <a:ln w="12700" cap="flat" cmpd="sng" algn="ctr">
+            <a:solidFill>
+              <a:schemeClr val="accent1"/>
+            </a:solidFill>
+            <a:prstDash val="solid"/>
+            <a:round/>
+            <a:headEnd type="none" w="med" len="med"/>
+            <a:tailEnd type="none" w="med" len="med"/>
+          </a:ln>
+        </p:spPr>
+        <p:style>
+          <a:lnRef idx="0">
+            <a:scrgbClr r="0" g="0" b="0"/>
+          </a:lnRef>
+          <a:fillRef idx="0">
+            <a:scrgbClr r="0" g="0" b="0"/>
+          </a:fillRef>
+          <a:effectRef idx="0">
+            <a:scrgbClr r="0" g="0" b="0"/>
+          </a:effectRef>
+          <a:fontRef idx="minor">
+            <a:schemeClr val="accent1"/>
+          </a:fontRef>
+        </p:style>
+        <p:txBody>
+          <a:bodyPr rtlCol="0" anchor="ctr"/>
+          <a:lstStyle/>
+          <a:p>
+            <a:pPr algn="ctr"/>
+            <a:endParaRPr lang="zh-TW" altLang="en-US"/>
+          </a:p>
+        </p:txBody>
+      </p:sp>
     </p:spTree>
     <p:extLst>
       <p:ext uri="{BB962C8B-B14F-4D97-AF65-F5344CB8AC3E}">
@@ -14968,10 +19993,17 @@
   <p:clrMapOvr>
     <a:masterClrMapping/>
   </p:clrMapOvr>
+  <p:timing>
+    <p:tnLst>
+      <p:par>
+        <p:cTn id="1" dur="indefinite" restart="never" nodeType="tmRoot"/>
+      </p:par>
+    </p:tnLst>
+  </p:timing>
 </p:sld>
 </file>
 
-<file path=ppt/slides/slide7.xml><?xml version="1.0" encoding="utf-8"?>
+<file path=ppt/slides/slide8.xml><?xml version="1.0" encoding="utf-8"?>
 <p:sld xmlns:a="http://schemas.openxmlformats.org/drawingml/2006/main" xmlns:r="http://schemas.openxmlformats.org/officeDocument/2006/relationships" xmlns:p="http://schemas.openxmlformats.org/presentationml/2006/main">
   <p:cSld>
     <p:spTree>
@@ -15040,6 +20072,44 @@
           </a:prstGeom>
         </p:spPr>
       </p:pic>
+      <p:sp>
+        <p:nvSpPr>
+          <p:cNvPr id="3" name="文字方塊 2"/>
+          <p:cNvSpPr txBox="1"/>
+          <p:nvPr/>
+        </p:nvSpPr>
+        <p:spPr>
+          <a:xfrm>
+            <a:off x="6332787" y="2433362"/>
+            <a:ext cx="1537600" cy="307777"/>
+          </a:xfrm>
+          <a:prstGeom prst="rect">
+            <a:avLst/>
+          </a:prstGeom>
+          <a:noFill/>
+        </p:spPr>
+        <p:txBody>
+          <a:bodyPr wrap="none" rtlCol="0">
+            <a:spAutoFit/>
+          </a:bodyPr>
+          <a:lstStyle/>
+          <a:p>
+            <a:r>
+              <a:rPr lang="en-US" altLang="zh-TW" dirty="0" smtClean="0">
+                <a:solidFill>
+                  <a:srgbClr val="FF0000"/>
+                </a:solidFill>
+              </a:rPr>
+              <a:t>No obvious trend</a:t>
+            </a:r>
+            <a:endParaRPr lang="zh-TW" altLang="en-US" dirty="0">
+              <a:solidFill>
+                <a:srgbClr val="FF0000"/>
+              </a:solidFill>
+            </a:endParaRPr>
+          </a:p>
+        </p:txBody>
+      </p:sp>
     </p:spTree>
     <p:extLst>
       <p:ext uri="{BB962C8B-B14F-4D97-AF65-F5344CB8AC3E}">
@@ -15050,10 +20120,17 @@
   <p:clrMapOvr>
     <a:masterClrMapping/>
   </p:clrMapOvr>
+  <p:timing>
+    <p:tnLst>
+      <p:par>
+        <p:cTn id="1" dur="indefinite" restart="never" nodeType="tmRoot"/>
+      </p:par>
+    </p:tnLst>
+  </p:timing>
 </p:sld>
 </file>
 
-<file path=ppt/slides/slide8.xml><?xml version="1.0" encoding="utf-8"?>
+<file path=ppt/slides/slide9.xml><?xml version="1.0" encoding="utf-8"?>
 <p:sld xmlns:a="http://schemas.openxmlformats.org/drawingml/2006/main" xmlns:r="http://schemas.openxmlformats.org/officeDocument/2006/relationships" xmlns:p="http://schemas.openxmlformats.org/presentationml/2006/main">
   <p:cSld>
     <p:spTree>
@@ -15165,327 +20242,13 @@
   <p:clrMapOvr>
     <a:masterClrMapping/>
   </p:clrMapOvr>
-</p:sld>
-</file>
-
-<file path=ppt/slides/slide9.xml><?xml version="1.0" encoding="utf-8"?>
-<p:sld xmlns:a="http://schemas.openxmlformats.org/drawingml/2006/main" xmlns:r="http://schemas.openxmlformats.org/officeDocument/2006/relationships" xmlns:p="http://schemas.openxmlformats.org/presentationml/2006/main">
-  <p:cSld>
-    <p:spTree>
-      <p:nvGrpSpPr>
-        <p:cNvPr id="1" name="Shape 67"/>
-        <p:cNvGrpSpPr/>
-        <p:nvPr/>
-      </p:nvGrpSpPr>
-      <p:grpSpPr>
-        <a:xfrm>
-          <a:off x="0" y="0"/>
-          <a:ext cx="0" cy="0"/>
-          <a:chOff x="0" y="0"/>
-          <a:chExt cx="0" cy="0"/>
-        </a:xfrm>
-      </p:grpSpPr>
-      <p:sp>
-        <p:nvSpPr>
-          <p:cNvPr id="68" name="Google Shape;68;p15"/>
-          <p:cNvSpPr txBox="1">
-            <a:spLocks noGrp="1"/>
-          </p:cNvSpPr>
-          <p:nvPr>
-            <p:ph type="title"/>
-          </p:nvPr>
-        </p:nvSpPr>
-        <p:spPr>
-          <a:xfrm>
-            <a:off x="311700" y="445025"/>
-            <a:ext cx="8520600" cy="572700"/>
-          </a:xfrm>
-          <a:prstGeom prst="rect">
-            <a:avLst/>
-          </a:prstGeom>
-        </p:spPr>
-        <p:txBody>
-          <a:bodyPr spcFirstLastPara="1" wrap="square" lIns="91425" tIns="91425" rIns="91425" bIns="91425" anchor="t" anchorCtr="0">
-            <a:noAutofit/>
-          </a:bodyPr>
-          <a:lstStyle/>
-          <a:p>
-            <a:pPr marL="0" lvl="0" indent="0" algn="l" rtl="0">
-              <a:spcBef>
-                <a:spcPts val="0"/>
-              </a:spcBef>
-              <a:spcAft>
-                <a:spcPts val="0"/>
-              </a:spcAft>
-              <a:buNone/>
-            </a:pPr>
-            <a:r>
-              <a:rPr lang="zh-TW"/>
-              <a:t>Other tading period</a:t>
-            </a:r>
-            <a:endParaRPr/>
-          </a:p>
-        </p:txBody>
-      </p:sp>
-      <p:sp>
-        <p:nvSpPr>
-          <p:cNvPr id="69" name="Google Shape;69;p15"/>
-          <p:cNvSpPr txBox="1">
-            <a:spLocks noGrp="1"/>
-          </p:cNvSpPr>
-          <p:nvPr>
-            <p:ph type="body" idx="1"/>
-          </p:nvPr>
-        </p:nvSpPr>
-        <p:spPr>
-          <a:xfrm>
-            <a:off x="311700" y="1152475"/>
-            <a:ext cx="8520600" cy="3416400"/>
-          </a:xfrm>
-          <a:prstGeom prst="rect">
-            <a:avLst/>
-          </a:prstGeom>
-        </p:spPr>
-        <p:txBody>
-          <a:bodyPr spcFirstLastPara="1" wrap="square" lIns="91425" tIns="91425" rIns="91425" bIns="91425" anchor="t" anchorCtr="0">
-            <a:noAutofit/>
-          </a:bodyPr>
-          <a:lstStyle/>
-          <a:p>
-            <a:pPr marL="0" lvl="0" indent="0" algn="l" rtl="0">
-              <a:spcBef>
-                <a:spcPts val="0"/>
-              </a:spcBef>
-              <a:spcAft>
-                <a:spcPts val="1600"/>
-              </a:spcAft>
-              <a:buNone/>
-            </a:pPr>
-            <a:endParaRPr dirty="0"/>
-          </a:p>
-        </p:txBody>
-      </p:sp>
-      <p:pic>
-        <p:nvPicPr>
-          <p:cNvPr id="70" name="Google Shape;70;p15"/>
-          <p:cNvPicPr preferRelativeResize="0"/>
-          <p:nvPr/>
-        </p:nvPicPr>
-        <p:blipFill>
-          <a:blip r:embed="rId3">
-            <a:extLst>
-              <a:ext uri="{28A0092B-C50C-407E-A947-70E740481C1C}">
-                <a14:useLocalDpi xmlns:a14="http://schemas.microsoft.com/office/drawing/2010/main" val="0"/>
-              </a:ext>
-            </a:extLst>
-          </a:blip>
-          <a:stretch>
-            <a:fillRect/>
-          </a:stretch>
-        </p:blipFill>
-        <p:spPr>
-          <a:xfrm>
-            <a:off x="1220156" y="3078562"/>
-            <a:ext cx="3097387" cy="2064925"/>
-          </a:xfrm>
-          <a:prstGeom prst="rect">
-            <a:avLst/>
-          </a:prstGeom>
-          <a:noFill/>
-          <a:ln>
-            <a:noFill/>
-          </a:ln>
-        </p:spPr>
-      </p:pic>
-      <p:pic>
-        <p:nvPicPr>
-          <p:cNvPr id="71" name="Google Shape;71;p15"/>
-          <p:cNvPicPr preferRelativeResize="0"/>
-          <p:nvPr/>
-        </p:nvPicPr>
-        <p:blipFill>
-          <a:blip r:embed="rId4">
-            <a:extLst>
-              <a:ext uri="{28A0092B-C50C-407E-A947-70E740481C1C}">
-                <a14:useLocalDpi xmlns:a14="http://schemas.microsoft.com/office/drawing/2010/main" val="0"/>
-              </a:ext>
-            </a:extLst>
-          </a:blip>
-          <a:stretch>
-            <a:fillRect/>
-          </a:stretch>
-        </p:blipFill>
-        <p:spPr>
-          <a:xfrm>
-            <a:off x="1220156" y="968711"/>
-            <a:ext cx="3097387" cy="2064925"/>
-          </a:xfrm>
-          <a:prstGeom prst="rect">
-            <a:avLst/>
-          </a:prstGeom>
-          <a:noFill/>
-          <a:ln>
-            <a:noFill/>
-          </a:ln>
-        </p:spPr>
-      </p:pic>
-      <p:pic>
-        <p:nvPicPr>
-          <p:cNvPr id="72" name="Google Shape;72;p15"/>
-          <p:cNvPicPr preferRelativeResize="0"/>
-          <p:nvPr/>
-        </p:nvPicPr>
-        <p:blipFill>
-          <a:blip r:embed="rId5">
-            <a:extLst>
-              <a:ext uri="{28A0092B-C50C-407E-A947-70E740481C1C}">
-                <a14:useLocalDpi xmlns:a14="http://schemas.microsoft.com/office/drawing/2010/main" val="0"/>
-              </a:ext>
-            </a:extLst>
-          </a:blip>
-          <a:stretch>
-            <a:fillRect/>
-          </a:stretch>
-        </p:blipFill>
-        <p:spPr>
-          <a:xfrm>
-            <a:off x="4883100" y="968691"/>
-            <a:ext cx="3097400" cy="2064933"/>
-          </a:xfrm>
-          <a:prstGeom prst="rect">
-            <a:avLst/>
-          </a:prstGeom>
-          <a:noFill/>
-          <a:ln>
-            <a:noFill/>
-          </a:ln>
-        </p:spPr>
-      </p:pic>
-      <p:pic>
-        <p:nvPicPr>
-          <p:cNvPr id="73" name="Google Shape;73;p15"/>
-          <p:cNvPicPr preferRelativeResize="0"/>
-          <p:nvPr/>
-        </p:nvPicPr>
-        <p:blipFill>
-          <a:blip r:embed="rId6">
-            <a:extLst>
-              <a:ext uri="{28A0092B-C50C-407E-A947-70E740481C1C}">
-                <a14:useLocalDpi xmlns:a14="http://schemas.microsoft.com/office/drawing/2010/main" val="0"/>
-              </a:ext>
-            </a:extLst>
-          </a:blip>
-          <a:stretch>
-            <a:fillRect/>
-          </a:stretch>
-        </p:blipFill>
-        <p:spPr>
-          <a:xfrm>
-            <a:off x="4883100" y="3078560"/>
-            <a:ext cx="3097400" cy="2064933"/>
-          </a:xfrm>
-          <a:prstGeom prst="rect">
-            <a:avLst/>
-          </a:prstGeom>
-          <a:noFill/>
-          <a:ln>
-            <a:noFill/>
-          </a:ln>
-        </p:spPr>
-      </p:pic>
-      <p:sp>
-        <p:nvSpPr>
-          <p:cNvPr id="74" name="Google Shape;74;p15"/>
-          <p:cNvSpPr/>
-          <p:nvPr/>
-        </p:nvSpPr>
-        <p:spPr>
-          <a:xfrm>
-            <a:off x="7333075" y="3176875"/>
-            <a:ext cx="647400" cy="572700"/>
-          </a:xfrm>
-          <a:prstGeom prst="ellipse">
-            <a:avLst/>
-          </a:prstGeom>
-          <a:noFill/>
-          <a:ln w="28575" cap="flat" cmpd="sng">
-            <a:solidFill>
-              <a:schemeClr val="accent5"/>
-            </a:solidFill>
-            <a:prstDash val="solid"/>
-            <a:round/>
-            <a:headEnd type="none" w="sm" len="sm"/>
-            <a:tailEnd type="none" w="sm" len="sm"/>
-          </a:ln>
-        </p:spPr>
-        <p:txBody>
-          <a:bodyPr spcFirstLastPara="1" wrap="square" lIns="91425" tIns="91425" rIns="91425" bIns="91425" anchor="ctr" anchorCtr="0">
-            <a:noAutofit/>
-          </a:bodyPr>
-          <a:lstStyle/>
-          <a:p>
-            <a:pPr marL="0" lvl="0" indent="0" algn="l" rtl="0">
-              <a:spcBef>
-                <a:spcPts val="0"/>
-              </a:spcBef>
-              <a:spcAft>
-                <a:spcPts val="0"/>
-              </a:spcAft>
-              <a:buNone/>
-            </a:pPr>
-            <a:endParaRPr/>
-          </a:p>
-        </p:txBody>
-      </p:sp>
-      <p:sp>
-        <p:nvSpPr>
-          <p:cNvPr id="75" name="Google Shape;75;p15"/>
-          <p:cNvSpPr/>
-          <p:nvPr/>
-        </p:nvSpPr>
-        <p:spPr>
-          <a:xfrm>
-            <a:off x="7333075" y="1017725"/>
-            <a:ext cx="647400" cy="572700"/>
-          </a:xfrm>
-          <a:prstGeom prst="ellipse">
-            <a:avLst/>
-          </a:prstGeom>
-          <a:noFill/>
-          <a:ln w="28575" cap="flat" cmpd="sng">
-            <a:solidFill>
-              <a:schemeClr val="accent5"/>
-            </a:solidFill>
-            <a:prstDash val="solid"/>
-            <a:round/>
-            <a:headEnd type="none" w="sm" len="sm"/>
-            <a:tailEnd type="none" w="sm" len="sm"/>
-          </a:ln>
-        </p:spPr>
-        <p:txBody>
-          <a:bodyPr spcFirstLastPara="1" wrap="square" lIns="91425" tIns="91425" rIns="91425" bIns="91425" anchor="ctr" anchorCtr="0">
-            <a:noAutofit/>
-          </a:bodyPr>
-          <a:lstStyle/>
-          <a:p>
-            <a:pPr marL="0" lvl="0" indent="0" algn="l" rtl="0">
-              <a:spcBef>
-                <a:spcPts val="0"/>
-              </a:spcBef>
-              <a:spcAft>
-                <a:spcPts val="0"/>
-              </a:spcAft>
-              <a:buNone/>
-            </a:pPr>
-            <a:endParaRPr/>
-          </a:p>
-        </p:txBody>
-      </p:sp>
-    </p:spTree>
-  </p:cSld>
-  <p:clrMapOvr>
-    <a:masterClrMapping/>
-  </p:clrMapOvr>
+  <p:timing>
+    <p:tnLst>
+      <p:par>
+        <p:cTn id="1" dur="indefinite" restart="never" nodeType="tmRoot"/>
+      </p:par>
+    </p:tnLst>
+  </p:timing>
 </p:sld>
 </file>
 

--- a/Pair trading for Currencies.pptx
+++ b/Pair trading for Currencies.pptx
@@ -5,7 +5,7 @@
     <p:sldMasterId id="2147483659" r:id="rId1"/>
   </p:sldMasterIdLst>
   <p:notesMasterIdLst>
-    <p:notesMasterId r:id="rId36"/>
+    <p:notesMasterId r:id="rId35"/>
   </p:notesMasterIdLst>
   <p:sldIdLst>
     <p:sldId id="256" r:id="rId2"/>
@@ -35,20 +35,19 @@
     <p:sldId id="265" r:id="rId26"/>
     <p:sldId id="266" r:id="rId27"/>
     <p:sldId id="292" r:id="rId28"/>
-    <p:sldId id="293" r:id="rId29"/>
-    <p:sldId id="294" r:id="rId30"/>
-    <p:sldId id="287" r:id="rId31"/>
-    <p:sldId id="288" r:id="rId32"/>
-    <p:sldId id="285" r:id="rId33"/>
-    <p:sldId id="279" r:id="rId34"/>
-    <p:sldId id="289" r:id="rId35"/>
+    <p:sldId id="294" r:id="rId29"/>
+    <p:sldId id="287" r:id="rId30"/>
+    <p:sldId id="288" r:id="rId31"/>
+    <p:sldId id="285" r:id="rId32"/>
+    <p:sldId id="279" r:id="rId33"/>
+    <p:sldId id="289" r:id="rId34"/>
   </p:sldIdLst>
   <p:sldSz cx="9144000" cy="5143500" type="screen16x9"/>
   <p:notesSz cx="6858000" cy="9144000"/>
   <p:embeddedFontLst>
     <p:embeddedFont>
       <p:font typeface="Cambria Math" panose="02040503050406030204" pitchFamily="18" charset="0"/>
-      <p:regular r:id="rId37"/>
+      <p:regular r:id="rId36"/>
     </p:embeddedFont>
   </p:embeddedFontLst>
   <p:defaultTextStyle>
@@ -7206,7 +7205,6 @@
               <a:rPr lang="en-US" altLang="zh-TW" dirty="0" smtClean="0"/>
               <a:t>)</a:t>
             </a:r>
-            <a:endParaRPr lang="en-US" altLang="zh-TW" dirty="0" smtClean="0"/>
           </a:p>
           <a:p>
             <a:pPr marL="0" lvl="0" indent="0" algn="ctr" rtl="0">
@@ -7630,13 +7628,13 @@
       </p:sp>
       <p:pic>
         <p:nvPicPr>
-          <p:cNvPr id="4" name="圖片 3"/>
+          <p:cNvPr id="5" name="圖片 4"/>
           <p:cNvPicPr>
             <a:picLocks noChangeAspect="1"/>
           </p:cNvPicPr>
           <p:nvPr/>
         </p:nvPicPr>
-        <p:blipFill rotWithShape="1">
+        <p:blipFill>
           <a:blip r:embed="rId2">
             <a:extLst>
               <a:ext uri="{28A0092B-C50C-407E-A947-70E740481C1C}">
@@ -7644,13 +7642,14 @@
               </a:ext>
             </a:extLst>
           </a:blip>
-          <a:srcRect b="49822"/>
-          <a:stretch/>
+          <a:stretch>
+            <a:fillRect/>
+          </a:stretch>
         </p:blipFill>
         <p:spPr>
           <a:xfrm>
-            <a:off x="611620" y="1445985"/>
-            <a:ext cx="8220680" cy="2674459"/>
+            <a:off x="1724119" y="1245694"/>
+            <a:ext cx="5695761" cy="3229961"/>
           </a:xfrm>
           <a:prstGeom prst="rect">
             <a:avLst/>
@@ -8151,7 +8150,13 @@
                           <a:rPr lang="en-US" altLang="zh-TW" b="0" i="1" dirty="0" smtClean="0">
                             <a:latin typeface="Cambria Math" panose="02040503050406030204" pitchFamily="18" charset="0"/>
                           </a:rPr>
-                          <m:t>−1</m:t>
+                          <m:t>−</m:t>
+                        </m:r>
+                        <m:r>
+                          <a:rPr lang="en-US" altLang="zh-TW" b="0" i="1" dirty="0" smtClean="0">
+                            <a:latin typeface="Cambria Math" panose="02040503050406030204" pitchFamily="18" charset="0"/>
+                          </a:rPr>
+                          <m:t>1</m:t>
                         </m:r>
                       </m:sub>
                     </m:sSub>
@@ -8159,7 +8164,13 @@
                       <a:rPr lang="en-US" altLang="zh-TW" b="0" i="1" dirty="0" smtClean="0">
                         <a:latin typeface="Cambria Math" panose="02040503050406030204" pitchFamily="18" charset="0"/>
                       </a:rPr>
-                      <m:t>=0</m:t>
+                      <m:t>=</m:t>
+                    </m:r>
+                    <m:r>
+                      <a:rPr lang="en-US" altLang="zh-TW" b="0" i="1" dirty="0" smtClean="0">
+                        <a:latin typeface="Cambria Math" panose="02040503050406030204" pitchFamily="18" charset="0"/>
+                      </a:rPr>
+                      <m:t>0</m:t>
                     </m:r>
                   </m:oMath>
                 </a14:m>
@@ -8356,7 +8367,13 @@
                           <a:rPr lang="en-US" altLang="zh-TW" i="1" dirty="0">
                             <a:latin typeface="Cambria Math" panose="02040503050406030204" pitchFamily="18" charset="0"/>
                           </a:rPr>
-                          <m:t>−1</m:t>
+                          <m:t>−</m:t>
+                        </m:r>
+                        <m:r>
+                          <a:rPr lang="en-US" altLang="zh-TW" i="1" dirty="0">
+                            <a:latin typeface="Cambria Math" panose="02040503050406030204" pitchFamily="18" charset="0"/>
+                          </a:rPr>
+                          <m:t>1</m:t>
                         </m:r>
                       </m:sub>
                     </m:sSub>
@@ -8364,7 +8381,13 @@
                       <a:rPr lang="en-US" altLang="zh-TW" i="1" dirty="0">
                         <a:latin typeface="Cambria Math" panose="02040503050406030204" pitchFamily="18" charset="0"/>
                       </a:rPr>
-                      <m:t>=0</m:t>
+                      <m:t>=</m:t>
+                    </m:r>
+                    <m:r>
+                      <a:rPr lang="en-US" altLang="zh-TW" i="1" dirty="0">
+                        <a:latin typeface="Cambria Math" panose="02040503050406030204" pitchFamily="18" charset="0"/>
+                      </a:rPr>
+                      <m:t>0</m:t>
                     </m:r>
                   </m:oMath>
                 </a14:m>
@@ -11919,8 +11942,8 @@
         </p:blipFill>
         <p:spPr>
           <a:xfrm>
-            <a:off x="1768702" y="1221062"/>
-            <a:ext cx="5606595" cy="3497950"/>
+            <a:off x="1559734" y="1152475"/>
+            <a:ext cx="6024531" cy="3416400"/>
           </a:xfrm>
           <a:prstGeom prst="rect">
             <a:avLst/>
@@ -12113,7 +12136,7 @@
       </p:sp>
       <p:pic>
         <p:nvPicPr>
-          <p:cNvPr id="4" name="圖片 3"/>
+          <p:cNvPr id="5" name="圖片 4"/>
           <p:cNvPicPr>
             <a:picLocks noChangeAspect="1"/>
           </p:cNvPicPr>
@@ -12133,8 +12156,8 @@
         </p:blipFill>
         <p:spPr>
           <a:xfrm>
-            <a:off x="1769207" y="1221050"/>
-            <a:ext cx="5605586" cy="3497321"/>
+            <a:off x="1870284" y="1152475"/>
+            <a:ext cx="5403431" cy="3632182"/>
           </a:xfrm>
           <a:prstGeom prst="rect">
             <a:avLst/>
@@ -12222,7 +12245,7 @@
       </p:sp>
       <p:pic>
         <p:nvPicPr>
-          <p:cNvPr id="3" name="圖片 2"/>
+          <p:cNvPr id="2" name="圖片 1"/>
           <p:cNvPicPr>
             <a:picLocks noChangeAspect="1"/>
           </p:cNvPicPr>
@@ -12242,8 +12265,8 @@
         </p:blipFill>
         <p:spPr>
           <a:xfrm>
-            <a:off x="1334158" y="1017725"/>
-            <a:ext cx="6475683" cy="4040174"/>
+            <a:off x="1780689" y="1017725"/>
+            <a:ext cx="5582621" cy="3752634"/>
           </a:xfrm>
           <a:prstGeom prst="rect">
             <a:avLst/>
@@ -12381,8 +12404,8 @@
         </p:blipFill>
         <p:spPr>
           <a:xfrm>
-            <a:off x="1911259" y="1379621"/>
-            <a:ext cx="5321480" cy="2995974"/>
+            <a:off x="1754507" y="1017725"/>
+            <a:ext cx="5628706" cy="3783611"/>
           </a:xfrm>
           <a:prstGeom prst="rect">
             <a:avLst/>
@@ -12397,7 +12420,7 @@
         </p:nvSpPr>
         <p:spPr>
           <a:xfrm>
-            <a:off x="6121190" y="1518962"/>
+            <a:off x="6215767" y="1449880"/>
             <a:ext cx="869058" cy="808602"/>
           </a:xfrm>
           <a:prstGeom prst="ellipse">
@@ -12539,6 +12562,123 @@
           </a:p>
         </p:txBody>
       </p:sp>
+      <p:sp>
+        <p:nvSpPr>
+          <p:cNvPr id="8" name="橢圓 7"/>
+          <p:cNvSpPr/>
+          <p:nvPr/>
+        </p:nvSpPr>
+        <p:spPr>
+          <a:xfrm>
+            <a:off x="2929050" y="2032475"/>
+            <a:ext cx="576047" cy="570091"/>
+          </a:xfrm>
+          <a:prstGeom prst="ellipse">
+            <a:avLst/>
+          </a:prstGeom>
+          <a:noFill/>
+          <a:ln w="19050" cap="flat" cmpd="sng" algn="ctr">
+            <a:solidFill>
+              <a:schemeClr val="accent5"/>
+            </a:solidFill>
+            <a:prstDash val="solid"/>
+            <a:round/>
+            <a:headEnd type="none" w="med" len="med"/>
+            <a:tailEnd type="none" w="med" len="med"/>
+          </a:ln>
+        </p:spPr>
+        <p:style>
+          <a:lnRef idx="0">
+            <a:scrgbClr r="0" g="0" b="0"/>
+          </a:lnRef>
+          <a:fillRef idx="0">
+            <a:scrgbClr r="0" g="0" b="0"/>
+          </a:fillRef>
+          <a:effectRef idx="0">
+            <a:scrgbClr r="0" g="0" b="0"/>
+          </a:effectRef>
+          <a:fontRef idx="minor">
+            <a:schemeClr val="accent5"/>
+          </a:fontRef>
+        </p:style>
+        <p:txBody>
+          <a:bodyPr rtlCol="0" anchor="ctr"/>
+          <a:lstStyle/>
+          <a:p>
+            <a:pPr algn="ctr"/>
+            <a:endParaRPr lang="zh-TW" altLang="en-US"/>
+          </a:p>
+        </p:txBody>
+      </p:sp>
+      <p:sp>
+        <p:nvSpPr>
+          <p:cNvPr id="9" name="矩形 8"/>
+          <p:cNvSpPr/>
+          <p:nvPr/>
+        </p:nvSpPr>
+        <p:spPr>
+          <a:xfrm>
+            <a:off x="-26448" y="2254097"/>
+            <a:ext cx="2920992" cy="307777"/>
+          </a:xfrm>
+          <a:prstGeom prst="rect">
+            <a:avLst/>
+          </a:prstGeom>
+        </p:spPr>
+        <p:txBody>
+          <a:bodyPr wrap="none">
+            <a:spAutoFit/>
+          </a:bodyPr>
+          <a:lstStyle/>
+          <a:p>
+            <a:r>
+              <a:rPr lang="en-US" altLang="zh-TW" dirty="0" smtClean="0">
+                <a:ln w="0"/>
+                <a:solidFill>
+                  <a:schemeClr val="accent5"/>
+                </a:solidFill>
+                <a:effectLst>
+                  <a:outerShdw blurRad="38100" dist="19050" dir="2700000" algn="tl" rotWithShape="0">
+                    <a:schemeClr val="dk1">
+                      <a:alpha val="40000"/>
+                    </a:schemeClr>
+                  </a:outerShdw>
+                </a:effectLst>
+              </a:rPr>
+              <a:t>spread </a:t>
+            </a:r>
+            <a:r>
+              <a:rPr lang="en-US" altLang="zh-TW" dirty="0">
+                <a:ln w="0"/>
+                <a:solidFill>
+                  <a:schemeClr val="accent5"/>
+                </a:solidFill>
+                <a:effectLst>
+                  <a:outerShdw blurRad="38100" dist="19050" dir="2700000" algn="tl" rotWithShape="0">
+                    <a:schemeClr val="dk1">
+                      <a:alpha val="40000"/>
+                    </a:schemeClr>
+                  </a:outerShdw>
+                </a:effectLst>
+              </a:rPr>
+              <a:t>blows up and incurs losses</a:t>
+            </a:r>
+            <a:endParaRPr lang="zh-TW" altLang="en-US" dirty="0">
+              <a:ln w="0"/>
+              <a:solidFill>
+                <a:schemeClr val="accent5"/>
+              </a:solidFill>
+              <a:effectLst>
+                <a:outerShdw blurRad="38100" dist="19050" dir="2700000" algn="tl" rotWithShape="0">
+                  <a:schemeClr val="dk1">
+                    <a:alpha val="40000"/>
+                  </a:schemeClr>
+                </a:outerShdw>
+              </a:effectLst>
+            </a:endParaRPr>
+          </a:p>
+        </p:txBody>
+      </p:sp>
     </p:spTree>
   </p:cSld>
   <p:clrMapOvr>
@@ -12571,6 +12711,36 @@
           <a:chExt cx="0" cy="0"/>
         </a:xfrm>
       </p:grpSpPr>
+      <p:pic>
+        <p:nvPicPr>
+          <p:cNvPr id="6" name="圖片 5"/>
+          <p:cNvPicPr>
+            <a:picLocks noChangeAspect="1"/>
+          </p:cNvPicPr>
+          <p:nvPr/>
+        </p:nvPicPr>
+        <p:blipFill>
+          <a:blip r:embed="rId3">
+            <a:extLst>
+              <a:ext uri="{28A0092B-C50C-407E-A947-70E740481C1C}">
+                <a14:useLocalDpi xmlns:a14="http://schemas.microsoft.com/office/drawing/2010/main" val="0"/>
+              </a:ext>
+            </a:extLst>
+          </a:blip>
+          <a:stretch>
+            <a:fillRect/>
+          </a:stretch>
+        </p:blipFill>
+        <p:spPr>
+          <a:xfrm>
+            <a:off x="1666591" y="1017725"/>
+            <a:ext cx="5810817" cy="3906027"/>
+          </a:xfrm>
+          <a:prstGeom prst="rect">
+            <a:avLst/>
+          </a:prstGeom>
+        </p:spPr>
+      </p:pic>
       <p:sp>
         <p:nvSpPr>
           <p:cNvPr id="92" name="Google Shape;92;p18"/>
@@ -12607,78 +12777,14 @@
       </p:sp>
       <p:sp>
         <p:nvSpPr>
-          <p:cNvPr id="93" name="Google Shape;93;p18"/>
-          <p:cNvSpPr txBox="1">
-            <a:spLocks noGrp="1"/>
-          </p:cNvSpPr>
-          <p:nvPr>
-            <p:ph type="body" idx="1"/>
-          </p:nvPr>
-        </p:nvSpPr>
-        <p:spPr>
-          <a:xfrm>
-            <a:off x="311700" y="1152475"/>
-            <a:ext cx="8520600" cy="3416400"/>
-          </a:xfrm>
-          <a:prstGeom prst="rect">
-            <a:avLst/>
-          </a:prstGeom>
-        </p:spPr>
-        <p:txBody>
-          <a:bodyPr spcFirstLastPara="1" wrap="square" lIns="91425" tIns="91425" rIns="91425" bIns="91425" anchor="t" anchorCtr="0">
-            <a:noAutofit/>
-          </a:bodyPr>
-          <a:lstStyle/>
-          <a:p>
-            <a:pPr marL="285750" indent="-285750">
-              <a:spcAft>
-                <a:spcPts val="1600"/>
-              </a:spcAft>
-            </a:pPr>
-            <a:endParaRPr dirty="0"/>
-          </a:p>
-        </p:txBody>
-      </p:sp>
-      <p:pic>
-        <p:nvPicPr>
-          <p:cNvPr id="2" name="圖片 1"/>
-          <p:cNvPicPr>
-            <a:picLocks noChangeAspect="1"/>
-          </p:cNvPicPr>
-          <p:nvPr/>
-        </p:nvPicPr>
-        <p:blipFill>
-          <a:blip r:embed="rId3">
-            <a:extLst>
-              <a:ext uri="{28A0092B-C50C-407E-A947-70E740481C1C}">
-                <a14:useLocalDpi xmlns:a14="http://schemas.microsoft.com/office/drawing/2010/main" val="0"/>
-              </a:ext>
-            </a:extLst>
-          </a:blip>
-          <a:stretch>
-            <a:fillRect/>
-          </a:stretch>
-        </p:blipFill>
-        <p:spPr>
-          <a:xfrm>
-            <a:off x="1911260" y="1379621"/>
-            <a:ext cx="5321480" cy="2995974"/>
-          </a:xfrm>
-          <a:prstGeom prst="rect">
-            <a:avLst/>
-          </a:prstGeom>
-        </p:spPr>
-      </p:pic>
-      <p:sp>
-        <p:nvSpPr>
           <p:cNvPr id="5" name="橢圓 4"/>
           <p:cNvSpPr/>
           <p:nvPr/>
         </p:nvSpPr>
         <p:spPr>
           <a:xfrm>
-            <a:off x="6453699" y="1919483"/>
-            <a:ext cx="370294" cy="430751"/>
+            <a:off x="6289181" y="1596374"/>
+            <a:ext cx="714882" cy="783977"/>
           </a:xfrm>
           <a:prstGeom prst="ellipse">
             <a:avLst/>
@@ -12725,7 +12831,7 @@
         </p:nvSpPr>
         <p:spPr>
           <a:xfrm>
-            <a:off x="6453699" y="2315027"/>
+            <a:off x="5494114" y="2333622"/>
             <a:ext cx="3425938" cy="523220"/>
           </a:xfrm>
           <a:prstGeom prst="rect">
@@ -12794,7 +12900,7 @@
         </p:nvSpPr>
         <p:spPr>
           <a:xfrm>
-            <a:off x="5090906" y="1635465"/>
+            <a:off x="5176721" y="1466576"/>
             <a:ext cx="317393" cy="250641"/>
           </a:xfrm>
           <a:prstGeom prst="ellipse">
@@ -12842,7 +12948,7 @@
         </p:nvSpPr>
         <p:spPr>
           <a:xfrm>
-            <a:off x="3232692" y="1379621"/>
+            <a:off x="3090725" y="1181531"/>
             <a:ext cx="576047" cy="570091"/>
           </a:xfrm>
           <a:prstGeom prst="ellipse">
@@ -12890,7 +12996,7 @@
         </p:nvSpPr>
         <p:spPr>
           <a:xfrm>
-            <a:off x="4572000" y="1323062"/>
+            <a:off x="4711064" y="1207408"/>
             <a:ext cx="2920992" cy="307777"/>
           </a:xfrm>
           <a:prstGeom prst="rect">
@@ -12959,7 +13065,7 @@
         </p:nvSpPr>
         <p:spPr>
           <a:xfrm>
-            <a:off x="3052583" y="2126024"/>
+            <a:off x="2913936" y="2115602"/>
             <a:ext cx="576047" cy="570091"/>
           </a:xfrm>
           <a:prstGeom prst="ellipse">
@@ -13036,6 +13142,36 @@
           <a:chExt cx="0" cy="0"/>
         </a:xfrm>
       </p:grpSpPr>
+      <p:pic>
+        <p:nvPicPr>
+          <p:cNvPr id="5" name="圖片 4"/>
+          <p:cNvPicPr>
+            <a:picLocks noChangeAspect="1"/>
+          </p:cNvPicPr>
+          <p:nvPr/>
+        </p:nvPicPr>
+        <p:blipFill>
+          <a:blip r:embed="rId3">
+            <a:extLst>
+              <a:ext uri="{28A0092B-C50C-407E-A947-70E740481C1C}">
+                <a14:useLocalDpi xmlns:a14="http://schemas.microsoft.com/office/drawing/2010/main" val="0"/>
+              </a:ext>
+            </a:extLst>
+          </a:blip>
+          <a:stretch>
+            <a:fillRect/>
+          </a:stretch>
+        </p:blipFill>
+        <p:spPr>
+          <a:xfrm>
+            <a:off x="1727817" y="1017725"/>
+            <a:ext cx="5984553" cy="4022811"/>
+          </a:xfrm>
+          <a:prstGeom prst="rect">
+            <a:avLst/>
+          </a:prstGeom>
+        </p:spPr>
+      </p:pic>
       <p:sp>
         <p:nvSpPr>
           <p:cNvPr id="92" name="Google Shape;92;p18"/>
@@ -13076,81 +13212,13 @@
       </p:sp>
       <p:sp>
         <p:nvSpPr>
-          <p:cNvPr id="93" name="Google Shape;93;p18"/>
-          <p:cNvSpPr txBox="1">
-            <a:spLocks noGrp="1"/>
-          </p:cNvSpPr>
-          <p:nvPr>
-            <p:ph type="body" idx="1"/>
-          </p:nvPr>
-        </p:nvSpPr>
-        <p:spPr>
-          <a:xfrm>
-            <a:off x="311700" y="1152475"/>
-            <a:ext cx="8520600" cy="3416400"/>
-          </a:xfrm>
-          <a:prstGeom prst="rect">
-            <a:avLst/>
-          </a:prstGeom>
-        </p:spPr>
-        <p:txBody>
-          <a:bodyPr spcFirstLastPara="1" wrap="square" lIns="91425" tIns="91425" rIns="91425" bIns="91425" anchor="t" anchorCtr="0">
-            <a:noAutofit/>
-          </a:bodyPr>
-          <a:lstStyle/>
-          <a:p>
-            <a:pPr marL="0" lvl="0" indent="0" algn="l" rtl="0">
-              <a:spcBef>
-                <a:spcPts val="0"/>
-              </a:spcBef>
-              <a:spcAft>
-                <a:spcPts val="1600"/>
-              </a:spcAft>
-              <a:buNone/>
-            </a:pPr>
-            <a:endParaRPr dirty="0"/>
-          </a:p>
-        </p:txBody>
-      </p:sp>
-      <p:pic>
-        <p:nvPicPr>
-          <p:cNvPr id="2" name="圖片 1"/>
-          <p:cNvPicPr>
-            <a:picLocks noChangeAspect="1"/>
-          </p:cNvPicPr>
-          <p:nvPr/>
-        </p:nvPicPr>
-        <p:blipFill>
-          <a:blip r:embed="rId3">
-            <a:extLst>
-              <a:ext uri="{28A0092B-C50C-407E-A947-70E740481C1C}">
-                <a14:useLocalDpi xmlns:a14="http://schemas.microsoft.com/office/drawing/2010/main" val="0"/>
-              </a:ext>
-            </a:extLst>
-          </a:blip>
-          <a:stretch>
-            <a:fillRect/>
-          </a:stretch>
-        </p:blipFill>
-        <p:spPr>
-          <a:xfrm>
-            <a:off x="1911260" y="1379620"/>
-            <a:ext cx="5321480" cy="2995974"/>
-          </a:xfrm>
-          <a:prstGeom prst="rect">
-            <a:avLst/>
-          </a:prstGeom>
-        </p:spPr>
-      </p:pic>
-      <p:sp>
-        <p:nvSpPr>
           <p:cNvPr id="3" name="橢圓 2"/>
           <p:cNvSpPr/>
           <p:nvPr/>
         </p:nvSpPr>
         <p:spPr>
           <a:xfrm>
-            <a:off x="3151278" y="1390492"/>
+            <a:off x="3117272" y="1196966"/>
             <a:ext cx="657461" cy="559220"/>
           </a:xfrm>
           <a:prstGeom prst="ellipse">
@@ -13198,7 +13266,7 @@
         </p:nvSpPr>
         <p:spPr>
           <a:xfrm>
-            <a:off x="4088350" y="2244436"/>
+            <a:off x="4233379" y="2217357"/>
             <a:ext cx="317393" cy="250641"/>
           </a:xfrm>
           <a:prstGeom prst="ellipse">
@@ -13246,7 +13314,7 @@
         </p:nvSpPr>
         <p:spPr>
           <a:xfrm>
-            <a:off x="2947241" y="2342678"/>
+            <a:off x="2915565" y="2333293"/>
             <a:ext cx="309836" cy="244341"/>
           </a:xfrm>
           <a:prstGeom prst="ellipse">
@@ -13294,7 +13362,7 @@
         </p:nvSpPr>
         <p:spPr>
           <a:xfrm>
-            <a:off x="5061340" y="1648936"/>
+            <a:off x="5287204" y="1424867"/>
             <a:ext cx="317393" cy="250641"/>
           </a:xfrm>
           <a:prstGeom prst="ellipse">
@@ -13342,8 +13410,8 @@
         </p:nvSpPr>
         <p:spPr>
           <a:xfrm>
-            <a:off x="4760921" y="1206501"/>
-            <a:ext cx="2951449" cy="307777"/>
+            <a:off x="5024378" y="1156641"/>
+            <a:ext cx="2920992" cy="307777"/>
           </a:xfrm>
           <a:prstGeom prst="rect">
             <a:avLst/>
@@ -13356,6 +13424,22 @@
           </a:bodyPr>
           <a:lstStyle/>
           <a:p>
+            <a:r>
+              <a:rPr lang="en-US" altLang="zh-TW" dirty="0">
+                <a:ln w="0"/>
+                <a:solidFill>
+                  <a:schemeClr val="accent5"/>
+                </a:solidFill>
+                <a:effectLst>
+                  <a:outerShdw blurRad="38100" dist="19050" dir="2700000" algn="tl" rotWithShape="0">
+                    <a:schemeClr val="dk1">
+                      <a:alpha val="40000"/>
+                    </a:schemeClr>
+                  </a:outerShdw>
+                </a:effectLst>
+              </a:rPr>
+              <a:t>s</a:t>
+            </a:r>
             <a:r>
               <a:rPr lang="en-US" altLang="zh-TW" dirty="0" smtClean="0">
                 <a:ln w="0"/>
@@ -13370,7 +13454,23 @@
                   </a:outerShdw>
                 </a:effectLst>
               </a:rPr>
-              <a:t>Spread blows up and incurs losses</a:t>
+              <a:t>pread </a:t>
+            </a:r>
+            <a:r>
+              <a:rPr lang="en-US" altLang="zh-TW" dirty="0" smtClean="0">
+                <a:ln w="0"/>
+                <a:solidFill>
+                  <a:schemeClr val="accent5"/>
+                </a:solidFill>
+                <a:effectLst>
+                  <a:outerShdw blurRad="38100" dist="19050" dir="2700000" algn="tl" rotWithShape="0">
+                    <a:schemeClr val="dk1">
+                      <a:alpha val="40000"/>
+                    </a:schemeClr>
+                  </a:outerShdw>
+                </a:effectLst>
+              </a:rPr>
+              <a:t>blows up and incurs losses</a:t>
             </a:r>
             <a:endParaRPr lang="zh-TW" altLang="en-US" dirty="0">
               <a:ln w="0"/>
@@ -13444,7 +13544,7 @@
         </p:nvSpPr>
         <p:spPr>
           <a:xfrm>
-            <a:off x="3958962" y="1630866"/>
+            <a:off x="4088349" y="1299547"/>
             <a:ext cx="317393" cy="250641"/>
           </a:xfrm>
           <a:prstGeom prst="ellipse">
@@ -13473,6 +13573,98 @@
           </a:effectRef>
           <a:fontRef idx="minor">
             <a:schemeClr val="accent5"/>
+          </a:fontRef>
+        </p:style>
+        <p:txBody>
+          <a:bodyPr rtlCol="0" anchor="ctr"/>
+          <a:lstStyle/>
+          <a:p>
+            <a:pPr algn="ctr"/>
+            <a:endParaRPr lang="zh-TW" altLang="en-US"/>
+          </a:p>
+        </p:txBody>
+      </p:sp>
+      <p:sp>
+        <p:nvSpPr>
+          <p:cNvPr id="6" name="文字方塊 5"/>
+          <p:cNvSpPr txBox="1"/>
+          <p:nvPr/>
+        </p:nvSpPr>
+        <p:spPr>
+          <a:xfrm>
+            <a:off x="6096414" y="2179404"/>
+            <a:ext cx="1944763" cy="307777"/>
+          </a:xfrm>
+          <a:prstGeom prst="rect">
+            <a:avLst/>
+          </a:prstGeom>
+          <a:noFill/>
+        </p:spPr>
+        <p:txBody>
+          <a:bodyPr wrap="none" rtlCol="0">
+            <a:spAutoFit/>
+          </a:bodyPr>
+          <a:lstStyle/>
+          <a:p>
+            <a:r>
+              <a:rPr lang="en-US" altLang="zh-TW" dirty="0">
+                <a:solidFill>
+                  <a:srgbClr val="00B0F0"/>
+                </a:solidFill>
+              </a:rPr>
+              <a:t>c</a:t>
+            </a:r>
+            <a:r>
+              <a:rPr lang="en-US" altLang="zh-TW" dirty="0" smtClean="0">
+                <a:solidFill>
+                  <a:srgbClr val="00B0F0"/>
+                </a:solidFill>
+              </a:rPr>
+              <a:t>atch parameters shift</a:t>
+            </a:r>
+            <a:endParaRPr lang="zh-TW" altLang="en-US" dirty="0">
+              <a:solidFill>
+                <a:srgbClr val="00B0F0"/>
+              </a:solidFill>
+            </a:endParaRPr>
+          </a:p>
+        </p:txBody>
+      </p:sp>
+      <p:sp>
+        <p:nvSpPr>
+          <p:cNvPr id="10" name="橢圓 9"/>
+          <p:cNvSpPr/>
+          <p:nvPr/>
+        </p:nvSpPr>
+        <p:spPr>
+          <a:xfrm>
+            <a:off x="6536169" y="1540659"/>
+            <a:ext cx="778374" cy="742868"/>
+          </a:xfrm>
+          <a:prstGeom prst="ellipse">
+            <a:avLst/>
+          </a:prstGeom>
+          <a:noFill/>
+          <a:ln>
+            <a:solidFill>
+              <a:srgbClr val="00B0F0"/>
+            </a:solidFill>
+          </a:ln>
+        </p:spPr>
+        <p:style>
+          <a:lnRef idx="2">
+            <a:schemeClr val="accent1">
+              <a:shade val="50000"/>
+            </a:schemeClr>
+          </a:lnRef>
+          <a:fillRef idx="1">
+            <a:schemeClr val="accent1"/>
+          </a:fillRef>
+          <a:effectRef idx="0">
+            <a:schemeClr val="accent1"/>
+          </a:effectRef>
+          <a:fontRef idx="minor">
+            <a:schemeClr val="lt1"/>
           </a:fontRef>
         </p:style>
         <p:txBody>
@@ -13532,10 +13724,6 @@
           </p:nvPr>
         </p:nvSpPr>
         <p:spPr>
-          <a:xfrm>
-            <a:off x="311700" y="445025"/>
-            <a:ext cx="8520600" cy="572700"/>
-          </a:xfrm>
           <a:prstGeom prst="rect">
             <a:avLst/>
           </a:prstGeom>
@@ -13571,6 +13759,110 @@
           </a:p>
         </p:txBody>
       </p:sp>
+      <p:sp>
+        <p:nvSpPr>
+          <p:cNvPr id="2" name="文字版面配置區 1"/>
+          <p:cNvSpPr>
+            <a:spLocks noGrp="1"/>
+          </p:cNvSpPr>
+          <p:nvPr>
+            <p:ph type="body" idx="1"/>
+          </p:nvPr>
+        </p:nvSpPr>
+        <p:spPr/>
+        <p:txBody>
+          <a:bodyPr/>
+          <a:lstStyle/>
+          <a:p>
+            <a:endParaRPr lang="en-US" altLang="zh-TW" dirty="0" smtClean="0"/>
+          </a:p>
+          <a:p>
+            <a:endParaRPr lang="en-US" altLang="zh-TW" dirty="0" smtClean="0"/>
+          </a:p>
+          <a:p>
+            <a:endParaRPr lang="en-US" altLang="zh-TW" dirty="0" smtClean="0"/>
+          </a:p>
+          <a:p>
+            <a:endParaRPr lang="en-US" altLang="zh-TW" dirty="0" smtClean="0"/>
+          </a:p>
+          <a:p>
+            <a:endParaRPr lang="en-US" altLang="zh-TW" dirty="0" smtClean="0"/>
+          </a:p>
+          <a:p>
+            <a:endParaRPr lang="en-US" altLang="zh-TW" dirty="0" smtClean="0"/>
+          </a:p>
+          <a:p>
+            <a:endParaRPr lang="en-US" altLang="zh-TW" dirty="0" smtClean="0"/>
+          </a:p>
+          <a:p>
+            <a:r>
+              <a:rPr lang="en-US" altLang="zh-TW" dirty="0" smtClean="0"/>
+              <a:t>Volatility: standard deviation of daily return</a:t>
+            </a:r>
+          </a:p>
+          <a:p>
+            <a:r>
+              <a:rPr lang="en-US" altLang="zh-TW" dirty="0"/>
+              <a:t>Holding </a:t>
+            </a:r>
+            <a:r>
+              <a:rPr lang="en-US" altLang="zh-TW" dirty="0"/>
+              <a:t>period = sum(abs(position</a:t>
+            </a:r>
+            <a:r>
+              <a:rPr lang="en-US" altLang="zh-TW" dirty="0"/>
+              <a:t>))/ sum(abs(trade)), </a:t>
+            </a:r>
+            <a:endParaRPr lang="en-US" altLang="zh-TW" dirty="0" smtClean="0"/>
+          </a:p>
+          <a:p>
+            <a:pPr lvl="1">
+              <a:lnSpc>
+                <a:spcPct val="100000"/>
+              </a:lnSpc>
+              <a:spcBef>
+                <a:spcPts val="0"/>
+              </a:spcBef>
+            </a:pPr>
+            <a:r>
+              <a:rPr lang="en-US" altLang="zh-TW" dirty="0" smtClean="0"/>
+              <a:t>where trade(t</a:t>
+            </a:r>
+            <a:r>
+              <a:rPr lang="en-US" altLang="zh-TW" dirty="0"/>
+              <a:t>) = position(t) - position(t-1</a:t>
+            </a:r>
+            <a:r>
+              <a:rPr lang="en-US" altLang="zh-TW" dirty="0" smtClean="0"/>
+              <a:t>)</a:t>
+            </a:r>
+          </a:p>
+          <a:p>
+            <a:pPr>
+              <a:lnSpc>
+                <a:spcPct val="100000"/>
+              </a:lnSpc>
+            </a:pPr>
+            <a:r>
+              <a:rPr lang="en-US" altLang="zh-TW" dirty="0"/>
+              <a:t>Cumulative </a:t>
+            </a:r>
+            <a:r>
+              <a:rPr lang="en-US" altLang="zh-TW" dirty="0" smtClean="0"/>
+              <a:t>return: cumulative return during testing period (2018/01/01~)</a:t>
+            </a:r>
+            <a:endParaRPr lang="en-US" altLang="zh-TW" dirty="0"/>
+          </a:p>
+          <a:p>
+            <a:pPr>
+              <a:lnSpc>
+                <a:spcPct val="100000"/>
+              </a:lnSpc>
+            </a:pPr>
+            <a:endParaRPr lang="zh-TW" altLang="en-US" dirty="0"/>
+          </a:p>
+        </p:txBody>
+      </p:sp>
       <p:graphicFrame>
         <p:nvGraphicFramePr>
           <p:cNvPr id="117" name="Google Shape;117;p22"/>
@@ -13578,14 +13870,14 @@
           <p:nvPr>
             <p:extLst>
               <p:ext uri="{D42A27DB-BD31-4B8C-83A1-F6EECF244321}">
-                <p14:modId xmlns:p14="http://schemas.microsoft.com/office/powerpoint/2010/main" val="2175722707"/>
+                <p14:modId xmlns:p14="http://schemas.microsoft.com/office/powerpoint/2010/main" val="2516636733"/>
               </p:ext>
             </p:extLst>
           </p:nvPr>
         </p:nvGraphicFramePr>
         <p:xfrm>
-          <a:off x="2225543" y="1707885"/>
-          <a:ext cx="4692913" cy="2306227"/>
+          <a:off x="2278442" y="1246906"/>
+          <a:ext cx="4692913" cy="1965564"/>
         </p:xfrm>
         <a:graphic>
           <a:graphicData uri="http://schemas.openxmlformats.org/drawingml/2006/table">
@@ -13813,7 +14105,7 @@
                     <a:p>
                       <a:pPr algn="ctr" fontAlgn="ctr"/>
                       <a:r>
-                        <a:rPr lang="en-US" altLang="zh-TW" sz="1400" b="0" i="0" u="none" strike="noStrike" dirty="0" smtClean="0">
+                        <a:rPr lang="en-US" altLang="zh-TW" sz="1400" b="0" i="0" u="none" strike="noStrike" dirty="0">
                           <a:solidFill>
                             <a:srgbClr val="000000"/>
                           </a:solidFill>
@@ -13822,63 +14114,7 @@
                           <a:ea typeface="新細明體" panose="02020500000000000000" pitchFamily="18" charset="-120"/>
                           <a:cs typeface="Times New Roman" panose="02020603050405020304" pitchFamily="18" charset="0"/>
                         </a:rPr>
-                        <a:t>0.000961</a:t>
-                      </a:r>
-                      <a:endParaRPr lang="en-US" altLang="zh-TW" sz="1400" b="0" i="0" u="none" strike="noStrike" dirty="0">
-                        <a:solidFill>
-                          <a:srgbClr val="000000"/>
-                        </a:solidFill>
-                        <a:effectLst/>
-                        <a:latin typeface="Times New Roman" panose="02020603050405020304" pitchFamily="18" charset="0"/>
-                        <a:ea typeface="新細明體" panose="02020500000000000000" pitchFamily="18" charset="-120"/>
-                        <a:cs typeface="Times New Roman" panose="02020603050405020304" pitchFamily="18" charset="0"/>
-                      </a:endParaRPr>
-                    </a:p>
-                  </a:txBody>
-                  <a:tcPr marL="9525" marR="9525" marT="9525" marB="0" anchor="ctr">
-                    <a:lnT w="12700" cap="flat" cmpd="sng" algn="ctr">
-                      <a:solidFill>
-                        <a:schemeClr val="tx1"/>
-                      </a:solidFill>
-                      <a:prstDash val="solid"/>
-                      <a:round/>
-                      <a:headEnd type="none" w="med" len="med"/>
-                      <a:tailEnd type="none" w="med" len="med"/>
-                    </a:lnT>
-                  </a:tcPr>
-                </a:tc>
-                <a:tc>
-                  <a:txBody>
-                    <a:bodyPr/>
-                    <a:lstStyle/>
-                    <a:p>
-                      <a:pPr marR="0" algn="ctr" rtl="0" fontAlgn="ctr">
-                        <a:lnSpc>
-                          <a:spcPct val="100000"/>
-                        </a:lnSpc>
-                        <a:spcBef>
-                          <a:spcPts val="0"/>
-                        </a:spcBef>
-                        <a:spcAft>
-                          <a:spcPts val="0"/>
-                        </a:spcAft>
-                        <a:buClr>
-                          <a:srgbClr val="000000"/>
-                        </a:buClr>
-                        <a:buFont typeface="Arial"/>
-                      </a:pPr>
-                      <a:r>
-                        <a:rPr lang="en-US" altLang="zh-TW" sz="1400" b="0" i="0" u="none" strike="noStrike" cap="none" dirty="0">
-                          <a:solidFill>
-                            <a:srgbClr val="000000"/>
-                          </a:solidFill>
-                          <a:effectLst/>
-                          <a:latin typeface="Times New Roman" panose="02020603050405020304" pitchFamily="18" charset="0"/>
-                          <a:ea typeface="+mn-ea"/>
-                          <a:cs typeface="Times New Roman" panose="02020603050405020304" pitchFamily="18" charset="0"/>
-                          <a:sym typeface="Arial"/>
-                        </a:rPr>
-                        <a:t>0.001084</a:t>
+                        <a:t>0.001362</a:t>
                       </a:r>
                     </a:p>
                   </a:txBody>
@@ -13899,33 +14135,50 @@
                     <a:bodyPr/>
                     <a:lstStyle/>
                     <a:p>
-                      <a:pPr marR="0" algn="ctr" rtl="0" fontAlgn="ctr">
-                        <a:lnSpc>
-                          <a:spcPct val="100000"/>
-                        </a:lnSpc>
-                        <a:spcBef>
-                          <a:spcPts val="0"/>
-                        </a:spcBef>
-                        <a:spcAft>
-                          <a:spcPts val="0"/>
-                        </a:spcAft>
-                        <a:buClr>
-                          <a:srgbClr val="000000"/>
-                        </a:buClr>
-                        <a:buFont typeface="Arial"/>
-                      </a:pPr>
+                      <a:pPr algn="ctr" fontAlgn="ctr"/>
                       <a:r>
-                        <a:rPr lang="en-US" altLang="zh-TW" sz="1400" b="1" i="0" u="none" strike="noStrike" cap="none" dirty="0">
+                        <a:rPr lang="en-US" altLang="zh-TW" sz="1400" b="0" i="0" u="none" strike="noStrike">
                           <a:solidFill>
                             <a:srgbClr val="000000"/>
                           </a:solidFill>
                           <a:effectLst/>
                           <a:latin typeface="Times New Roman" panose="02020603050405020304" pitchFamily="18" charset="0"/>
-                          <a:ea typeface="+mn-ea"/>
+                          <a:ea typeface="新細明體" panose="02020500000000000000" pitchFamily="18" charset="-120"/>
                           <a:cs typeface="Times New Roman" panose="02020603050405020304" pitchFamily="18" charset="0"/>
-                          <a:sym typeface="Arial"/>
                         </a:rPr>
-                        <a:t>0.000743</a:t>
+                        <a:t>0.001545</a:t>
+                      </a:r>
+                    </a:p>
+                  </a:txBody>
+                  <a:tcPr marL="9525" marR="9525" marT="9525" marB="0" anchor="ctr">
+                    <a:lnT w="12700" cap="flat" cmpd="sng" algn="ctr">
+                      <a:solidFill>
+                        <a:schemeClr val="tx1"/>
+                      </a:solidFill>
+                      <a:prstDash val="solid"/>
+                      <a:round/>
+                      <a:headEnd type="none" w="med" len="med"/>
+                      <a:tailEnd type="none" w="med" len="med"/>
+                    </a:lnT>
+                  </a:tcPr>
+                </a:tc>
+                <a:tc>
+                  <a:txBody>
+                    <a:bodyPr/>
+                    <a:lstStyle/>
+                    <a:p>
+                      <a:pPr algn="ctr" fontAlgn="ctr"/>
+                      <a:r>
+                        <a:rPr lang="en-US" altLang="zh-TW" sz="1400" b="1" i="0" u="none" strike="noStrike" dirty="0">
+                          <a:solidFill>
+                            <a:srgbClr val="000000"/>
+                          </a:solidFill>
+                          <a:effectLst/>
+                          <a:latin typeface="Times New Roman" panose="02020603050405020304" pitchFamily="18" charset="0"/>
+                          <a:ea typeface="新細明體" panose="02020500000000000000" pitchFamily="18" charset="-120"/>
+                          <a:cs typeface="Times New Roman" panose="02020603050405020304" pitchFamily="18" charset="0"/>
+                        </a:rPr>
+                        <a:t>0.001201</a:t>
                       </a:r>
                     </a:p>
                   </a:txBody>
@@ -14010,119 +14263,7 @@
                     <a:p>
                       <a:pPr algn="ctr" fontAlgn="ctr"/>
                       <a:r>
-                        <a:rPr lang="en-US" altLang="zh-TW" sz="1400" b="1" i="0" u="none" strike="noStrike" dirty="0" smtClean="0">
-                          <a:solidFill>
-                            <a:srgbClr val="000000"/>
-                          </a:solidFill>
-                          <a:effectLst/>
-                          <a:latin typeface="Times New Roman" panose="02020603050405020304" pitchFamily="18" charset="0"/>
-                          <a:ea typeface="+mn-ea"/>
-                          <a:cs typeface="Times New Roman" panose="02020603050405020304" pitchFamily="18" charset="0"/>
-                        </a:rPr>
-                        <a:t>0.050247</a:t>
-                      </a:r>
-                      <a:endParaRPr lang="en-US" altLang="zh-TW" sz="1400" b="1" i="0" u="none" strike="noStrike" dirty="0">
-                        <a:solidFill>
-                          <a:srgbClr val="000000"/>
-                        </a:solidFill>
-                        <a:effectLst/>
-                        <a:latin typeface="Times New Roman" panose="02020603050405020304" pitchFamily="18" charset="0"/>
-                        <a:ea typeface="+mn-ea"/>
-                        <a:cs typeface="Times New Roman" panose="02020603050405020304" pitchFamily="18" charset="0"/>
-                      </a:endParaRPr>
-                    </a:p>
-                  </a:txBody>
-                  <a:tcPr marL="9525" marR="9525" marT="9525" marB="0" anchor="ctr"/>
-                </a:tc>
-                <a:tc>
-                  <a:txBody>
-                    <a:bodyPr/>
-                    <a:lstStyle/>
-                    <a:p>
-                      <a:pPr marR="0" algn="ctr" rtl="0" fontAlgn="ctr">
-                        <a:lnSpc>
-                          <a:spcPct val="100000"/>
-                        </a:lnSpc>
-                        <a:spcBef>
-                          <a:spcPts val="0"/>
-                        </a:spcBef>
-                        <a:spcAft>
-                          <a:spcPts val="0"/>
-                        </a:spcAft>
-                        <a:buClr>
-                          <a:srgbClr val="000000"/>
-                        </a:buClr>
-                        <a:buFont typeface="Arial"/>
-                      </a:pPr>
-                      <a:r>
-                        <a:rPr lang="en-US" altLang="zh-TW" sz="1400" b="0" i="0" u="none" strike="noStrike" cap="none" dirty="0">
-                          <a:solidFill>
-                            <a:srgbClr val="000000"/>
-                          </a:solidFill>
-                          <a:effectLst/>
-                          <a:latin typeface="Times New Roman" panose="02020603050405020304" pitchFamily="18" charset="0"/>
-                          <a:ea typeface="+mn-ea"/>
-                          <a:cs typeface="Times New Roman" panose="02020603050405020304" pitchFamily="18" charset="0"/>
-                          <a:sym typeface="Arial"/>
-                        </a:rPr>
-                        <a:t>-0.01103</a:t>
-                      </a:r>
-                    </a:p>
-                  </a:txBody>
-                  <a:tcPr marL="9525" marR="9525" marT="9525" marB="0" anchor="ctr"/>
-                </a:tc>
-                <a:tc>
-                  <a:txBody>
-                    <a:bodyPr/>
-                    <a:lstStyle/>
-                    <a:p>
-                      <a:pPr marR="0" algn="ctr" rtl="0" fontAlgn="ctr">
-                        <a:lnSpc>
-                          <a:spcPct val="100000"/>
-                        </a:lnSpc>
-                        <a:spcBef>
-                          <a:spcPts val="0"/>
-                        </a:spcBef>
-                        <a:spcAft>
-                          <a:spcPts val="0"/>
-                        </a:spcAft>
-                        <a:buClr>
-                          <a:srgbClr val="000000"/>
-                        </a:buClr>
-                        <a:buFont typeface="Arial"/>
-                      </a:pPr>
-                      <a:r>
-                        <a:rPr lang="en-US" altLang="zh-TW" sz="1400" b="0" i="0" u="none" strike="noStrike" cap="none" dirty="0">
-                          <a:solidFill>
-                            <a:srgbClr val="000000"/>
-                          </a:solidFill>
-                          <a:effectLst/>
-                          <a:latin typeface="Times New Roman" panose="02020603050405020304" pitchFamily="18" charset="0"/>
-                          <a:ea typeface="+mn-ea"/>
-                          <a:cs typeface="Times New Roman" panose="02020603050405020304" pitchFamily="18" charset="0"/>
-                          <a:sym typeface="Arial"/>
-                        </a:rPr>
-                        <a:t>0.012807</a:t>
-                      </a:r>
-                    </a:p>
-                  </a:txBody>
-                  <a:tcPr marL="9525" marR="9525" marT="9525" marB="0" anchor="ctr"/>
-                </a:tc>
-                <a:extLst>
-                  <a:ext uri="{0D108BD9-81ED-4DB2-BD59-A6C34878D82A}">
-                    <a16:rowId xmlns:a16="http://schemas.microsoft.com/office/drawing/2014/main" val="10002"/>
-                  </a:ext>
-                </a:extLst>
-              </a:tr>
-              <a:tr h="340663">
-                <a:tc>
-                  <a:txBody>
-                    <a:bodyPr/>
-                    <a:lstStyle/>
-                    <a:p>
-                      <a:pPr algn="l" fontAlgn="ctr"/>
-                      <a:r>
-                        <a:rPr lang="en-US" sz="1400" b="0" i="0" u="none" strike="noStrike" dirty="0" err="1">
+                        <a:rPr lang="en-US" altLang="zh-TW" sz="1400" b="0" i="0" u="none" strike="noStrike" dirty="0">
                           <a:solidFill>
                             <a:srgbClr val="000000"/>
                           </a:solidFill>
@@ -14131,41 +14272,8 @@
                           <a:ea typeface="新細明體" panose="02020500000000000000" pitchFamily="18" charset="-120"/>
                           <a:cs typeface="Times New Roman" panose="02020603050405020304" pitchFamily="18" charset="0"/>
                         </a:rPr>
-                        <a:t>VaR</a:t>
+                        <a:t>0.038492</a:t>
                       </a:r>
-                      <a:r>
-                        <a:rPr lang="en-US" sz="1400" b="0" i="0" u="none" strike="noStrike" dirty="0">
-                          <a:solidFill>
-                            <a:srgbClr val="000000"/>
-                          </a:solidFill>
-                          <a:effectLst/>
-                          <a:latin typeface="Times New Roman" panose="02020603050405020304" pitchFamily="18" charset="0"/>
-                          <a:ea typeface="新細明體" panose="02020500000000000000" pitchFamily="18" charset="-120"/>
-                          <a:cs typeface="Times New Roman" panose="02020603050405020304" pitchFamily="18" charset="0"/>
-                        </a:rPr>
-                        <a:t> </a:t>
-                      </a:r>
-                      <a:r>
-                        <a:rPr lang="en-US" sz="1400" b="0" i="0" u="none" strike="noStrike" dirty="0" smtClean="0">
-                          <a:solidFill>
-                            <a:srgbClr val="000000"/>
-                          </a:solidFill>
-                          <a:effectLst/>
-                          <a:latin typeface="Times New Roman" panose="02020603050405020304" pitchFamily="18" charset="0"/>
-                          <a:ea typeface="新細明體" panose="02020500000000000000" pitchFamily="18" charset="-120"/>
-                          <a:cs typeface="Times New Roman" panose="02020603050405020304" pitchFamily="18" charset="0"/>
-                        </a:rPr>
-                        <a:t>Sharpe</a:t>
-                      </a:r>
-                      <a:endParaRPr lang="en-US" sz="1400" b="0" i="0" u="none" strike="noStrike" dirty="0">
-                        <a:solidFill>
-                          <a:srgbClr val="000000"/>
-                        </a:solidFill>
-                        <a:effectLst/>
-                        <a:latin typeface="Times New Roman" panose="02020603050405020304" pitchFamily="18" charset="0"/>
-                        <a:ea typeface="新細明體" panose="02020500000000000000" pitchFamily="18" charset="-120"/>
-                        <a:cs typeface="Times New Roman" panose="02020603050405020304" pitchFamily="18" charset="0"/>
-                      </a:endParaRPr>
                     </a:p>
                   </a:txBody>
                   <a:tcPr marL="9525" marR="9525" marT="9525" marB="0" anchor="ctr"/>
@@ -14177,62 +14285,16 @@
                     <a:p>
                       <a:pPr algn="ctr" fontAlgn="ctr"/>
                       <a:r>
-                        <a:rPr lang="en-US" altLang="zh-TW" sz="1400" b="1" i="0" u="none" strike="noStrike" dirty="0" smtClean="0">
+                        <a:rPr lang="en-US" altLang="zh-TW" sz="1400" b="0" i="0" u="none" strike="noStrike" dirty="0">
                           <a:solidFill>
                             <a:srgbClr val="000000"/>
                           </a:solidFill>
                           <a:effectLst/>
                           <a:latin typeface="Times New Roman" panose="02020603050405020304" pitchFamily="18" charset="0"/>
-                          <a:ea typeface="+mn-ea"/>
+                          <a:ea typeface="新細明體" panose="02020500000000000000" pitchFamily="18" charset="-120"/>
                           <a:cs typeface="Times New Roman" panose="02020603050405020304" pitchFamily="18" charset="0"/>
                         </a:rPr>
-                        <a:t>0.034007</a:t>
-                      </a:r>
-                      <a:endParaRPr lang="en-US" altLang="zh-TW" sz="1400" b="1" i="0" u="none" strike="noStrike" dirty="0">
-                        <a:solidFill>
-                          <a:srgbClr val="000000"/>
-                        </a:solidFill>
-                        <a:effectLst/>
-                        <a:latin typeface="Times New Roman" panose="02020603050405020304" pitchFamily="18" charset="0"/>
-                        <a:ea typeface="+mn-ea"/>
-                        <a:cs typeface="Times New Roman" panose="02020603050405020304" pitchFamily="18" charset="0"/>
-                      </a:endParaRPr>
-                    </a:p>
-                  </a:txBody>
-                  <a:tcPr marL="9525" marR="9525" marT="9525" marB="0" anchor="ctr"/>
-                </a:tc>
-                <a:tc>
-                  <a:txBody>
-                    <a:bodyPr/>
-                    <a:lstStyle/>
-                    <a:p>
-                      <a:pPr marR="0" algn="ctr" rtl="0" fontAlgn="ctr">
-                        <a:lnSpc>
-                          <a:spcPct val="100000"/>
-                        </a:lnSpc>
-                        <a:spcBef>
-                          <a:spcPts val="0"/>
-                        </a:spcBef>
-                        <a:spcAft>
-                          <a:spcPts val="0"/>
-                        </a:spcAft>
-                        <a:buClr>
-                          <a:srgbClr val="000000"/>
-                        </a:buClr>
-                        <a:buFont typeface="Arial"/>
-                      </a:pPr>
-                      <a:r>
-                        <a:rPr lang="en-US" altLang="zh-TW" sz="1400" b="0" i="0" u="none" strike="noStrike" cap="none" dirty="0">
-                          <a:solidFill>
-                            <a:srgbClr val="000000"/>
-                          </a:solidFill>
-                          <a:effectLst/>
-                          <a:latin typeface="Times New Roman" panose="02020603050405020304" pitchFamily="18" charset="0"/>
-                          <a:ea typeface="+mn-ea"/>
-                          <a:cs typeface="Times New Roman" panose="02020603050405020304" pitchFamily="18" charset="0"/>
-                          <a:sym typeface="Arial"/>
-                        </a:rPr>
-                        <a:t>-0.00707</a:t>
+                        <a:t>-0.02113</a:t>
                       </a:r>
                     </a:p>
                   </a:txBody>
@@ -14243,33 +14305,18 @@
                     <a:bodyPr/>
                     <a:lstStyle/>
                     <a:p>
-                      <a:pPr marR="0" algn="ctr" rtl="0" fontAlgn="ctr">
-                        <a:lnSpc>
-                          <a:spcPct val="100000"/>
-                        </a:lnSpc>
-                        <a:spcBef>
-                          <a:spcPts val="0"/>
-                        </a:spcBef>
-                        <a:spcAft>
-                          <a:spcPts val="0"/>
-                        </a:spcAft>
-                        <a:buClr>
-                          <a:srgbClr val="000000"/>
-                        </a:buClr>
-                        <a:buFont typeface="Arial"/>
-                      </a:pPr>
+                      <a:pPr algn="ctr" fontAlgn="ctr"/>
                       <a:r>
-                        <a:rPr lang="en-US" altLang="zh-TW" sz="1400" b="0" i="0" u="none" strike="noStrike" cap="none" dirty="0">
+                        <a:rPr lang="en-US" altLang="zh-TW" sz="1400" b="1" i="0" u="none" strike="noStrike" dirty="0">
                           <a:solidFill>
                             <a:srgbClr val="000000"/>
                           </a:solidFill>
                           <a:effectLst/>
                           <a:latin typeface="Times New Roman" panose="02020603050405020304" pitchFamily="18" charset="0"/>
-                          <a:ea typeface="+mn-ea"/>
+                          <a:ea typeface="新細明體" panose="02020500000000000000" pitchFamily="18" charset="-120"/>
                           <a:cs typeface="Times New Roman" panose="02020603050405020304" pitchFamily="18" charset="0"/>
-                          <a:sym typeface="Arial"/>
                         </a:rPr>
-                        <a:t>0.008065</a:t>
+                        <a:t>0.074352</a:t>
                       </a:r>
                     </a:p>
                   </a:txBody>
@@ -14277,7 +14324,7 @@
                 </a:tc>
                 <a:extLst>
                   <a:ext uri="{0D108BD9-81ED-4DB2-BD59-A6C34878D82A}">
-                    <a16:rowId xmlns:a16="http://schemas.microsoft.com/office/drawing/2014/main" val="10003"/>
+                    <a16:rowId xmlns:a16="http://schemas.microsoft.com/office/drawing/2014/main" val="10002"/>
                   </a:ext>
                 </a:extLst>
               </a:tr>
@@ -14332,62 +14379,16 @@
                     <a:p>
                       <a:pPr algn="ctr" fontAlgn="ctr"/>
                       <a:r>
-                        <a:rPr lang="en-US" altLang="zh-TW" sz="1400" b="1" i="0" u="none" strike="noStrike" dirty="0" smtClean="0">
+                        <a:rPr lang="en-US" altLang="zh-TW" sz="1400" b="0" i="0" u="none" strike="noStrike">
                           <a:solidFill>
                             <a:srgbClr val="000000"/>
                           </a:solidFill>
                           <a:effectLst/>
                           <a:latin typeface="Times New Roman" panose="02020603050405020304" pitchFamily="18" charset="0"/>
-                          <a:ea typeface="+mn-ea"/>
+                          <a:ea typeface="新細明體" panose="02020500000000000000" pitchFamily="18" charset="-120"/>
                           <a:cs typeface="Times New Roman" panose="02020603050405020304" pitchFamily="18" charset="0"/>
                         </a:rPr>
-                        <a:t>0.022922</a:t>
-                      </a:r>
-                      <a:endParaRPr lang="en-US" altLang="zh-TW" sz="1400" b="1" i="0" u="none" strike="noStrike" dirty="0">
-                        <a:solidFill>
-                          <a:srgbClr val="000000"/>
-                        </a:solidFill>
-                        <a:effectLst/>
-                        <a:latin typeface="Times New Roman" panose="02020603050405020304" pitchFamily="18" charset="0"/>
-                        <a:ea typeface="+mn-ea"/>
-                        <a:cs typeface="Times New Roman" panose="02020603050405020304" pitchFamily="18" charset="0"/>
-                      </a:endParaRPr>
-                    </a:p>
-                  </a:txBody>
-                  <a:tcPr marL="9525" marR="9525" marT="9525" marB="0" anchor="ctr"/>
-                </a:tc>
-                <a:tc>
-                  <a:txBody>
-                    <a:bodyPr/>
-                    <a:lstStyle/>
-                    <a:p>
-                      <a:pPr marR="0" algn="ctr" rtl="0" fontAlgn="ctr">
-                        <a:lnSpc>
-                          <a:spcPct val="100000"/>
-                        </a:lnSpc>
-                        <a:spcBef>
-                          <a:spcPts val="0"/>
-                        </a:spcBef>
-                        <a:spcAft>
-                          <a:spcPts val="0"/>
-                        </a:spcAft>
-                        <a:buClr>
-                          <a:srgbClr val="000000"/>
-                        </a:buClr>
-                        <a:buFont typeface="Arial"/>
-                      </a:pPr>
-                      <a:r>
-                        <a:rPr lang="en-US" altLang="zh-TW" sz="1400" b="0" i="0" u="none" strike="noStrike" cap="none" dirty="0">
-                          <a:solidFill>
-                            <a:srgbClr val="000000"/>
-                          </a:solidFill>
-                          <a:effectLst/>
-                          <a:latin typeface="Times New Roman" panose="02020603050405020304" pitchFamily="18" charset="0"/>
-                          <a:ea typeface="+mn-ea"/>
-                          <a:cs typeface="Times New Roman" panose="02020603050405020304" pitchFamily="18" charset="0"/>
-                          <a:sym typeface="Arial"/>
-                        </a:rPr>
-                        <a:t>-0.00524</a:t>
+                        <a:t>0.016732</a:t>
                       </a:r>
                     </a:p>
                   </a:txBody>
@@ -14398,33 +14399,40 @@
                     <a:bodyPr/>
                     <a:lstStyle/>
                     <a:p>
-                      <a:pPr marR="0" algn="ctr" rtl="0" fontAlgn="ctr">
-                        <a:lnSpc>
-                          <a:spcPct val="100000"/>
-                        </a:lnSpc>
-                        <a:spcBef>
-                          <a:spcPts val="0"/>
-                        </a:spcBef>
-                        <a:spcAft>
-                          <a:spcPts val="0"/>
-                        </a:spcAft>
-                        <a:buClr>
-                          <a:srgbClr val="000000"/>
-                        </a:buClr>
-                        <a:buFont typeface="Arial"/>
-                      </a:pPr>
+                      <a:pPr algn="ctr" fontAlgn="ctr"/>
                       <a:r>
-                        <a:rPr lang="en-US" altLang="zh-TW" sz="1400" b="0" i="0" u="none" strike="noStrike" cap="none" dirty="0">
+                        <a:rPr lang="en-US" altLang="zh-TW" sz="1400" b="0" i="0" u="none" strike="noStrike" dirty="0">
                           <a:solidFill>
                             <a:srgbClr val="000000"/>
                           </a:solidFill>
                           <a:effectLst/>
                           <a:latin typeface="Times New Roman" panose="02020603050405020304" pitchFamily="18" charset="0"/>
-                          <a:ea typeface="+mn-ea"/>
+                          <a:ea typeface="新細明體" panose="02020500000000000000" pitchFamily="18" charset="-120"/>
                           <a:cs typeface="Times New Roman" panose="02020603050405020304" pitchFamily="18" charset="0"/>
-                          <a:sym typeface="Arial"/>
                         </a:rPr>
-                        <a:t>0.004991</a:t>
+                        <a:t>-0.00976</a:t>
+                      </a:r>
+                    </a:p>
+                  </a:txBody>
+                  <a:tcPr marL="9525" marR="9525" marT="9525" marB="0" anchor="ctr"/>
+                </a:tc>
+                <a:tc>
+                  <a:txBody>
+                    <a:bodyPr/>
+                    <a:lstStyle/>
+                    <a:p>
+                      <a:pPr algn="ctr" fontAlgn="ctr"/>
+                      <a:r>
+                        <a:rPr lang="en-US" altLang="zh-TW" sz="1400" b="1" i="0" u="none" strike="noStrike" dirty="0">
+                          <a:solidFill>
+                            <a:srgbClr val="000000"/>
+                          </a:solidFill>
+                          <a:effectLst/>
+                          <a:latin typeface="Times New Roman" panose="02020603050405020304" pitchFamily="18" charset="0"/>
+                          <a:ea typeface="新細明體" panose="02020500000000000000" pitchFamily="18" charset="-120"/>
+                          <a:cs typeface="Times New Roman" panose="02020603050405020304" pitchFamily="18" charset="0"/>
+                        </a:rPr>
+                        <a:t>0.034483</a:t>
                       </a:r>
                     </a:p>
                   </a:txBody>
@@ -14499,62 +14507,16 @@
                     <a:p>
                       <a:pPr algn="ctr" fontAlgn="ctr"/>
                       <a:r>
-                        <a:rPr lang="en-US" altLang="zh-TW" sz="1400" b="0" i="0" u="none" strike="noStrike" dirty="0" smtClean="0">
+                        <a:rPr lang="en-US" altLang="zh-TW" sz="1400" b="0" i="0" u="none" strike="noStrike">
                           <a:solidFill>
                             <a:srgbClr val="000000"/>
                           </a:solidFill>
                           <a:effectLst/>
                           <a:latin typeface="Times New Roman" panose="02020603050405020304" pitchFamily="18" charset="0"/>
-                          <a:ea typeface="+mn-ea"/>
+                          <a:ea typeface="新細明體" panose="02020500000000000000" pitchFamily="18" charset="-120"/>
                           <a:cs typeface="Times New Roman" panose="02020603050405020304" pitchFamily="18" charset="0"/>
                         </a:rPr>
-                        <a:t>46.166667</a:t>
-                      </a:r>
-                      <a:endParaRPr lang="en-US" altLang="zh-TW" sz="1400" b="0" i="0" u="none" strike="noStrike" dirty="0">
-                        <a:solidFill>
-                          <a:srgbClr val="000000"/>
-                        </a:solidFill>
-                        <a:effectLst/>
-                        <a:latin typeface="Times New Roman" panose="02020603050405020304" pitchFamily="18" charset="0"/>
-                        <a:ea typeface="+mn-ea"/>
-                        <a:cs typeface="Times New Roman" panose="02020603050405020304" pitchFamily="18" charset="0"/>
-                      </a:endParaRPr>
-                    </a:p>
-                  </a:txBody>
-                  <a:tcPr marL="9525" marR="9525" marT="9525" marB="0" anchor="ctr"/>
-                </a:tc>
-                <a:tc>
-                  <a:txBody>
-                    <a:bodyPr/>
-                    <a:lstStyle/>
-                    <a:p>
-                      <a:pPr marR="0" algn="ctr" rtl="0" fontAlgn="ctr">
-                        <a:lnSpc>
-                          <a:spcPct val="100000"/>
-                        </a:lnSpc>
-                        <a:spcBef>
-                          <a:spcPts val="0"/>
-                        </a:spcBef>
-                        <a:spcAft>
-                          <a:spcPts val="0"/>
-                        </a:spcAft>
-                        <a:buClr>
-                          <a:srgbClr val="000000"/>
-                        </a:buClr>
-                        <a:buFont typeface="Arial"/>
-                      </a:pPr>
-                      <a:r>
-                        <a:rPr lang="en-US" altLang="zh-TW" sz="1400" b="0" i="0" u="none" strike="noStrike" cap="none" dirty="0">
-                          <a:solidFill>
-                            <a:srgbClr val="000000"/>
-                          </a:solidFill>
-                          <a:effectLst/>
-                          <a:latin typeface="Times New Roman" panose="02020603050405020304" pitchFamily="18" charset="0"/>
-                          <a:ea typeface="+mn-ea"/>
-                          <a:cs typeface="Times New Roman" panose="02020603050405020304" pitchFamily="18" charset="0"/>
-                          <a:sym typeface="Arial"/>
-                        </a:rPr>
-                        <a:t>62.6</a:t>
+                        <a:t>46.5</a:t>
                       </a:r>
                     </a:p>
                   </a:txBody>
@@ -14565,33 +14527,40 @@
                     <a:bodyPr/>
                     <a:lstStyle/>
                     <a:p>
-                      <a:pPr marR="0" algn="ctr" rtl="0" fontAlgn="ctr">
-                        <a:lnSpc>
-                          <a:spcPct val="100000"/>
-                        </a:lnSpc>
-                        <a:spcBef>
-                          <a:spcPts val="0"/>
-                        </a:spcBef>
-                        <a:spcAft>
-                          <a:spcPts val="0"/>
-                        </a:spcAft>
-                        <a:buClr>
-                          <a:srgbClr val="000000"/>
-                        </a:buClr>
-                        <a:buFont typeface="Arial"/>
-                      </a:pPr>
+                      <a:pPr algn="ctr" fontAlgn="ctr"/>
                       <a:r>
-                        <a:rPr lang="en-US" altLang="zh-TW" sz="1400" b="0" i="0" u="none" strike="noStrike" cap="none" dirty="0">
+                        <a:rPr lang="en-US" altLang="zh-TW" sz="1400" b="0" i="0" u="none" strike="noStrike">
                           <a:solidFill>
                             <a:srgbClr val="000000"/>
                           </a:solidFill>
                           <a:effectLst/>
                           <a:latin typeface="Times New Roman" panose="02020603050405020304" pitchFamily="18" charset="0"/>
-                          <a:ea typeface="+mn-ea"/>
+                          <a:ea typeface="新細明體" panose="02020500000000000000" pitchFamily="18" charset="-120"/>
                           <a:cs typeface="Times New Roman" panose="02020603050405020304" pitchFamily="18" charset="0"/>
-                          <a:sym typeface="Arial"/>
                         </a:rPr>
-                        <a:t>15.58333</a:t>
+                        <a:t>66</a:t>
+                      </a:r>
+                    </a:p>
+                  </a:txBody>
+                  <a:tcPr marL="9525" marR="9525" marT="9525" marB="0" anchor="ctr"/>
+                </a:tc>
+                <a:tc>
+                  <a:txBody>
+                    <a:bodyPr/>
+                    <a:lstStyle/>
+                    <a:p>
+                      <a:pPr algn="ctr" fontAlgn="ctr"/>
+                      <a:r>
+                        <a:rPr lang="en-US" altLang="zh-TW" sz="1400" b="0" i="0" u="none" strike="noStrike" dirty="0">
+                          <a:solidFill>
+                            <a:srgbClr val="000000"/>
+                          </a:solidFill>
+                          <a:effectLst/>
+                          <a:latin typeface="Times New Roman" panose="02020603050405020304" pitchFamily="18" charset="0"/>
+                          <a:ea typeface="新細明體" panose="02020500000000000000" pitchFamily="18" charset="-120"/>
+                          <a:cs typeface="Times New Roman" panose="02020603050405020304" pitchFamily="18" charset="0"/>
+                        </a:rPr>
+                        <a:t>12.55556</a:t>
                       </a:r>
                     </a:p>
                   </a:txBody>
@@ -14645,62 +14614,16 @@
                     <a:p>
                       <a:pPr algn="ctr" fontAlgn="ctr"/>
                       <a:r>
-                        <a:rPr lang="en-US" altLang="zh-TW" sz="1400" b="1" i="0" u="none" strike="noStrike" dirty="0" smtClean="0">
+                        <a:rPr lang="en-US" altLang="zh-TW" sz="1400" b="0" i="0" u="none" strike="noStrike">
                           <a:solidFill>
                             <a:srgbClr val="000000"/>
                           </a:solidFill>
                           <a:effectLst/>
                           <a:latin typeface="Times New Roman" panose="02020603050405020304" pitchFamily="18" charset="0"/>
-                          <a:ea typeface="+mn-ea"/>
+                          <a:ea typeface="新細明體" panose="02020500000000000000" pitchFamily="18" charset="-120"/>
                           <a:cs typeface="Times New Roman" panose="02020603050405020304" pitchFamily="18" charset="0"/>
                         </a:rPr>
-                        <a:t>0.019687</a:t>
-                      </a:r>
-                      <a:endParaRPr lang="en-US" altLang="zh-TW" sz="1400" b="1" i="0" u="none" strike="noStrike" dirty="0">
-                        <a:solidFill>
-                          <a:srgbClr val="000000"/>
-                        </a:solidFill>
-                        <a:effectLst/>
-                        <a:latin typeface="Times New Roman" panose="02020603050405020304" pitchFamily="18" charset="0"/>
-                        <a:ea typeface="+mn-ea"/>
-                        <a:cs typeface="Times New Roman" panose="02020603050405020304" pitchFamily="18" charset="0"/>
-                      </a:endParaRPr>
-                    </a:p>
-                  </a:txBody>
-                  <a:tcPr marL="9525" marR="9525" marT="9525" marB="0" anchor="ctr"/>
-                </a:tc>
-                <a:tc>
-                  <a:txBody>
-                    <a:bodyPr/>
-                    <a:lstStyle/>
-                    <a:p>
-                      <a:pPr marR="0" algn="ctr" rtl="0" fontAlgn="ctr">
-                        <a:lnSpc>
-                          <a:spcPct val="100000"/>
-                        </a:lnSpc>
-                        <a:spcBef>
-                          <a:spcPts val="0"/>
-                        </a:spcBef>
-                        <a:spcAft>
-                          <a:spcPts val="0"/>
-                        </a:spcAft>
-                        <a:buClr>
-                          <a:srgbClr val="000000"/>
-                        </a:buClr>
-                        <a:buFont typeface="Arial"/>
-                      </a:pPr>
-                      <a:r>
-                        <a:rPr lang="en-US" altLang="zh-TW" sz="1400" b="0" i="0" u="none" strike="noStrike" cap="none" dirty="0">
-                          <a:solidFill>
-                            <a:srgbClr val="000000"/>
-                          </a:solidFill>
-                          <a:effectLst/>
-                          <a:latin typeface="Times New Roman" panose="02020603050405020304" pitchFamily="18" charset="0"/>
-                          <a:ea typeface="+mn-ea"/>
-                          <a:cs typeface="Times New Roman" panose="02020603050405020304" pitchFamily="18" charset="0"/>
-                          <a:sym typeface="Arial"/>
-                        </a:rPr>
-                        <a:t>-0.00493</a:t>
+                        <a:t>0.067313</a:t>
                       </a:r>
                     </a:p>
                   </a:txBody>
@@ -14711,33 +14634,40 @@
                     <a:bodyPr/>
                     <a:lstStyle/>
                     <a:p>
-                      <a:pPr marR="0" algn="ctr" rtl="0" fontAlgn="ctr">
-                        <a:lnSpc>
-                          <a:spcPct val="100000"/>
-                        </a:lnSpc>
-                        <a:spcBef>
-                          <a:spcPts val="0"/>
-                        </a:spcBef>
-                        <a:spcAft>
-                          <a:spcPts val="0"/>
-                        </a:spcAft>
-                        <a:buClr>
-                          <a:srgbClr val="000000"/>
-                        </a:buClr>
-                        <a:buFont typeface="Arial"/>
-                      </a:pPr>
+                      <a:pPr algn="ctr" fontAlgn="ctr"/>
                       <a:r>
-                        <a:rPr lang="en-US" altLang="zh-TW" sz="1400" b="0" i="0" u="none" strike="noStrike" cap="none" dirty="0">
+                        <a:rPr lang="en-US" altLang="zh-TW" sz="1400" b="0" i="0" u="none" strike="noStrike">
                           <a:solidFill>
                             <a:srgbClr val="000000"/>
                           </a:solidFill>
                           <a:effectLst/>
                           <a:latin typeface="Times New Roman" panose="02020603050405020304" pitchFamily="18" charset="0"/>
-                          <a:ea typeface="+mn-ea"/>
+                          <a:ea typeface="新細明體" panose="02020500000000000000" pitchFamily="18" charset="-120"/>
                           <a:cs typeface="Times New Roman" panose="02020603050405020304" pitchFamily="18" charset="0"/>
-                          <a:sym typeface="Arial"/>
                         </a:rPr>
-                        <a:t>0.003921</a:t>
+                        <a:t>-0.04095</a:t>
+                      </a:r>
+                    </a:p>
+                  </a:txBody>
+                  <a:tcPr marL="9525" marR="9525" marT="9525" marB="0" anchor="ctr"/>
+                </a:tc>
+                <a:tc>
+                  <a:txBody>
+                    <a:bodyPr/>
+                    <a:lstStyle/>
+                    <a:p>
+                      <a:pPr algn="ctr" fontAlgn="ctr"/>
+                      <a:r>
+                        <a:rPr lang="en-US" altLang="zh-TW" sz="1400" b="1" i="0" u="none" strike="noStrike" dirty="0">
+                          <a:solidFill>
+                            <a:srgbClr val="000000"/>
+                          </a:solidFill>
+                          <a:effectLst/>
+                          <a:latin typeface="Times New Roman" panose="02020603050405020304" pitchFamily="18" charset="0"/>
+                          <a:ea typeface="新細明體" panose="02020500000000000000" pitchFamily="18" charset="-120"/>
+                          <a:cs typeface="Times New Roman" panose="02020603050405020304" pitchFamily="18" charset="0"/>
+                        </a:rPr>
+                        <a:t>0.109977</a:t>
                       </a:r>
                     </a:p>
                   </a:txBody>
@@ -14908,13 +14838,13 @@
               </a:ext>
             </a:extLst>
           </a:blip>
-          <a:srcRect b="47307"/>
+          <a:srcRect b="49933"/>
           <a:stretch/>
         </p:blipFill>
         <p:spPr>
           <a:xfrm>
-            <a:off x="637393" y="2466147"/>
-            <a:ext cx="7869214" cy="2334452"/>
+            <a:off x="848073" y="2398133"/>
+            <a:ext cx="7357492" cy="2476147"/>
           </a:xfrm>
           <a:prstGeom prst="rect">
             <a:avLst/>
@@ -15036,14 +14966,14 @@
           <p:nvPr>
             <p:extLst>
               <p:ext uri="{D42A27DB-BD31-4B8C-83A1-F6EECF244321}">
-                <p14:modId xmlns:p14="http://schemas.microsoft.com/office/powerpoint/2010/main" val="2019679111"/>
+                <p14:modId xmlns:p14="http://schemas.microsoft.com/office/powerpoint/2010/main" val="576065944"/>
               </p:ext>
             </p:extLst>
           </p:nvPr>
         </p:nvGraphicFramePr>
         <p:xfrm>
           <a:off x="503007" y="3681109"/>
-          <a:ext cx="3948547" cy="1246907"/>
+          <a:ext cx="3948547" cy="1062990"/>
         </p:xfrm>
         <a:graphic>
           <a:graphicData uri="http://schemas.openxmlformats.org/drawingml/2006/table">
@@ -15280,7 +15210,7 @@
                           <a:ea typeface="新細明體" panose="02020500000000000000" pitchFamily="18" charset="-120"/>
                           <a:cs typeface="Times New Roman" panose="02020603050405020304" pitchFamily="18" charset="0"/>
                         </a:rPr>
-                        <a:t>0.001022</a:t>
+                        <a:t>0.001471</a:t>
                       </a:r>
                     </a:p>
                   </a:txBody>
@@ -15303,7 +15233,7 @@
                     <a:p>
                       <a:pPr algn="ctr" fontAlgn="ctr"/>
                       <a:r>
-                        <a:rPr lang="en-US" altLang="zh-TW" sz="1100" b="0" i="0" u="none" strike="noStrike" dirty="0">
+                        <a:rPr lang="en-US" altLang="zh-TW" sz="1100" b="0" i="0" u="none" strike="noStrike">
                           <a:solidFill>
                             <a:srgbClr val="000000"/>
                           </a:solidFill>
@@ -15312,7 +15242,7 @@
                           <a:ea typeface="新細明體" panose="02020500000000000000" pitchFamily="18" charset="-120"/>
                           <a:cs typeface="Times New Roman" panose="02020603050405020304" pitchFamily="18" charset="0"/>
                         </a:rPr>
-                        <a:t>0.001081</a:t>
+                        <a:t>0.001585</a:t>
                       </a:r>
                     </a:p>
                   </a:txBody>
@@ -15344,7 +15274,7 @@
                           <a:ea typeface="新細明體" panose="02020500000000000000" pitchFamily="18" charset="-120"/>
                           <a:cs typeface="Times New Roman" panose="02020603050405020304" pitchFamily="18" charset="0"/>
                         </a:rPr>
-                        <a:t>0.000611</a:t>
+                        <a:t>0.00093</a:t>
                       </a:r>
                     </a:p>
                   </a:txBody>
@@ -15438,7 +15368,7 @@
                           <a:ea typeface="新細明體" panose="02020500000000000000" pitchFamily="18" charset="-120"/>
                           <a:cs typeface="Times New Roman" panose="02020603050405020304" pitchFamily="18" charset="0"/>
                         </a:rPr>
-                        <a:t>-0.02029</a:t>
+                        <a:t>-0.0227</a:t>
                       </a:r>
                     </a:p>
                   </a:txBody>
@@ -15460,7 +15390,7 @@
                           <a:ea typeface="新細明體" panose="02020500000000000000" pitchFamily="18" charset="-120"/>
                           <a:cs typeface="Times New Roman" panose="02020603050405020304" pitchFamily="18" charset="0"/>
                         </a:rPr>
-                        <a:t>-0.04575</a:t>
+                        <a:t>-0.04736</a:t>
                       </a:r>
                     </a:p>
                   </a:txBody>
@@ -15482,7 +15412,7 @@
                           <a:ea typeface="新細明體" panose="02020500000000000000" pitchFamily="18" charset="-120"/>
                           <a:cs typeface="Times New Roman" panose="02020603050405020304" pitchFamily="18" charset="0"/>
                         </a:rPr>
-                        <a:t>0.06648</a:t>
+                        <a:t>0.075074</a:t>
                       </a:r>
                     </a:p>
                   </a:txBody>
@@ -15491,134 +15421,6 @@
                 <a:extLst>
                   <a:ext uri="{0D108BD9-81ED-4DB2-BD59-A6C34878D82A}">
                     <a16:rowId xmlns:a16="http://schemas.microsoft.com/office/drawing/2014/main" val="10002"/>
-                  </a:ext>
-                </a:extLst>
-              </a:tr>
-              <a:tr h="183917">
-                <a:tc>
-                  <a:txBody>
-                    <a:bodyPr/>
-                    <a:lstStyle/>
-                    <a:p>
-                      <a:pPr algn="l" fontAlgn="ctr"/>
-                      <a:r>
-                        <a:rPr lang="en-US" sz="1100" b="0" i="0" u="none" strike="noStrike" dirty="0" err="1">
-                          <a:solidFill>
-                            <a:srgbClr val="000000"/>
-                          </a:solidFill>
-                          <a:effectLst/>
-                          <a:latin typeface="Times New Roman" panose="02020603050405020304" pitchFamily="18" charset="0"/>
-                          <a:ea typeface="新細明體" panose="02020500000000000000" pitchFamily="18" charset="-120"/>
-                          <a:cs typeface="Times New Roman" panose="02020603050405020304" pitchFamily="18" charset="0"/>
-                        </a:rPr>
-                        <a:t>VaR</a:t>
-                      </a:r>
-                      <a:r>
-                        <a:rPr lang="en-US" sz="1100" b="0" i="0" u="none" strike="noStrike" dirty="0">
-                          <a:solidFill>
-                            <a:srgbClr val="000000"/>
-                          </a:solidFill>
-                          <a:effectLst/>
-                          <a:latin typeface="Times New Roman" panose="02020603050405020304" pitchFamily="18" charset="0"/>
-                          <a:ea typeface="新細明體" panose="02020500000000000000" pitchFamily="18" charset="-120"/>
-                          <a:cs typeface="Times New Roman" panose="02020603050405020304" pitchFamily="18" charset="0"/>
-                        </a:rPr>
-                        <a:t> </a:t>
-                      </a:r>
-                      <a:r>
-                        <a:rPr lang="en-US" sz="1100" b="0" i="0" u="none" strike="noStrike" dirty="0" smtClean="0">
-                          <a:solidFill>
-                            <a:srgbClr val="000000"/>
-                          </a:solidFill>
-                          <a:effectLst/>
-                          <a:latin typeface="Times New Roman" panose="02020603050405020304" pitchFamily="18" charset="0"/>
-                          <a:ea typeface="新細明體" panose="02020500000000000000" pitchFamily="18" charset="-120"/>
-                          <a:cs typeface="Times New Roman" panose="02020603050405020304" pitchFamily="18" charset="0"/>
-                        </a:rPr>
-                        <a:t>Sharpe</a:t>
-                      </a:r>
-                      <a:endParaRPr lang="en-US" sz="1100" b="0" i="0" u="none" strike="noStrike" dirty="0">
-                        <a:solidFill>
-                          <a:srgbClr val="000000"/>
-                        </a:solidFill>
-                        <a:effectLst/>
-                        <a:latin typeface="Times New Roman" panose="02020603050405020304" pitchFamily="18" charset="0"/>
-                        <a:ea typeface="新細明體" panose="02020500000000000000" pitchFamily="18" charset="-120"/>
-                        <a:cs typeface="Times New Roman" panose="02020603050405020304" pitchFamily="18" charset="0"/>
-                      </a:endParaRPr>
-                    </a:p>
-                  </a:txBody>
-                  <a:tcPr marL="9525" marR="9525" marT="9525" marB="0" anchor="ctr"/>
-                </a:tc>
-                <a:tc>
-                  <a:txBody>
-                    <a:bodyPr/>
-                    <a:lstStyle/>
-                    <a:p>
-                      <a:pPr algn="ctr" fontAlgn="ctr"/>
-                      <a:r>
-                        <a:rPr lang="en-US" altLang="zh-TW" sz="1100" b="0" i="0" u="none" strike="noStrike" dirty="0">
-                          <a:solidFill>
-                            <a:srgbClr val="000000"/>
-                          </a:solidFill>
-                          <a:effectLst/>
-                          <a:latin typeface="Times New Roman" panose="02020603050405020304" pitchFamily="18" charset="0"/>
-                          <a:ea typeface="新細明體" panose="02020500000000000000" pitchFamily="18" charset="-120"/>
-                          <a:cs typeface="Times New Roman" panose="02020603050405020304" pitchFamily="18" charset="0"/>
-                        </a:rPr>
-                        <a:t>-0.01227</a:t>
-                      </a:r>
-                    </a:p>
-                  </a:txBody>
-                  <a:tcPr marL="9525" marR="9525" marT="9525" marB="0" anchor="ctr"/>
-                </a:tc>
-                <a:tc>
-                  <a:txBody>
-                    <a:bodyPr/>
-                    <a:lstStyle/>
-                    <a:p>
-                      <a:pPr algn="ctr" fontAlgn="ctr"/>
-                      <a:r>
-                        <a:rPr lang="en-US" altLang="zh-TW" sz="1100" b="0" i="0" u="none" strike="noStrike" dirty="0">
-                          <a:solidFill>
-                            <a:srgbClr val="000000"/>
-                          </a:solidFill>
-                          <a:effectLst/>
-                          <a:latin typeface="Times New Roman" panose="02020603050405020304" pitchFamily="18" charset="0"/>
-                          <a:ea typeface="新細明體" panose="02020500000000000000" pitchFamily="18" charset="-120"/>
-                          <a:cs typeface="Times New Roman" panose="02020603050405020304" pitchFamily="18" charset="0"/>
-                        </a:rPr>
-                        <a:t>-0.02611</a:t>
-                      </a:r>
-                    </a:p>
-                  </a:txBody>
-                  <a:tcPr marL="9525" marR="9525" marT="9525" marB="0" anchor="ctr"/>
-                </a:tc>
-                <a:tc>
-                  <a:txBody>
-                    <a:bodyPr/>
-                    <a:lstStyle/>
-                    <a:p>
-                      <a:pPr algn="ctr" fontAlgn="ctr"/>
-                      <a:r>
-                        <a:rPr lang="en-US" altLang="zh-TW" sz="1100" b="1" i="0" u="none" strike="noStrike" dirty="0">
-                          <a:solidFill>
-                            <a:srgbClr val="000000"/>
-                          </a:solidFill>
-                          <a:effectLst/>
-                          <a:latin typeface="Times New Roman" panose="02020603050405020304" pitchFamily="18" charset="0"/>
-                          <a:ea typeface="新細明體" panose="02020500000000000000" pitchFamily="18" charset="-120"/>
-                          <a:cs typeface="Times New Roman" panose="02020603050405020304" pitchFamily="18" charset="0"/>
-                        </a:rPr>
-                        <a:t>0.059302</a:t>
-                      </a:r>
-                    </a:p>
-                  </a:txBody>
-                  <a:tcPr marL="9525" marR="9525" marT="9525" marB="0" anchor="ctr"/>
-                </a:tc>
-                <a:extLst>
-                  <a:ext uri="{0D108BD9-81ED-4DB2-BD59-A6C34878D82A}">
-                    <a16:rowId xmlns:a16="http://schemas.microsoft.com/office/drawing/2014/main" val="10003"/>
                   </a:ext>
                 </a:extLst>
               </a:tr>
@@ -15673,7 +15475,7 @@
                     <a:p>
                       <a:pPr algn="ctr" fontAlgn="ctr"/>
                       <a:r>
-                        <a:rPr lang="en-US" altLang="zh-TW" sz="1100" b="0" i="0" u="none" strike="noStrike" dirty="0">
+                        <a:rPr lang="en-US" altLang="zh-TW" sz="1100" b="0" i="0" u="none" strike="noStrike">
                           <a:solidFill>
                             <a:srgbClr val="000000"/>
                           </a:solidFill>
@@ -15682,7 +15484,7 @@
                           <a:ea typeface="新細明體" panose="02020500000000000000" pitchFamily="18" charset="-120"/>
                           <a:cs typeface="Times New Roman" panose="02020603050405020304" pitchFamily="18" charset="0"/>
                         </a:rPr>
-                        <a:t>-0.00874</a:t>
+                        <a:t>-0.00972</a:t>
                       </a:r>
                     </a:p>
                   </a:txBody>
@@ -15704,7 +15506,7 @@
                           <a:ea typeface="新細明體" panose="02020500000000000000" pitchFamily="18" charset="-120"/>
                           <a:cs typeface="Times New Roman" panose="02020603050405020304" pitchFamily="18" charset="0"/>
                         </a:rPr>
-                        <a:t>-0.01897</a:t>
+                        <a:t>-0.01964</a:t>
                       </a:r>
                     </a:p>
                   </a:txBody>
@@ -15726,7 +15528,7 @@
                           <a:ea typeface="新細明體" panose="02020500000000000000" pitchFamily="18" charset="-120"/>
                           <a:cs typeface="Times New Roman" panose="02020603050405020304" pitchFamily="18" charset="0"/>
                         </a:rPr>
-                        <a:t>0.059302</a:t>
+                        <a:t>0.067789</a:t>
                       </a:r>
                     </a:p>
                   </a:txBody>
@@ -15801,7 +15603,7 @@
                     <a:p>
                       <a:pPr algn="ctr" fontAlgn="ctr"/>
                       <a:r>
-                        <a:rPr lang="en-US" sz="1100" b="0" i="0" u="none" strike="noStrike" dirty="0" err="1">
+                        <a:rPr lang="en-US" sz="1100" b="0" i="0" u="none" strike="noStrike">
                           <a:solidFill>
                             <a:srgbClr val="000000"/>
                           </a:solidFill>
@@ -15812,15 +15614,6 @@
                         </a:rPr>
                         <a:t>Inf</a:t>
                       </a:r>
-                      <a:endParaRPr lang="en-US" sz="1100" b="0" i="0" u="none" strike="noStrike" dirty="0">
-                        <a:solidFill>
-                          <a:srgbClr val="000000"/>
-                        </a:solidFill>
-                        <a:effectLst/>
-                        <a:latin typeface="Times New Roman" panose="02020603050405020304" pitchFamily="18" charset="0"/>
-                        <a:ea typeface="新細明體" panose="02020500000000000000" pitchFamily="18" charset="-120"/>
-                        <a:cs typeface="Times New Roman" panose="02020603050405020304" pitchFamily="18" charset="0"/>
-                      </a:endParaRPr>
                     </a:p>
                   </a:txBody>
                   <a:tcPr marL="9525" marR="9525" marT="9525" marB="0" anchor="ctr"/>
@@ -15832,7 +15625,7 @@
                     <a:p>
                       <a:pPr algn="ctr" fontAlgn="ctr"/>
                       <a:r>
-                        <a:rPr lang="en-US" sz="1100" b="0" i="0" u="none" strike="noStrike" dirty="0" err="1">
+                        <a:rPr lang="en-US" sz="1100" b="0" i="0" u="none" strike="noStrike">
                           <a:solidFill>
                             <a:srgbClr val="000000"/>
                           </a:solidFill>
@@ -15843,15 +15636,6 @@
                         </a:rPr>
                         <a:t>Inf</a:t>
                       </a:r>
-                      <a:endParaRPr lang="en-US" sz="1100" b="0" i="0" u="none" strike="noStrike" dirty="0">
-                        <a:solidFill>
-                          <a:srgbClr val="000000"/>
-                        </a:solidFill>
-                        <a:effectLst/>
-                        <a:latin typeface="Times New Roman" panose="02020603050405020304" pitchFamily="18" charset="0"/>
-                        <a:ea typeface="新細明體" panose="02020500000000000000" pitchFamily="18" charset="-120"/>
-                        <a:cs typeface="Times New Roman" panose="02020603050405020304" pitchFamily="18" charset="0"/>
-                      </a:endParaRPr>
                     </a:p>
                   </a:txBody>
                   <a:tcPr marL="9525" marR="9525" marT="9525" marB="0" anchor="ctr"/>
@@ -15863,7 +15647,7 @@
                     <a:p>
                       <a:pPr algn="ctr" fontAlgn="ctr"/>
                       <a:r>
-                        <a:rPr lang="en-US" altLang="zh-TW" sz="1100" b="0" i="0" u="none" strike="noStrike" dirty="0">
+                        <a:rPr lang="en-US" altLang="zh-TW" sz="1100" b="1" i="0" u="none" strike="noStrike" dirty="0">
                           <a:solidFill>
                             <a:srgbClr val="000000"/>
                           </a:solidFill>
@@ -15926,7 +15710,7 @@
                     <a:p>
                       <a:pPr algn="ctr" fontAlgn="ctr"/>
                       <a:r>
-                        <a:rPr lang="en-US" altLang="zh-TW" sz="1100" b="0" i="0" u="none" strike="noStrike" dirty="0">
+                        <a:rPr lang="en-US" altLang="zh-TW" sz="1100" b="0" i="0" u="none" strike="noStrike">
                           <a:solidFill>
                             <a:srgbClr val="000000"/>
                           </a:solidFill>
@@ -15935,7 +15719,7 @@
                           <a:ea typeface="新細明體" panose="02020500000000000000" pitchFamily="18" charset="-120"/>
                           <a:cs typeface="Times New Roman" panose="02020603050405020304" pitchFamily="18" charset="0"/>
                         </a:rPr>
-                        <a:t>-0.00331</a:t>
+                        <a:t>-0.01722</a:t>
                       </a:r>
                     </a:p>
                   </a:txBody>
@@ -15948,7 +15732,7 @@
                     <a:p>
                       <a:pPr algn="ctr" fontAlgn="ctr"/>
                       <a:r>
-                        <a:rPr lang="en-US" altLang="zh-TW" sz="1100" b="0" i="0" u="none" strike="noStrike" dirty="0">
+                        <a:rPr lang="en-US" altLang="zh-TW" sz="1100" b="0" i="0" u="none" strike="noStrike">
                           <a:solidFill>
                             <a:srgbClr val="000000"/>
                           </a:solidFill>
@@ -15957,7 +15741,7 @@
                           <a:ea typeface="新細明體" panose="02020500000000000000" pitchFamily="18" charset="-120"/>
                           <a:cs typeface="Times New Roman" panose="02020603050405020304" pitchFamily="18" charset="0"/>
                         </a:rPr>
-                        <a:t>-0.00771</a:t>
+                        <a:t>-0.03618</a:t>
                       </a:r>
                     </a:p>
                   </a:txBody>
@@ -15979,7 +15763,7 @@
                           <a:ea typeface="新細明體" panose="02020500000000000000" pitchFamily="18" charset="-120"/>
                           <a:cs typeface="Times New Roman" panose="02020603050405020304" pitchFamily="18" charset="0"/>
                         </a:rPr>
-                        <a:t>0.005907</a:t>
+                        <a:t>0.030539</a:t>
                       </a:r>
                     </a:p>
                   </a:txBody>
@@ -16011,13 +15795,13 @@
               </a:ext>
             </a:extLst>
           </a:blip>
-          <a:srcRect b="49570"/>
+          <a:srcRect b="48771"/>
           <a:stretch/>
         </p:blipFill>
         <p:spPr>
           <a:xfrm>
-            <a:off x="4788307" y="3733193"/>
-            <a:ext cx="4208332" cy="1194823"/>
+            <a:off x="4737683" y="3586636"/>
+            <a:ext cx="4178129" cy="1438785"/>
           </a:xfrm>
           <a:prstGeom prst="rect">
             <a:avLst/>
@@ -16045,7 +15829,7 @@
         </p:blipFill>
         <p:spPr>
           <a:xfrm>
-            <a:off x="362324" y="2371970"/>
+            <a:off x="362324" y="2364413"/>
             <a:ext cx="4375359" cy="1214666"/>
           </a:xfrm>
           <a:prstGeom prst="rect">
@@ -16282,243 +16066,6 @@
           <a:lstStyle/>
           <a:p>
             <a:r>
-              <a:rPr lang="zh-TW" altLang="zh-TW" dirty="0"/>
-              <a:t>Cumulative P</a:t>
-            </a:r>
-            <a:r>
-              <a:rPr lang="en-US" altLang="zh-TW" dirty="0"/>
-              <a:t>&amp;</a:t>
-            </a:r>
-            <a:r>
-              <a:rPr lang="zh-TW" altLang="zh-TW" dirty="0"/>
-              <a:t>L Curve</a:t>
-            </a:r>
-            <a:endParaRPr lang="zh-TW" altLang="en-US" dirty="0"/>
-          </a:p>
-        </p:txBody>
-      </p:sp>
-      <p:sp>
-        <p:nvSpPr>
-          <p:cNvPr id="3" name="文字版面配置區 2"/>
-          <p:cNvSpPr>
-            <a:spLocks noGrp="1"/>
-          </p:cNvSpPr>
-          <p:nvPr>
-            <p:ph type="body" idx="1"/>
-          </p:nvPr>
-        </p:nvSpPr>
-        <p:spPr/>
-        <p:txBody>
-          <a:bodyPr/>
-          <a:lstStyle/>
-          <a:p>
-            <a:endParaRPr lang="zh-TW" altLang="en-US" dirty="0"/>
-          </a:p>
-        </p:txBody>
-      </p:sp>
-      <p:pic>
-        <p:nvPicPr>
-          <p:cNvPr id="4" name="圖片 3"/>
-          <p:cNvPicPr>
-            <a:picLocks noChangeAspect="1"/>
-          </p:cNvPicPr>
-          <p:nvPr/>
-        </p:nvPicPr>
-        <p:blipFill rotWithShape="1">
-          <a:blip r:embed="rId2">
-            <a:extLst>
-              <a:ext uri="{28A0092B-C50C-407E-A947-70E740481C1C}">
-                <a14:useLocalDpi xmlns:a14="http://schemas.microsoft.com/office/drawing/2010/main" val="0"/>
-              </a:ext>
-            </a:extLst>
-          </a:blip>
-          <a:srcRect b="49570"/>
-          <a:stretch/>
-        </p:blipFill>
-        <p:spPr>
-          <a:xfrm>
-            <a:off x="1466994" y="1152475"/>
-            <a:ext cx="6210012" cy="1763137"/>
-          </a:xfrm>
-          <a:prstGeom prst="rect">
-            <a:avLst/>
-          </a:prstGeom>
-        </p:spPr>
-      </p:pic>
-      <p:pic>
-        <p:nvPicPr>
-          <p:cNvPr id="5" name="圖片 4"/>
-          <p:cNvPicPr>
-            <a:picLocks noChangeAspect="1"/>
-          </p:cNvPicPr>
-          <p:nvPr/>
-        </p:nvPicPr>
-        <p:blipFill rotWithShape="1">
-          <a:blip r:embed="rId3">
-            <a:extLst>
-              <a:ext uri="{28A0092B-C50C-407E-A947-70E740481C1C}">
-                <a14:useLocalDpi xmlns:a14="http://schemas.microsoft.com/office/drawing/2010/main" val="0"/>
-              </a:ext>
-            </a:extLst>
-          </a:blip>
-          <a:srcRect b="50689"/>
-          <a:stretch/>
-        </p:blipFill>
-        <p:spPr>
-          <a:xfrm>
-            <a:off x="1466994" y="3263342"/>
-            <a:ext cx="6211092" cy="1724293"/>
-          </a:xfrm>
-          <a:prstGeom prst="rect">
-            <a:avLst/>
-          </a:prstGeom>
-        </p:spPr>
-      </p:pic>
-      <p:sp>
-        <p:nvSpPr>
-          <p:cNvPr id="6" name="橢圓 5"/>
-          <p:cNvSpPr/>
-          <p:nvPr/>
-        </p:nvSpPr>
-        <p:spPr>
-          <a:xfrm>
-            <a:off x="6461256" y="3673498"/>
-            <a:ext cx="876615" cy="736505"/>
-          </a:xfrm>
-          <a:prstGeom prst="ellipse">
-            <a:avLst/>
-          </a:prstGeom>
-          <a:noFill/>
-        </p:spPr>
-        <p:style>
-          <a:lnRef idx="2">
-            <a:schemeClr val="accent1"/>
-          </a:lnRef>
-          <a:fillRef idx="1">
-            <a:schemeClr val="lt1"/>
-          </a:fillRef>
-          <a:effectRef idx="0">
-            <a:schemeClr val="accent1"/>
-          </a:effectRef>
-          <a:fontRef idx="minor">
-            <a:schemeClr val="dk1"/>
-          </a:fontRef>
-        </p:style>
-        <p:txBody>
-          <a:bodyPr rtlCol="0" anchor="ctr"/>
-          <a:lstStyle/>
-          <a:p>
-            <a:pPr algn="ctr"/>
-            <a:endParaRPr lang="zh-TW" altLang="en-US"/>
-          </a:p>
-        </p:txBody>
-      </p:sp>
-      <p:sp>
-        <p:nvSpPr>
-          <p:cNvPr id="7" name="矩形 6"/>
-          <p:cNvSpPr/>
-          <p:nvPr/>
-        </p:nvSpPr>
-        <p:spPr>
-          <a:xfrm>
-            <a:off x="5262166" y="3100849"/>
-            <a:ext cx="3425938" cy="307777"/>
-          </a:xfrm>
-          <a:prstGeom prst="rect">
-            <a:avLst/>
-          </a:prstGeom>
-        </p:spPr>
-        <p:txBody>
-          <a:bodyPr wrap="none">
-            <a:spAutoFit/>
-          </a:bodyPr>
-          <a:lstStyle/>
-          <a:p>
-            <a:r>
-              <a:rPr lang="en-US" altLang="zh-TW" dirty="0">
-                <a:ln w="0"/>
-                <a:solidFill>
-                  <a:schemeClr val="accent1"/>
-                </a:solidFill>
-                <a:effectLst>
-                  <a:outerShdw blurRad="38100" dist="25400" dir="5400000" algn="ctr" rotWithShape="0">
-                    <a:srgbClr val="6E747A">
-                      <a:alpha val="43000"/>
-                    </a:srgbClr>
-                  </a:outerShdw>
-                </a:effectLst>
-              </a:rPr>
-              <a:t>spread seems to be drift from equilibrium</a:t>
-            </a:r>
-            <a:endParaRPr lang="zh-TW" altLang="en-US" dirty="0">
-              <a:ln w="0"/>
-              <a:solidFill>
-                <a:schemeClr val="accent1"/>
-              </a:solidFill>
-              <a:effectLst>
-                <a:outerShdw blurRad="38100" dist="25400" dir="5400000" algn="ctr" rotWithShape="0">
-                  <a:srgbClr val="6E747A">
-                    <a:alpha val="43000"/>
-                  </a:srgbClr>
-                </a:outerShdw>
-              </a:effectLst>
-            </a:endParaRPr>
-          </a:p>
-        </p:txBody>
-      </p:sp>
-    </p:spTree>
-    <p:extLst>
-      <p:ext uri="{BB962C8B-B14F-4D97-AF65-F5344CB8AC3E}">
-        <p14:creationId xmlns:p14="http://schemas.microsoft.com/office/powerpoint/2010/main" val="1748163839"/>
-      </p:ext>
-    </p:extLst>
-  </p:cSld>
-  <p:clrMapOvr>
-    <a:masterClrMapping/>
-  </p:clrMapOvr>
-  <p:timing>
-    <p:tnLst>
-      <p:par>
-        <p:cTn id="1" dur="indefinite" restart="never" nodeType="tmRoot"/>
-      </p:par>
-    </p:tnLst>
-  </p:timing>
-</p:sld>
-</file>
-
-<file path=ppt/slides/slide29.xml><?xml version="1.0" encoding="utf-8"?>
-<p:sld xmlns:a="http://schemas.openxmlformats.org/drawingml/2006/main" xmlns:r="http://schemas.openxmlformats.org/officeDocument/2006/relationships" xmlns:p="http://schemas.openxmlformats.org/presentationml/2006/main">
-  <p:cSld>
-    <p:spTree>
-      <p:nvGrpSpPr>
-        <p:cNvPr id="1" name=""/>
-        <p:cNvGrpSpPr/>
-        <p:nvPr/>
-      </p:nvGrpSpPr>
-      <p:grpSpPr>
-        <a:xfrm>
-          <a:off x="0" y="0"/>
-          <a:ext cx="0" cy="0"/>
-          <a:chOff x="0" y="0"/>
-          <a:chExt cx="0" cy="0"/>
-        </a:xfrm>
-      </p:grpSpPr>
-      <p:sp>
-        <p:nvSpPr>
-          <p:cNvPr id="2" name="標題 1"/>
-          <p:cNvSpPr>
-            <a:spLocks noGrp="1"/>
-          </p:cNvSpPr>
-          <p:nvPr>
-            <p:ph type="title"/>
-          </p:nvPr>
-        </p:nvSpPr>
-        <p:spPr/>
-        <p:txBody>
-          <a:bodyPr/>
-          <a:lstStyle/>
-          <a:p>
-            <a:r>
               <a:rPr lang="en-US" altLang="zh-TW" dirty="0" smtClean="0"/>
               <a:t>Make rolling-LS more sensitive</a:t>
             </a:r>
@@ -16608,37 +16155,8 @@
         </p:blipFill>
         <p:spPr>
           <a:xfrm>
-            <a:off x="4617523" y="2356590"/>
-            <a:ext cx="4526477" cy="2548391"/>
-          </a:xfrm>
-          <a:prstGeom prst="rect">
-            <a:avLst/>
-          </a:prstGeom>
-        </p:spPr>
-      </p:pic>
-      <p:pic>
-        <p:nvPicPr>
-          <p:cNvPr id="5" name="圖片 4"/>
-          <p:cNvPicPr>
-            <a:picLocks noChangeAspect="1"/>
-          </p:cNvPicPr>
-          <p:nvPr/>
-        </p:nvPicPr>
-        <p:blipFill rotWithShape="1">
-          <a:blip r:embed="rId4">
-            <a:extLst>
-              <a:ext uri="{28A0092B-C50C-407E-A947-70E740481C1C}">
-                <a14:useLocalDpi xmlns:a14="http://schemas.microsoft.com/office/drawing/2010/main" val="0"/>
-              </a:ext>
-            </a:extLst>
-          </a:blip>
-          <a:srcRect b="49090"/>
-          <a:stretch/>
-        </p:blipFill>
-        <p:spPr>
-          <a:xfrm>
-            <a:off x="127273" y="2356590"/>
-            <a:ext cx="4626095" cy="1325929"/>
+            <a:off x="636733" y="2366726"/>
+            <a:ext cx="3973052" cy="2670683"/>
           </a:xfrm>
           <a:prstGeom prst="rect">
             <a:avLst/>
@@ -16652,14 +16170,14 @@
           <p:nvPr>
             <p:extLst>
               <p:ext uri="{D42A27DB-BD31-4B8C-83A1-F6EECF244321}">
-                <p14:modId xmlns:p14="http://schemas.microsoft.com/office/powerpoint/2010/main" val="434619115"/>
+                <p14:modId xmlns:p14="http://schemas.microsoft.com/office/powerpoint/2010/main" val="1087838420"/>
               </p:ext>
             </p:extLst>
           </p:nvPr>
         </p:nvGraphicFramePr>
         <p:xfrm>
-          <a:off x="546926" y="3682519"/>
-          <a:ext cx="3495126" cy="1240155"/>
+          <a:off x="5091468" y="3674962"/>
+          <a:ext cx="3323702" cy="1062990"/>
         </p:xfrm>
         <a:graphic>
           <a:graphicData uri="http://schemas.openxmlformats.org/drawingml/2006/table">
@@ -16682,7 +16200,7 @@
                     </a:ext>
                   </a:extLst>
                 </a:gridCol>
-                <a:gridCol w="804836">
+                <a:gridCol w="633412">
                   <a:extLst>
                     <a:ext uri="{9D8B030D-6E8A-4147-A177-3AD203B41FA5}">
                       <a16:colId xmlns:a16="http://schemas.microsoft.com/office/drawing/2014/main" val="20002"/>
@@ -16887,7 +16405,7 @@
                     <a:p>
                       <a:pPr algn="ctr" fontAlgn="ctr"/>
                       <a:r>
-                        <a:rPr lang="en-US" altLang="zh-TW" sz="1050" b="0" i="0" u="none" strike="noStrike" dirty="0">
+                        <a:rPr lang="en-US" altLang="zh-TW" sz="1100" b="0" i="0" u="none" strike="noStrike">
                           <a:solidFill>
                             <a:srgbClr val="000000"/>
                           </a:solidFill>
@@ -16896,7 +16414,7 @@
                           <a:ea typeface="新細明體" panose="02020500000000000000" pitchFamily="18" charset="-120"/>
                           <a:cs typeface="Times New Roman" panose="02020603050405020304" pitchFamily="18" charset="0"/>
                         </a:rPr>
-                        <a:t>0.001022</a:t>
+                        <a:t>0.001471</a:t>
                       </a:r>
                     </a:p>
                   </a:txBody>
@@ -16919,7 +16437,7 @@
                     <a:p>
                       <a:pPr algn="ctr" fontAlgn="ctr"/>
                       <a:r>
-                        <a:rPr lang="en-US" altLang="zh-TW" sz="1050" b="0" i="0" u="none" strike="noStrike">
+                        <a:rPr lang="en-US" altLang="zh-TW" sz="1100" b="0" i="0" u="none" strike="noStrike" dirty="0">
                           <a:solidFill>
                             <a:srgbClr val="000000"/>
                           </a:solidFill>
@@ -16928,7 +16446,7 @@
                           <a:ea typeface="新細明體" panose="02020500000000000000" pitchFamily="18" charset="-120"/>
                           <a:cs typeface="Times New Roman" panose="02020603050405020304" pitchFamily="18" charset="0"/>
                         </a:rPr>
-                        <a:t>0.000806</a:t>
+                        <a:t>0.001144</a:t>
                       </a:r>
                     </a:p>
                   </a:txBody>
@@ -16951,7 +16469,7 @@
                     <a:p>
                       <a:pPr algn="ctr" fontAlgn="ctr"/>
                       <a:r>
-                        <a:rPr lang="en-US" altLang="zh-TW" sz="1050" b="1" i="0" u="none" strike="noStrike" dirty="0">
+                        <a:rPr lang="en-US" altLang="zh-TW" sz="1100" b="1" i="0" u="none" strike="noStrike" dirty="0">
                           <a:solidFill>
                             <a:srgbClr val="000000"/>
                           </a:solidFill>
@@ -16960,7 +16478,7 @@
                           <a:ea typeface="新細明體" panose="02020500000000000000" pitchFamily="18" charset="-120"/>
                           <a:cs typeface="Times New Roman" panose="02020603050405020304" pitchFamily="18" charset="0"/>
                         </a:rPr>
-                        <a:t>0.000611</a:t>
+                        <a:t>0.00093</a:t>
                       </a:r>
                     </a:p>
                   </a:txBody>
@@ -17045,7 +16563,7 @@
                     <a:p>
                       <a:pPr algn="ctr" fontAlgn="ctr"/>
                       <a:r>
-                        <a:rPr lang="en-US" altLang="zh-TW" sz="1050" b="0" i="0" u="none" strike="noStrike" dirty="0">
+                        <a:rPr lang="en-US" altLang="zh-TW" sz="1100" b="0" i="0" u="none" strike="noStrike">
                           <a:solidFill>
                             <a:srgbClr val="000000"/>
                           </a:solidFill>
@@ -17054,7 +16572,7 @@
                           <a:ea typeface="新細明體" panose="02020500000000000000" pitchFamily="18" charset="-120"/>
                           <a:cs typeface="Times New Roman" panose="02020603050405020304" pitchFamily="18" charset="0"/>
                         </a:rPr>
-                        <a:t>-0.02029</a:t>
+                        <a:t>-0.0227</a:t>
                       </a:r>
                     </a:p>
                   </a:txBody>
@@ -17067,7 +16585,7 @@
                     <a:p>
                       <a:pPr algn="ctr" fontAlgn="ctr"/>
                       <a:r>
-                        <a:rPr lang="en-US" altLang="zh-TW" sz="1050" b="1" i="0" u="none" strike="noStrike" dirty="0">
+                        <a:rPr lang="en-US" altLang="zh-TW" sz="1100" b="1" i="0" u="none" strike="noStrike" dirty="0">
                           <a:solidFill>
                             <a:srgbClr val="000000"/>
                           </a:solidFill>
@@ -17076,7 +16594,7 @@
                           <a:ea typeface="新細明體" panose="02020500000000000000" pitchFamily="18" charset="-120"/>
                           <a:cs typeface="Times New Roman" panose="02020603050405020304" pitchFamily="18" charset="0"/>
                         </a:rPr>
-                        <a:t>0.121372</a:t>
+                        <a:t>0.129176</a:t>
                       </a:r>
                     </a:p>
                   </a:txBody>
@@ -17089,7 +16607,7 @@
                     <a:p>
                       <a:pPr algn="ctr" fontAlgn="ctr"/>
                       <a:r>
-                        <a:rPr lang="en-US" altLang="zh-TW" sz="1050" b="0" i="0" u="none" strike="noStrike">
+                        <a:rPr lang="en-US" altLang="zh-TW" sz="1100" b="0" i="0" u="none" strike="noStrike">
                           <a:solidFill>
                             <a:srgbClr val="000000"/>
                           </a:solidFill>
@@ -17098,7 +16616,7 @@
                           <a:ea typeface="新細明體" panose="02020500000000000000" pitchFamily="18" charset="-120"/>
                           <a:cs typeface="Times New Roman" panose="02020603050405020304" pitchFamily="18" charset="0"/>
                         </a:rPr>
-                        <a:t>0.06648</a:t>
+                        <a:t>0.075074</a:t>
                       </a:r>
                     </a:p>
                   </a:txBody>
@@ -17107,134 +16625,6 @@
                 <a:extLst>
                   <a:ext uri="{0D108BD9-81ED-4DB2-BD59-A6C34878D82A}">
                     <a16:rowId xmlns:a16="http://schemas.microsoft.com/office/drawing/2014/main" val="10002"/>
-                  </a:ext>
-                </a:extLst>
-              </a:tr>
-              <a:tr h="109561">
-                <a:tc>
-                  <a:txBody>
-                    <a:bodyPr/>
-                    <a:lstStyle/>
-                    <a:p>
-                      <a:pPr algn="l" fontAlgn="ctr"/>
-                      <a:r>
-                        <a:rPr lang="en-US" sz="1100" b="0" i="0" u="none" strike="noStrike" dirty="0" err="1">
-                          <a:solidFill>
-                            <a:srgbClr val="000000"/>
-                          </a:solidFill>
-                          <a:effectLst/>
-                          <a:latin typeface="Times New Roman" panose="02020603050405020304" pitchFamily="18" charset="0"/>
-                          <a:ea typeface="新細明體" panose="02020500000000000000" pitchFamily="18" charset="-120"/>
-                          <a:cs typeface="Times New Roman" panose="02020603050405020304" pitchFamily="18" charset="0"/>
-                        </a:rPr>
-                        <a:t>VaR</a:t>
-                      </a:r>
-                      <a:r>
-                        <a:rPr lang="en-US" sz="1100" b="0" i="0" u="none" strike="noStrike" dirty="0">
-                          <a:solidFill>
-                            <a:srgbClr val="000000"/>
-                          </a:solidFill>
-                          <a:effectLst/>
-                          <a:latin typeface="Times New Roman" panose="02020603050405020304" pitchFamily="18" charset="0"/>
-                          <a:ea typeface="新細明體" panose="02020500000000000000" pitchFamily="18" charset="-120"/>
-                          <a:cs typeface="Times New Roman" panose="02020603050405020304" pitchFamily="18" charset="0"/>
-                        </a:rPr>
-                        <a:t> </a:t>
-                      </a:r>
-                      <a:r>
-                        <a:rPr lang="en-US" sz="1100" b="0" i="0" u="none" strike="noStrike" dirty="0" smtClean="0">
-                          <a:solidFill>
-                            <a:srgbClr val="000000"/>
-                          </a:solidFill>
-                          <a:effectLst/>
-                          <a:latin typeface="Times New Roman" panose="02020603050405020304" pitchFamily="18" charset="0"/>
-                          <a:ea typeface="新細明體" panose="02020500000000000000" pitchFamily="18" charset="-120"/>
-                          <a:cs typeface="Times New Roman" panose="02020603050405020304" pitchFamily="18" charset="0"/>
-                        </a:rPr>
-                        <a:t>Sharpe</a:t>
-                      </a:r>
-                      <a:endParaRPr lang="en-US" sz="1100" b="0" i="0" u="none" strike="noStrike" dirty="0">
-                        <a:solidFill>
-                          <a:srgbClr val="000000"/>
-                        </a:solidFill>
-                        <a:effectLst/>
-                        <a:latin typeface="Times New Roman" panose="02020603050405020304" pitchFamily="18" charset="0"/>
-                        <a:ea typeface="新細明體" panose="02020500000000000000" pitchFamily="18" charset="-120"/>
-                        <a:cs typeface="Times New Roman" panose="02020603050405020304" pitchFamily="18" charset="0"/>
-                      </a:endParaRPr>
-                    </a:p>
-                  </a:txBody>
-                  <a:tcPr marL="9525" marR="9525" marT="9525" marB="0" anchor="ctr"/>
-                </a:tc>
-                <a:tc>
-                  <a:txBody>
-                    <a:bodyPr/>
-                    <a:lstStyle/>
-                    <a:p>
-                      <a:pPr algn="ctr" fontAlgn="ctr"/>
-                      <a:r>
-                        <a:rPr lang="en-US" altLang="zh-TW" sz="1050" b="0" i="0" u="none" strike="noStrike" dirty="0">
-                          <a:solidFill>
-                            <a:srgbClr val="000000"/>
-                          </a:solidFill>
-                          <a:effectLst/>
-                          <a:latin typeface="Times New Roman" panose="02020603050405020304" pitchFamily="18" charset="0"/>
-                          <a:ea typeface="新細明體" panose="02020500000000000000" pitchFamily="18" charset="-120"/>
-                          <a:cs typeface="Times New Roman" panose="02020603050405020304" pitchFamily="18" charset="0"/>
-                        </a:rPr>
-                        <a:t>-0.01227</a:t>
-                      </a:r>
-                    </a:p>
-                  </a:txBody>
-                  <a:tcPr marL="9525" marR="9525" marT="9525" marB="0" anchor="ctr"/>
-                </a:tc>
-                <a:tc>
-                  <a:txBody>
-                    <a:bodyPr/>
-                    <a:lstStyle/>
-                    <a:p>
-                      <a:pPr algn="ctr" fontAlgn="ctr"/>
-                      <a:r>
-                        <a:rPr lang="en-US" altLang="zh-TW" sz="1050" b="1" i="0" u="none" strike="noStrike" dirty="0">
-                          <a:solidFill>
-                            <a:srgbClr val="000000"/>
-                          </a:solidFill>
-                          <a:effectLst/>
-                          <a:latin typeface="Times New Roman" panose="02020603050405020304" pitchFamily="18" charset="0"/>
-                          <a:ea typeface="新細明體" panose="02020500000000000000" pitchFamily="18" charset="-120"/>
-                          <a:cs typeface="Times New Roman" panose="02020603050405020304" pitchFamily="18" charset="0"/>
-                        </a:rPr>
-                        <a:t>1.302548</a:t>
-                      </a:r>
-                    </a:p>
-                  </a:txBody>
-                  <a:tcPr marL="9525" marR="9525" marT="9525" marB="0" anchor="ctr"/>
-                </a:tc>
-                <a:tc>
-                  <a:txBody>
-                    <a:bodyPr/>
-                    <a:lstStyle/>
-                    <a:p>
-                      <a:pPr algn="ctr" fontAlgn="ctr"/>
-                      <a:r>
-                        <a:rPr lang="en-US" altLang="zh-TW" sz="1050" b="0" i="0" u="none" strike="noStrike">
-                          <a:solidFill>
-                            <a:srgbClr val="000000"/>
-                          </a:solidFill>
-                          <a:effectLst/>
-                          <a:latin typeface="Times New Roman" panose="02020603050405020304" pitchFamily="18" charset="0"/>
-                          <a:ea typeface="新細明體" panose="02020500000000000000" pitchFamily="18" charset="-120"/>
-                          <a:cs typeface="Times New Roman" panose="02020603050405020304" pitchFamily="18" charset="0"/>
-                        </a:rPr>
-                        <a:t>0.059302</a:t>
-                      </a:r>
-                    </a:p>
-                  </a:txBody>
-                  <a:tcPr marL="9525" marR="9525" marT="9525" marB="0" anchor="ctr"/>
-                </a:tc>
-                <a:extLst>
-                  <a:ext uri="{0D108BD9-81ED-4DB2-BD59-A6C34878D82A}">
-                    <a16:rowId xmlns:a16="http://schemas.microsoft.com/office/drawing/2014/main" val="10003"/>
                   </a:ext>
                 </a:extLst>
               </a:tr>
@@ -17289,7 +16679,7 @@
                     <a:p>
                       <a:pPr algn="ctr" fontAlgn="ctr"/>
                       <a:r>
-                        <a:rPr lang="en-US" altLang="zh-TW" sz="1050" b="0" i="0" u="none" strike="noStrike">
+                        <a:rPr lang="en-US" altLang="zh-TW" sz="1100" b="0" i="0" u="none" strike="noStrike">
                           <a:solidFill>
                             <a:srgbClr val="000000"/>
                           </a:solidFill>
@@ -17298,7 +16688,7 @@
                           <a:ea typeface="新細明體" panose="02020500000000000000" pitchFamily="18" charset="-120"/>
                           <a:cs typeface="Times New Roman" panose="02020603050405020304" pitchFamily="18" charset="0"/>
                         </a:rPr>
-                        <a:t>-0.00874</a:t>
+                        <a:t>-0.00972</a:t>
                       </a:r>
                     </a:p>
                   </a:txBody>
@@ -17311,7 +16701,7 @@
                     <a:p>
                       <a:pPr algn="ctr" fontAlgn="ctr"/>
                       <a:r>
-                        <a:rPr lang="en-US" altLang="zh-TW" sz="1050" b="0" i="0" u="none" strike="noStrike" dirty="0">
+                        <a:rPr lang="en-US" altLang="zh-TW" sz="1100" b="0" i="0" u="none" strike="noStrike" dirty="0">
                           <a:solidFill>
                             <a:srgbClr val="000000"/>
                           </a:solidFill>
@@ -17320,7 +16710,7 @@
                           <a:ea typeface="新細明體" panose="02020500000000000000" pitchFamily="18" charset="-120"/>
                           <a:cs typeface="Times New Roman" panose="02020603050405020304" pitchFamily="18" charset="0"/>
                         </a:rPr>
-                        <a:t>0.029292</a:t>
+                        <a:t>0.030789</a:t>
                       </a:r>
                     </a:p>
                   </a:txBody>
@@ -17333,7 +16723,7 @@
                     <a:p>
                       <a:pPr algn="ctr" fontAlgn="ctr"/>
                       <a:r>
-                        <a:rPr lang="en-US" altLang="zh-TW" sz="1050" b="1" i="0" u="none" strike="noStrike" dirty="0">
+                        <a:rPr lang="en-US" altLang="zh-TW" sz="1100" b="1" i="0" u="none" strike="noStrike" dirty="0">
                           <a:solidFill>
                             <a:srgbClr val="000000"/>
                           </a:solidFill>
@@ -17342,7 +16732,7 @@
                           <a:ea typeface="新細明體" panose="02020500000000000000" pitchFamily="18" charset="-120"/>
                           <a:cs typeface="Times New Roman" panose="02020603050405020304" pitchFamily="18" charset="0"/>
                         </a:rPr>
-                        <a:t>0.059302</a:t>
+                        <a:t>0.067789</a:t>
                       </a:r>
                     </a:p>
                   </a:txBody>
@@ -17417,7 +16807,7 @@
                     <a:p>
                       <a:pPr algn="ctr" fontAlgn="ctr"/>
                       <a:r>
-                        <a:rPr lang="en-US" sz="1050" b="0" i="0" u="none" strike="noStrike">
+                        <a:rPr lang="en-US" sz="1100" b="0" i="0" u="none" strike="noStrike">
                           <a:solidFill>
                             <a:srgbClr val="000000"/>
                           </a:solidFill>
@@ -17439,7 +16829,7 @@
                     <a:p>
                       <a:pPr algn="ctr" fontAlgn="ctr"/>
                       <a:r>
-                        <a:rPr lang="en-US" altLang="zh-TW" sz="1050" b="0" i="0" u="none" strike="noStrike" dirty="0">
+                        <a:rPr lang="en-US" altLang="zh-TW" sz="1100" b="0" i="0" u="none" strike="noStrike">
                           <a:solidFill>
                             <a:srgbClr val="000000"/>
                           </a:solidFill>
@@ -17448,7 +16838,7 @@
                           <a:ea typeface="新細明體" panose="02020500000000000000" pitchFamily="18" charset="-120"/>
                           <a:cs typeface="Times New Roman" panose="02020603050405020304" pitchFamily="18" charset="0"/>
                         </a:rPr>
-                        <a:t>7.6</a:t>
+                        <a:t>6.8</a:t>
                       </a:r>
                     </a:p>
                   </a:txBody>
@@ -17461,7 +16851,7 @@
                     <a:p>
                       <a:pPr algn="ctr" fontAlgn="ctr"/>
                       <a:r>
-                        <a:rPr lang="en-US" altLang="zh-TW" sz="1050" b="0" i="0" u="none" strike="noStrike" dirty="0">
+                        <a:rPr lang="en-US" altLang="zh-TW" sz="1100" b="0" i="0" u="none" strike="noStrike">
                           <a:solidFill>
                             <a:srgbClr val="000000"/>
                           </a:solidFill>
@@ -17524,7 +16914,7 @@
                     <a:p>
                       <a:pPr algn="ctr" fontAlgn="ctr"/>
                       <a:r>
-                        <a:rPr lang="en-US" altLang="zh-TW" sz="1050" b="0" i="0" u="none" strike="noStrike">
+                        <a:rPr lang="en-US" altLang="zh-TW" sz="1100" b="0" i="0" u="none" strike="noStrike">
                           <a:solidFill>
                             <a:srgbClr val="000000"/>
                           </a:solidFill>
@@ -17533,7 +16923,7 @@
                           <a:ea typeface="新細明體" panose="02020500000000000000" pitchFamily="18" charset="-120"/>
                           <a:cs typeface="Times New Roman" panose="02020603050405020304" pitchFamily="18" charset="0"/>
                         </a:rPr>
-                        <a:t>-0.00331</a:t>
+                        <a:t>-0.01722</a:t>
                       </a:r>
                     </a:p>
                   </a:txBody>
@@ -17546,7 +16936,7 @@
                     <a:p>
                       <a:pPr algn="ctr" fontAlgn="ctr"/>
                       <a:r>
-                        <a:rPr lang="en-US" altLang="zh-TW" sz="1050" b="1" i="0" u="none" strike="noStrike" dirty="0">
+                        <a:rPr lang="en-US" altLang="zh-TW" sz="1100" b="1" i="0" u="none" strike="noStrike" dirty="0">
                           <a:solidFill>
                             <a:srgbClr val="000000"/>
                           </a:solidFill>
@@ -17555,7 +16945,7 @@
                           <a:ea typeface="新細明體" panose="02020500000000000000" pitchFamily="18" charset="-120"/>
                           <a:cs typeface="Times New Roman" panose="02020603050405020304" pitchFamily="18" charset="0"/>
                         </a:rPr>
-                        <a:t>0.014262</a:t>
+                        <a:t>0.063944</a:t>
                       </a:r>
                     </a:p>
                   </a:txBody>
@@ -17568,7 +16958,7 @@
                     <a:p>
                       <a:pPr algn="ctr" fontAlgn="ctr"/>
                       <a:r>
-                        <a:rPr lang="en-US" altLang="zh-TW" sz="1050" b="0" i="0" u="none" strike="noStrike" dirty="0">
+                        <a:rPr lang="en-US" altLang="zh-TW" sz="1100" b="0" i="0" u="none" strike="noStrike" dirty="0">
                           <a:solidFill>
                             <a:srgbClr val="000000"/>
                           </a:solidFill>
@@ -17577,7 +16967,7 @@
                           <a:ea typeface="新細明體" panose="02020500000000000000" pitchFamily="18" charset="-120"/>
                           <a:cs typeface="Times New Roman" panose="02020603050405020304" pitchFamily="18" charset="0"/>
                         </a:rPr>
-                        <a:t>0.005907</a:t>
+                        <a:t>0.030539</a:t>
                       </a:r>
                     </a:p>
                   </a:txBody>
@@ -17593,6 +16983,35 @@
           </a:graphicData>
         </a:graphic>
       </p:graphicFrame>
+      <p:pic>
+        <p:nvPicPr>
+          <p:cNvPr id="7" name="圖片 6"/>
+          <p:cNvPicPr>
+            <a:picLocks noChangeAspect="1"/>
+          </p:cNvPicPr>
+          <p:nvPr/>
+        </p:nvPicPr>
+        <p:blipFill rotWithShape="1">
+          <a:blip r:embed="rId4">
+            <a:extLst>
+              <a:ext uri="{28A0092B-C50C-407E-A947-70E740481C1C}">
+                <a14:useLocalDpi xmlns:a14="http://schemas.microsoft.com/office/drawing/2010/main" val="0"/>
+              </a:ext>
+            </a:extLst>
+          </a:blip>
+          <a:srcRect b="51683"/>
+          <a:stretch/>
+        </p:blipFill>
+        <p:spPr>
+          <a:xfrm>
+            <a:off x="4752890" y="2323959"/>
+            <a:ext cx="3850288" cy="1250514"/>
+          </a:xfrm>
+          <a:prstGeom prst="rect">
+            <a:avLst/>
+          </a:prstGeom>
+        </p:spPr>
+      </p:pic>
     </p:spTree>
     <p:extLst>
       <p:ext uri="{BB962C8B-B14F-4D97-AF65-F5344CB8AC3E}">
@@ -17613,67 +17032,7 @@
 </p:sld>
 </file>
 
-<file path=ppt/slides/slide3.xml><?xml version="1.0" encoding="utf-8"?>
-<p:sld xmlns:a="http://schemas.openxmlformats.org/drawingml/2006/main" xmlns:r="http://schemas.openxmlformats.org/officeDocument/2006/relationships" xmlns:p="http://schemas.openxmlformats.org/presentationml/2006/main">
-  <p:cSld>
-    <p:spTree>
-      <p:nvGrpSpPr>
-        <p:cNvPr id="1" name=""/>
-        <p:cNvGrpSpPr/>
-        <p:nvPr/>
-      </p:nvGrpSpPr>
-      <p:grpSpPr>
-        <a:xfrm>
-          <a:off x="0" y="0"/>
-          <a:ext cx="0" cy="0"/>
-          <a:chOff x="0" y="0"/>
-          <a:chExt cx="0" cy="0"/>
-        </a:xfrm>
-      </p:grpSpPr>
-      <p:sp>
-        <p:nvSpPr>
-          <p:cNvPr id="4" name="標題 3"/>
-          <p:cNvSpPr>
-            <a:spLocks noGrp="1"/>
-          </p:cNvSpPr>
-          <p:nvPr>
-            <p:ph type="title"/>
-          </p:nvPr>
-        </p:nvSpPr>
-        <p:spPr/>
-        <p:txBody>
-          <a:bodyPr/>
-          <a:lstStyle/>
-          <a:p>
-            <a:r>
-              <a:rPr lang="en-US" altLang="zh-TW" dirty="0"/>
-              <a:t>Pair formation</a:t>
-            </a:r>
-            <a:endParaRPr lang="zh-TW" altLang="en-US" dirty="0"/>
-          </a:p>
-        </p:txBody>
-      </p:sp>
-    </p:spTree>
-    <p:extLst>
-      <p:ext uri="{BB962C8B-B14F-4D97-AF65-F5344CB8AC3E}">
-        <p14:creationId xmlns:p14="http://schemas.microsoft.com/office/powerpoint/2010/main" val="444295686"/>
-      </p:ext>
-    </p:extLst>
-  </p:cSld>
-  <p:clrMapOvr>
-    <a:masterClrMapping/>
-  </p:clrMapOvr>
-  <p:timing>
-    <p:tnLst>
-      <p:par>
-        <p:cTn id="1" dur="indefinite" restart="never" nodeType="tmRoot"/>
-      </p:par>
-    </p:tnLst>
-  </p:timing>
-</p:sld>
-</file>
-
-<file path=ppt/slides/slide30.xml><?xml version="1.0" encoding="utf-8"?>
+<file path=ppt/slides/slide29.xml><?xml version="1.0" encoding="utf-8"?>
 <p:sld xmlns:a="http://schemas.openxmlformats.org/drawingml/2006/main" xmlns:r="http://schemas.openxmlformats.org/officeDocument/2006/relationships" xmlns:p="http://schemas.openxmlformats.org/presentationml/2006/main">
   <p:cSld>
     <p:spTree>
@@ -17735,7 +17094,15 @@
           <a:p>
             <a:r>
               <a:rPr lang="en-US" altLang="zh-TW" dirty="0" smtClean="0"/>
-              <a:t>Here we can smooth the mean and variance for normalization to control the trading frequency.</a:t>
+              <a:t>Here we can </a:t>
+            </a:r>
+            <a:r>
+              <a:rPr lang="en-US" altLang="zh-TW" b="1" dirty="0" smtClean="0"/>
+              <a:t>smooth</a:t>
+            </a:r>
+            <a:r>
+              <a:rPr lang="en-US" altLang="zh-TW" dirty="0" smtClean="0"/>
+              <a:t> the mean and variance for normalization to control the trading frequency.</a:t>
             </a:r>
           </a:p>
           <a:p>
@@ -17803,7 +17170,67 @@
 </p:sld>
 </file>
 
-<file path=ppt/slides/slide31.xml><?xml version="1.0" encoding="utf-8"?>
+<file path=ppt/slides/slide3.xml><?xml version="1.0" encoding="utf-8"?>
+<p:sld xmlns:a="http://schemas.openxmlformats.org/drawingml/2006/main" xmlns:r="http://schemas.openxmlformats.org/officeDocument/2006/relationships" xmlns:p="http://schemas.openxmlformats.org/presentationml/2006/main">
+  <p:cSld>
+    <p:spTree>
+      <p:nvGrpSpPr>
+        <p:cNvPr id="1" name=""/>
+        <p:cNvGrpSpPr/>
+        <p:nvPr/>
+      </p:nvGrpSpPr>
+      <p:grpSpPr>
+        <a:xfrm>
+          <a:off x="0" y="0"/>
+          <a:ext cx="0" cy="0"/>
+          <a:chOff x="0" y="0"/>
+          <a:chExt cx="0" cy="0"/>
+        </a:xfrm>
+      </p:grpSpPr>
+      <p:sp>
+        <p:nvSpPr>
+          <p:cNvPr id="4" name="標題 3"/>
+          <p:cNvSpPr>
+            <a:spLocks noGrp="1"/>
+          </p:cNvSpPr>
+          <p:nvPr>
+            <p:ph type="title"/>
+          </p:nvPr>
+        </p:nvSpPr>
+        <p:spPr/>
+        <p:txBody>
+          <a:bodyPr/>
+          <a:lstStyle/>
+          <a:p>
+            <a:r>
+              <a:rPr lang="en-US" altLang="zh-TW" dirty="0"/>
+              <a:t>Pair formation</a:t>
+            </a:r>
+            <a:endParaRPr lang="zh-TW" altLang="en-US" dirty="0"/>
+          </a:p>
+        </p:txBody>
+      </p:sp>
+    </p:spTree>
+    <p:extLst>
+      <p:ext uri="{BB962C8B-B14F-4D97-AF65-F5344CB8AC3E}">
+        <p14:creationId xmlns:p14="http://schemas.microsoft.com/office/powerpoint/2010/main" val="444295686"/>
+      </p:ext>
+    </p:extLst>
+  </p:cSld>
+  <p:clrMapOvr>
+    <a:masterClrMapping/>
+  </p:clrMapOvr>
+  <p:timing>
+    <p:tnLst>
+      <p:par>
+        <p:cTn id="1" dur="indefinite" restart="never" nodeType="tmRoot"/>
+      </p:par>
+    </p:tnLst>
+  </p:timing>
+</p:sld>
+</file>
+
+<file path=ppt/slides/slide30.xml><?xml version="1.0" encoding="utf-8"?>
 <p:sld xmlns:a="http://schemas.openxmlformats.org/drawingml/2006/main" xmlns:r="http://schemas.openxmlformats.org/officeDocument/2006/relationships" xmlns:p="http://schemas.openxmlformats.org/presentationml/2006/main">
   <p:cSld>
     <p:spTree>
@@ -17979,7 +17406,7 @@
 </p:sld>
 </file>
 
-<file path=ppt/slides/slide32.xml><?xml version="1.0" encoding="utf-8"?>
+<file path=ppt/slides/slide31.xml><?xml version="1.0" encoding="utf-8"?>
 <p:sld xmlns:a="http://schemas.openxmlformats.org/drawingml/2006/main" xmlns:r="http://schemas.openxmlformats.org/officeDocument/2006/relationships" xmlns:p="http://schemas.openxmlformats.org/presentationml/2006/main">
   <p:cSld>
     <p:spTree>
@@ -18039,7 +17466,7 @@
 </p:sld>
 </file>
 
-<file path=ppt/slides/slide33.xml><?xml version="1.0" encoding="utf-8"?>
+<file path=ppt/slides/slide32.xml><?xml version="1.0" encoding="utf-8"?>
 <p:sld xmlns:a="http://schemas.openxmlformats.org/drawingml/2006/main" xmlns:r="http://schemas.openxmlformats.org/officeDocument/2006/relationships" xmlns:p="http://schemas.openxmlformats.org/presentationml/2006/main">
   <p:cSld>
     <p:spTree>
@@ -18184,7 +17611,6 @@
               <a:rPr lang="en-US" altLang="zh-TW" dirty="0" smtClean="0"/>
               <a:t>ow tracking frequency-&gt; hard to handle parameter shift-&gt; spread never revert</a:t>
             </a:r>
-            <a:endParaRPr lang="en-US" altLang="zh-TW" dirty="0" smtClean="0"/>
           </a:p>
           <a:p>
             <a:r>
@@ -18224,7 +17650,7 @@
 </p:sld>
 </file>
 
-<file path=ppt/slides/slide34.xml><?xml version="1.0" encoding="utf-8"?>
+<file path=ppt/slides/slide33.xml><?xml version="1.0" encoding="utf-8"?>
 <p:sld xmlns:a="http://schemas.openxmlformats.org/drawingml/2006/main" xmlns:r="http://schemas.openxmlformats.org/officeDocument/2006/relationships" xmlns:p="http://schemas.openxmlformats.org/presentationml/2006/main">
   <p:cSld>
     <p:spTree>
@@ -18427,20 +17853,16 @@
           </a:bodyPr>
           <a:lstStyle/>
           <a:p>
-            <a:pPr marL="0" lvl="0" indent="0" algn="l" rtl="0">
-              <a:spcBef>
-                <a:spcPts val="0"/>
-              </a:spcBef>
-              <a:spcAft>
-                <a:spcPts val="0"/>
-              </a:spcAft>
-              <a:buNone/>
-            </a:pPr>
-            <a:r>
-              <a:rPr lang="zh-TW"/>
-              <a:t>Pairs selection</a:t>
-            </a:r>
-            <a:endParaRPr/>
+            <a:pPr lvl="0"/>
+            <a:r>
+              <a:rPr lang="zh-TW" dirty="0"/>
+              <a:t>Pairs </a:t>
+            </a:r>
+            <a:r>
+              <a:rPr lang="en-US" altLang="zh-TW" dirty="0"/>
+              <a:t>formation</a:t>
+            </a:r>
+            <a:endParaRPr dirty="0"/>
           </a:p>
         </p:txBody>
       </p:sp>
@@ -18603,8 +18025,8 @@
           </a:p>
         </p:txBody>
       </p:sp>
-      <mc:AlternateContent xmlns:mc="http://schemas.openxmlformats.org/markup-compatibility/2006">
-        <mc:Choice xmlns:a14="http://schemas.microsoft.com/office/drawing/2010/main" Requires="a14">
+      <mc:AlternateContent xmlns:mc="http://schemas.openxmlformats.org/markup-compatibility/2006" xmlns:a14="http://schemas.microsoft.com/office/drawing/2010/main">
+        <mc:Choice Requires="a14">
           <p:sp>
             <p:nvSpPr>
               <p:cNvPr id="3" name="文字版面配置區 2"/>
@@ -18644,16 +18066,11 @@
                   <a:rPr lang="en-US" altLang="zh-TW" dirty="0" smtClean="0"/>
                   <a:t>trend.</a:t>
                 </a:r>
-                <a:endParaRPr lang="en-US" altLang="zh-TW" dirty="0" smtClean="0"/>
               </a:p>
               <a:p>
                 <a:r>
                   <a:rPr lang="en-US" altLang="zh-TW" dirty="0" smtClean="0"/>
-                  <a:t>Two </a:t>
-                </a:r>
-                <a:r>
-                  <a:rPr lang="en-US" altLang="zh-TW" dirty="0" smtClean="0"/>
-                  <a:t>non-stationary time series </a:t>
+                  <a:t>Two non-stationary time series </a:t>
                 </a:r>
                 <a14:m>
                   <m:oMath xmlns:m="http://schemas.openxmlformats.org/officeDocument/2006/math">
@@ -18865,7 +18282,7 @@
             </p:txBody>
           </p:sp>
         </mc:Choice>
-        <mc:Fallback>
+        <mc:Fallback xmlns="">
           <p:sp>
             <p:nvSpPr>
               <p:cNvPr id="3" name="文字版面配置區 2"/>
@@ -19299,7 +18716,13 @@
                           <a:rPr lang="en-US" altLang="zh-TW" sz="1600" b="0" i="1" smtClean="0">
                             <a:latin typeface="Cambria Math" panose="02040503050406030204" pitchFamily="18" charset="0"/>
                           </a:rPr>
-                          <m:t>−1</m:t>
+                          <m:t>−</m:t>
+                        </m:r>
+                        <m:r>
+                          <a:rPr lang="en-US" altLang="zh-TW" sz="1600" b="0" i="1" smtClean="0">
+                            <a:latin typeface="Cambria Math" panose="02040503050406030204" pitchFamily="18" charset="0"/>
+                          </a:rPr>
+                          <m:t>1</m:t>
                         </m:r>
                       </m:e>
                     </m:d>
@@ -19445,7 +18868,13 @@
                       <a:rPr lang="en-US" altLang="zh-TW" sz="2000" b="0" i="1" smtClean="0">
                         <a:latin typeface="Cambria Math" panose="02040503050406030204" pitchFamily="18" charset="0"/>
                       </a:rPr>
-                      <m:t>&lt;1</m:t>
+                      <m:t>&lt;</m:t>
+                    </m:r>
+                    <m:r>
+                      <a:rPr lang="en-US" altLang="zh-TW" sz="2000" b="0" i="1" smtClean="0">
+                        <a:latin typeface="Cambria Math" panose="02040503050406030204" pitchFamily="18" charset="0"/>
+                      </a:rPr>
+                      <m:t>1</m:t>
                     </m:r>
                   </m:oMath>
                 </a14:m>
